--- a/Food Supply and Death Attributed to Obesity.pptx
+++ b/Food Supply and Death Attributed to Obesity.pptx
@@ -5,19 +5,40 @@
     <p:sldMasterId id="2147483648" r:id="rId4"/>
   </p:sldMasterIdLst>
   <p:notesMasterIdLst>
-    <p:notesMasterId r:id="rId12"/>
+    <p:notesMasterId r:id="rId33"/>
   </p:notesMasterIdLst>
   <p:handoutMasterIdLst>
-    <p:handoutMasterId r:id="rId13"/>
+    <p:handoutMasterId r:id="rId34"/>
   </p:handoutMasterIdLst>
   <p:sldIdLst>
     <p:sldId id="256" r:id="rId5"/>
-    <p:sldId id="258" r:id="rId6"/>
-    <p:sldId id="268" r:id="rId7"/>
-    <p:sldId id="269" r:id="rId8"/>
-    <p:sldId id="271" r:id="rId9"/>
-    <p:sldId id="259" r:id="rId10"/>
-    <p:sldId id="260" r:id="rId11"/>
+    <p:sldId id="263" r:id="rId6"/>
+    <p:sldId id="258" r:id="rId7"/>
+    <p:sldId id="259" r:id="rId8"/>
+    <p:sldId id="260" r:id="rId9"/>
+    <p:sldId id="264" r:id="rId10"/>
+    <p:sldId id="261" r:id="rId11"/>
+    <p:sldId id="273" r:id="rId12"/>
+    <p:sldId id="262" r:id="rId13"/>
+    <p:sldId id="274" r:id="rId14"/>
+    <p:sldId id="275" r:id="rId15"/>
+    <p:sldId id="277" r:id="rId16"/>
+    <p:sldId id="276" r:id="rId17"/>
+    <p:sldId id="278" r:id="rId18"/>
+    <p:sldId id="279" r:id="rId19"/>
+    <p:sldId id="265" r:id="rId20"/>
+    <p:sldId id="269" r:id="rId21"/>
+    <p:sldId id="280" r:id="rId22"/>
+    <p:sldId id="282" r:id="rId23"/>
+    <p:sldId id="281" r:id="rId24"/>
+    <p:sldId id="266" r:id="rId25"/>
+    <p:sldId id="270" r:id="rId26"/>
+    <p:sldId id="283" r:id="rId27"/>
+    <p:sldId id="267" r:id="rId28"/>
+    <p:sldId id="271" r:id="rId29"/>
+    <p:sldId id="284" r:id="rId30"/>
+    <p:sldId id="268" r:id="rId31"/>
+    <p:sldId id="272" r:id="rId32"/>
   </p:sldIdLst>
   <p:sldSz cx="12188825" cy="6858000"/>
   <p:notesSz cx="6858000" cy="9144000"/>
@@ -149,6 +170,14 @@
 </p:presentation>
 </file>
 
+<file path=ppt/revisionInfo.xml><?xml version="1.0" encoding="utf-8"?>
+<p1510:revInfo xmlns:a="http://schemas.openxmlformats.org/drawingml/2006/main" xmlns:r="http://schemas.openxmlformats.org/officeDocument/2006/relationships" xmlns:p1510="http://schemas.microsoft.com/office/powerpoint/2015/10/main">
+  <p1510:revLst>
+    <p1510:client id="{FF732D79-CA21-4845-BACE-DFDD3B0FB27C}" v="55" dt="2023-12-17T17:12:53.419"/>
+  </p1510:revLst>
+</p1510:revInfo>
+</file>
+
 <file path=ppt/changesInfos/changesInfo1.xml><?xml version="1.0" encoding="utf-8"?>
 <pc:chgInfo xmlns:a="http://schemas.openxmlformats.org/drawingml/2006/main" xmlns:r="http://schemas.openxmlformats.org/officeDocument/2006/relationships" xmlns:ac="http://schemas.microsoft.com/office/drawing/2013/main/command" xmlns:pc="http://schemas.microsoft.com/office/powerpoint/2013/main/command">
   <pc:docChgLst>
@@ -211,3968 +240,808 @@
       </pc:sldChg>
     </pc:docChg>
   </pc:docChgLst>
+  <pc:docChgLst>
+    <pc:chgData name="Ken Ye" userId="f83821d1-7357-4244-918d-fd05f8efe6cd" providerId="ADAL" clId="{FF732D79-CA21-4845-BACE-DFDD3B0FB27C}"/>
+    <pc:docChg chg="undo custSel addSld delSld modSld">
+      <pc:chgData name="Ken Ye" userId="f83821d1-7357-4244-918d-fd05f8efe6cd" providerId="ADAL" clId="{FF732D79-CA21-4845-BACE-DFDD3B0FB27C}" dt="2023-12-17T17:24:01.979" v="1200" actId="20577"/>
+      <pc:docMkLst>
+        <pc:docMk/>
+      </pc:docMkLst>
+      <pc:sldChg chg="modSp mod">
+        <pc:chgData name="Ken Ye" userId="f83821d1-7357-4244-918d-fd05f8efe6cd" providerId="ADAL" clId="{FF732D79-CA21-4845-BACE-DFDD3B0FB27C}" dt="2023-12-17T16:14:45.179" v="5" actId="20577"/>
+        <pc:sldMkLst>
+          <pc:docMk/>
+          <pc:sldMk cId="2801835050" sldId="256"/>
+        </pc:sldMkLst>
+        <pc:spChg chg="mod">
+          <ac:chgData name="Ken Ye" userId="f83821d1-7357-4244-918d-fd05f8efe6cd" providerId="ADAL" clId="{FF732D79-CA21-4845-BACE-DFDD3B0FB27C}" dt="2023-12-17T16:14:45.179" v="5" actId="20577"/>
+          <ac:spMkLst>
+            <pc:docMk/>
+            <pc:sldMk cId="2801835050" sldId="256"/>
+            <ac:spMk id="2" creationId="{00000000-0000-0000-0000-000000000000}"/>
+          </ac:spMkLst>
+        </pc:spChg>
+      </pc:sldChg>
+      <pc:sldChg chg="modSp mod">
+        <pc:chgData name="Ken Ye" userId="f83821d1-7357-4244-918d-fd05f8efe6cd" providerId="ADAL" clId="{FF732D79-CA21-4845-BACE-DFDD3B0FB27C}" dt="2023-12-17T16:35:48.961" v="295" actId="20577"/>
+        <pc:sldMkLst>
+          <pc:docMk/>
+          <pc:sldMk cId="2041341814" sldId="258"/>
+        </pc:sldMkLst>
+        <pc:spChg chg="mod">
+          <ac:chgData name="Ken Ye" userId="f83821d1-7357-4244-918d-fd05f8efe6cd" providerId="ADAL" clId="{FF732D79-CA21-4845-BACE-DFDD3B0FB27C}" dt="2023-12-17T16:28:27.435" v="121" actId="20577"/>
+          <ac:spMkLst>
+            <pc:docMk/>
+            <pc:sldMk cId="2041341814" sldId="258"/>
+            <ac:spMk id="5" creationId="{00000000-0000-0000-0000-000000000000}"/>
+          </ac:spMkLst>
+        </pc:spChg>
+        <pc:spChg chg="mod">
+          <ac:chgData name="Ken Ye" userId="f83821d1-7357-4244-918d-fd05f8efe6cd" providerId="ADAL" clId="{FF732D79-CA21-4845-BACE-DFDD3B0FB27C}" dt="2023-12-17T16:35:48.961" v="295" actId="20577"/>
+          <ac:spMkLst>
+            <pc:docMk/>
+            <pc:sldMk cId="2041341814" sldId="258"/>
+            <ac:spMk id="6" creationId="{00000000-0000-0000-0000-000000000000}"/>
+          </ac:spMkLst>
+        </pc:spChg>
+      </pc:sldChg>
+      <pc:sldChg chg="modSp add mod">
+        <pc:chgData name="Ken Ye" userId="f83821d1-7357-4244-918d-fd05f8efe6cd" providerId="ADAL" clId="{FF732D79-CA21-4845-BACE-DFDD3B0FB27C}" dt="2023-12-17T16:29:51.741" v="202" actId="20577"/>
+        <pc:sldMkLst>
+          <pc:docMk/>
+          <pc:sldMk cId="143875680" sldId="259"/>
+        </pc:sldMkLst>
+        <pc:spChg chg="mod">
+          <ac:chgData name="Ken Ye" userId="f83821d1-7357-4244-918d-fd05f8efe6cd" providerId="ADAL" clId="{FF732D79-CA21-4845-BACE-DFDD3B0FB27C}" dt="2023-12-17T16:29:06.426" v="171" actId="20577"/>
+          <ac:spMkLst>
+            <pc:docMk/>
+            <pc:sldMk cId="143875680" sldId="259"/>
+            <ac:spMk id="5" creationId="{00000000-0000-0000-0000-000000000000}"/>
+          </ac:spMkLst>
+        </pc:spChg>
+        <pc:spChg chg="mod">
+          <ac:chgData name="Ken Ye" userId="f83821d1-7357-4244-918d-fd05f8efe6cd" providerId="ADAL" clId="{FF732D79-CA21-4845-BACE-DFDD3B0FB27C}" dt="2023-12-17T16:29:51.741" v="202" actId="20577"/>
+          <ac:spMkLst>
+            <pc:docMk/>
+            <pc:sldMk cId="143875680" sldId="259"/>
+            <ac:spMk id="6" creationId="{00000000-0000-0000-0000-000000000000}"/>
+          </ac:spMkLst>
+        </pc:spChg>
+      </pc:sldChg>
+      <pc:sldChg chg="del">
+        <pc:chgData name="Ken Ye" userId="f83821d1-7357-4244-918d-fd05f8efe6cd" providerId="ADAL" clId="{FF732D79-CA21-4845-BACE-DFDD3B0FB27C}" dt="2023-12-17T16:19:14.082" v="7" actId="2696"/>
+        <pc:sldMkLst>
+          <pc:docMk/>
+          <pc:sldMk cId="289063348" sldId="259"/>
+        </pc:sldMkLst>
+      </pc:sldChg>
+      <pc:sldChg chg="addSp delSp modSp add mod">
+        <pc:chgData name="Ken Ye" userId="f83821d1-7357-4244-918d-fd05f8efe6cd" providerId="ADAL" clId="{FF732D79-CA21-4845-BACE-DFDD3B0FB27C}" dt="2023-12-17T16:36:29.167" v="297" actId="22"/>
+        <pc:sldMkLst>
+          <pc:docMk/>
+          <pc:sldMk cId="521018274" sldId="260"/>
+        </pc:sldMkLst>
+        <pc:spChg chg="add del">
+          <ac:chgData name="Ken Ye" userId="f83821d1-7357-4244-918d-fd05f8efe6cd" providerId="ADAL" clId="{FF732D79-CA21-4845-BACE-DFDD3B0FB27C}" dt="2023-12-17T16:36:29.167" v="297" actId="22"/>
+          <ac:spMkLst>
+            <pc:docMk/>
+            <pc:sldMk cId="521018274" sldId="260"/>
+            <ac:spMk id="3" creationId="{F06759B0-B1D0-D778-E87C-C740ACB44407}"/>
+          </ac:spMkLst>
+        </pc:spChg>
+        <pc:spChg chg="mod">
+          <ac:chgData name="Ken Ye" userId="f83821d1-7357-4244-918d-fd05f8efe6cd" providerId="ADAL" clId="{FF732D79-CA21-4845-BACE-DFDD3B0FB27C}" dt="2023-12-17T16:31:42.794" v="255" actId="20577"/>
+          <ac:spMkLst>
+            <pc:docMk/>
+            <pc:sldMk cId="521018274" sldId="260"/>
+            <ac:spMk id="5" creationId="{00000000-0000-0000-0000-000000000000}"/>
+          </ac:spMkLst>
+        </pc:spChg>
+        <pc:spChg chg="mod">
+          <ac:chgData name="Ken Ye" userId="f83821d1-7357-4244-918d-fd05f8efe6cd" providerId="ADAL" clId="{FF732D79-CA21-4845-BACE-DFDD3B0FB27C}" dt="2023-12-17T16:35:12.633" v="293" actId="20577"/>
+          <ac:spMkLst>
+            <pc:docMk/>
+            <pc:sldMk cId="521018274" sldId="260"/>
+            <ac:spMk id="6" creationId="{00000000-0000-0000-0000-000000000000}"/>
+          </ac:spMkLst>
+        </pc:spChg>
+      </pc:sldChg>
+      <pc:sldChg chg="del">
+        <pc:chgData name="Ken Ye" userId="f83821d1-7357-4244-918d-fd05f8efe6cd" providerId="ADAL" clId="{FF732D79-CA21-4845-BACE-DFDD3B0FB27C}" dt="2023-12-17T16:19:14.072" v="6" actId="2696"/>
+        <pc:sldMkLst>
+          <pc:docMk/>
+          <pc:sldMk cId="2891628767" sldId="260"/>
+        </pc:sldMkLst>
+      </pc:sldChg>
+      <pc:sldChg chg="modSp add mod">
+        <pc:chgData name="Ken Ye" userId="f83821d1-7357-4244-918d-fd05f8efe6cd" providerId="ADAL" clId="{FF732D79-CA21-4845-BACE-DFDD3B0FB27C}" dt="2023-12-17T16:39:36.427" v="428" actId="20577"/>
+        <pc:sldMkLst>
+          <pc:docMk/>
+          <pc:sldMk cId="4085045314" sldId="261"/>
+        </pc:sldMkLst>
+        <pc:spChg chg="mod">
+          <ac:chgData name="Ken Ye" userId="f83821d1-7357-4244-918d-fd05f8efe6cd" providerId="ADAL" clId="{FF732D79-CA21-4845-BACE-DFDD3B0FB27C}" dt="2023-12-17T16:39:36.427" v="428" actId="20577"/>
+          <ac:spMkLst>
+            <pc:docMk/>
+            <pc:sldMk cId="4085045314" sldId="261"/>
+            <ac:spMk id="5" creationId="{00000000-0000-0000-0000-000000000000}"/>
+          </ac:spMkLst>
+        </pc:spChg>
+        <pc:spChg chg="mod">
+          <ac:chgData name="Ken Ye" userId="f83821d1-7357-4244-918d-fd05f8efe6cd" providerId="ADAL" clId="{FF732D79-CA21-4845-BACE-DFDD3B0FB27C}" dt="2023-12-17T16:39:26.597" v="412" actId="27636"/>
+          <ac:spMkLst>
+            <pc:docMk/>
+            <pc:sldMk cId="4085045314" sldId="261"/>
+            <ac:spMk id="6" creationId="{00000000-0000-0000-0000-000000000000}"/>
+          </ac:spMkLst>
+        </pc:spChg>
+      </pc:sldChg>
+      <pc:sldChg chg="modSp add mod">
+        <pc:chgData name="Ken Ye" userId="f83821d1-7357-4244-918d-fd05f8efe6cd" providerId="ADAL" clId="{FF732D79-CA21-4845-BACE-DFDD3B0FB27C}" dt="2023-12-17T16:40:49.775" v="453" actId="20577"/>
+        <pc:sldMkLst>
+          <pc:docMk/>
+          <pc:sldMk cId="3694156307" sldId="262"/>
+        </pc:sldMkLst>
+        <pc:spChg chg="mod">
+          <ac:chgData name="Ken Ye" userId="f83821d1-7357-4244-918d-fd05f8efe6cd" providerId="ADAL" clId="{FF732D79-CA21-4845-BACE-DFDD3B0FB27C}" dt="2023-12-17T16:40:49.775" v="453" actId="20577"/>
+          <ac:spMkLst>
+            <pc:docMk/>
+            <pc:sldMk cId="3694156307" sldId="262"/>
+            <ac:spMk id="5" creationId="{00000000-0000-0000-0000-000000000000}"/>
+          </ac:spMkLst>
+        </pc:spChg>
+        <pc:spChg chg="mod">
+          <ac:chgData name="Ken Ye" userId="f83821d1-7357-4244-918d-fd05f8efe6cd" providerId="ADAL" clId="{FF732D79-CA21-4845-BACE-DFDD3B0FB27C}" dt="2023-12-17T16:40:38.565" v="450" actId="12"/>
+          <ac:spMkLst>
+            <pc:docMk/>
+            <pc:sldMk cId="3694156307" sldId="262"/>
+            <ac:spMk id="6" creationId="{00000000-0000-0000-0000-000000000000}"/>
+          </ac:spMkLst>
+        </pc:spChg>
+      </pc:sldChg>
+      <pc:sldChg chg="addSp delSp modSp new mod modClrScheme chgLayout">
+        <pc:chgData name="Ken Ye" userId="f83821d1-7357-4244-918d-fd05f8efe6cd" providerId="ADAL" clId="{FF732D79-CA21-4845-BACE-DFDD3B0FB27C}" dt="2023-12-17T16:31:14.107" v="220" actId="478"/>
+        <pc:sldMkLst>
+          <pc:docMk/>
+          <pc:sldMk cId="3164299219" sldId="263"/>
+        </pc:sldMkLst>
+        <pc:spChg chg="mod">
+          <ac:chgData name="Ken Ye" userId="f83821d1-7357-4244-918d-fd05f8efe6cd" providerId="ADAL" clId="{FF732D79-CA21-4845-BACE-DFDD3B0FB27C}" dt="2023-12-17T16:31:10.863" v="219" actId="26606"/>
+          <ac:spMkLst>
+            <pc:docMk/>
+            <pc:sldMk cId="3164299219" sldId="263"/>
+            <ac:spMk id="2" creationId="{52317987-65F3-5E85-D989-11B7BB1EFFC9}"/>
+          </ac:spMkLst>
+        </pc:spChg>
+        <pc:spChg chg="del">
+          <ac:chgData name="Ken Ye" userId="f83821d1-7357-4244-918d-fd05f8efe6cd" providerId="ADAL" clId="{FF732D79-CA21-4845-BACE-DFDD3B0FB27C}" dt="2023-12-17T16:30:32.178" v="204" actId="478"/>
+          <ac:spMkLst>
+            <pc:docMk/>
+            <pc:sldMk cId="3164299219" sldId="263"/>
+            <ac:spMk id="3" creationId="{97E04546-9426-7521-9CAE-E1E9F53156BF}"/>
+          </ac:spMkLst>
+        </pc:spChg>
+        <pc:spChg chg="add del mod">
+          <ac:chgData name="Ken Ye" userId="f83821d1-7357-4244-918d-fd05f8efe6cd" providerId="ADAL" clId="{FF732D79-CA21-4845-BACE-DFDD3B0FB27C}" dt="2023-12-17T16:31:10.860" v="218" actId="26606"/>
+          <ac:spMkLst>
+            <pc:docMk/>
+            <pc:sldMk cId="3164299219" sldId="263"/>
+            <ac:spMk id="7" creationId="{F5C589A0-860C-F8E1-5956-E068F409B9E1}"/>
+          </ac:spMkLst>
+        </pc:spChg>
+        <pc:spChg chg="add del mod">
+          <ac:chgData name="Ken Ye" userId="f83821d1-7357-4244-918d-fd05f8efe6cd" providerId="ADAL" clId="{FF732D79-CA21-4845-BACE-DFDD3B0FB27C}" dt="2023-12-17T16:31:14.107" v="220" actId="478"/>
+          <ac:spMkLst>
+            <pc:docMk/>
+            <pc:sldMk cId="3164299219" sldId="263"/>
+            <ac:spMk id="9" creationId="{31064305-1B33-4B47-910C-FAFFC566D064}"/>
+          </ac:spMkLst>
+        </pc:spChg>
+      </pc:sldChg>
+      <pc:sldChg chg="new del">
+        <pc:chgData name="Ken Ye" userId="f83821d1-7357-4244-918d-fd05f8efe6cd" providerId="ADAL" clId="{FF732D79-CA21-4845-BACE-DFDD3B0FB27C}" dt="2023-12-17T16:19:38.465" v="18" actId="680"/>
+        <pc:sldMkLst>
+          <pc:docMk/>
+          <pc:sldMk cId="3326122186" sldId="263"/>
+        </pc:sldMkLst>
+      </pc:sldChg>
+      <pc:sldChg chg="new del">
+        <pc:chgData name="Ken Ye" userId="f83821d1-7357-4244-918d-fd05f8efe6cd" providerId="ADAL" clId="{FF732D79-CA21-4845-BACE-DFDD3B0FB27C}" dt="2023-12-17T16:19:45.937" v="20" actId="2696"/>
+        <pc:sldMkLst>
+          <pc:docMk/>
+          <pc:sldMk cId="4108596711" sldId="263"/>
+        </pc:sldMkLst>
+      </pc:sldChg>
+      <pc:sldChg chg="modSp add mod">
+        <pc:chgData name="Ken Ye" userId="f83821d1-7357-4244-918d-fd05f8efe6cd" providerId="ADAL" clId="{FF732D79-CA21-4845-BACE-DFDD3B0FB27C}" dt="2023-12-17T16:36:36.955" v="302" actId="20577"/>
+        <pc:sldMkLst>
+          <pc:docMk/>
+          <pc:sldMk cId="1513245066" sldId="264"/>
+        </pc:sldMkLst>
+        <pc:spChg chg="mod">
+          <ac:chgData name="Ken Ye" userId="f83821d1-7357-4244-918d-fd05f8efe6cd" providerId="ADAL" clId="{FF732D79-CA21-4845-BACE-DFDD3B0FB27C}" dt="2023-12-17T16:36:36.955" v="302" actId="20577"/>
+          <ac:spMkLst>
+            <pc:docMk/>
+            <pc:sldMk cId="1513245066" sldId="264"/>
+            <ac:spMk id="2" creationId="{52317987-65F3-5E85-D989-11B7BB1EFFC9}"/>
+          </ac:spMkLst>
+        </pc:spChg>
+      </pc:sldChg>
+      <pc:sldChg chg="modSp add mod">
+        <pc:chgData name="Ken Ye" userId="f83821d1-7357-4244-918d-fd05f8efe6cd" providerId="ADAL" clId="{FF732D79-CA21-4845-BACE-DFDD3B0FB27C}" dt="2023-12-17T16:36:53.064" v="315" actId="20577"/>
+        <pc:sldMkLst>
+          <pc:docMk/>
+          <pc:sldMk cId="1699289723" sldId="265"/>
+        </pc:sldMkLst>
+        <pc:spChg chg="mod">
+          <ac:chgData name="Ken Ye" userId="f83821d1-7357-4244-918d-fd05f8efe6cd" providerId="ADAL" clId="{FF732D79-CA21-4845-BACE-DFDD3B0FB27C}" dt="2023-12-17T16:36:53.064" v="315" actId="20577"/>
+          <ac:spMkLst>
+            <pc:docMk/>
+            <pc:sldMk cId="1699289723" sldId="265"/>
+            <ac:spMk id="2" creationId="{52317987-65F3-5E85-D989-11B7BB1EFFC9}"/>
+          </ac:spMkLst>
+        </pc:spChg>
+      </pc:sldChg>
+      <pc:sldChg chg="modSp add mod">
+        <pc:chgData name="Ken Ye" userId="f83821d1-7357-4244-918d-fd05f8efe6cd" providerId="ADAL" clId="{FF732D79-CA21-4845-BACE-DFDD3B0FB27C}" dt="2023-12-17T16:37:02.584" v="324" actId="20577"/>
+        <pc:sldMkLst>
+          <pc:docMk/>
+          <pc:sldMk cId="2176034194" sldId="266"/>
+        </pc:sldMkLst>
+        <pc:spChg chg="mod">
+          <ac:chgData name="Ken Ye" userId="f83821d1-7357-4244-918d-fd05f8efe6cd" providerId="ADAL" clId="{FF732D79-CA21-4845-BACE-DFDD3B0FB27C}" dt="2023-12-17T16:37:02.584" v="324" actId="20577"/>
+          <ac:spMkLst>
+            <pc:docMk/>
+            <pc:sldMk cId="2176034194" sldId="266"/>
+            <ac:spMk id="2" creationId="{52317987-65F3-5E85-D989-11B7BB1EFFC9}"/>
+          </ac:spMkLst>
+        </pc:spChg>
+      </pc:sldChg>
+      <pc:sldChg chg="modSp add mod">
+        <pc:chgData name="Ken Ye" userId="f83821d1-7357-4244-918d-fd05f8efe6cd" providerId="ADAL" clId="{FF732D79-CA21-4845-BACE-DFDD3B0FB27C}" dt="2023-12-17T16:37:20.705" v="340" actId="20577"/>
+        <pc:sldMkLst>
+          <pc:docMk/>
+          <pc:sldMk cId="252691454" sldId="267"/>
+        </pc:sldMkLst>
+        <pc:spChg chg="mod">
+          <ac:chgData name="Ken Ye" userId="f83821d1-7357-4244-918d-fd05f8efe6cd" providerId="ADAL" clId="{FF732D79-CA21-4845-BACE-DFDD3B0FB27C}" dt="2023-12-17T16:37:20.705" v="340" actId="20577"/>
+          <ac:spMkLst>
+            <pc:docMk/>
+            <pc:sldMk cId="252691454" sldId="267"/>
+            <ac:spMk id="2" creationId="{52317987-65F3-5E85-D989-11B7BB1EFFC9}"/>
+          </ac:spMkLst>
+        </pc:spChg>
+      </pc:sldChg>
+      <pc:sldChg chg="new del">
+        <pc:chgData name="Ken Ye" userId="f83821d1-7357-4244-918d-fd05f8efe6cd" providerId="ADAL" clId="{FF732D79-CA21-4845-BACE-DFDD3B0FB27C}" dt="2023-12-17T16:37:11.965" v="326" actId="680"/>
+        <pc:sldMkLst>
+          <pc:docMk/>
+          <pc:sldMk cId="1605735508" sldId="267"/>
+        </pc:sldMkLst>
+      </pc:sldChg>
+      <pc:sldChg chg="del">
+        <pc:chgData name="Ken Ye" userId="f83821d1-7357-4244-918d-fd05f8efe6cd" providerId="ADAL" clId="{FF732D79-CA21-4845-BACE-DFDD3B0FB27C}" dt="2023-12-17T16:19:14.665" v="10" actId="2696"/>
+        <pc:sldMkLst>
+          <pc:docMk/>
+          <pc:sldMk cId="424641335" sldId="268"/>
+        </pc:sldMkLst>
+      </pc:sldChg>
+      <pc:sldChg chg="modSp add mod">
+        <pc:chgData name="Ken Ye" userId="f83821d1-7357-4244-918d-fd05f8efe6cd" providerId="ADAL" clId="{FF732D79-CA21-4845-BACE-DFDD3B0FB27C}" dt="2023-12-17T16:37:36.802" v="355" actId="20577"/>
+        <pc:sldMkLst>
+          <pc:docMk/>
+          <pc:sldMk cId="3700684961" sldId="268"/>
+        </pc:sldMkLst>
+        <pc:spChg chg="mod">
+          <ac:chgData name="Ken Ye" userId="f83821d1-7357-4244-918d-fd05f8efe6cd" providerId="ADAL" clId="{FF732D79-CA21-4845-BACE-DFDD3B0FB27C}" dt="2023-12-17T16:37:36.802" v="355" actId="20577"/>
+          <ac:spMkLst>
+            <pc:docMk/>
+            <pc:sldMk cId="3700684961" sldId="268"/>
+            <ac:spMk id="2" creationId="{52317987-65F3-5E85-D989-11B7BB1EFFC9}"/>
+          </ac:spMkLst>
+        </pc:spChg>
+      </pc:sldChg>
+      <pc:sldChg chg="del">
+        <pc:chgData name="Ken Ye" userId="f83821d1-7357-4244-918d-fd05f8efe6cd" providerId="ADAL" clId="{FF732D79-CA21-4845-BACE-DFDD3B0FB27C}" dt="2023-12-17T16:19:14.411" v="9" actId="2696"/>
+        <pc:sldMkLst>
+          <pc:docMk/>
+          <pc:sldMk cId="3980665089" sldId="269"/>
+        </pc:sldMkLst>
+      </pc:sldChg>
+      <pc:sldChg chg="modSp add mod">
+        <pc:chgData name="Ken Ye" userId="f83821d1-7357-4244-918d-fd05f8efe6cd" providerId="ADAL" clId="{FF732D79-CA21-4845-BACE-DFDD3B0FB27C}" dt="2023-12-17T17:00:36.348" v="816" actId="27636"/>
+        <pc:sldMkLst>
+          <pc:docMk/>
+          <pc:sldMk cId="3983191860" sldId="269"/>
+        </pc:sldMkLst>
+        <pc:spChg chg="mod">
+          <ac:chgData name="Ken Ye" userId="f83821d1-7357-4244-918d-fd05f8efe6cd" providerId="ADAL" clId="{FF732D79-CA21-4845-BACE-DFDD3B0FB27C}" dt="2023-12-17T16:57:15.926" v="731" actId="20577"/>
+          <ac:spMkLst>
+            <pc:docMk/>
+            <pc:sldMk cId="3983191860" sldId="269"/>
+            <ac:spMk id="5" creationId="{00000000-0000-0000-0000-000000000000}"/>
+          </ac:spMkLst>
+        </pc:spChg>
+        <pc:spChg chg="mod">
+          <ac:chgData name="Ken Ye" userId="f83821d1-7357-4244-918d-fd05f8efe6cd" providerId="ADAL" clId="{FF732D79-CA21-4845-BACE-DFDD3B0FB27C}" dt="2023-12-17T17:00:36.348" v="816" actId="27636"/>
+          <ac:spMkLst>
+            <pc:docMk/>
+            <pc:sldMk cId="3983191860" sldId="269"/>
+            <ac:spMk id="6" creationId="{00000000-0000-0000-0000-000000000000}"/>
+          </ac:spMkLst>
+        </pc:spChg>
+      </pc:sldChg>
+      <pc:sldChg chg="addSp delSp modSp add mod">
+        <pc:chgData name="Ken Ye" userId="f83821d1-7357-4244-918d-fd05f8efe6cd" providerId="ADAL" clId="{FF732D79-CA21-4845-BACE-DFDD3B0FB27C}" dt="2023-12-17T17:13:02.104" v="1009" actId="27614"/>
+        <pc:sldMkLst>
+          <pc:docMk/>
+          <pc:sldMk cId="2898007255" sldId="270"/>
+        </pc:sldMkLst>
+        <pc:spChg chg="mod">
+          <ac:chgData name="Ken Ye" userId="f83821d1-7357-4244-918d-fd05f8efe6cd" providerId="ADAL" clId="{FF732D79-CA21-4845-BACE-DFDD3B0FB27C}" dt="2023-12-17T17:12:59.591" v="1008" actId="26606"/>
+          <ac:spMkLst>
+            <pc:docMk/>
+            <pc:sldMk cId="2898007255" sldId="270"/>
+            <ac:spMk id="5" creationId="{00000000-0000-0000-0000-000000000000}"/>
+          </ac:spMkLst>
+        </pc:spChg>
+        <pc:spChg chg="del">
+          <ac:chgData name="Ken Ye" userId="f83821d1-7357-4244-918d-fd05f8efe6cd" providerId="ADAL" clId="{FF732D79-CA21-4845-BACE-DFDD3B0FB27C}" dt="2023-12-17T17:12:53.419" v="1006"/>
+          <ac:spMkLst>
+            <pc:docMk/>
+            <pc:sldMk cId="2898007255" sldId="270"/>
+            <ac:spMk id="6" creationId="{00000000-0000-0000-0000-000000000000}"/>
+          </ac:spMkLst>
+        </pc:spChg>
+        <pc:picChg chg="add mod">
+          <ac:chgData name="Ken Ye" userId="f83821d1-7357-4244-918d-fd05f8efe6cd" providerId="ADAL" clId="{FF732D79-CA21-4845-BACE-DFDD3B0FB27C}" dt="2023-12-17T17:13:02.104" v="1009" actId="27614"/>
+          <ac:picMkLst>
+            <pc:docMk/>
+            <pc:sldMk cId="2898007255" sldId="270"/>
+            <ac:picMk id="2" creationId="{C219933B-67BC-515B-33BB-677A7A5EC0E5}"/>
+          </ac:picMkLst>
+        </pc:picChg>
+      </pc:sldChg>
+      <pc:sldChg chg="modSp add mod">
+        <pc:chgData name="Ken Ye" userId="f83821d1-7357-4244-918d-fd05f8efe6cd" providerId="ADAL" clId="{FF732D79-CA21-4845-BACE-DFDD3B0FB27C}" dt="2023-12-17T17:22:23.052" v="1169" actId="20577"/>
+        <pc:sldMkLst>
+          <pc:docMk/>
+          <pc:sldMk cId="2464061973" sldId="271"/>
+        </pc:sldMkLst>
+        <pc:spChg chg="mod">
+          <ac:chgData name="Ken Ye" userId="f83821d1-7357-4244-918d-fd05f8efe6cd" providerId="ADAL" clId="{FF732D79-CA21-4845-BACE-DFDD3B0FB27C}" dt="2023-12-17T17:22:03.422" v="1160" actId="20577"/>
+          <ac:spMkLst>
+            <pc:docMk/>
+            <pc:sldMk cId="2464061973" sldId="271"/>
+            <ac:spMk id="5" creationId="{00000000-0000-0000-0000-000000000000}"/>
+          </ac:spMkLst>
+        </pc:spChg>
+        <pc:spChg chg="mod">
+          <ac:chgData name="Ken Ye" userId="f83821d1-7357-4244-918d-fd05f8efe6cd" providerId="ADAL" clId="{FF732D79-CA21-4845-BACE-DFDD3B0FB27C}" dt="2023-12-17T17:22:23.052" v="1169" actId="20577"/>
+          <ac:spMkLst>
+            <pc:docMk/>
+            <pc:sldMk cId="2464061973" sldId="271"/>
+            <ac:spMk id="6" creationId="{00000000-0000-0000-0000-000000000000}"/>
+          </ac:spMkLst>
+        </pc:spChg>
+      </pc:sldChg>
+      <pc:sldChg chg="del">
+        <pc:chgData name="Ken Ye" userId="f83821d1-7357-4244-918d-fd05f8efe6cd" providerId="ADAL" clId="{FF732D79-CA21-4845-BACE-DFDD3B0FB27C}" dt="2023-12-17T16:19:14.156" v="8" actId="2696"/>
+        <pc:sldMkLst>
+          <pc:docMk/>
+          <pc:sldMk cId="2490618232" sldId="271"/>
+        </pc:sldMkLst>
+      </pc:sldChg>
+      <pc:sldChg chg="modSp add mod">
+        <pc:chgData name="Ken Ye" userId="f83821d1-7357-4244-918d-fd05f8efe6cd" providerId="ADAL" clId="{FF732D79-CA21-4845-BACE-DFDD3B0FB27C}" dt="2023-12-17T16:38:19.278" v="381" actId="20577"/>
+        <pc:sldMkLst>
+          <pc:docMk/>
+          <pc:sldMk cId="270184597" sldId="272"/>
+        </pc:sldMkLst>
+        <pc:spChg chg="mod">
+          <ac:chgData name="Ken Ye" userId="f83821d1-7357-4244-918d-fd05f8efe6cd" providerId="ADAL" clId="{FF732D79-CA21-4845-BACE-DFDD3B0FB27C}" dt="2023-12-17T16:38:19.278" v="381" actId="20577"/>
+          <ac:spMkLst>
+            <pc:docMk/>
+            <pc:sldMk cId="270184597" sldId="272"/>
+            <ac:spMk id="5" creationId="{00000000-0000-0000-0000-000000000000}"/>
+          </ac:spMkLst>
+        </pc:spChg>
+        <pc:spChg chg="mod">
+          <ac:chgData name="Ken Ye" userId="f83821d1-7357-4244-918d-fd05f8efe6cd" providerId="ADAL" clId="{FF732D79-CA21-4845-BACE-DFDD3B0FB27C}" dt="2023-12-17T16:38:15.172" v="370" actId="20577"/>
+          <ac:spMkLst>
+            <pc:docMk/>
+            <pc:sldMk cId="270184597" sldId="272"/>
+            <ac:spMk id="6" creationId="{00000000-0000-0000-0000-000000000000}"/>
+          </ac:spMkLst>
+        </pc:spChg>
+      </pc:sldChg>
+      <pc:sldChg chg="modSp new mod">
+        <pc:chgData name="Ken Ye" userId="f83821d1-7357-4244-918d-fd05f8efe6cd" providerId="ADAL" clId="{FF732D79-CA21-4845-BACE-DFDD3B0FB27C}" dt="2023-12-17T16:40:17.862" v="447" actId="27636"/>
+        <pc:sldMkLst>
+          <pc:docMk/>
+          <pc:sldMk cId="3387729889" sldId="273"/>
+        </pc:sldMkLst>
+        <pc:spChg chg="mod">
+          <ac:chgData name="Ken Ye" userId="f83821d1-7357-4244-918d-fd05f8efe6cd" providerId="ADAL" clId="{FF732D79-CA21-4845-BACE-DFDD3B0FB27C}" dt="2023-12-17T16:39:56.439" v="432" actId="20577"/>
+          <ac:spMkLst>
+            <pc:docMk/>
+            <pc:sldMk cId="3387729889" sldId="273"/>
+            <ac:spMk id="2" creationId="{5172F65C-4A63-3882-0818-519F3B3F40D0}"/>
+          </ac:spMkLst>
+        </pc:spChg>
+        <pc:spChg chg="mod">
+          <ac:chgData name="Ken Ye" userId="f83821d1-7357-4244-918d-fd05f8efe6cd" providerId="ADAL" clId="{FF732D79-CA21-4845-BACE-DFDD3B0FB27C}" dt="2023-12-17T16:40:17.862" v="447" actId="27636"/>
+          <ac:spMkLst>
+            <pc:docMk/>
+            <pc:sldMk cId="3387729889" sldId="273"/>
+            <ac:spMk id="3" creationId="{359BFF2C-247A-50D5-5995-4CECCACDE299}"/>
+          </ac:spMkLst>
+        </pc:spChg>
+      </pc:sldChg>
+      <pc:sldChg chg="modSp new mod">
+        <pc:chgData name="Ken Ye" userId="f83821d1-7357-4244-918d-fd05f8efe6cd" providerId="ADAL" clId="{FF732D79-CA21-4845-BACE-DFDD3B0FB27C}" dt="2023-12-17T16:43:49.836" v="497" actId="20577"/>
+        <pc:sldMkLst>
+          <pc:docMk/>
+          <pc:sldMk cId="244603489" sldId="274"/>
+        </pc:sldMkLst>
+        <pc:spChg chg="mod">
+          <ac:chgData name="Ken Ye" userId="f83821d1-7357-4244-918d-fd05f8efe6cd" providerId="ADAL" clId="{FF732D79-CA21-4845-BACE-DFDD3B0FB27C}" dt="2023-12-17T16:41:02.395" v="456" actId="20577"/>
+          <ac:spMkLst>
+            <pc:docMk/>
+            <pc:sldMk cId="244603489" sldId="274"/>
+            <ac:spMk id="2" creationId="{271D8E3E-CF7F-B1E1-34A3-39A485DE4E0B}"/>
+          </ac:spMkLst>
+        </pc:spChg>
+        <pc:spChg chg="mod">
+          <ac:chgData name="Ken Ye" userId="f83821d1-7357-4244-918d-fd05f8efe6cd" providerId="ADAL" clId="{FF732D79-CA21-4845-BACE-DFDD3B0FB27C}" dt="2023-12-17T16:43:49.836" v="497" actId="20577"/>
+          <ac:spMkLst>
+            <pc:docMk/>
+            <pc:sldMk cId="244603489" sldId="274"/>
+            <ac:spMk id="3" creationId="{29F06D48-0A31-6160-34B1-1C33ED413B29}"/>
+          </ac:spMkLst>
+        </pc:spChg>
+      </pc:sldChg>
+      <pc:sldChg chg="modSp new mod">
+        <pc:chgData name="Ken Ye" userId="f83821d1-7357-4244-918d-fd05f8efe6cd" providerId="ADAL" clId="{FF732D79-CA21-4845-BACE-DFDD3B0FB27C}" dt="2023-12-17T16:45:17.822" v="528" actId="20577"/>
+        <pc:sldMkLst>
+          <pc:docMk/>
+          <pc:sldMk cId="2587267387" sldId="275"/>
+        </pc:sldMkLst>
+        <pc:spChg chg="mod">
+          <ac:chgData name="Ken Ye" userId="f83821d1-7357-4244-918d-fd05f8efe6cd" providerId="ADAL" clId="{FF732D79-CA21-4845-BACE-DFDD3B0FB27C}" dt="2023-12-17T16:44:05.568" v="499"/>
+          <ac:spMkLst>
+            <pc:docMk/>
+            <pc:sldMk cId="2587267387" sldId="275"/>
+            <ac:spMk id="2" creationId="{EF6FF037-4E89-0FC8-8828-076D96E3EFAB}"/>
+          </ac:spMkLst>
+        </pc:spChg>
+        <pc:spChg chg="mod">
+          <ac:chgData name="Ken Ye" userId="f83821d1-7357-4244-918d-fd05f8efe6cd" providerId="ADAL" clId="{FF732D79-CA21-4845-BACE-DFDD3B0FB27C}" dt="2023-12-17T16:45:17.822" v="528" actId="20577"/>
+          <ac:spMkLst>
+            <pc:docMk/>
+            <pc:sldMk cId="2587267387" sldId="275"/>
+            <ac:spMk id="3" creationId="{F3ED9DE9-2EEC-B86B-0DBF-158CEF0DFDF9}"/>
+          </ac:spMkLst>
+        </pc:spChg>
+      </pc:sldChg>
+      <pc:sldChg chg="addSp delSp modSp new mod">
+        <pc:chgData name="Ken Ye" userId="f83821d1-7357-4244-918d-fd05f8efe6cd" providerId="ADAL" clId="{FF732D79-CA21-4845-BACE-DFDD3B0FB27C}" dt="2023-12-17T16:50:18.185" v="633" actId="1076"/>
+        <pc:sldMkLst>
+          <pc:docMk/>
+          <pc:sldMk cId="2187505139" sldId="276"/>
+        </pc:sldMkLst>
+        <pc:spChg chg="mod">
+          <ac:chgData name="Ken Ye" userId="f83821d1-7357-4244-918d-fd05f8efe6cd" providerId="ADAL" clId="{FF732D79-CA21-4845-BACE-DFDD3B0FB27C}" dt="2023-12-17T16:49:58.200" v="628" actId="20577"/>
+          <ac:spMkLst>
+            <pc:docMk/>
+            <pc:sldMk cId="2187505139" sldId="276"/>
+            <ac:spMk id="2" creationId="{DB4C0736-C8E6-A81F-5EC2-7D96F1A2A779}"/>
+          </ac:spMkLst>
+        </pc:spChg>
+        <pc:spChg chg="add del mod">
+          <ac:chgData name="Ken Ye" userId="f83821d1-7357-4244-918d-fd05f8efe6cd" providerId="ADAL" clId="{FF732D79-CA21-4845-BACE-DFDD3B0FB27C}" dt="2023-12-17T16:46:07.670" v="536"/>
+          <ac:spMkLst>
+            <pc:docMk/>
+            <pc:sldMk cId="2187505139" sldId="276"/>
+            <ac:spMk id="3" creationId="{F5ABFD87-0572-BD12-B9F5-1D48ABEA346E}"/>
+          </ac:spMkLst>
+        </pc:spChg>
+        <pc:spChg chg="add mod">
+          <ac:chgData name="Ken Ye" userId="f83821d1-7357-4244-918d-fd05f8efe6cd" providerId="ADAL" clId="{FF732D79-CA21-4845-BACE-DFDD3B0FB27C}" dt="2023-12-17T16:45:52.748" v="534"/>
+          <ac:spMkLst>
+            <pc:docMk/>
+            <pc:sldMk cId="2187505139" sldId="276"/>
+            <ac:spMk id="4" creationId="{81D27963-4545-A83F-8556-D0226D41222B}"/>
+          </ac:spMkLst>
+        </pc:spChg>
+        <pc:spChg chg="add del mod">
+          <ac:chgData name="Ken Ye" userId="f83821d1-7357-4244-918d-fd05f8efe6cd" providerId="ADAL" clId="{FF732D79-CA21-4845-BACE-DFDD3B0FB27C}" dt="2023-12-17T16:46:31.754" v="541" actId="931"/>
+          <ac:spMkLst>
+            <pc:docMk/>
+            <pc:sldMk cId="2187505139" sldId="276"/>
+            <ac:spMk id="5" creationId="{3A26722B-F145-7C90-E584-23A4274EB46A}"/>
+          </ac:spMkLst>
+        </pc:spChg>
+        <pc:picChg chg="add mod">
+          <ac:chgData name="Ken Ye" userId="f83821d1-7357-4244-918d-fd05f8efe6cd" providerId="ADAL" clId="{FF732D79-CA21-4845-BACE-DFDD3B0FB27C}" dt="2023-12-17T16:50:18.185" v="633" actId="1076"/>
+          <ac:picMkLst>
+            <pc:docMk/>
+            <pc:sldMk cId="2187505139" sldId="276"/>
+            <ac:picMk id="7" creationId="{EAF56C86-EC0D-65DC-57DA-1A884C293AD3}"/>
+          </ac:picMkLst>
+        </pc:picChg>
+      </pc:sldChg>
+      <pc:sldChg chg="new del">
+        <pc:chgData name="Ken Ye" userId="f83821d1-7357-4244-918d-fd05f8efe6cd" providerId="ADAL" clId="{FF732D79-CA21-4845-BACE-DFDD3B0FB27C}" dt="2023-12-17T16:46:57.160" v="547" actId="680"/>
+        <pc:sldMkLst>
+          <pc:docMk/>
+          <pc:sldMk cId="36912888" sldId="277"/>
+        </pc:sldMkLst>
+      </pc:sldChg>
+      <pc:sldChg chg="modSp add mod">
+        <pc:chgData name="Ken Ye" userId="f83821d1-7357-4244-918d-fd05f8efe6cd" providerId="ADAL" clId="{FF732D79-CA21-4845-BACE-DFDD3B0FB27C}" dt="2023-12-17T16:47:35.871" v="616" actId="20577"/>
+        <pc:sldMkLst>
+          <pc:docMk/>
+          <pc:sldMk cId="1493922088" sldId="277"/>
+        </pc:sldMkLst>
+        <pc:spChg chg="mod">
+          <ac:chgData name="Ken Ye" userId="f83821d1-7357-4244-918d-fd05f8efe6cd" providerId="ADAL" clId="{FF732D79-CA21-4845-BACE-DFDD3B0FB27C}" dt="2023-12-17T16:47:35.871" v="616" actId="20577"/>
+          <ac:spMkLst>
+            <pc:docMk/>
+            <pc:sldMk cId="1493922088" sldId="277"/>
+            <ac:spMk id="2" creationId="{52317987-65F3-5E85-D989-11B7BB1EFFC9}"/>
+          </ac:spMkLst>
+        </pc:spChg>
+      </pc:sldChg>
+      <pc:sldChg chg="new del">
+        <pc:chgData name="Ken Ye" userId="f83821d1-7357-4244-918d-fd05f8efe6cd" providerId="ADAL" clId="{FF732D79-CA21-4845-BACE-DFDD3B0FB27C}" dt="2023-12-17T16:47:06.991" v="549" actId="680"/>
+        <pc:sldMkLst>
+          <pc:docMk/>
+          <pc:sldMk cId="2780381084" sldId="277"/>
+        </pc:sldMkLst>
+      </pc:sldChg>
+      <pc:sldChg chg="addSp delSp modSp new mod">
+        <pc:chgData name="Ken Ye" userId="f83821d1-7357-4244-918d-fd05f8efe6cd" providerId="ADAL" clId="{FF732D79-CA21-4845-BACE-DFDD3B0FB27C}" dt="2023-12-17T16:50:28.338" v="636" actId="1076"/>
+        <pc:sldMkLst>
+          <pc:docMk/>
+          <pc:sldMk cId="2195879302" sldId="278"/>
+        </pc:sldMkLst>
+        <pc:spChg chg="mod">
+          <ac:chgData name="Ken Ye" userId="f83821d1-7357-4244-918d-fd05f8efe6cd" providerId="ADAL" clId="{FF732D79-CA21-4845-BACE-DFDD3B0FB27C}" dt="2023-12-17T16:50:02.941" v="631" actId="20577"/>
+          <ac:spMkLst>
+            <pc:docMk/>
+            <pc:sldMk cId="2195879302" sldId="278"/>
+            <ac:spMk id="2" creationId="{8D77E782-778D-633A-1053-B9A95D05C8EC}"/>
+          </ac:spMkLst>
+        </pc:spChg>
+        <pc:spChg chg="del">
+          <ac:chgData name="Ken Ye" userId="f83821d1-7357-4244-918d-fd05f8efe6cd" providerId="ADAL" clId="{FF732D79-CA21-4845-BACE-DFDD3B0FB27C}" dt="2023-12-17T16:48:22.178" v="621"/>
+          <ac:spMkLst>
+            <pc:docMk/>
+            <pc:sldMk cId="2195879302" sldId="278"/>
+            <ac:spMk id="3" creationId="{7C52D2AA-94EB-E088-BB69-ED90C1A6836A}"/>
+          </ac:spMkLst>
+        </pc:spChg>
+        <pc:spChg chg="add del mod">
+          <ac:chgData name="Ken Ye" userId="f83821d1-7357-4244-918d-fd05f8efe6cd" providerId="ADAL" clId="{FF732D79-CA21-4845-BACE-DFDD3B0FB27C}" dt="2023-12-17T16:49:35.142" v="622" actId="931"/>
+          <ac:spMkLst>
+            <pc:docMk/>
+            <pc:sldMk cId="2195879302" sldId="278"/>
+            <ac:spMk id="4" creationId="{EFFC7BE8-EC66-97E6-AF2B-5A145964B59E}"/>
+          </ac:spMkLst>
+        </pc:spChg>
+        <pc:picChg chg="add mod">
+          <ac:chgData name="Ken Ye" userId="f83821d1-7357-4244-918d-fd05f8efe6cd" providerId="ADAL" clId="{FF732D79-CA21-4845-BACE-DFDD3B0FB27C}" dt="2023-12-17T16:50:28.338" v="636" actId="1076"/>
+          <ac:picMkLst>
+            <pc:docMk/>
+            <pc:sldMk cId="2195879302" sldId="278"/>
+            <ac:picMk id="6" creationId="{F0343D61-C585-0050-1713-D429965F78BA}"/>
+          </ac:picMkLst>
+        </pc:picChg>
+      </pc:sldChg>
+      <pc:sldChg chg="addSp delSp modSp new mod">
+        <pc:chgData name="Ken Ye" userId="f83821d1-7357-4244-918d-fd05f8efe6cd" providerId="ADAL" clId="{FF732D79-CA21-4845-BACE-DFDD3B0FB27C}" dt="2023-12-17T16:56:35.377" v="703" actId="1076"/>
+        <pc:sldMkLst>
+          <pc:docMk/>
+          <pc:sldMk cId="4164438470" sldId="279"/>
+        </pc:sldMkLst>
+        <pc:spChg chg="mod">
+          <ac:chgData name="Ken Ye" userId="f83821d1-7357-4244-918d-fd05f8efe6cd" providerId="ADAL" clId="{FF732D79-CA21-4845-BACE-DFDD3B0FB27C}" dt="2023-12-17T16:50:55.309" v="638"/>
+          <ac:spMkLst>
+            <pc:docMk/>
+            <pc:sldMk cId="4164438470" sldId="279"/>
+            <ac:spMk id="2" creationId="{C8298541-C528-2415-3A5E-11CE33BB7E89}"/>
+          </ac:spMkLst>
+        </pc:spChg>
+        <pc:spChg chg="del">
+          <ac:chgData name="Ken Ye" userId="f83821d1-7357-4244-918d-fd05f8efe6cd" providerId="ADAL" clId="{FF732D79-CA21-4845-BACE-DFDD3B0FB27C}" dt="2023-12-17T16:51:19.150" v="639" actId="931"/>
+          <ac:spMkLst>
+            <pc:docMk/>
+            <pc:sldMk cId="4164438470" sldId="279"/>
+            <ac:spMk id="3" creationId="{61611C4A-AF0D-6132-EC43-C0A7F42F9235}"/>
+          </ac:spMkLst>
+        </pc:spChg>
+        <pc:spChg chg="add del mod">
+          <ac:chgData name="Ken Ye" userId="f83821d1-7357-4244-918d-fd05f8efe6cd" providerId="ADAL" clId="{FF732D79-CA21-4845-BACE-DFDD3B0FB27C}" dt="2023-12-17T16:54:04.534" v="660" actId="478"/>
+          <ac:spMkLst>
+            <pc:docMk/>
+            <pc:sldMk cId="4164438470" sldId="279"/>
+            <ac:spMk id="6" creationId="{5472C7F5-3C43-2ACD-C47B-BA1E0869D829}"/>
+          </ac:spMkLst>
+        </pc:spChg>
+        <pc:spChg chg="add mod">
+          <ac:chgData name="Ken Ye" userId="f83821d1-7357-4244-918d-fd05f8efe6cd" providerId="ADAL" clId="{FF732D79-CA21-4845-BACE-DFDD3B0FB27C}" dt="2023-12-17T16:56:35.377" v="703" actId="1076"/>
+          <ac:spMkLst>
+            <pc:docMk/>
+            <pc:sldMk cId="4164438470" sldId="279"/>
+            <ac:spMk id="7" creationId="{FA3274E6-795F-988F-B69D-51C6D8289CC4}"/>
+          </ac:spMkLst>
+        </pc:spChg>
+        <pc:picChg chg="add mod">
+          <ac:chgData name="Ken Ye" userId="f83821d1-7357-4244-918d-fd05f8efe6cd" providerId="ADAL" clId="{FF732D79-CA21-4845-BACE-DFDD3B0FB27C}" dt="2023-12-17T16:56:33.127" v="702" actId="1076"/>
+          <ac:picMkLst>
+            <pc:docMk/>
+            <pc:sldMk cId="4164438470" sldId="279"/>
+            <ac:picMk id="5" creationId="{890D388B-0F29-A550-3F16-215B994B3194}"/>
+          </ac:picMkLst>
+        </pc:picChg>
+      </pc:sldChg>
+      <pc:sldChg chg="modSp new mod">
+        <pc:chgData name="Ken Ye" userId="f83821d1-7357-4244-918d-fd05f8efe6cd" providerId="ADAL" clId="{FF732D79-CA21-4845-BACE-DFDD3B0FB27C}" dt="2023-12-17T17:04:45.415" v="902" actId="20577"/>
+        <pc:sldMkLst>
+          <pc:docMk/>
+          <pc:sldMk cId="1472945908" sldId="280"/>
+        </pc:sldMkLst>
+        <pc:spChg chg="mod">
+          <ac:chgData name="Ken Ye" userId="f83821d1-7357-4244-918d-fd05f8efe6cd" providerId="ADAL" clId="{FF732D79-CA21-4845-BACE-DFDD3B0FB27C}" dt="2023-12-17T17:01:19.591" v="826" actId="20577"/>
+          <ac:spMkLst>
+            <pc:docMk/>
+            <pc:sldMk cId="1472945908" sldId="280"/>
+            <ac:spMk id="2" creationId="{5FD195DA-48B4-5CCF-83B3-786D9480D74B}"/>
+          </ac:spMkLst>
+        </pc:spChg>
+        <pc:spChg chg="mod">
+          <ac:chgData name="Ken Ye" userId="f83821d1-7357-4244-918d-fd05f8efe6cd" providerId="ADAL" clId="{FF732D79-CA21-4845-BACE-DFDD3B0FB27C}" dt="2023-12-17T17:04:45.415" v="902" actId="20577"/>
+          <ac:spMkLst>
+            <pc:docMk/>
+            <pc:sldMk cId="1472945908" sldId="280"/>
+            <ac:spMk id="3" creationId="{20F4B7F0-0D82-F199-99D4-00A6260DF876}"/>
+          </ac:spMkLst>
+        </pc:spChg>
+      </pc:sldChg>
+      <pc:sldChg chg="new del">
+        <pc:chgData name="Ken Ye" userId="f83821d1-7357-4244-918d-fd05f8efe6cd" providerId="ADAL" clId="{FF732D79-CA21-4845-BACE-DFDD3B0FB27C}" dt="2023-12-17T16:57:40.977" v="752" actId="680"/>
+        <pc:sldMkLst>
+          <pc:docMk/>
+          <pc:sldMk cId="2361619562" sldId="281"/>
+        </pc:sldMkLst>
+      </pc:sldChg>
+      <pc:sldChg chg="modSp new mod">
+        <pc:chgData name="Ken Ye" userId="f83821d1-7357-4244-918d-fd05f8efe6cd" providerId="ADAL" clId="{FF732D79-CA21-4845-BACE-DFDD3B0FB27C}" dt="2023-12-17T17:06:23.109" v="914" actId="20577"/>
+        <pc:sldMkLst>
+          <pc:docMk/>
+          <pc:sldMk cId="3685330122" sldId="281"/>
+        </pc:sldMkLst>
+        <pc:spChg chg="mod">
+          <ac:chgData name="Ken Ye" userId="f83821d1-7357-4244-918d-fd05f8efe6cd" providerId="ADAL" clId="{FF732D79-CA21-4845-BACE-DFDD3B0FB27C}" dt="2023-12-17T17:02:13.470" v="830"/>
+          <ac:spMkLst>
+            <pc:docMk/>
+            <pc:sldMk cId="3685330122" sldId="281"/>
+            <ac:spMk id="2" creationId="{729298EF-9D4C-88F9-5EC5-03FB63DDAABA}"/>
+          </ac:spMkLst>
+        </pc:spChg>
+        <pc:spChg chg="mod">
+          <ac:chgData name="Ken Ye" userId="f83821d1-7357-4244-918d-fd05f8efe6cd" providerId="ADAL" clId="{FF732D79-CA21-4845-BACE-DFDD3B0FB27C}" dt="2023-12-17T17:06:23.109" v="914" actId="20577"/>
+          <ac:spMkLst>
+            <pc:docMk/>
+            <pc:sldMk cId="3685330122" sldId="281"/>
+            <ac:spMk id="3" creationId="{ED03344C-C714-A266-0BC1-3D6F6431D0B5}"/>
+          </ac:spMkLst>
+        </pc:spChg>
+      </pc:sldChg>
+      <pc:sldChg chg="addSp delSp modSp new mod">
+        <pc:chgData name="Ken Ye" userId="f83821d1-7357-4244-918d-fd05f8efe6cd" providerId="ADAL" clId="{FF732D79-CA21-4845-BACE-DFDD3B0FB27C}" dt="2023-12-17T17:11:47.316" v="1005" actId="20577"/>
+        <pc:sldMkLst>
+          <pc:docMk/>
+          <pc:sldMk cId="1380375759" sldId="282"/>
+        </pc:sldMkLst>
+        <pc:spChg chg="mod">
+          <ac:chgData name="Ken Ye" userId="f83821d1-7357-4244-918d-fd05f8efe6cd" providerId="ADAL" clId="{FF732D79-CA21-4845-BACE-DFDD3B0FB27C}" dt="2023-12-17T17:08:24.817" v="954" actId="20577"/>
+          <ac:spMkLst>
+            <pc:docMk/>
+            <pc:sldMk cId="1380375759" sldId="282"/>
+            <ac:spMk id="2" creationId="{688A1779-DA60-C886-1BFB-F297B02DB603}"/>
+          </ac:spMkLst>
+        </pc:spChg>
+        <pc:spChg chg="del">
+          <ac:chgData name="Ken Ye" userId="f83821d1-7357-4244-918d-fd05f8efe6cd" providerId="ADAL" clId="{FF732D79-CA21-4845-BACE-DFDD3B0FB27C}" dt="2023-12-17T17:09:38.040" v="955" actId="931"/>
+          <ac:spMkLst>
+            <pc:docMk/>
+            <pc:sldMk cId="1380375759" sldId="282"/>
+            <ac:spMk id="3" creationId="{ECCE64FA-904C-3B02-B8FA-5110319BB085}"/>
+          </ac:spMkLst>
+        </pc:spChg>
+        <pc:spChg chg="add mod">
+          <ac:chgData name="Ken Ye" userId="f83821d1-7357-4244-918d-fd05f8efe6cd" providerId="ADAL" clId="{FF732D79-CA21-4845-BACE-DFDD3B0FB27C}" dt="2023-12-17T17:11:47.316" v="1005" actId="20577"/>
+          <ac:spMkLst>
+            <pc:docMk/>
+            <pc:sldMk cId="1380375759" sldId="282"/>
+            <ac:spMk id="8" creationId="{01993A35-C339-215A-C0EE-3F01382AD7B2}"/>
+          </ac:spMkLst>
+        </pc:spChg>
+        <pc:picChg chg="add mod">
+          <ac:chgData name="Ken Ye" userId="f83821d1-7357-4244-918d-fd05f8efe6cd" providerId="ADAL" clId="{FF732D79-CA21-4845-BACE-DFDD3B0FB27C}" dt="2023-12-17T17:10:09.101" v="977" actId="1076"/>
+          <ac:picMkLst>
+            <pc:docMk/>
+            <pc:sldMk cId="1380375759" sldId="282"/>
+            <ac:picMk id="5" creationId="{66CE778A-6AE4-875C-2D2E-2470D7BDB447}"/>
+          </ac:picMkLst>
+        </pc:picChg>
+        <pc:picChg chg="add mod">
+          <ac:chgData name="Ken Ye" userId="f83821d1-7357-4244-918d-fd05f8efe6cd" providerId="ADAL" clId="{FF732D79-CA21-4845-BACE-DFDD3B0FB27C}" dt="2023-12-17T17:10:05.669" v="975" actId="1076"/>
+          <ac:picMkLst>
+            <pc:docMk/>
+            <pc:sldMk cId="1380375759" sldId="282"/>
+            <ac:picMk id="7" creationId="{3558BF83-F77D-49AB-E103-3A332887EDE5}"/>
+          </ac:picMkLst>
+        </pc:picChg>
+      </pc:sldChg>
+      <pc:sldChg chg="add del">
+        <pc:chgData name="Ken Ye" userId="f83821d1-7357-4244-918d-fd05f8efe6cd" providerId="ADAL" clId="{FF732D79-CA21-4845-BACE-DFDD3B0FB27C}" dt="2023-12-17T17:01:50.215" v="829"/>
+        <pc:sldMkLst>
+          <pc:docMk/>
+          <pc:sldMk cId="3620405648" sldId="282"/>
+        </pc:sldMkLst>
+      </pc:sldChg>
+      <pc:sldChg chg="modSp new mod">
+        <pc:chgData name="Ken Ye" userId="f83821d1-7357-4244-918d-fd05f8efe6cd" providerId="ADAL" clId="{FF732D79-CA21-4845-BACE-DFDD3B0FB27C}" dt="2023-12-17T17:21:30.359" v="1125" actId="20577"/>
+        <pc:sldMkLst>
+          <pc:docMk/>
+          <pc:sldMk cId="535833093" sldId="283"/>
+        </pc:sldMkLst>
+        <pc:spChg chg="mod">
+          <ac:chgData name="Ken Ye" userId="f83821d1-7357-4244-918d-fd05f8efe6cd" providerId="ADAL" clId="{FF732D79-CA21-4845-BACE-DFDD3B0FB27C}" dt="2023-12-17T17:13:25.246" v="1034" actId="20577"/>
+          <ac:spMkLst>
+            <pc:docMk/>
+            <pc:sldMk cId="535833093" sldId="283"/>
+            <ac:spMk id="2" creationId="{5B568B54-447B-85C4-7EDC-960C1B7D5B90}"/>
+          </ac:spMkLst>
+        </pc:spChg>
+        <pc:spChg chg="mod">
+          <ac:chgData name="Ken Ye" userId="f83821d1-7357-4244-918d-fd05f8efe6cd" providerId="ADAL" clId="{FF732D79-CA21-4845-BACE-DFDD3B0FB27C}" dt="2023-12-17T17:21:30.359" v="1125" actId="20577"/>
+          <ac:spMkLst>
+            <pc:docMk/>
+            <pc:sldMk cId="535833093" sldId="283"/>
+            <ac:spMk id="3" creationId="{B933DBF9-0F37-B38E-00EF-3414D6BE0DF4}"/>
+          </ac:spMkLst>
+        </pc:spChg>
+      </pc:sldChg>
+      <pc:sldChg chg="modSp new mod">
+        <pc:chgData name="Ken Ye" userId="f83821d1-7357-4244-918d-fd05f8efe6cd" providerId="ADAL" clId="{FF732D79-CA21-4845-BACE-DFDD3B0FB27C}" dt="2023-12-17T17:24:01.979" v="1200" actId="20577"/>
+        <pc:sldMkLst>
+          <pc:docMk/>
+          <pc:sldMk cId="4146730320" sldId="284"/>
+        </pc:sldMkLst>
+        <pc:spChg chg="mod">
+          <ac:chgData name="Ken Ye" userId="f83821d1-7357-4244-918d-fd05f8efe6cd" providerId="ADAL" clId="{FF732D79-CA21-4845-BACE-DFDD3B0FB27C}" dt="2023-12-17T17:20:49.763" v="1106"/>
+          <ac:spMkLst>
+            <pc:docMk/>
+            <pc:sldMk cId="4146730320" sldId="284"/>
+            <ac:spMk id="2" creationId="{79A2877D-1198-2464-B4EF-58334B9B9D85}"/>
+          </ac:spMkLst>
+        </pc:spChg>
+        <pc:spChg chg="mod">
+          <ac:chgData name="Ken Ye" userId="f83821d1-7357-4244-918d-fd05f8efe6cd" providerId="ADAL" clId="{FF732D79-CA21-4845-BACE-DFDD3B0FB27C}" dt="2023-12-17T17:24:01.979" v="1200" actId="20577"/>
+          <ac:spMkLst>
+            <pc:docMk/>
+            <pc:sldMk cId="4146730320" sldId="284"/>
+            <ac:spMk id="3" creationId="{F4FD1A25-EDFF-2B8D-5BCA-6E2F369E5C17}"/>
+          </ac:spMkLst>
+        </pc:spChg>
+      </pc:sldChg>
+    </pc:docChg>
+  </pc:docChgLst>
 </pc:chgInfo>
-</file>
-
-<file path=ppt/charts/chart1.xml><?xml version="1.0" encoding="utf-8"?>
-<c:chartSpace xmlns:c="http://schemas.openxmlformats.org/drawingml/2006/chart" xmlns:a="http://schemas.openxmlformats.org/drawingml/2006/main" xmlns:r="http://schemas.openxmlformats.org/officeDocument/2006/relationships" xmlns:c16r2="http://schemas.microsoft.com/office/drawing/2015/06/chart">
-  <c:date1904 val="0"/>
-  <c:lang val="en-US"/>
-  <c:roundedCorners val="0"/>
-  <mc:AlternateContent xmlns:mc="http://schemas.openxmlformats.org/markup-compatibility/2006">
-    <mc:Choice xmlns:c14="http://schemas.microsoft.com/office/drawing/2007/8/2/chart" Requires="c14">
-      <c14:style val="102"/>
-    </mc:Choice>
-    <mc:Fallback>
-      <c:style val="2"/>
-    </mc:Fallback>
-  </mc:AlternateContent>
-  <c:chart>
-    <c:autoTitleDeleted val="1"/>
-    <c:plotArea>
-      <c:layout/>
-      <c:barChart>
-        <c:barDir val="col"/>
-        <c:grouping val="clustered"/>
-        <c:varyColors val="0"/>
-        <c:ser>
-          <c:idx val="0"/>
-          <c:order val="0"/>
-          <c:tx>
-            <c:strRef>
-              <c:f>Sheet1!$B$1</c:f>
-              <c:strCache>
-                <c:ptCount val="1"/>
-                <c:pt idx="0">
-                  <c:v>Series 1</c:v>
-                </c:pt>
-              </c:strCache>
-            </c:strRef>
-          </c:tx>
-          <c:spPr>
-            <a:solidFill>
-              <a:schemeClr val="accent1"/>
-            </a:solidFill>
-            <a:ln>
-              <a:noFill/>
-            </a:ln>
-            <a:effectLst/>
-          </c:spPr>
-          <c:invertIfNegative val="0"/>
-          <c:cat>
-            <c:strRef>
-              <c:f>Sheet1!$A$2:$A$5</c:f>
-              <c:strCache>
-                <c:ptCount val="4"/>
-                <c:pt idx="0">
-                  <c:v>Category 1</c:v>
-                </c:pt>
-                <c:pt idx="1">
-                  <c:v>Category 2</c:v>
-                </c:pt>
-                <c:pt idx="2">
-                  <c:v>Category 3</c:v>
-                </c:pt>
-                <c:pt idx="3">
-                  <c:v>Category 4</c:v>
-                </c:pt>
-              </c:strCache>
-            </c:strRef>
-          </c:cat>
-          <c:val>
-            <c:numRef>
-              <c:f>Sheet1!$B$2:$B$5</c:f>
-              <c:numCache>
-                <c:formatCode>General</c:formatCode>
-                <c:ptCount val="4"/>
-                <c:pt idx="0">
-                  <c:v>4.3</c:v>
-                </c:pt>
-                <c:pt idx="1">
-                  <c:v>2.5</c:v>
-                </c:pt>
-                <c:pt idx="2">
-                  <c:v>3.5</c:v>
-                </c:pt>
-                <c:pt idx="3">
-                  <c:v>4.5</c:v>
-                </c:pt>
-              </c:numCache>
-            </c:numRef>
-          </c:val>
-          <c:extLst>
-            <c:ext xmlns:c16="http://schemas.microsoft.com/office/drawing/2014/chart" uri="{C3380CC4-5D6E-409C-BE32-E72D297353CC}">
-              <c16:uniqueId val="{00000000-A02C-4D3E-81C9-0771DCCFEFE2}"/>
-            </c:ext>
-          </c:extLst>
-        </c:ser>
-        <c:ser>
-          <c:idx val="1"/>
-          <c:order val="1"/>
-          <c:tx>
-            <c:strRef>
-              <c:f>Sheet1!$C$1</c:f>
-              <c:strCache>
-                <c:ptCount val="1"/>
-                <c:pt idx="0">
-                  <c:v>Series 2</c:v>
-                </c:pt>
-              </c:strCache>
-            </c:strRef>
-          </c:tx>
-          <c:spPr>
-            <a:solidFill>
-              <a:schemeClr val="accent2"/>
-            </a:solidFill>
-            <a:ln>
-              <a:noFill/>
-            </a:ln>
-            <a:effectLst/>
-          </c:spPr>
-          <c:invertIfNegative val="0"/>
-          <c:cat>
-            <c:strRef>
-              <c:f>Sheet1!$A$2:$A$5</c:f>
-              <c:strCache>
-                <c:ptCount val="4"/>
-                <c:pt idx="0">
-                  <c:v>Category 1</c:v>
-                </c:pt>
-                <c:pt idx="1">
-                  <c:v>Category 2</c:v>
-                </c:pt>
-                <c:pt idx="2">
-                  <c:v>Category 3</c:v>
-                </c:pt>
-                <c:pt idx="3">
-                  <c:v>Category 4</c:v>
-                </c:pt>
-              </c:strCache>
-            </c:strRef>
-          </c:cat>
-          <c:val>
-            <c:numRef>
-              <c:f>Sheet1!$C$2:$C$5</c:f>
-              <c:numCache>
-                <c:formatCode>General</c:formatCode>
-                <c:ptCount val="4"/>
-                <c:pt idx="0">
-                  <c:v>2.4</c:v>
-                </c:pt>
-                <c:pt idx="1">
-                  <c:v>4.4000000000000004</c:v>
-                </c:pt>
-                <c:pt idx="2">
-                  <c:v>1.8</c:v>
-                </c:pt>
-                <c:pt idx="3">
-                  <c:v>2.8</c:v>
-                </c:pt>
-              </c:numCache>
-            </c:numRef>
-          </c:val>
-          <c:extLst>
-            <c:ext xmlns:c16="http://schemas.microsoft.com/office/drawing/2014/chart" uri="{C3380CC4-5D6E-409C-BE32-E72D297353CC}">
-              <c16:uniqueId val="{00000001-A02C-4D3E-81C9-0771DCCFEFE2}"/>
-            </c:ext>
-          </c:extLst>
-        </c:ser>
-        <c:ser>
-          <c:idx val="2"/>
-          <c:order val="2"/>
-          <c:tx>
-            <c:strRef>
-              <c:f>Sheet1!$D$1</c:f>
-              <c:strCache>
-                <c:ptCount val="1"/>
-                <c:pt idx="0">
-                  <c:v>Series 3</c:v>
-                </c:pt>
-              </c:strCache>
-            </c:strRef>
-          </c:tx>
-          <c:spPr>
-            <a:solidFill>
-              <a:schemeClr val="accent3"/>
-            </a:solidFill>
-            <a:ln>
-              <a:noFill/>
-            </a:ln>
-            <a:effectLst/>
-          </c:spPr>
-          <c:invertIfNegative val="0"/>
-          <c:cat>
-            <c:strRef>
-              <c:f>Sheet1!$A$2:$A$5</c:f>
-              <c:strCache>
-                <c:ptCount val="4"/>
-                <c:pt idx="0">
-                  <c:v>Category 1</c:v>
-                </c:pt>
-                <c:pt idx="1">
-                  <c:v>Category 2</c:v>
-                </c:pt>
-                <c:pt idx="2">
-                  <c:v>Category 3</c:v>
-                </c:pt>
-                <c:pt idx="3">
-                  <c:v>Category 4</c:v>
-                </c:pt>
-              </c:strCache>
-            </c:strRef>
-          </c:cat>
-          <c:val>
-            <c:numRef>
-              <c:f>Sheet1!$D$2:$D$5</c:f>
-              <c:numCache>
-                <c:formatCode>General</c:formatCode>
-                <c:ptCount val="4"/>
-                <c:pt idx="0">
-                  <c:v>2</c:v>
-                </c:pt>
-                <c:pt idx="1">
-                  <c:v>2</c:v>
-                </c:pt>
-                <c:pt idx="2">
-                  <c:v>3</c:v>
-                </c:pt>
-                <c:pt idx="3">
-                  <c:v>5</c:v>
-                </c:pt>
-              </c:numCache>
-            </c:numRef>
-          </c:val>
-          <c:extLst>
-            <c:ext xmlns:c16="http://schemas.microsoft.com/office/drawing/2014/chart" uri="{C3380CC4-5D6E-409C-BE32-E72D297353CC}">
-              <c16:uniqueId val="{00000002-A02C-4D3E-81C9-0771DCCFEFE2}"/>
-            </c:ext>
-          </c:extLst>
-        </c:ser>
-        <c:dLbls>
-          <c:showLegendKey val="0"/>
-          <c:showVal val="0"/>
-          <c:showCatName val="0"/>
-          <c:showSerName val="0"/>
-          <c:showPercent val="0"/>
-          <c:showBubbleSize val="0"/>
-        </c:dLbls>
-        <c:gapWidth val="219"/>
-        <c:overlap val="-27"/>
-        <c:axId val="607790976"/>
-        <c:axId val="607790584"/>
-      </c:barChart>
-      <c:catAx>
-        <c:axId val="607790976"/>
-        <c:scaling>
-          <c:orientation val="minMax"/>
-        </c:scaling>
-        <c:delete val="0"/>
-        <c:axPos val="b"/>
-        <c:numFmt formatCode="General" sourceLinked="1"/>
-        <c:majorTickMark val="none"/>
-        <c:minorTickMark val="none"/>
-        <c:tickLblPos val="nextTo"/>
-        <c:spPr>
-          <a:noFill/>
-          <a:ln w="9525" cap="flat" cmpd="sng" algn="ctr">
-            <a:solidFill>
-              <a:schemeClr val="tx1">
-                <a:lumMod val="15000"/>
-                <a:lumOff val="85000"/>
-              </a:schemeClr>
-            </a:solidFill>
-            <a:round/>
-          </a:ln>
-          <a:effectLst/>
-        </c:spPr>
-        <c:txPr>
-          <a:bodyPr rot="-60000000" spcFirstLastPara="1" vertOverflow="ellipsis" vert="horz" wrap="square" anchor="ctr" anchorCtr="1"/>
-          <a:lstStyle/>
-          <a:p>
-            <a:pPr>
-              <a:defRPr sz="1197" b="0" i="0" u="none" strike="noStrike" kern="1200" baseline="0">
-                <a:solidFill>
-                  <a:schemeClr val="tx1">
-                    <a:lumMod val="65000"/>
-                    <a:lumOff val="35000"/>
-                  </a:schemeClr>
-                </a:solidFill>
-                <a:latin typeface="+mn-lt"/>
-                <a:ea typeface="+mn-ea"/>
-                <a:cs typeface="+mn-cs"/>
-              </a:defRPr>
-            </a:pPr>
-            <a:endParaRPr lang="en-US"/>
-          </a:p>
-        </c:txPr>
-        <c:crossAx val="607790584"/>
-        <c:crosses val="autoZero"/>
-        <c:auto val="1"/>
-        <c:lblAlgn val="ctr"/>
-        <c:lblOffset val="100"/>
-        <c:noMultiLvlLbl val="0"/>
-      </c:catAx>
-      <c:valAx>
-        <c:axId val="607790584"/>
-        <c:scaling>
-          <c:orientation val="minMax"/>
-        </c:scaling>
-        <c:delete val="0"/>
-        <c:axPos val="l"/>
-        <c:majorGridlines>
-          <c:spPr>
-            <a:ln w="9525" cap="flat" cmpd="sng" algn="ctr">
-              <a:solidFill>
-                <a:schemeClr val="tx1">
-                  <a:lumMod val="15000"/>
-                  <a:lumOff val="85000"/>
-                </a:schemeClr>
-              </a:solidFill>
-              <a:round/>
-            </a:ln>
-            <a:effectLst/>
-          </c:spPr>
-        </c:majorGridlines>
-        <c:numFmt formatCode="General" sourceLinked="1"/>
-        <c:majorTickMark val="none"/>
-        <c:minorTickMark val="none"/>
-        <c:tickLblPos val="nextTo"/>
-        <c:spPr>
-          <a:noFill/>
-          <a:ln>
-            <a:noFill/>
-          </a:ln>
-          <a:effectLst/>
-        </c:spPr>
-        <c:txPr>
-          <a:bodyPr rot="-60000000" spcFirstLastPara="1" vertOverflow="ellipsis" vert="horz" wrap="square" anchor="ctr" anchorCtr="1"/>
-          <a:lstStyle/>
-          <a:p>
-            <a:pPr>
-              <a:defRPr sz="1197" b="0" i="0" u="none" strike="noStrike" kern="1200" baseline="0">
-                <a:solidFill>
-                  <a:schemeClr val="tx1">
-                    <a:lumMod val="65000"/>
-                    <a:lumOff val="35000"/>
-                  </a:schemeClr>
-                </a:solidFill>
-                <a:latin typeface="+mn-lt"/>
-                <a:ea typeface="+mn-ea"/>
-                <a:cs typeface="+mn-cs"/>
-              </a:defRPr>
-            </a:pPr>
-            <a:endParaRPr lang="en-US"/>
-          </a:p>
-        </c:txPr>
-        <c:crossAx val="607790976"/>
-        <c:crosses val="autoZero"/>
-        <c:crossBetween val="between"/>
-      </c:valAx>
-      <c:spPr>
-        <a:noFill/>
-        <a:ln>
-          <a:noFill/>
-        </a:ln>
-        <a:effectLst/>
-      </c:spPr>
-    </c:plotArea>
-    <c:legend>
-      <c:legendPos val="b"/>
-      <c:overlay val="0"/>
-      <c:spPr>
-        <a:noFill/>
-        <a:ln>
-          <a:noFill/>
-        </a:ln>
-        <a:effectLst/>
-      </c:spPr>
-      <c:txPr>
-        <a:bodyPr rot="0" spcFirstLastPara="1" vertOverflow="ellipsis" vert="horz" wrap="square" anchor="ctr" anchorCtr="1"/>
-        <a:lstStyle/>
-        <a:p>
-          <a:pPr>
-            <a:defRPr sz="1197" b="0" i="0" u="none" strike="noStrike" kern="1200" baseline="0">
-              <a:solidFill>
-                <a:schemeClr val="tx1">
-                  <a:lumMod val="65000"/>
-                  <a:lumOff val="35000"/>
-                </a:schemeClr>
-              </a:solidFill>
-              <a:latin typeface="+mn-lt"/>
-              <a:ea typeface="+mn-ea"/>
-              <a:cs typeface="+mn-cs"/>
-            </a:defRPr>
-          </a:pPr>
-          <a:endParaRPr lang="en-US"/>
-        </a:p>
-      </c:txPr>
-    </c:legend>
-    <c:plotVisOnly val="1"/>
-    <c:dispBlanksAs val="gap"/>
-    <c:showDLblsOverMax val="0"/>
-  </c:chart>
-  <c:spPr>
-    <a:noFill/>
-    <a:ln>
-      <a:noFill/>
-    </a:ln>
-    <a:effectLst/>
-  </c:spPr>
-  <c:txPr>
-    <a:bodyPr/>
-    <a:lstStyle/>
-    <a:p>
-      <a:pPr>
-        <a:defRPr/>
-      </a:pPr>
-      <a:endParaRPr lang="en-US"/>
-    </a:p>
-  </c:txPr>
-  <c:externalData r:id="rId3">
-    <c:autoUpdate val="0"/>
-  </c:externalData>
-</c:chartSpace>
-</file>
-
-<file path=ppt/charts/colors1.xml><?xml version="1.0" encoding="utf-8"?>
-<cs:colorStyle xmlns:cs="http://schemas.microsoft.com/office/drawing/2012/chartStyle" xmlns:a="http://schemas.openxmlformats.org/drawingml/2006/main" meth="cycle" id="10">
-  <a:schemeClr val="accent1"/>
-  <a:schemeClr val="accent2"/>
-  <a:schemeClr val="accent3"/>
-  <a:schemeClr val="accent4"/>
-  <a:schemeClr val="accent5"/>
-  <a:schemeClr val="accent6"/>
-  <cs:variation/>
-  <cs:variation>
-    <a:lumMod val="60000"/>
-  </cs:variation>
-  <cs:variation>
-    <a:lumMod val="80000"/>
-    <a:lumOff val="20000"/>
-  </cs:variation>
-  <cs:variation>
-    <a:lumMod val="80000"/>
-  </cs:variation>
-  <cs:variation>
-    <a:lumMod val="60000"/>
-    <a:lumOff val="40000"/>
-  </cs:variation>
-  <cs:variation>
-    <a:lumMod val="50000"/>
-  </cs:variation>
-  <cs:variation>
-    <a:lumMod val="70000"/>
-    <a:lumOff val="30000"/>
-  </cs:variation>
-  <cs:variation>
-    <a:lumMod val="70000"/>
-  </cs:variation>
-  <cs:variation>
-    <a:lumMod val="50000"/>
-    <a:lumOff val="50000"/>
-  </cs:variation>
-</cs:colorStyle>
-</file>
-
-<file path=ppt/charts/style1.xml><?xml version="1.0" encoding="utf-8"?>
-<cs:chartStyle xmlns:cs="http://schemas.microsoft.com/office/drawing/2012/chartStyle" xmlns:a="http://schemas.openxmlformats.org/drawingml/2006/main" id="201">
-  <cs:axisTitle>
-    <cs:lnRef idx="0"/>
-    <cs:fillRef idx="0"/>
-    <cs:effectRef idx="0"/>
-    <cs:fontRef idx="minor">
-      <a:schemeClr val="tx1">
-        <a:lumMod val="65000"/>
-        <a:lumOff val="35000"/>
-      </a:schemeClr>
-    </cs:fontRef>
-    <cs:defRPr sz="1330" kern="1200"/>
-  </cs:axisTitle>
-  <cs:categoryAxis>
-    <cs:lnRef idx="0"/>
-    <cs:fillRef idx="0"/>
-    <cs:effectRef idx="0"/>
-    <cs:fontRef idx="minor">
-      <a:schemeClr val="tx1">
-        <a:lumMod val="65000"/>
-        <a:lumOff val="35000"/>
-      </a:schemeClr>
-    </cs:fontRef>
-    <cs:spPr>
-      <a:ln w="9525" cap="flat" cmpd="sng" algn="ctr">
-        <a:solidFill>
-          <a:schemeClr val="tx1">
-            <a:lumMod val="15000"/>
-            <a:lumOff val="85000"/>
-          </a:schemeClr>
-        </a:solidFill>
-        <a:round/>
-      </a:ln>
-    </cs:spPr>
-    <cs:defRPr sz="1197" kern="1200"/>
-  </cs:categoryAxis>
-  <cs:chartArea mods="allowNoFillOverride allowNoLineOverride">
-    <cs:lnRef idx="0"/>
-    <cs:fillRef idx="0"/>
-    <cs:effectRef idx="0"/>
-    <cs:fontRef idx="minor">
-      <a:schemeClr val="tx1"/>
-    </cs:fontRef>
-    <cs:spPr>
-      <a:solidFill>
-        <a:schemeClr val="bg1"/>
-      </a:solidFill>
-      <a:ln w="9525" cap="flat" cmpd="sng" algn="ctr">
-        <a:solidFill>
-          <a:schemeClr val="tx1">
-            <a:lumMod val="15000"/>
-            <a:lumOff val="85000"/>
-          </a:schemeClr>
-        </a:solidFill>
-        <a:round/>
-      </a:ln>
-    </cs:spPr>
-    <cs:defRPr sz="1330" kern="1200"/>
-  </cs:chartArea>
-  <cs:dataLabel>
-    <cs:lnRef idx="0"/>
-    <cs:fillRef idx="0"/>
-    <cs:effectRef idx="0"/>
-    <cs:fontRef idx="minor">
-      <a:schemeClr val="tx1">
-        <a:lumMod val="75000"/>
-        <a:lumOff val="25000"/>
-      </a:schemeClr>
-    </cs:fontRef>
-    <cs:defRPr sz="1197" kern="1200"/>
-  </cs:dataLabel>
-  <cs:dataLabelCallout>
-    <cs:lnRef idx="0"/>
-    <cs:fillRef idx="0"/>
-    <cs:effectRef idx="0"/>
-    <cs:fontRef idx="minor">
-      <a:schemeClr val="dk1">
-        <a:lumMod val="65000"/>
-        <a:lumOff val="35000"/>
-      </a:schemeClr>
-    </cs:fontRef>
-    <cs:spPr>
-      <a:solidFill>
-        <a:schemeClr val="lt1"/>
-      </a:solidFill>
-      <a:ln>
-        <a:solidFill>
-          <a:schemeClr val="dk1">
-            <a:lumMod val="25000"/>
-            <a:lumOff val="75000"/>
-          </a:schemeClr>
-        </a:solidFill>
-      </a:ln>
-    </cs:spPr>
-    <cs:defRPr sz="1197" kern="1200"/>
-  </cs:dataLabelCallout>
-  <cs:dataPoint>
-    <cs:lnRef idx="0"/>
-    <cs:fillRef idx="1">
-      <cs:styleClr val="auto"/>
-    </cs:fillRef>
-    <cs:effectRef idx="0"/>
-    <cs:fontRef idx="minor">
-      <a:schemeClr val="tx1"/>
-    </cs:fontRef>
-  </cs:dataPoint>
-  <cs:dataPoint3D>
-    <cs:lnRef idx="0"/>
-    <cs:fillRef idx="1">
-      <cs:styleClr val="auto"/>
-    </cs:fillRef>
-    <cs:effectRef idx="0"/>
-    <cs:fontRef idx="minor">
-      <a:schemeClr val="tx1"/>
-    </cs:fontRef>
-  </cs:dataPoint3D>
-  <cs:dataPointLine>
-    <cs:lnRef idx="0">
-      <cs:styleClr val="auto"/>
-    </cs:lnRef>
-    <cs:fillRef idx="1"/>
-    <cs:effectRef idx="0"/>
-    <cs:fontRef idx="minor">
-      <a:schemeClr val="tx1"/>
-    </cs:fontRef>
-    <cs:spPr>
-      <a:ln w="28575" cap="rnd">
-        <a:solidFill>
-          <a:schemeClr val="phClr"/>
-        </a:solidFill>
-        <a:round/>
-      </a:ln>
-    </cs:spPr>
-  </cs:dataPointLine>
-  <cs:dataPointMarker>
-    <cs:lnRef idx="0">
-      <cs:styleClr val="auto"/>
-    </cs:lnRef>
-    <cs:fillRef idx="1">
-      <cs:styleClr val="auto"/>
-    </cs:fillRef>
-    <cs:effectRef idx="0"/>
-    <cs:fontRef idx="minor">
-      <a:schemeClr val="tx1"/>
-    </cs:fontRef>
-    <cs:spPr>
-      <a:ln w="9525">
-        <a:solidFill>
-          <a:schemeClr val="phClr"/>
-        </a:solidFill>
-      </a:ln>
-    </cs:spPr>
-  </cs:dataPointMarker>
-  <cs:dataPointMarkerLayout symbol="circle" size="5"/>
-  <cs:dataPointWireframe>
-    <cs:lnRef idx="0">
-      <cs:styleClr val="auto"/>
-    </cs:lnRef>
-    <cs:fillRef idx="1"/>
-    <cs:effectRef idx="0"/>
-    <cs:fontRef idx="minor">
-      <a:schemeClr val="tx1"/>
-    </cs:fontRef>
-    <cs:spPr>
-      <a:ln w="9525" cap="rnd">
-        <a:solidFill>
-          <a:schemeClr val="phClr"/>
-        </a:solidFill>
-        <a:round/>
-      </a:ln>
-    </cs:spPr>
-  </cs:dataPointWireframe>
-  <cs:dataTable>
-    <cs:lnRef idx="0"/>
-    <cs:fillRef idx="0"/>
-    <cs:effectRef idx="0"/>
-    <cs:fontRef idx="minor">
-      <a:schemeClr val="tx1">
-        <a:lumMod val="65000"/>
-        <a:lumOff val="35000"/>
-      </a:schemeClr>
-    </cs:fontRef>
-    <cs:spPr>
-      <a:noFill/>
-      <a:ln w="9525" cap="flat" cmpd="sng" algn="ctr">
-        <a:solidFill>
-          <a:schemeClr val="tx1">
-            <a:lumMod val="15000"/>
-            <a:lumOff val="85000"/>
-          </a:schemeClr>
-        </a:solidFill>
-        <a:round/>
-      </a:ln>
-    </cs:spPr>
-    <cs:defRPr sz="1197" kern="1200"/>
-  </cs:dataTable>
-  <cs:downBar>
-    <cs:lnRef idx="0"/>
-    <cs:fillRef idx="0"/>
-    <cs:effectRef idx="0"/>
-    <cs:fontRef idx="minor">
-      <a:schemeClr val="dk1"/>
-    </cs:fontRef>
-    <cs:spPr>
-      <a:solidFill>
-        <a:schemeClr val="dk1">
-          <a:lumMod val="65000"/>
-          <a:lumOff val="35000"/>
-        </a:schemeClr>
-      </a:solidFill>
-      <a:ln w="9525">
-        <a:solidFill>
-          <a:schemeClr val="tx1">
-            <a:lumMod val="65000"/>
-            <a:lumOff val="35000"/>
-          </a:schemeClr>
-        </a:solidFill>
-      </a:ln>
-    </cs:spPr>
-  </cs:downBar>
-  <cs:dropLine>
-    <cs:lnRef idx="0"/>
-    <cs:fillRef idx="0"/>
-    <cs:effectRef idx="0"/>
-    <cs:fontRef idx="minor">
-      <a:schemeClr val="tx1"/>
-    </cs:fontRef>
-    <cs:spPr>
-      <a:ln w="9525" cap="flat" cmpd="sng" algn="ctr">
-        <a:solidFill>
-          <a:schemeClr val="tx1">
-            <a:lumMod val="35000"/>
-            <a:lumOff val="65000"/>
-          </a:schemeClr>
-        </a:solidFill>
-        <a:round/>
-      </a:ln>
-    </cs:spPr>
-  </cs:dropLine>
-  <cs:errorBar>
-    <cs:lnRef idx="0"/>
-    <cs:fillRef idx="0"/>
-    <cs:effectRef idx="0"/>
-    <cs:fontRef idx="minor">
-      <a:schemeClr val="tx1"/>
-    </cs:fontRef>
-    <cs:spPr>
-      <a:ln w="9525" cap="flat" cmpd="sng" algn="ctr">
-        <a:solidFill>
-          <a:schemeClr val="tx1">
-            <a:lumMod val="65000"/>
-            <a:lumOff val="35000"/>
-          </a:schemeClr>
-        </a:solidFill>
-        <a:round/>
-      </a:ln>
-    </cs:spPr>
-  </cs:errorBar>
-  <cs:floor>
-    <cs:lnRef idx="0"/>
-    <cs:fillRef idx="0"/>
-    <cs:effectRef idx="0"/>
-    <cs:fontRef idx="minor">
-      <a:schemeClr val="tx1"/>
-    </cs:fontRef>
-    <cs:spPr>
-      <a:noFill/>
-      <a:ln>
-        <a:noFill/>
-      </a:ln>
-    </cs:spPr>
-  </cs:floor>
-  <cs:gridlineMajor>
-    <cs:lnRef idx="0"/>
-    <cs:fillRef idx="0"/>
-    <cs:effectRef idx="0"/>
-    <cs:fontRef idx="minor">
-      <a:schemeClr val="tx1"/>
-    </cs:fontRef>
-    <cs:spPr>
-      <a:ln w="9525" cap="flat" cmpd="sng" algn="ctr">
-        <a:solidFill>
-          <a:schemeClr val="tx1">
-            <a:lumMod val="15000"/>
-            <a:lumOff val="85000"/>
-          </a:schemeClr>
-        </a:solidFill>
-        <a:round/>
-      </a:ln>
-    </cs:spPr>
-  </cs:gridlineMajor>
-  <cs:gridlineMinor>
-    <cs:lnRef idx="0"/>
-    <cs:fillRef idx="0"/>
-    <cs:effectRef idx="0"/>
-    <cs:fontRef idx="minor">
-      <a:schemeClr val="tx1"/>
-    </cs:fontRef>
-    <cs:spPr>
-      <a:ln w="9525" cap="flat" cmpd="sng" algn="ctr">
-        <a:solidFill>
-          <a:schemeClr val="tx1">
-            <a:lumMod val="5000"/>
-            <a:lumOff val="95000"/>
-          </a:schemeClr>
-        </a:solidFill>
-        <a:round/>
-      </a:ln>
-    </cs:spPr>
-  </cs:gridlineMinor>
-  <cs:hiLoLine>
-    <cs:lnRef idx="0"/>
-    <cs:fillRef idx="0"/>
-    <cs:effectRef idx="0"/>
-    <cs:fontRef idx="minor">
-      <a:schemeClr val="tx1"/>
-    </cs:fontRef>
-    <cs:spPr>
-      <a:ln w="9525" cap="flat" cmpd="sng" algn="ctr">
-        <a:solidFill>
-          <a:schemeClr val="tx1">
-            <a:lumMod val="75000"/>
-            <a:lumOff val="25000"/>
-          </a:schemeClr>
-        </a:solidFill>
-        <a:round/>
-      </a:ln>
-    </cs:spPr>
-  </cs:hiLoLine>
-  <cs:leaderLine>
-    <cs:lnRef idx="0"/>
-    <cs:fillRef idx="0"/>
-    <cs:effectRef idx="0"/>
-    <cs:fontRef idx="minor">
-      <a:schemeClr val="tx1"/>
-    </cs:fontRef>
-    <cs:spPr>
-      <a:ln w="9525" cap="flat" cmpd="sng" algn="ctr">
-        <a:solidFill>
-          <a:schemeClr val="tx1">
-            <a:lumMod val="35000"/>
-            <a:lumOff val="65000"/>
-          </a:schemeClr>
-        </a:solidFill>
-        <a:round/>
-      </a:ln>
-    </cs:spPr>
-  </cs:leaderLine>
-  <cs:legend>
-    <cs:lnRef idx="0"/>
-    <cs:fillRef idx="0"/>
-    <cs:effectRef idx="0"/>
-    <cs:fontRef idx="minor">
-      <a:schemeClr val="tx1">
-        <a:lumMod val="65000"/>
-        <a:lumOff val="35000"/>
-      </a:schemeClr>
-    </cs:fontRef>
-    <cs:defRPr sz="1197" kern="1200"/>
-  </cs:legend>
-  <cs:plotArea mods="allowNoFillOverride allowNoLineOverride">
-    <cs:lnRef idx="0"/>
-    <cs:fillRef idx="0"/>
-    <cs:effectRef idx="0"/>
-    <cs:fontRef idx="minor">
-      <a:schemeClr val="tx1"/>
-    </cs:fontRef>
-  </cs:plotArea>
-  <cs:plotArea3D mods="allowNoFillOverride allowNoLineOverride">
-    <cs:lnRef idx="0"/>
-    <cs:fillRef idx="0"/>
-    <cs:effectRef idx="0"/>
-    <cs:fontRef idx="minor">
-      <a:schemeClr val="tx1"/>
-    </cs:fontRef>
-  </cs:plotArea3D>
-  <cs:seriesAxis>
-    <cs:lnRef idx="0"/>
-    <cs:fillRef idx="0"/>
-    <cs:effectRef idx="0"/>
-    <cs:fontRef idx="minor">
-      <a:schemeClr val="tx1">
-        <a:lumMod val="65000"/>
-        <a:lumOff val="35000"/>
-      </a:schemeClr>
-    </cs:fontRef>
-    <cs:defRPr sz="1197" kern="1200"/>
-  </cs:seriesAxis>
-  <cs:seriesLine>
-    <cs:lnRef idx="0"/>
-    <cs:fillRef idx="0"/>
-    <cs:effectRef idx="0"/>
-    <cs:fontRef idx="minor">
-      <a:schemeClr val="tx1"/>
-    </cs:fontRef>
-    <cs:spPr>
-      <a:ln w="9525" cap="flat" cmpd="sng" algn="ctr">
-        <a:solidFill>
-          <a:schemeClr val="tx1">
-            <a:lumMod val="35000"/>
-            <a:lumOff val="65000"/>
-          </a:schemeClr>
-        </a:solidFill>
-        <a:round/>
-      </a:ln>
-    </cs:spPr>
-  </cs:seriesLine>
-  <cs:title>
-    <cs:lnRef idx="0"/>
-    <cs:fillRef idx="0"/>
-    <cs:effectRef idx="0"/>
-    <cs:fontRef idx="minor">
-      <a:schemeClr val="tx1">
-        <a:lumMod val="65000"/>
-        <a:lumOff val="35000"/>
-      </a:schemeClr>
-    </cs:fontRef>
-    <cs:defRPr sz="1862" b="0" kern="1200" spc="0" baseline="0"/>
-  </cs:title>
-  <cs:trendline>
-    <cs:lnRef idx="0">
-      <cs:styleClr val="auto"/>
-    </cs:lnRef>
-    <cs:fillRef idx="0"/>
-    <cs:effectRef idx="0"/>
-    <cs:fontRef idx="minor">
-      <a:schemeClr val="tx1"/>
-    </cs:fontRef>
-    <cs:spPr>
-      <a:ln w="19050" cap="rnd">
-        <a:solidFill>
-          <a:schemeClr val="phClr"/>
-        </a:solidFill>
-        <a:prstDash val="sysDot"/>
-      </a:ln>
-    </cs:spPr>
-  </cs:trendline>
-  <cs:trendlineLabel>
-    <cs:lnRef idx="0"/>
-    <cs:fillRef idx="0"/>
-    <cs:effectRef idx="0"/>
-    <cs:fontRef idx="minor">
-      <a:schemeClr val="tx1">
-        <a:lumMod val="65000"/>
-        <a:lumOff val="35000"/>
-      </a:schemeClr>
-    </cs:fontRef>
-    <cs:defRPr sz="1197" kern="1200"/>
-  </cs:trendlineLabel>
-  <cs:upBar>
-    <cs:lnRef idx="0"/>
-    <cs:fillRef idx="0"/>
-    <cs:effectRef idx="0"/>
-    <cs:fontRef idx="minor">
-      <a:schemeClr val="dk1"/>
-    </cs:fontRef>
-    <cs:spPr>
-      <a:solidFill>
-        <a:schemeClr val="lt1"/>
-      </a:solidFill>
-      <a:ln w="9525">
-        <a:solidFill>
-          <a:schemeClr val="tx1">
-            <a:lumMod val="15000"/>
-            <a:lumOff val="85000"/>
-          </a:schemeClr>
-        </a:solidFill>
-      </a:ln>
-    </cs:spPr>
-  </cs:upBar>
-  <cs:valueAxis>
-    <cs:lnRef idx="0"/>
-    <cs:fillRef idx="0"/>
-    <cs:effectRef idx="0"/>
-    <cs:fontRef idx="minor">
-      <a:schemeClr val="tx1">
-        <a:lumMod val="65000"/>
-        <a:lumOff val="35000"/>
-      </a:schemeClr>
-    </cs:fontRef>
-    <cs:defRPr sz="1197" kern="1200"/>
-  </cs:valueAxis>
-  <cs:wall>
-    <cs:lnRef idx="0"/>
-    <cs:fillRef idx="0"/>
-    <cs:effectRef idx="0"/>
-    <cs:fontRef idx="minor">
-      <a:schemeClr val="tx1"/>
-    </cs:fontRef>
-    <cs:spPr>
-      <a:noFill/>
-      <a:ln>
-        <a:noFill/>
-      </a:ln>
-    </cs:spPr>
-  </cs:wall>
-</cs:chartStyle>
-</file>
-
-<file path=ppt/diagrams/colors1.xml><?xml version="1.0" encoding="utf-8"?>
-<dgm:colorsDef xmlns:dgm="http://schemas.openxmlformats.org/drawingml/2006/diagram" xmlns:a="http://schemas.openxmlformats.org/drawingml/2006/main" uniqueId="urn:microsoft.com/office/officeart/2005/8/colors/accent4_1">
-  <dgm:title val=""/>
-  <dgm:desc val=""/>
-  <dgm:catLst>
-    <dgm:cat type="accent4" pri="11100"/>
-  </dgm:catLst>
-  <dgm:styleLbl name="node0">
-    <dgm:fillClrLst meth="repeat">
-      <a:schemeClr val="lt1"/>
-    </dgm:fillClrLst>
-    <dgm:linClrLst meth="repeat">
-      <a:schemeClr val="accent4">
-        <a:shade val="80000"/>
-      </a:schemeClr>
-    </dgm:linClrLst>
-    <dgm:effectClrLst/>
-    <dgm:txLinClrLst/>
-    <dgm:txFillClrLst meth="repeat">
-      <a:schemeClr val="dk1"/>
-    </dgm:txFillClrLst>
-    <dgm:txEffectClrLst/>
-  </dgm:styleLbl>
-  <dgm:styleLbl name="node1">
-    <dgm:fillClrLst meth="repeat">
-      <a:schemeClr val="lt1"/>
-    </dgm:fillClrLst>
-    <dgm:linClrLst meth="repeat">
-      <a:schemeClr val="accent4">
-        <a:shade val="80000"/>
-      </a:schemeClr>
-    </dgm:linClrLst>
-    <dgm:effectClrLst/>
-    <dgm:txLinClrLst/>
-    <dgm:txFillClrLst meth="repeat">
-      <a:schemeClr val="dk1"/>
-    </dgm:txFillClrLst>
-    <dgm:txEffectClrLst/>
-  </dgm:styleLbl>
-  <dgm:styleLbl name="alignNode1">
-    <dgm:fillClrLst meth="repeat">
-      <a:schemeClr val="lt1"/>
-    </dgm:fillClrLst>
-    <dgm:linClrLst meth="repeat">
-      <a:schemeClr val="accent4">
-        <a:shade val="80000"/>
-      </a:schemeClr>
-    </dgm:linClrLst>
-    <dgm:effectClrLst/>
-    <dgm:txLinClrLst/>
-    <dgm:txFillClrLst meth="repeat">
-      <a:schemeClr val="dk1"/>
-    </dgm:txFillClrLst>
-    <dgm:txEffectClrLst/>
-  </dgm:styleLbl>
-  <dgm:styleLbl name="lnNode1">
-    <dgm:fillClrLst meth="repeat">
-      <a:schemeClr val="lt1"/>
-    </dgm:fillClrLst>
-    <dgm:linClrLst meth="repeat">
-      <a:schemeClr val="accent4">
-        <a:shade val="80000"/>
-      </a:schemeClr>
-    </dgm:linClrLst>
-    <dgm:effectClrLst/>
-    <dgm:txLinClrLst/>
-    <dgm:txFillClrLst meth="repeat">
-      <a:schemeClr val="dk1"/>
-    </dgm:txFillClrLst>
-    <dgm:txEffectClrLst/>
-  </dgm:styleLbl>
-  <dgm:styleLbl name="vennNode1">
-    <dgm:fillClrLst meth="repeat">
-      <a:schemeClr val="lt1">
-        <a:alpha val="50000"/>
-      </a:schemeClr>
-    </dgm:fillClrLst>
-    <dgm:linClrLst meth="repeat">
-      <a:schemeClr val="accent4">
-        <a:shade val="80000"/>
-      </a:schemeClr>
-    </dgm:linClrLst>
-    <dgm:effectClrLst/>
-    <dgm:txLinClrLst/>
-    <dgm:txFillClrLst/>
-    <dgm:txEffectClrLst/>
-  </dgm:styleLbl>
-  <dgm:styleLbl name="node2">
-    <dgm:fillClrLst meth="repeat">
-      <a:schemeClr val="lt1"/>
-    </dgm:fillClrLst>
-    <dgm:linClrLst meth="repeat">
-      <a:schemeClr val="accent4">
-        <a:shade val="80000"/>
-      </a:schemeClr>
-    </dgm:linClrLst>
-    <dgm:effectClrLst/>
-    <dgm:txLinClrLst/>
-    <dgm:txFillClrLst meth="repeat">
-      <a:schemeClr val="dk1"/>
-    </dgm:txFillClrLst>
-    <dgm:txEffectClrLst/>
-  </dgm:styleLbl>
-  <dgm:styleLbl name="node3">
-    <dgm:fillClrLst meth="repeat">
-      <a:schemeClr val="lt1"/>
-    </dgm:fillClrLst>
-    <dgm:linClrLst meth="repeat">
-      <a:schemeClr val="accent4">
-        <a:shade val="80000"/>
-      </a:schemeClr>
-    </dgm:linClrLst>
-    <dgm:effectClrLst/>
-    <dgm:txLinClrLst/>
-    <dgm:txFillClrLst meth="repeat">
-      <a:schemeClr val="dk1"/>
-    </dgm:txFillClrLst>
-    <dgm:txEffectClrLst/>
-  </dgm:styleLbl>
-  <dgm:styleLbl name="node4">
-    <dgm:fillClrLst meth="repeat">
-      <a:schemeClr val="lt1"/>
-    </dgm:fillClrLst>
-    <dgm:linClrLst meth="repeat">
-      <a:schemeClr val="accent4">
-        <a:shade val="80000"/>
-      </a:schemeClr>
-    </dgm:linClrLst>
-    <dgm:effectClrLst/>
-    <dgm:txLinClrLst/>
-    <dgm:txFillClrLst meth="repeat">
-      <a:schemeClr val="dk1"/>
-    </dgm:txFillClrLst>
-    <dgm:txEffectClrLst/>
-  </dgm:styleLbl>
-  <dgm:styleLbl name="fgImgPlace1">
-    <dgm:fillClrLst meth="repeat">
-      <a:schemeClr val="accent4">
-        <a:tint val="40000"/>
-      </a:schemeClr>
-    </dgm:fillClrLst>
-    <dgm:linClrLst meth="repeat">
-      <a:schemeClr val="accent4">
-        <a:shade val="80000"/>
-      </a:schemeClr>
-    </dgm:linClrLst>
-    <dgm:effectClrLst/>
-    <dgm:txLinClrLst/>
-    <dgm:txFillClrLst meth="repeat">
-      <a:schemeClr val="lt1"/>
-    </dgm:txFillClrLst>
-    <dgm:txEffectClrLst/>
-  </dgm:styleLbl>
-  <dgm:styleLbl name="alignImgPlace1">
-    <dgm:fillClrLst meth="repeat">
-      <a:schemeClr val="accent4">
-        <a:tint val="40000"/>
-      </a:schemeClr>
-    </dgm:fillClrLst>
-    <dgm:linClrLst meth="repeat">
-      <a:schemeClr val="accent4">
-        <a:shade val="80000"/>
-      </a:schemeClr>
-    </dgm:linClrLst>
-    <dgm:effectClrLst/>
-    <dgm:txLinClrLst/>
-    <dgm:txFillClrLst meth="repeat">
-      <a:schemeClr val="lt1"/>
-    </dgm:txFillClrLst>
-    <dgm:txEffectClrLst/>
-  </dgm:styleLbl>
-  <dgm:styleLbl name="bgImgPlace1">
-    <dgm:fillClrLst meth="repeat">
-      <a:schemeClr val="accent4">
-        <a:tint val="40000"/>
-      </a:schemeClr>
-    </dgm:fillClrLst>
-    <dgm:linClrLst meth="repeat">
-      <a:schemeClr val="accent4">
-        <a:shade val="80000"/>
-      </a:schemeClr>
-    </dgm:linClrLst>
-    <dgm:effectClrLst/>
-    <dgm:txLinClrLst/>
-    <dgm:txFillClrLst meth="repeat">
-      <a:schemeClr val="lt1"/>
-    </dgm:txFillClrLst>
-    <dgm:txEffectClrLst/>
-  </dgm:styleLbl>
-  <dgm:styleLbl name="sibTrans2D1">
-    <dgm:fillClrLst meth="repeat">
-      <a:schemeClr val="accent4">
-        <a:tint val="60000"/>
-      </a:schemeClr>
-    </dgm:fillClrLst>
-    <dgm:linClrLst meth="repeat">
-      <a:schemeClr val="accent4">
-        <a:tint val="60000"/>
-      </a:schemeClr>
-    </dgm:linClrLst>
-    <dgm:effectClrLst/>
-    <dgm:txLinClrLst/>
-    <dgm:txFillClrLst meth="repeat">
-      <a:schemeClr val="dk1"/>
-    </dgm:txFillClrLst>
-    <dgm:txEffectClrLst/>
-  </dgm:styleLbl>
-  <dgm:styleLbl name="fgSibTrans2D1">
-    <dgm:fillClrLst meth="repeat">
-      <a:schemeClr val="accent4">
-        <a:tint val="60000"/>
-      </a:schemeClr>
-    </dgm:fillClrLst>
-    <dgm:linClrLst meth="repeat">
-      <a:schemeClr val="accent4">
-        <a:tint val="60000"/>
-      </a:schemeClr>
-    </dgm:linClrLst>
-    <dgm:effectClrLst/>
-    <dgm:txLinClrLst/>
-    <dgm:txFillClrLst meth="repeat">
-      <a:schemeClr val="dk1"/>
-    </dgm:txFillClrLst>
-    <dgm:txEffectClrLst/>
-  </dgm:styleLbl>
-  <dgm:styleLbl name="bgSibTrans2D1">
-    <dgm:fillClrLst meth="repeat">
-      <a:schemeClr val="accent4">
-        <a:tint val="60000"/>
-      </a:schemeClr>
-    </dgm:fillClrLst>
-    <dgm:linClrLst meth="repeat">
-      <a:schemeClr val="accent4">
-        <a:tint val="60000"/>
-      </a:schemeClr>
-    </dgm:linClrLst>
-    <dgm:effectClrLst/>
-    <dgm:txLinClrLst/>
-    <dgm:txFillClrLst meth="repeat">
-      <a:schemeClr val="dk1"/>
-    </dgm:txFillClrLst>
-    <dgm:txEffectClrLst/>
-  </dgm:styleLbl>
-  <dgm:styleLbl name="sibTrans1D1">
-    <dgm:fillClrLst meth="repeat">
-      <a:schemeClr val="accent4"/>
-    </dgm:fillClrLst>
-    <dgm:linClrLst meth="repeat">
-      <a:schemeClr val="accent4"/>
-    </dgm:linClrLst>
-    <dgm:effectClrLst/>
-    <dgm:txLinClrLst/>
-    <dgm:txFillClrLst meth="repeat">
-      <a:schemeClr val="tx1"/>
-    </dgm:txFillClrLst>
-    <dgm:txEffectClrLst/>
-  </dgm:styleLbl>
-  <dgm:styleLbl name="callout">
-    <dgm:fillClrLst meth="repeat">
-      <a:schemeClr val="accent4"/>
-    </dgm:fillClrLst>
-    <dgm:linClrLst meth="repeat">
-      <a:schemeClr val="accent4"/>
-    </dgm:linClrLst>
-    <dgm:effectClrLst/>
-    <dgm:txLinClrLst/>
-    <dgm:txFillClrLst meth="repeat">
-      <a:schemeClr val="tx1"/>
-    </dgm:txFillClrLst>
-    <dgm:txEffectClrLst/>
-  </dgm:styleLbl>
-  <dgm:styleLbl name="asst0">
-    <dgm:fillClrLst meth="repeat">
-      <a:schemeClr val="lt1"/>
-    </dgm:fillClrLst>
-    <dgm:linClrLst meth="repeat">
-      <a:schemeClr val="accent4">
-        <a:shade val="80000"/>
-      </a:schemeClr>
-    </dgm:linClrLst>
-    <dgm:effectClrLst/>
-    <dgm:txLinClrLst/>
-    <dgm:txFillClrLst meth="repeat">
-      <a:schemeClr val="dk1"/>
-    </dgm:txFillClrLst>
-    <dgm:txEffectClrLst/>
-  </dgm:styleLbl>
-  <dgm:styleLbl name="asst1">
-    <dgm:fillClrLst meth="repeat">
-      <a:schemeClr val="lt1"/>
-    </dgm:fillClrLst>
-    <dgm:linClrLst meth="repeat">
-      <a:schemeClr val="accent4">
-        <a:shade val="80000"/>
-      </a:schemeClr>
-    </dgm:linClrLst>
-    <dgm:effectClrLst/>
-    <dgm:txLinClrLst/>
-    <dgm:txFillClrLst meth="repeat">
-      <a:schemeClr val="dk1"/>
-    </dgm:txFillClrLst>
-    <dgm:txEffectClrLst/>
-  </dgm:styleLbl>
-  <dgm:styleLbl name="asst2">
-    <dgm:fillClrLst meth="repeat">
-      <a:schemeClr val="lt1"/>
-    </dgm:fillClrLst>
-    <dgm:linClrLst meth="repeat">
-      <a:schemeClr val="accent4">
-        <a:shade val="80000"/>
-      </a:schemeClr>
-    </dgm:linClrLst>
-    <dgm:effectClrLst/>
-    <dgm:txLinClrLst/>
-    <dgm:txFillClrLst meth="repeat">
-      <a:schemeClr val="dk1"/>
-    </dgm:txFillClrLst>
-    <dgm:txEffectClrLst/>
-  </dgm:styleLbl>
-  <dgm:styleLbl name="asst3">
-    <dgm:fillClrLst meth="repeat">
-      <a:schemeClr val="lt1"/>
-    </dgm:fillClrLst>
-    <dgm:linClrLst meth="repeat">
-      <a:schemeClr val="accent4">
-        <a:shade val="80000"/>
-      </a:schemeClr>
-    </dgm:linClrLst>
-    <dgm:effectClrLst/>
-    <dgm:txLinClrLst/>
-    <dgm:txFillClrLst meth="repeat">
-      <a:schemeClr val="dk1"/>
-    </dgm:txFillClrLst>
-    <dgm:txEffectClrLst/>
-  </dgm:styleLbl>
-  <dgm:styleLbl name="asst4">
-    <dgm:fillClrLst meth="repeat">
-      <a:schemeClr val="lt1"/>
-    </dgm:fillClrLst>
-    <dgm:linClrLst meth="repeat">
-      <a:schemeClr val="accent4">
-        <a:shade val="80000"/>
-      </a:schemeClr>
-    </dgm:linClrLst>
-    <dgm:effectClrLst/>
-    <dgm:txLinClrLst/>
-    <dgm:txFillClrLst meth="repeat">
-      <a:schemeClr val="dk1"/>
-    </dgm:txFillClrLst>
-    <dgm:txEffectClrLst/>
-  </dgm:styleLbl>
-  <dgm:styleLbl name="parChTrans2D1">
-    <dgm:fillClrLst meth="repeat">
-      <a:schemeClr val="accent4">
-        <a:tint val="60000"/>
-      </a:schemeClr>
-    </dgm:fillClrLst>
-    <dgm:linClrLst meth="repeat">
-      <a:schemeClr val="accent4">
-        <a:tint val="60000"/>
-      </a:schemeClr>
-    </dgm:linClrLst>
-    <dgm:effectClrLst/>
-    <dgm:txLinClrLst/>
-    <dgm:txFillClrLst/>
-    <dgm:txEffectClrLst/>
-  </dgm:styleLbl>
-  <dgm:styleLbl name="parChTrans2D2">
-    <dgm:fillClrLst meth="repeat">
-      <a:schemeClr val="accent4"/>
-    </dgm:fillClrLst>
-    <dgm:linClrLst meth="repeat">
-      <a:schemeClr val="accent4"/>
-    </dgm:linClrLst>
-    <dgm:effectClrLst/>
-    <dgm:txLinClrLst/>
-    <dgm:txFillClrLst/>
-    <dgm:txEffectClrLst/>
-  </dgm:styleLbl>
-  <dgm:styleLbl name="parChTrans2D3">
-    <dgm:fillClrLst meth="repeat">
-      <a:schemeClr val="accent4"/>
-    </dgm:fillClrLst>
-    <dgm:linClrLst meth="repeat">
-      <a:schemeClr val="accent4"/>
-    </dgm:linClrLst>
-    <dgm:effectClrLst/>
-    <dgm:txLinClrLst/>
-    <dgm:txFillClrLst/>
-    <dgm:txEffectClrLst/>
-  </dgm:styleLbl>
-  <dgm:styleLbl name="parChTrans2D4">
-    <dgm:fillClrLst meth="repeat">
-      <a:schemeClr val="accent4"/>
-    </dgm:fillClrLst>
-    <dgm:linClrLst meth="repeat">
-      <a:schemeClr val="accent4"/>
-    </dgm:linClrLst>
-    <dgm:effectClrLst/>
-    <dgm:txLinClrLst/>
-    <dgm:txFillClrLst meth="repeat">
-      <a:schemeClr val="lt1"/>
-    </dgm:txFillClrLst>
-    <dgm:txEffectClrLst/>
-  </dgm:styleLbl>
-  <dgm:styleLbl name="parChTrans1D1">
-    <dgm:fillClrLst meth="repeat">
-      <a:schemeClr val="accent4"/>
-    </dgm:fillClrLst>
-    <dgm:linClrLst meth="repeat">
-      <a:schemeClr val="accent4">
-        <a:shade val="60000"/>
-      </a:schemeClr>
-    </dgm:linClrLst>
-    <dgm:effectClrLst/>
-    <dgm:txLinClrLst/>
-    <dgm:txFillClrLst meth="repeat">
-      <a:schemeClr val="tx1"/>
-    </dgm:txFillClrLst>
-    <dgm:txEffectClrLst/>
-  </dgm:styleLbl>
-  <dgm:styleLbl name="parChTrans1D2">
-    <dgm:fillClrLst meth="repeat">
-      <a:schemeClr val="accent4"/>
-    </dgm:fillClrLst>
-    <dgm:linClrLst meth="repeat">
-      <a:schemeClr val="accent4">
-        <a:shade val="60000"/>
-      </a:schemeClr>
-    </dgm:linClrLst>
-    <dgm:effectClrLst/>
-    <dgm:txLinClrLst/>
-    <dgm:txFillClrLst meth="repeat">
-      <a:schemeClr val="tx1"/>
-    </dgm:txFillClrLst>
-    <dgm:txEffectClrLst/>
-  </dgm:styleLbl>
-  <dgm:styleLbl name="parChTrans1D3">
-    <dgm:fillClrLst meth="repeat">
-      <a:schemeClr val="accent4"/>
-    </dgm:fillClrLst>
-    <dgm:linClrLst meth="repeat">
-      <a:schemeClr val="accent4">
-        <a:shade val="80000"/>
-      </a:schemeClr>
-    </dgm:linClrLst>
-    <dgm:effectClrLst/>
-    <dgm:txLinClrLst/>
-    <dgm:txFillClrLst meth="repeat">
-      <a:schemeClr val="tx1"/>
-    </dgm:txFillClrLst>
-    <dgm:txEffectClrLst/>
-  </dgm:styleLbl>
-  <dgm:styleLbl name="parChTrans1D4">
-    <dgm:fillClrLst meth="repeat">
-      <a:schemeClr val="accent4"/>
-    </dgm:fillClrLst>
-    <dgm:linClrLst meth="repeat">
-      <a:schemeClr val="accent4">
-        <a:shade val="80000"/>
-      </a:schemeClr>
-    </dgm:linClrLst>
-    <dgm:effectClrLst/>
-    <dgm:txLinClrLst/>
-    <dgm:txFillClrLst meth="repeat">
-      <a:schemeClr val="tx1"/>
-    </dgm:txFillClrLst>
-    <dgm:txEffectClrLst/>
-  </dgm:styleLbl>
-  <dgm:styleLbl name="fgAcc1">
-    <dgm:fillClrLst meth="repeat">
-      <a:schemeClr val="accent4">
-        <a:alpha val="90000"/>
-        <a:tint val="40000"/>
-      </a:schemeClr>
-    </dgm:fillClrLst>
-    <dgm:linClrLst meth="repeat">
-      <a:schemeClr val="accent4"/>
-    </dgm:linClrLst>
-    <dgm:effectClrLst/>
-    <dgm:txLinClrLst/>
-    <dgm:txFillClrLst meth="repeat">
-      <a:schemeClr val="dk1"/>
-    </dgm:txFillClrLst>
-    <dgm:txEffectClrLst/>
-  </dgm:styleLbl>
-  <dgm:styleLbl name="conFgAcc1">
-    <dgm:fillClrLst meth="repeat">
-      <a:schemeClr val="accent4">
-        <a:alpha val="90000"/>
-        <a:tint val="40000"/>
-      </a:schemeClr>
-    </dgm:fillClrLst>
-    <dgm:linClrLst meth="repeat">
-      <a:schemeClr val="accent4"/>
-    </dgm:linClrLst>
-    <dgm:effectClrLst/>
-    <dgm:txLinClrLst/>
-    <dgm:txFillClrLst meth="repeat">
-      <a:schemeClr val="dk1"/>
-    </dgm:txFillClrLst>
-    <dgm:txEffectClrLst/>
-  </dgm:styleLbl>
-  <dgm:styleLbl name="alignAcc1">
-    <dgm:fillClrLst meth="repeat">
-      <a:schemeClr val="accent4">
-        <a:alpha val="90000"/>
-        <a:tint val="40000"/>
-      </a:schemeClr>
-    </dgm:fillClrLst>
-    <dgm:linClrLst meth="repeat">
-      <a:schemeClr val="accent4"/>
-    </dgm:linClrLst>
-    <dgm:effectClrLst/>
-    <dgm:txLinClrLst/>
-    <dgm:txFillClrLst meth="repeat">
-      <a:schemeClr val="dk1"/>
-    </dgm:txFillClrLst>
-    <dgm:txEffectClrLst/>
-  </dgm:styleLbl>
-  <dgm:styleLbl name="trAlignAcc1">
-    <dgm:fillClrLst meth="repeat">
-      <a:schemeClr val="accent4">
-        <a:alpha val="40000"/>
-        <a:tint val="40000"/>
-      </a:schemeClr>
-    </dgm:fillClrLst>
-    <dgm:linClrLst meth="repeat">
-      <a:schemeClr val="accent4"/>
-    </dgm:linClrLst>
-    <dgm:effectClrLst/>
-    <dgm:txLinClrLst/>
-    <dgm:txFillClrLst meth="repeat">
-      <a:schemeClr val="dk1"/>
-    </dgm:txFillClrLst>
-    <dgm:txEffectClrLst/>
-  </dgm:styleLbl>
-  <dgm:styleLbl name="bgAcc1">
-    <dgm:fillClrLst meth="repeat">
-      <a:schemeClr val="accent4">
-        <a:alpha val="90000"/>
-        <a:tint val="40000"/>
-      </a:schemeClr>
-    </dgm:fillClrLst>
-    <dgm:linClrLst meth="repeat">
-      <a:schemeClr val="accent4"/>
-    </dgm:linClrLst>
-    <dgm:effectClrLst/>
-    <dgm:txLinClrLst/>
-    <dgm:txFillClrLst meth="repeat">
-      <a:schemeClr val="dk1"/>
-    </dgm:txFillClrLst>
-    <dgm:txEffectClrLst/>
-  </dgm:styleLbl>
-  <dgm:styleLbl name="solidFgAcc1">
-    <dgm:fillClrLst meth="repeat">
-      <a:schemeClr val="lt1"/>
-    </dgm:fillClrLst>
-    <dgm:linClrLst meth="repeat">
-      <a:schemeClr val="accent4"/>
-    </dgm:linClrLst>
-    <dgm:effectClrLst/>
-    <dgm:txLinClrLst/>
-    <dgm:txFillClrLst meth="repeat">
-      <a:schemeClr val="dk1"/>
-    </dgm:txFillClrLst>
-    <dgm:txEffectClrLst/>
-  </dgm:styleLbl>
-  <dgm:styleLbl name="solidAlignAcc1">
-    <dgm:fillClrLst meth="repeat">
-      <a:schemeClr val="lt1"/>
-    </dgm:fillClrLst>
-    <dgm:linClrLst meth="repeat">
-      <a:schemeClr val="accent4"/>
-    </dgm:linClrLst>
-    <dgm:effectClrLst/>
-    <dgm:txLinClrLst/>
-    <dgm:txFillClrLst meth="repeat">
-      <a:schemeClr val="dk1"/>
-    </dgm:txFillClrLst>
-    <dgm:txEffectClrLst/>
-  </dgm:styleLbl>
-  <dgm:styleLbl name="solidBgAcc1">
-    <dgm:fillClrLst meth="repeat">
-      <a:schemeClr val="lt1"/>
-    </dgm:fillClrLst>
-    <dgm:linClrLst meth="repeat">
-      <a:schemeClr val="accent4"/>
-    </dgm:linClrLst>
-    <dgm:effectClrLst/>
-    <dgm:txLinClrLst/>
-    <dgm:txFillClrLst meth="repeat">
-      <a:schemeClr val="dk1"/>
-    </dgm:txFillClrLst>
-    <dgm:txEffectClrLst/>
-  </dgm:styleLbl>
-  <dgm:styleLbl name="fgAccFollowNode1">
-    <dgm:fillClrLst meth="repeat">
-      <a:schemeClr val="lt1">
-        <a:alpha val="90000"/>
-        <a:tint val="40000"/>
-      </a:schemeClr>
-    </dgm:fillClrLst>
-    <dgm:linClrLst meth="repeat">
-      <a:schemeClr val="accent4">
-        <a:alpha val="90000"/>
-      </a:schemeClr>
-    </dgm:linClrLst>
-    <dgm:effectClrLst/>
-    <dgm:txLinClrLst/>
-    <dgm:txFillClrLst meth="repeat">
-      <a:schemeClr val="dk1"/>
-    </dgm:txFillClrLst>
-    <dgm:txEffectClrLst/>
-  </dgm:styleLbl>
-  <dgm:styleLbl name="alignAccFollowNode1">
-    <dgm:fillClrLst meth="repeat">
-      <a:schemeClr val="lt1">
-        <a:alpha val="90000"/>
-        <a:tint val="40000"/>
-      </a:schemeClr>
-    </dgm:fillClrLst>
-    <dgm:linClrLst meth="repeat">
-      <a:schemeClr val="accent4">
-        <a:alpha val="90000"/>
-      </a:schemeClr>
-    </dgm:linClrLst>
-    <dgm:effectClrLst/>
-    <dgm:txLinClrLst/>
-    <dgm:txFillClrLst meth="repeat">
-      <a:schemeClr val="dk1"/>
-    </dgm:txFillClrLst>
-    <dgm:txEffectClrLst/>
-  </dgm:styleLbl>
-  <dgm:styleLbl name="bgAccFollowNode1">
-    <dgm:fillClrLst meth="repeat">
-      <a:schemeClr val="lt1">
-        <a:alpha val="90000"/>
-        <a:tint val="40000"/>
-      </a:schemeClr>
-    </dgm:fillClrLst>
-    <dgm:linClrLst meth="repeat">
-      <a:schemeClr val="accent4">
-        <a:alpha val="90000"/>
-      </a:schemeClr>
-    </dgm:linClrLst>
-    <dgm:effectClrLst/>
-    <dgm:txLinClrLst/>
-    <dgm:txFillClrLst meth="repeat">
-      <a:schemeClr val="dk1"/>
-    </dgm:txFillClrLst>
-    <dgm:txEffectClrLst/>
-  </dgm:styleLbl>
-  <dgm:styleLbl name="fgAcc0">
-    <dgm:fillClrLst meth="repeat">
-      <a:schemeClr val="accent4">
-        <a:alpha val="90000"/>
-        <a:tint val="40000"/>
-      </a:schemeClr>
-    </dgm:fillClrLst>
-    <dgm:linClrLst meth="repeat">
-      <a:schemeClr val="accent4"/>
-    </dgm:linClrLst>
-    <dgm:effectClrLst/>
-    <dgm:txLinClrLst/>
-    <dgm:txFillClrLst meth="repeat">
-      <a:schemeClr val="dk1"/>
-    </dgm:txFillClrLst>
-    <dgm:txEffectClrLst/>
-  </dgm:styleLbl>
-  <dgm:styleLbl name="fgAcc2">
-    <dgm:fillClrLst meth="repeat">
-      <a:schemeClr val="accent4">
-        <a:alpha val="90000"/>
-        <a:tint val="40000"/>
-      </a:schemeClr>
-    </dgm:fillClrLst>
-    <dgm:linClrLst meth="repeat">
-      <a:schemeClr val="accent4"/>
-    </dgm:linClrLst>
-    <dgm:effectClrLst/>
-    <dgm:txLinClrLst/>
-    <dgm:txFillClrLst meth="repeat">
-      <a:schemeClr val="dk1"/>
-    </dgm:txFillClrLst>
-    <dgm:txEffectClrLst/>
-  </dgm:styleLbl>
-  <dgm:styleLbl name="fgAcc3">
-    <dgm:fillClrLst meth="repeat">
-      <a:schemeClr val="accent4">
-        <a:alpha val="90000"/>
-        <a:tint val="40000"/>
-      </a:schemeClr>
-    </dgm:fillClrLst>
-    <dgm:linClrLst meth="repeat">
-      <a:schemeClr val="accent4"/>
-    </dgm:linClrLst>
-    <dgm:effectClrLst/>
-    <dgm:txLinClrLst/>
-    <dgm:txFillClrLst meth="repeat">
-      <a:schemeClr val="dk1"/>
-    </dgm:txFillClrLst>
-    <dgm:txEffectClrLst/>
-  </dgm:styleLbl>
-  <dgm:styleLbl name="fgAcc4">
-    <dgm:fillClrLst meth="repeat">
-      <a:schemeClr val="accent4">
-        <a:alpha val="90000"/>
-        <a:tint val="40000"/>
-      </a:schemeClr>
-    </dgm:fillClrLst>
-    <dgm:linClrLst meth="repeat">
-      <a:schemeClr val="accent4"/>
-    </dgm:linClrLst>
-    <dgm:effectClrLst/>
-    <dgm:txLinClrLst/>
-    <dgm:txFillClrLst meth="repeat">
-      <a:schemeClr val="dk1"/>
-    </dgm:txFillClrLst>
-    <dgm:txEffectClrLst/>
-  </dgm:styleLbl>
-  <dgm:styleLbl name="bgShp">
-    <dgm:fillClrLst meth="repeat">
-      <a:schemeClr val="accent4">
-        <a:tint val="40000"/>
-      </a:schemeClr>
-    </dgm:fillClrLst>
-    <dgm:linClrLst meth="repeat">
-      <a:schemeClr val="accent4"/>
-    </dgm:linClrLst>
-    <dgm:effectClrLst/>
-    <dgm:txLinClrLst/>
-    <dgm:txFillClrLst meth="repeat">
-      <a:schemeClr val="dk1"/>
-    </dgm:txFillClrLst>
-    <dgm:txEffectClrLst/>
-  </dgm:styleLbl>
-  <dgm:styleLbl name="dkBgShp">
-    <dgm:fillClrLst meth="repeat">
-      <a:schemeClr val="accent4">
-        <a:shade val="80000"/>
-      </a:schemeClr>
-    </dgm:fillClrLst>
-    <dgm:linClrLst meth="repeat">
-      <a:schemeClr val="accent4"/>
-    </dgm:linClrLst>
-    <dgm:effectClrLst/>
-    <dgm:txLinClrLst/>
-    <dgm:txFillClrLst meth="repeat">
-      <a:schemeClr val="lt1"/>
-    </dgm:txFillClrLst>
-    <dgm:txEffectClrLst/>
-  </dgm:styleLbl>
-  <dgm:styleLbl name="trBgShp">
-    <dgm:fillClrLst meth="repeat">
-      <a:schemeClr val="accent4">
-        <a:tint val="50000"/>
-        <a:alpha val="40000"/>
-      </a:schemeClr>
-    </dgm:fillClrLst>
-    <dgm:linClrLst meth="repeat">
-      <a:schemeClr val="accent4"/>
-    </dgm:linClrLst>
-    <dgm:effectClrLst/>
-    <dgm:txLinClrLst/>
-    <dgm:txFillClrLst meth="repeat">
-      <a:schemeClr val="lt1"/>
-    </dgm:txFillClrLst>
-    <dgm:txEffectClrLst/>
-  </dgm:styleLbl>
-  <dgm:styleLbl name="fgShp">
-    <dgm:fillClrLst meth="repeat">
-      <a:schemeClr val="accent4">
-        <a:tint val="60000"/>
-      </a:schemeClr>
-    </dgm:fillClrLst>
-    <dgm:linClrLst meth="repeat">
-      <a:schemeClr val="lt1"/>
-    </dgm:linClrLst>
-    <dgm:effectClrLst/>
-    <dgm:txLinClrLst/>
-    <dgm:txFillClrLst meth="repeat">
-      <a:schemeClr val="dk1"/>
-    </dgm:txFillClrLst>
-    <dgm:txEffectClrLst/>
-  </dgm:styleLbl>
-  <dgm:styleLbl name="revTx">
-    <dgm:fillClrLst meth="repeat">
-      <a:schemeClr val="lt1">
-        <a:alpha val="0"/>
-      </a:schemeClr>
-    </dgm:fillClrLst>
-    <dgm:linClrLst meth="repeat">
-      <a:schemeClr val="dk1">
-        <a:alpha val="0"/>
-      </a:schemeClr>
-    </dgm:linClrLst>
-    <dgm:effectClrLst/>
-    <dgm:txLinClrLst/>
-    <dgm:txFillClrLst meth="repeat">
-      <a:schemeClr val="tx1"/>
-    </dgm:txFillClrLst>
-    <dgm:txEffectClrLst/>
-  </dgm:styleLbl>
-</dgm:colorsDef>
-</file>
-
-<file path=ppt/diagrams/data1.xml><?xml version="1.0" encoding="utf-8"?>
-<dgm:dataModel xmlns:dgm="http://schemas.openxmlformats.org/drawingml/2006/diagram" xmlns:a="http://schemas.openxmlformats.org/drawingml/2006/main">
-  <dgm:ptLst>
-    <dgm:pt modelId="{D44E9E87-B9B9-4324-8110-FB781FB2AAAE}" type="doc">
-      <dgm:prSet loTypeId="urn:microsoft.com/office/officeart/2005/8/layout/radial6" loCatId="cycle" qsTypeId="urn:microsoft.com/office/officeart/2005/8/quickstyle/simple1" qsCatId="simple" csTypeId="urn:microsoft.com/office/officeart/2005/8/colors/accent4_1" csCatId="accent4" phldr="1"/>
-      <dgm:spPr/>
-      <dgm:t>
-        <a:bodyPr/>
-        <a:lstStyle/>
-        <a:p>
-          <a:endParaRPr lang="en-US"/>
-        </a:p>
-      </dgm:t>
-    </dgm:pt>
-    <dgm:pt modelId="{170C0135-3A94-4623-AA81-735573228628}">
-      <dgm:prSet phldrT="[Text]"/>
-      <dgm:spPr/>
-      <dgm:t>
-        <a:bodyPr/>
-        <a:lstStyle/>
-        <a:p>
-          <a:r>
-            <a:rPr lang="en-US" dirty="0"/>
-            <a:t>Group A</a:t>
-          </a:r>
-        </a:p>
-      </dgm:t>
-      <dgm:extLst>
-        <a:ext uri="{E40237B7-FDA0-4F09-8148-C483321AD2D9}">
-          <dgm14:cNvPr xmlns:dgm14="http://schemas.microsoft.com/office/drawing/2010/diagram" id="0" name="" title="Group A"/>
-        </a:ext>
-      </dgm:extLst>
-    </dgm:pt>
-    <dgm:pt modelId="{7EDBC624-DFE3-497D-829C-08721ACED330}" type="parTrans" cxnId="{22A430BA-B6E0-4052-AE0E-A81596E2528E}">
-      <dgm:prSet/>
-      <dgm:spPr/>
-      <dgm:t>
-        <a:bodyPr/>
-        <a:lstStyle/>
-        <a:p>
-          <a:endParaRPr lang="en-US"/>
-        </a:p>
-      </dgm:t>
-    </dgm:pt>
-    <dgm:pt modelId="{D38474F5-0992-4D39-B19C-1F963AEBACD2}" type="sibTrans" cxnId="{22A430BA-B6E0-4052-AE0E-A81596E2528E}">
-      <dgm:prSet/>
-      <dgm:spPr/>
-      <dgm:t>
-        <a:bodyPr/>
-        <a:lstStyle/>
-        <a:p>
-          <a:endParaRPr lang="en-US"/>
-        </a:p>
-      </dgm:t>
-    </dgm:pt>
-    <dgm:pt modelId="{B8E35523-DEC4-40C5-AD71-C446E3CF02A7}">
-      <dgm:prSet phldrT="[Text]"/>
-      <dgm:spPr/>
-      <dgm:t>
-        <a:bodyPr/>
-        <a:lstStyle/>
-        <a:p>
-          <a:r>
-            <a:rPr lang="en-US" dirty="0"/>
-            <a:t>Task 1</a:t>
-          </a:r>
-        </a:p>
-      </dgm:t>
-      <dgm:extLst>
-        <a:ext uri="{E40237B7-FDA0-4F09-8148-C483321AD2D9}">
-          <dgm14:cNvPr xmlns:dgm14="http://schemas.microsoft.com/office/drawing/2010/diagram" id="0" name="" title="Task 1"/>
-        </a:ext>
-      </dgm:extLst>
-    </dgm:pt>
-    <dgm:pt modelId="{E38275A8-6585-473D-8CD2-46E571691CE8}" type="parTrans" cxnId="{74BF261D-E0A3-43A7-83EB-85FEEF0798DA}">
-      <dgm:prSet/>
-      <dgm:spPr/>
-      <dgm:t>
-        <a:bodyPr/>
-        <a:lstStyle/>
-        <a:p>
-          <a:endParaRPr lang="en-US"/>
-        </a:p>
-      </dgm:t>
-    </dgm:pt>
-    <dgm:pt modelId="{2EEF7558-FF6A-4D97-B16B-E787F09F42D0}" type="sibTrans" cxnId="{74BF261D-E0A3-43A7-83EB-85FEEF0798DA}">
-      <dgm:prSet/>
-      <dgm:spPr/>
-      <dgm:t>
-        <a:bodyPr/>
-        <a:lstStyle/>
-        <a:p>
-          <a:endParaRPr lang="en-US"/>
-        </a:p>
-      </dgm:t>
-      <dgm:extLst>
-        <a:ext uri="{E40237B7-FDA0-4F09-8148-C483321AD2D9}">
-          <dgm14:cNvPr xmlns:dgm14="http://schemas.microsoft.com/office/drawing/2010/diagram" id="0" name="" title="Colored circle connected to tasks"/>
-        </a:ext>
-      </dgm:extLst>
-    </dgm:pt>
-    <dgm:pt modelId="{2551E4CB-EB09-450C-9132-37387398D945}">
-      <dgm:prSet phldrT="[Text]"/>
-      <dgm:spPr/>
-      <dgm:t>
-        <a:bodyPr/>
-        <a:lstStyle/>
-        <a:p>
-          <a:r>
-            <a:rPr lang="en-US" dirty="0"/>
-            <a:t>Task 2</a:t>
-          </a:r>
-        </a:p>
-      </dgm:t>
-      <dgm:extLst>
-        <a:ext uri="{E40237B7-FDA0-4F09-8148-C483321AD2D9}">
-          <dgm14:cNvPr xmlns:dgm14="http://schemas.microsoft.com/office/drawing/2010/diagram" id="0" name="" title="Task 2"/>
-        </a:ext>
-      </dgm:extLst>
-    </dgm:pt>
-    <dgm:pt modelId="{FDDC1A66-5C2F-4161-9EE0-50E6AE6B3566}" type="parTrans" cxnId="{1C13D7DA-244F-475B-A626-FFEF1E3983D1}">
-      <dgm:prSet/>
-      <dgm:spPr/>
-      <dgm:t>
-        <a:bodyPr/>
-        <a:lstStyle/>
-        <a:p>
-          <a:endParaRPr lang="en-US"/>
-        </a:p>
-      </dgm:t>
-    </dgm:pt>
-    <dgm:pt modelId="{B47B7453-52D0-4E8E-A0EE-5E0C42B9531D}" type="sibTrans" cxnId="{1C13D7DA-244F-475B-A626-FFEF1E3983D1}">
-      <dgm:prSet/>
-      <dgm:spPr/>
-      <dgm:t>
-        <a:bodyPr/>
-        <a:lstStyle/>
-        <a:p>
-          <a:endParaRPr lang="en-US"/>
-        </a:p>
-      </dgm:t>
-      <dgm:extLst>
-        <a:ext uri="{E40237B7-FDA0-4F09-8148-C483321AD2D9}">
-          <dgm14:cNvPr xmlns:dgm14="http://schemas.microsoft.com/office/drawing/2010/diagram" id="0" name="" title="Colored circle connected to tasks"/>
-        </a:ext>
-      </dgm:extLst>
-    </dgm:pt>
-    <dgm:pt modelId="{57FC35C8-C6CB-4C82-BE0F-B92E4ECAE64D}">
-      <dgm:prSet phldrT="[Text]"/>
-      <dgm:spPr/>
-      <dgm:t>
-        <a:bodyPr/>
-        <a:lstStyle/>
-        <a:p>
-          <a:r>
-            <a:rPr lang="en-US" dirty="0"/>
-            <a:t>Task 3</a:t>
-          </a:r>
-        </a:p>
-      </dgm:t>
-      <dgm:extLst>
-        <a:ext uri="{E40237B7-FDA0-4F09-8148-C483321AD2D9}">
-          <dgm14:cNvPr xmlns:dgm14="http://schemas.microsoft.com/office/drawing/2010/diagram" id="0" name="" title="Task 3"/>
-        </a:ext>
-      </dgm:extLst>
-    </dgm:pt>
-    <dgm:pt modelId="{DCE6D27B-E846-4331-8F79-CDC1E8DDD09A}" type="parTrans" cxnId="{B410F203-BF34-4790-B774-CBB246AFFDF3}">
-      <dgm:prSet/>
-      <dgm:spPr/>
-      <dgm:t>
-        <a:bodyPr/>
-        <a:lstStyle/>
-        <a:p>
-          <a:endParaRPr lang="en-US"/>
-        </a:p>
-      </dgm:t>
-    </dgm:pt>
-    <dgm:pt modelId="{E3DD98F3-578A-483D-B82A-920BD328FE4E}" type="sibTrans" cxnId="{B410F203-BF34-4790-B774-CBB246AFFDF3}">
-      <dgm:prSet/>
-      <dgm:spPr/>
-      <dgm:t>
-        <a:bodyPr/>
-        <a:lstStyle/>
-        <a:p>
-          <a:endParaRPr lang="en-US"/>
-        </a:p>
-      </dgm:t>
-      <dgm:extLst>
-        <a:ext uri="{E40237B7-FDA0-4F09-8148-C483321AD2D9}">
-          <dgm14:cNvPr xmlns:dgm14="http://schemas.microsoft.com/office/drawing/2010/diagram" id="0" name="" title="Colored circle connected to tasks"/>
-        </a:ext>
-      </dgm:extLst>
-    </dgm:pt>
-    <dgm:pt modelId="{061D020E-2B5D-4C0D-9DFD-684837CC0BCE}" type="pres">
-      <dgm:prSet presAssocID="{D44E9E87-B9B9-4324-8110-FB781FB2AAAE}" presName="Name0" presStyleCnt="0">
-        <dgm:presLayoutVars>
-          <dgm:chMax val="1"/>
-          <dgm:dir/>
-          <dgm:animLvl val="ctr"/>
-          <dgm:resizeHandles val="exact"/>
-        </dgm:presLayoutVars>
-      </dgm:prSet>
-      <dgm:spPr/>
-    </dgm:pt>
-    <dgm:pt modelId="{698F6F3C-42F1-48FA-9425-25042679391F}" type="pres">
-      <dgm:prSet presAssocID="{170C0135-3A94-4623-AA81-735573228628}" presName="centerShape" presStyleLbl="node0" presStyleIdx="0" presStyleCnt="1"/>
-      <dgm:spPr/>
-    </dgm:pt>
-    <dgm:pt modelId="{5E4B35E6-EA27-424E-89EC-46D0A40F2772}" type="pres">
-      <dgm:prSet presAssocID="{B8E35523-DEC4-40C5-AD71-C446E3CF02A7}" presName="node" presStyleLbl="node1" presStyleIdx="0" presStyleCnt="3">
-        <dgm:presLayoutVars>
-          <dgm:bulletEnabled val="1"/>
-        </dgm:presLayoutVars>
-      </dgm:prSet>
-      <dgm:spPr/>
-    </dgm:pt>
-    <dgm:pt modelId="{8B180F40-4EFD-493D-838A-C88D7BCC1034}" type="pres">
-      <dgm:prSet presAssocID="{B8E35523-DEC4-40C5-AD71-C446E3CF02A7}" presName="dummy" presStyleCnt="0"/>
-      <dgm:spPr/>
-    </dgm:pt>
-    <dgm:pt modelId="{98E28826-978E-4A6B-8422-B9CC30E49F37}" type="pres">
-      <dgm:prSet presAssocID="{2EEF7558-FF6A-4D97-B16B-E787F09F42D0}" presName="sibTrans" presStyleLbl="sibTrans2D1" presStyleIdx="0" presStyleCnt="3"/>
-      <dgm:spPr/>
-    </dgm:pt>
-    <dgm:pt modelId="{8FAC1D8D-CE9C-45FC-86D2-26F007C6DD34}" type="pres">
-      <dgm:prSet presAssocID="{2551E4CB-EB09-450C-9132-37387398D945}" presName="node" presStyleLbl="node1" presStyleIdx="1" presStyleCnt="3">
-        <dgm:presLayoutVars>
-          <dgm:bulletEnabled val="1"/>
-        </dgm:presLayoutVars>
-      </dgm:prSet>
-      <dgm:spPr/>
-    </dgm:pt>
-    <dgm:pt modelId="{582D627C-FAD1-4F2D-897E-C08848385BAA}" type="pres">
-      <dgm:prSet presAssocID="{2551E4CB-EB09-450C-9132-37387398D945}" presName="dummy" presStyleCnt="0"/>
-      <dgm:spPr/>
-    </dgm:pt>
-    <dgm:pt modelId="{7BB1C934-CD6E-4389-AB60-D55326BC8302}" type="pres">
-      <dgm:prSet presAssocID="{B47B7453-52D0-4E8E-A0EE-5E0C42B9531D}" presName="sibTrans" presStyleLbl="sibTrans2D1" presStyleIdx="1" presStyleCnt="3"/>
-      <dgm:spPr/>
-    </dgm:pt>
-    <dgm:pt modelId="{5D851138-FE51-4A19-A149-11A0DEA29AF5}" type="pres">
-      <dgm:prSet presAssocID="{57FC35C8-C6CB-4C82-BE0F-B92E4ECAE64D}" presName="node" presStyleLbl="node1" presStyleIdx="2" presStyleCnt="3">
-        <dgm:presLayoutVars>
-          <dgm:bulletEnabled val="1"/>
-        </dgm:presLayoutVars>
-      </dgm:prSet>
-      <dgm:spPr/>
-    </dgm:pt>
-    <dgm:pt modelId="{87F2D62F-9758-428E-A82A-F136F721FE64}" type="pres">
-      <dgm:prSet presAssocID="{57FC35C8-C6CB-4C82-BE0F-B92E4ECAE64D}" presName="dummy" presStyleCnt="0"/>
-      <dgm:spPr/>
-    </dgm:pt>
-    <dgm:pt modelId="{0162A7CA-7E03-4A22-95EF-970E5873DB72}" type="pres">
-      <dgm:prSet presAssocID="{E3DD98F3-578A-483D-B82A-920BD328FE4E}" presName="sibTrans" presStyleLbl="sibTrans2D1" presStyleIdx="2" presStyleCnt="3"/>
-      <dgm:spPr/>
-    </dgm:pt>
-  </dgm:ptLst>
-  <dgm:cxnLst>
-    <dgm:cxn modelId="{B410F203-BF34-4790-B774-CBB246AFFDF3}" srcId="{170C0135-3A94-4623-AA81-735573228628}" destId="{57FC35C8-C6CB-4C82-BE0F-B92E4ECAE64D}" srcOrd="2" destOrd="0" parTransId="{DCE6D27B-E846-4331-8F79-CDC1E8DDD09A}" sibTransId="{E3DD98F3-578A-483D-B82A-920BD328FE4E}"/>
-    <dgm:cxn modelId="{74BF261D-E0A3-43A7-83EB-85FEEF0798DA}" srcId="{170C0135-3A94-4623-AA81-735573228628}" destId="{B8E35523-DEC4-40C5-AD71-C446E3CF02A7}" srcOrd="0" destOrd="0" parTransId="{E38275A8-6585-473D-8CD2-46E571691CE8}" sibTransId="{2EEF7558-FF6A-4D97-B16B-E787F09F42D0}"/>
-    <dgm:cxn modelId="{6CDC671E-280C-428C-8CDE-020C21062DCD}" type="presOf" srcId="{B47B7453-52D0-4E8E-A0EE-5E0C42B9531D}" destId="{7BB1C934-CD6E-4389-AB60-D55326BC8302}" srcOrd="0" destOrd="0" presId="urn:microsoft.com/office/officeart/2005/8/layout/radial6"/>
-    <dgm:cxn modelId="{B3242627-1817-4128-948A-586A1D28CAEC}" type="presOf" srcId="{B8E35523-DEC4-40C5-AD71-C446E3CF02A7}" destId="{5E4B35E6-EA27-424E-89EC-46D0A40F2772}" srcOrd="0" destOrd="0" presId="urn:microsoft.com/office/officeart/2005/8/layout/radial6"/>
-    <dgm:cxn modelId="{8854DE2B-B2DC-403D-BBB5-9DAEAD86C05D}" type="presOf" srcId="{2551E4CB-EB09-450C-9132-37387398D945}" destId="{8FAC1D8D-CE9C-45FC-86D2-26F007C6DD34}" srcOrd="0" destOrd="0" presId="urn:microsoft.com/office/officeart/2005/8/layout/radial6"/>
-    <dgm:cxn modelId="{6659EF34-3EF6-4AEC-872C-F63DB702B33C}" type="presOf" srcId="{170C0135-3A94-4623-AA81-735573228628}" destId="{698F6F3C-42F1-48FA-9425-25042679391F}" srcOrd="0" destOrd="0" presId="urn:microsoft.com/office/officeart/2005/8/layout/radial6"/>
-    <dgm:cxn modelId="{12D27D35-EFB9-4862-B45A-F4ECD3DD2B5A}" type="presOf" srcId="{57FC35C8-C6CB-4C82-BE0F-B92E4ECAE64D}" destId="{5D851138-FE51-4A19-A149-11A0DEA29AF5}" srcOrd="0" destOrd="0" presId="urn:microsoft.com/office/officeart/2005/8/layout/radial6"/>
-    <dgm:cxn modelId="{AC35BE37-19DB-4CD7-BE2E-6D0C18095769}" type="presOf" srcId="{2EEF7558-FF6A-4D97-B16B-E787F09F42D0}" destId="{98E28826-978E-4A6B-8422-B9CC30E49F37}" srcOrd="0" destOrd="0" presId="urn:microsoft.com/office/officeart/2005/8/layout/radial6"/>
-    <dgm:cxn modelId="{61768550-6FA2-421B-BF53-22E629655CE4}" type="presOf" srcId="{D44E9E87-B9B9-4324-8110-FB781FB2AAAE}" destId="{061D020E-2B5D-4C0D-9DFD-684837CC0BCE}" srcOrd="0" destOrd="0" presId="urn:microsoft.com/office/officeart/2005/8/layout/radial6"/>
-    <dgm:cxn modelId="{22A430BA-B6E0-4052-AE0E-A81596E2528E}" srcId="{D44E9E87-B9B9-4324-8110-FB781FB2AAAE}" destId="{170C0135-3A94-4623-AA81-735573228628}" srcOrd="0" destOrd="0" parTransId="{7EDBC624-DFE3-497D-829C-08721ACED330}" sibTransId="{D38474F5-0992-4D39-B19C-1F963AEBACD2}"/>
-    <dgm:cxn modelId="{51173CC8-36DE-4780-A234-53464D5D6F33}" type="presOf" srcId="{E3DD98F3-578A-483D-B82A-920BD328FE4E}" destId="{0162A7CA-7E03-4A22-95EF-970E5873DB72}" srcOrd="0" destOrd="0" presId="urn:microsoft.com/office/officeart/2005/8/layout/radial6"/>
-    <dgm:cxn modelId="{1C13D7DA-244F-475B-A626-FFEF1E3983D1}" srcId="{170C0135-3A94-4623-AA81-735573228628}" destId="{2551E4CB-EB09-450C-9132-37387398D945}" srcOrd="1" destOrd="0" parTransId="{FDDC1A66-5C2F-4161-9EE0-50E6AE6B3566}" sibTransId="{B47B7453-52D0-4E8E-A0EE-5E0C42B9531D}"/>
-    <dgm:cxn modelId="{2006E8EE-D69C-49C4-9C1A-63E4C2D2FE70}" type="presParOf" srcId="{061D020E-2B5D-4C0D-9DFD-684837CC0BCE}" destId="{698F6F3C-42F1-48FA-9425-25042679391F}" srcOrd="0" destOrd="0" presId="urn:microsoft.com/office/officeart/2005/8/layout/radial6"/>
-    <dgm:cxn modelId="{EE444B99-244F-42E7-AA40-8FD32874A39D}" type="presParOf" srcId="{061D020E-2B5D-4C0D-9DFD-684837CC0BCE}" destId="{5E4B35E6-EA27-424E-89EC-46D0A40F2772}" srcOrd="1" destOrd="0" presId="urn:microsoft.com/office/officeart/2005/8/layout/radial6"/>
-    <dgm:cxn modelId="{99419F13-53BB-4729-8707-844D77FAB6C9}" type="presParOf" srcId="{061D020E-2B5D-4C0D-9DFD-684837CC0BCE}" destId="{8B180F40-4EFD-493D-838A-C88D7BCC1034}" srcOrd="2" destOrd="0" presId="urn:microsoft.com/office/officeart/2005/8/layout/radial6"/>
-    <dgm:cxn modelId="{72F9C11E-349E-41A4-8872-970B174ACBCC}" type="presParOf" srcId="{061D020E-2B5D-4C0D-9DFD-684837CC0BCE}" destId="{98E28826-978E-4A6B-8422-B9CC30E49F37}" srcOrd="3" destOrd="0" presId="urn:microsoft.com/office/officeart/2005/8/layout/radial6"/>
-    <dgm:cxn modelId="{C371A4E7-D97D-4C5F-A2DA-7F6E5149F6DF}" type="presParOf" srcId="{061D020E-2B5D-4C0D-9DFD-684837CC0BCE}" destId="{8FAC1D8D-CE9C-45FC-86D2-26F007C6DD34}" srcOrd="4" destOrd="0" presId="urn:microsoft.com/office/officeart/2005/8/layout/radial6"/>
-    <dgm:cxn modelId="{B5A8D312-8F6F-4318-93AB-0CB2020E478A}" type="presParOf" srcId="{061D020E-2B5D-4C0D-9DFD-684837CC0BCE}" destId="{582D627C-FAD1-4F2D-897E-C08848385BAA}" srcOrd="5" destOrd="0" presId="urn:microsoft.com/office/officeart/2005/8/layout/radial6"/>
-    <dgm:cxn modelId="{7E8E1789-B60B-4405-8CD8-D17C409DA86A}" type="presParOf" srcId="{061D020E-2B5D-4C0D-9DFD-684837CC0BCE}" destId="{7BB1C934-CD6E-4389-AB60-D55326BC8302}" srcOrd="6" destOrd="0" presId="urn:microsoft.com/office/officeart/2005/8/layout/radial6"/>
-    <dgm:cxn modelId="{A0E89A57-7782-4D03-A9CB-2788C16E7736}" type="presParOf" srcId="{061D020E-2B5D-4C0D-9DFD-684837CC0BCE}" destId="{5D851138-FE51-4A19-A149-11A0DEA29AF5}" srcOrd="7" destOrd="0" presId="urn:microsoft.com/office/officeart/2005/8/layout/radial6"/>
-    <dgm:cxn modelId="{AD4ADAE1-D633-4009-8B9D-2CEF29E3F76C}" type="presParOf" srcId="{061D020E-2B5D-4C0D-9DFD-684837CC0BCE}" destId="{87F2D62F-9758-428E-A82A-F136F721FE64}" srcOrd="8" destOrd="0" presId="urn:microsoft.com/office/officeart/2005/8/layout/radial6"/>
-    <dgm:cxn modelId="{6143C6D3-B1F0-4A53-B4E2-F06938629FAC}" type="presParOf" srcId="{061D020E-2B5D-4C0D-9DFD-684837CC0BCE}" destId="{0162A7CA-7E03-4A22-95EF-970E5873DB72}" srcOrd="9" destOrd="0" presId="urn:microsoft.com/office/officeart/2005/8/layout/radial6"/>
-  </dgm:cxnLst>
-  <dgm:bg/>
-  <dgm:whole/>
-  <dgm:extLst>
-    <a:ext uri="http://schemas.microsoft.com/office/drawing/2008/diagram">
-      <dsp:dataModelExt xmlns:dsp="http://schemas.microsoft.com/office/drawing/2008/diagram" relId="rId6" minVer="http://schemas.openxmlformats.org/drawingml/2006/diagram"/>
-    </a:ext>
-  </dgm:extLst>
-</dgm:dataModel>
-</file>
-
-<file path=ppt/diagrams/drawing1.xml><?xml version="1.0" encoding="utf-8"?>
-<dsp:drawing xmlns:dgm="http://schemas.openxmlformats.org/drawingml/2006/diagram" xmlns:dsp="http://schemas.microsoft.com/office/drawing/2008/diagram" xmlns:a="http://schemas.openxmlformats.org/drawingml/2006/main">
-  <dsp:spTree>
-    <dsp:nvGrpSpPr>
-      <dsp:cNvPr id="0" name=""/>
-      <dsp:cNvGrpSpPr/>
-    </dsp:nvGrpSpPr>
-    <dsp:grpSpPr/>
-    <dsp:sp modelId="{0162A7CA-7E03-4A22-95EF-970E5873DB72}">
-      <dsp:nvSpPr>
-        <dsp:cNvPr id="0" name=""/>
-        <dsp:cNvSpPr/>
-      </dsp:nvSpPr>
-      <dsp:spPr>
-        <a:xfrm>
-          <a:off x="554893" y="564188"/>
-          <a:ext cx="3765425" cy="3765425"/>
-        </a:xfrm>
-        <a:prstGeom prst="blockArc">
-          <a:avLst>
-            <a:gd name="adj1" fmla="val 9000000"/>
-            <a:gd name="adj2" fmla="val 16200000"/>
-            <a:gd name="adj3" fmla="val 4639"/>
-          </a:avLst>
-        </a:prstGeom>
-        <a:solidFill>
-          <a:schemeClr val="accent4">
-            <a:tint val="60000"/>
-            <a:hueOff val="0"/>
-            <a:satOff val="0"/>
-            <a:lumOff val="0"/>
-            <a:alphaOff val="0"/>
-          </a:schemeClr>
-        </a:solidFill>
-        <a:ln>
-          <a:noFill/>
-        </a:ln>
-        <a:effectLst/>
-      </dsp:spPr>
-      <dsp:style>
-        <a:lnRef idx="0">
-          <a:scrgbClr r="0" g="0" b="0"/>
-        </a:lnRef>
-        <a:fillRef idx="1">
-          <a:scrgbClr r="0" g="0" b="0"/>
-        </a:fillRef>
-        <a:effectRef idx="0">
-          <a:scrgbClr r="0" g="0" b="0"/>
-        </a:effectRef>
-        <a:fontRef idx="minor">
-          <a:schemeClr val="lt1"/>
-        </a:fontRef>
-      </dsp:style>
-    </dsp:sp>
-    <dsp:sp modelId="{7BB1C934-CD6E-4389-AB60-D55326BC8302}">
-      <dsp:nvSpPr>
-        <dsp:cNvPr id="0" name=""/>
-        <dsp:cNvSpPr/>
-      </dsp:nvSpPr>
-      <dsp:spPr>
-        <a:xfrm>
-          <a:off x="554893" y="564188"/>
-          <a:ext cx="3765425" cy="3765425"/>
-        </a:xfrm>
-        <a:prstGeom prst="blockArc">
-          <a:avLst>
-            <a:gd name="adj1" fmla="val 1800000"/>
-            <a:gd name="adj2" fmla="val 9000000"/>
-            <a:gd name="adj3" fmla="val 4639"/>
-          </a:avLst>
-        </a:prstGeom>
-        <a:solidFill>
-          <a:schemeClr val="accent4">
-            <a:tint val="60000"/>
-            <a:hueOff val="0"/>
-            <a:satOff val="0"/>
-            <a:lumOff val="0"/>
-            <a:alphaOff val="0"/>
-          </a:schemeClr>
-        </a:solidFill>
-        <a:ln>
-          <a:noFill/>
-        </a:ln>
-        <a:effectLst/>
-      </dsp:spPr>
-      <dsp:style>
-        <a:lnRef idx="0">
-          <a:scrgbClr r="0" g="0" b="0"/>
-        </a:lnRef>
-        <a:fillRef idx="1">
-          <a:scrgbClr r="0" g="0" b="0"/>
-        </a:fillRef>
-        <a:effectRef idx="0">
-          <a:scrgbClr r="0" g="0" b="0"/>
-        </a:effectRef>
-        <a:fontRef idx="minor">
-          <a:schemeClr val="lt1"/>
-        </a:fontRef>
-      </dsp:style>
-    </dsp:sp>
-    <dsp:sp modelId="{98E28826-978E-4A6B-8422-B9CC30E49F37}">
-      <dsp:nvSpPr>
-        <dsp:cNvPr id="0" name=""/>
-        <dsp:cNvSpPr/>
-      </dsp:nvSpPr>
-      <dsp:spPr>
-        <a:xfrm>
-          <a:off x="554893" y="564188"/>
-          <a:ext cx="3765425" cy="3765425"/>
-        </a:xfrm>
-        <a:prstGeom prst="blockArc">
-          <a:avLst>
-            <a:gd name="adj1" fmla="val 16200000"/>
-            <a:gd name="adj2" fmla="val 1800000"/>
-            <a:gd name="adj3" fmla="val 4639"/>
-          </a:avLst>
-        </a:prstGeom>
-        <a:solidFill>
-          <a:schemeClr val="accent4">
-            <a:tint val="60000"/>
-            <a:hueOff val="0"/>
-            <a:satOff val="0"/>
-            <a:lumOff val="0"/>
-            <a:alphaOff val="0"/>
-          </a:schemeClr>
-        </a:solidFill>
-        <a:ln>
-          <a:noFill/>
-        </a:ln>
-        <a:effectLst/>
-      </dsp:spPr>
-      <dsp:style>
-        <a:lnRef idx="0">
-          <a:scrgbClr r="0" g="0" b="0"/>
-        </a:lnRef>
-        <a:fillRef idx="1">
-          <a:scrgbClr r="0" g="0" b="0"/>
-        </a:fillRef>
-        <a:effectRef idx="0">
-          <a:scrgbClr r="0" g="0" b="0"/>
-        </a:effectRef>
-        <a:fontRef idx="minor">
-          <a:schemeClr val="lt1"/>
-        </a:fontRef>
-      </dsp:style>
-    </dsp:sp>
-    <dsp:sp modelId="{698F6F3C-42F1-48FA-9425-25042679391F}">
-      <dsp:nvSpPr>
-        <dsp:cNvPr id="0" name=""/>
-        <dsp:cNvSpPr/>
-      </dsp:nvSpPr>
-      <dsp:spPr>
-        <a:xfrm>
-          <a:off x="1571113" y="1580408"/>
-          <a:ext cx="1732985" cy="1732985"/>
-        </a:xfrm>
-        <a:prstGeom prst="ellipse">
-          <a:avLst/>
-        </a:prstGeom>
-        <a:solidFill>
-          <a:schemeClr val="lt1">
-            <a:hueOff val="0"/>
-            <a:satOff val="0"/>
-            <a:lumOff val="0"/>
-            <a:alphaOff val="0"/>
-          </a:schemeClr>
-        </a:solidFill>
-        <a:ln w="10795" cap="flat" cmpd="sng" algn="ctr">
-          <a:solidFill>
-            <a:schemeClr val="accent4">
-              <a:shade val="80000"/>
-              <a:hueOff val="0"/>
-              <a:satOff val="0"/>
-              <a:lumOff val="0"/>
-              <a:alphaOff val="0"/>
-            </a:schemeClr>
-          </a:solidFill>
-          <a:prstDash val="solid"/>
-        </a:ln>
-        <a:effectLst/>
-      </dsp:spPr>
-      <dsp:style>
-        <a:lnRef idx="2">
-          <a:scrgbClr r="0" g="0" b="0"/>
-        </a:lnRef>
-        <a:fillRef idx="1">
-          <a:scrgbClr r="0" g="0" b="0"/>
-        </a:fillRef>
-        <a:effectRef idx="0">
-          <a:scrgbClr r="0" g="0" b="0"/>
-        </a:effectRef>
-        <a:fontRef idx="minor">
-          <a:schemeClr val="lt1"/>
-        </a:fontRef>
-      </dsp:style>
-      <dsp:txBody>
-        <a:bodyPr spcFirstLastPara="0" vert="horz" wrap="square" lIns="41910" tIns="41910" rIns="41910" bIns="41910" numCol="1" spcCol="1270" anchor="ctr" anchorCtr="0">
-          <a:noAutofit/>
-        </a:bodyPr>
-        <a:lstStyle/>
-        <a:p>
-          <a:pPr marL="0" lvl="0" indent="0" algn="ctr" defTabSz="1466850">
-            <a:lnSpc>
-              <a:spcPct val="90000"/>
-            </a:lnSpc>
-            <a:spcBef>
-              <a:spcPct val="0"/>
-            </a:spcBef>
-            <a:spcAft>
-              <a:spcPct val="35000"/>
-            </a:spcAft>
-            <a:buNone/>
-          </a:pPr>
-          <a:r>
-            <a:rPr lang="en-US" sz="3300" kern="1200" dirty="0"/>
-            <a:t>Group A</a:t>
-          </a:r>
-        </a:p>
-      </dsp:txBody>
-      <dsp:txXfrm>
-        <a:off x="1824903" y="1834198"/>
-        <a:ext cx="1225405" cy="1225405"/>
-      </dsp:txXfrm>
-    </dsp:sp>
-    <dsp:sp modelId="{5E4B35E6-EA27-424E-89EC-46D0A40F2772}">
-      <dsp:nvSpPr>
-        <dsp:cNvPr id="0" name=""/>
-        <dsp:cNvSpPr/>
-      </dsp:nvSpPr>
-      <dsp:spPr>
-        <a:xfrm>
-          <a:off x="1831061" y="1314"/>
-          <a:ext cx="1213089" cy="1213089"/>
-        </a:xfrm>
-        <a:prstGeom prst="ellipse">
-          <a:avLst/>
-        </a:prstGeom>
-        <a:solidFill>
-          <a:schemeClr val="lt1">
-            <a:hueOff val="0"/>
-            <a:satOff val="0"/>
-            <a:lumOff val="0"/>
-            <a:alphaOff val="0"/>
-          </a:schemeClr>
-        </a:solidFill>
-        <a:ln w="10795" cap="flat" cmpd="sng" algn="ctr">
-          <a:solidFill>
-            <a:schemeClr val="accent4">
-              <a:shade val="80000"/>
-              <a:hueOff val="0"/>
-              <a:satOff val="0"/>
-              <a:lumOff val="0"/>
-              <a:alphaOff val="0"/>
-            </a:schemeClr>
-          </a:solidFill>
-          <a:prstDash val="solid"/>
-        </a:ln>
-        <a:effectLst/>
-      </dsp:spPr>
-      <dsp:style>
-        <a:lnRef idx="2">
-          <a:scrgbClr r="0" g="0" b="0"/>
-        </a:lnRef>
-        <a:fillRef idx="1">
-          <a:scrgbClr r="0" g="0" b="0"/>
-        </a:fillRef>
-        <a:effectRef idx="0">
-          <a:scrgbClr r="0" g="0" b="0"/>
-        </a:effectRef>
-        <a:fontRef idx="minor">
-          <a:schemeClr val="lt1"/>
-        </a:fontRef>
-      </dsp:style>
-      <dsp:txBody>
-        <a:bodyPr spcFirstLastPara="0" vert="horz" wrap="square" lIns="35560" tIns="35560" rIns="35560" bIns="35560" numCol="1" spcCol="1270" anchor="ctr" anchorCtr="0">
-          <a:noAutofit/>
-        </a:bodyPr>
-        <a:lstStyle/>
-        <a:p>
-          <a:pPr marL="0" lvl="0" indent="0" algn="ctr" defTabSz="1244600">
-            <a:lnSpc>
-              <a:spcPct val="90000"/>
-            </a:lnSpc>
-            <a:spcBef>
-              <a:spcPct val="0"/>
-            </a:spcBef>
-            <a:spcAft>
-              <a:spcPct val="35000"/>
-            </a:spcAft>
-            <a:buNone/>
-          </a:pPr>
-          <a:r>
-            <a:rPr lang="en-US" sz="2800" kern="1200" dirty="0"/>
-            <a:t>Task 1</a:t>
-          </a:r>
-        </a:p>
-      </dsp:txBody>
-      <dsp:txXfrm>
-        <a:off x="2008714" y="178967"/>
-        <a:ext cx="857783" cy="857783"/>
-      </dsp:txXfrm>
-    </dsp:sp>
-    <dsp:sp modelId="{8FAC1D8D-CE9C-45FC-86D2-26F007C6DD34}">
-      <dsp:nvSpPr>
-        <dsp:cNvPr id="0" name=""/>
-        <dsp:cNvSpPr/>
-      </dsp:nvSpPr>
-      <dsp:spPr>
-        <a:xfrm>
-          <a:off x="3423717" y="2759876"/>
-          <a:ext cx="1213089" cy="1213089"/>
-        </a:xfrm>
-        <a:prstGeom prst="ellipse">
-          <a:avLst/>
-        </a:prstGeom>
-        <a:solidFill>
-          <a:schemeClr val="lt1">
-            <a:hueOff val="0"/>
-            <a:satOff val="0"/>
-            <a:lumOff val="0"/>
-            <a:alphaOff val="0"/>
-          </a:schemeClr>
-        </a:solidFill>
-        <a:ln w="10795" cap="flat" cmpd="sng" algn="ctr">
-          <a:solidFill>
-            <a:schemeClr val="accent4">
-              <a:shade val="80000"/>
-              <a:hueOff val="0"/>
-              <a:satOff val="0"/>
-              <a:lumOff val="0"/>
-              <a:alphaOff val="0"/>
-            </a:schemeClr>
-          </a:solidFill>
-          <a:prstDash val="solid"/>
-        </a:ln>
-        <a:effectLst/>
-      </dsp:spPr>
-      <dsp:style>
-        <a:lnRef idx="2">
-          <a:scrgbClr r="0" g="0" b="0"/>
-        </a:lnRef>
-        <a:fillRef idx="1">
-          <a:scrgbClr r="0" g="0" b="0"/>
-        </a:fillRef>
-        <a:effectRef idx="0">
-          <a:scrgbClr r="0" g="0" b="0"/>
-        </a:effectRef>
-        <a:fontRef idx="minor">
-          <a:schemeClr val="lt1"/>
-        </a:fontRef>
-      </dsp:style>
-      <dsp:txBody>
-        <a:bodyPr spcFirstLastPara="0" vert="horz" wrap="square" lIns="35560" tIns="35560" rIns="35560" bIns="35560" numCol="1" spcCol="1270" anchor="ctr" anchorCtr="0">
-          <a:noAutofit/>
-        </a:bodyPr>
-        <a:lstStyle/>
-        <a:p>
-          <a:pPr marL="0" lvl="0" indent="0" algn="ctr" defTabSz="1244600">
-            <a:lnSpc>
-              <a:spcPct val="90000"/>
-            </a:lnSpc>
-            <a:spcBef>
-              <a:spcPct val="0"/>
-            </a:spcBef>
-            <a:spcAft>
-              <a:spcPct val="35000"/>
-            </a:spcAft>
-            <a:buNone/>
-          </a:pPr>
-          <a:r>
-            <a:rPr lang="en-US" sz="2800" kern="1200" dirty="0"/>
-            <a:t>Task 2</a:t>
-          </a:r>
-        </a:p>
-      </dsp:txBody>
-      <dsp:txXfrm>
-        <a:off x="3601370" y="2937529"/>
-        <a:ext cx="857783" cy="857783"/>
-      </dsp:txXfrm>
-    </dsp:sp>
-    <dsp:sp modelId="{5D851138-FE51-4A19-A149-11A0DEA29AF5}">
-      <dsp:nvSpPr>
-        <dsp:cNvPr id="0" name=""/>
-        <dsp:cNvSpPr/>
-      </dsp:nvSpPr>
-      <dsp:spPr>
-        <a:xfrm>
-          <a:off x="238404" y="2759876"/>
-          <a:ext cx="1213089" cy="1213089"/>
-        </a:xfrm>
-        <a:prstGeom prst="ellipse">
-          <a:avLst/>
-        </a:prstGeom>
-        <a:solidFill>
-          <a:schemeClr val="lt1">
-            <a:hueOff val="0"/>
-            <a:satOff val="0"/>
-            <a:lumOff val="0"/>
-            <a:alphaOff val="0"/>
-          </a:schemeClr>
-        </a:solidFill>
-        <a:ln w="10795" cap="flat" cmpd="sng" algn="ctr">
-          <a:solidFill>
-            <a:schemeClr val="accent4">
-              <a:shade val="80000"/>
-              <a:hueOff val="0"/>
-              <a:satOff val="0"/>
-              <a:lumOff val="0"/>
-              <a:alphaOff val="0"/>
-            </a:schemeClr>
-          </a:solidFill>
-          <a:prstDash val="solid"/>
-        </a:ln>
-        <a:effectLst/>
-      </dsp:spPr>
-      <dsp:style>
-        <a:lnRef idx="2">
-          <a:scrgbClr r="0" g="0" b="0"/>
-        </a:lnRef>
-        <a:fillRef idx="1">
-          <a:scrgbClr r="0" g="0" b="0"/>
-        </a:fillRef>
-        <a:effectRef idx="0">
-          <a:scrgbClr r="0" g="0" b="0"/>
-        </a:effectRef>
-        <a:fontRef idx="minor">
-          <a:schemeClr val="lt1"/>
-        </a:fontRef>
-      </dsp:style>
-      <dsp:txBody>
-        <a:bodyPr spcFirstLastPara="0" vert="horz" wrap="square" lIns="35560" tIns="35560" rIns="35560" bIns="35560" numCol="1" spcCol="1270" anchor="ctr" anchorCtr="0">
-          <a:noAutofit/>
-        </a:bodyPr>
-        <a:lstStyle/>
-        <a:p>
-          <a:pPr marL="0" lvl="0" indent="0" algn="ctr" defTabSz="1244600">
-            <a:lnSpc>
-              <a:spcPct val="90000"/>
-            </a:lnSpc>
-            <a:spcBef>
-              <a:spcPct val="0"/>
-            </a:spcBef>
-            <a:spcAft>
-              <a:spcPct val="35000"/>
-            </a:spcAft>
-            <a:buNone/>
-          </a:pPr>
-          <a:r>
-            <a:rPr lang="en-US" sz="2800" kern="1200" dirty="0"/>
-            <a:t>Task 3</a:t>
-          </a:r>
-        </a:p>
-      </dsp:txBody>
-      <dsp:txXfrm>
-        <a:off x="416057" y="2937529"/>
-        <a:ext cx="857783" cy="857783"/>
-      </dsp:txXfrm>
-    </dsp:sp>
-  </dsp:spTree>
-</dsp:drawing>
-</file>
-
-<file path=ppt/diagrams/layout1.xml><?xml version="1.0" encoding="utf-8"?>
-<dgm:layoutDef xmlns:dgm="http://schemas.openxmlformats.org/drawingml/2006/diagram" xmlns:a="http://schemas.openxmlformats.org/drawingml/2006/main" uniqueId="urn:microsoft.com/office/officeart/2005/8/layout/radial6">
-  <dgm:title val=""/>
-  <dgm:desc val=""/>
-  <dgm:catLst>
-    <dgm:cat type="cycle" pri="9000"/>
-    <dgm:cat type="relationship" pri="21000"/>
-  </dgm:catLst>
-  <dgm:sampData>
-    <dgm:dataModel>
-      <dgm:ptLst>
-        <dgm:pt modelId="0" type="doc"/>
-        <dgm:pt modelId="1">
-          <dgm:prSet phldr="1"/>
-        </dgm:pt>
-        <dgm:pt modelId="11">
-          <dgm:prSet phldr="1"/>
-        </dgm:pt>
-        <dgm:pt modelId="12">
-          <dgm:prSet phldr="1"/>
-        </dgm:pt>
-        <dgm:pt modelId="13">
-          <dgm:prSet phldr="1"/>
-        </dgm:pt>
-        <dgm:pt modelId="14">
-          <dgm:prSet phldr="1"/>
-        </dgm:pt>
-      </dgm:ptLst>
-      <dgm:cxnLst>
-        <dgm:cxn modelId="2" srcId="0" destId="1" srcOrd="0" destOrd="0"/>
-        <dgm:cxn modelId="3" srcId="1" destId="11" srcOrd="0" destOrd="0"/>
-        <dgm:cxn modelId="4" srcId="1" destId="12" srcOrd="1" destOrd="0"/>
-        <dgm:cxn modelId="5" srcId="1" destId="13" srcOrd="2" destOrd="0"/>
-        <dgm:cxn modelId="6" srcId="1" destId="14" srcOrd="3" destOrd="0"/>
-      </dgm:cxnLst>
-      <dgm:bg/>
-      <dgm:whole/>
-    </dgm:dataModel>
-  </dgm:sampData>
-  <dgm:styleData>
-    <dgm:dataModel>
-      <dgm:ptLst>
-        <dgm:pt modelId="0" type="doc"/>
-        <dgm:pt modelId="1"/>
-        <dgm:pt modelId="11"/>
-        <dgm:pt modelId="12"/>
-        <dgm:pt modelId="13"/>
-      </dgm:ptLst>
-      <dgm:cxnLst>
-        <dgm:cxn modelId="2" srcId="0" destId="1" srcOrd="0" destOrd="0"/>
-        <dgm:cxn modelId="15" srcId="1" destId="11" srcOrd="0" destOrd="0"/>
-        <dgm:cxn modelId="16" srcId="1" destId="12" srcOrd="1" destOrd="0"/>
-        <dgm:cxn modelId="17" srcId="1" destId="13" srcOrd="2" destOrd="0"/>
-      </dgm:cxnLst>
-      <dgm:bg/>
-      <dgm:whole/>
-    </dgm:dataModel>
-  </dgm:styleData>
-  <dgm:clrData>
-    <dgm:dataModel>
-      <dgm:ptLst>
-        <dgm:pt modelId="0" type="doc"/>
-        <dgm:pt modelId="1"/>
-        <dgm:pt modelId="11"/>
-        <dgm:pt modelId="12"/>
-        <dgm:pt modelId="13"/>
-        <dgm:pt modelId="14"/>
-        <dgm:pt modelId="15"/>
-        <dgm:pt modelId="16"/>
-      </dgm:ptLst>
-      <dgm:cxnLst>
-        <dgm:cxn modelId="2" srcId="0" destId="1" srcOrd="0" destOrd="0"/>
-        <dgm:cxn modelId="16" srcId="1" destId="11" srcOrd="0" destOrd="0"/>
-        <dgm:cxn modelId="17" srcId="1" destId="12" srcOrd="1" destOrd="0"/>
-        <dgm:cxn modelId="18" srcId="1" destId="13" srcOrd="2" destOrd="0"/>
-        <dgm:cxn modelId="19" srcId="1" destId="14" srcOrd="3" destOrd="0"/>
-        <dgm:cxn modelId="20" srcId="1" destId="15" srcOrd="4" destOrd="0"/>
-        <dgm:cxn modelId="21" srcId="1" destId="16" srcOrd="5" destOrd="0"/>
-      </dgm:cxnLst>
-      <dgm:bg/>
-      <dgm:whole/>
-    </dgm:dataModel>
-  </dgm:clrData>
-  <dgm:layoutNode name="Name0">
-    <dgm:varLst>
-      <dgm:chMax val="1"/>
-      <dgm:dir/>
-      <dgm:animLvl val="ctr"/>
-      <dgm:resizeHandles val="exact"/>
-    </dgm:varLst>
-    <dgm:choose name="Name1">
-      <dgm:if name="Name2" func="var" arg="dir" op="equ" val="norm">
-        <dgm:choose name="Name3">
-          <dgm:if name="Name4" axis="ch ch" ptType="node node" st="1 1" cnt="1 0" func="cnt" op="lte" val="1">
-            <dgm:alg type="cycle">
-              <dgm:param type="stAng" val="90"/>
-              <dgm:param type="spanAng" val="360"/>
-              <dgm:param type="ctrShpMap" val="fNode"/>
-            </dgm:alg>
-          </dgm:if>
-          <dgm:else name="Name5">
-            <dgm:alg type="cycle">
-              <dgm:param type="stAng" val="0"/>
-              <dgm:param type="spanAng" val="360"/>
-              <dgm:param type="ctrShpMap" val="fNode"/>
-            </dgm:alg>
-          </dgm:else>
-        </dgm:choose>
-      </dgm:if>
-      <dgm:else name="Name6">
-        <dgm:choose name="Name7">
-          <dgm:if name="Name8" axis="ch ch" ptType="node node" st="1 1" cnt="1 0" func="cnt" op="lte" val="1">
-            <dgm:alg type="cycle">
-              <dgm:param type="stAng" val="-90"/>
-              <dgm:param type="spanAng" val="360"/>
-              <dgm:param type="ctrShpMap" val="fNode"/>
-            </dgm:alg>
-          </dgm:if>
-          <dgm:else name="Name9">
-            <dgm:alg type="cycle">
-              <dgm:param type="stAng" val="0"/>
-              <dgm:param type="spanAng" val="-360"/>
-              <dgm:param type="ctrShpMap" val="fNode"/>
-            </dgm:alg>
-          </dgm:else>
-        </dgm:choose>
-      </dgm:else>
-    </dgm:choose>
-    <dgm:shape xmlns:r="http://schemas.openxmlformats.org/officeDocument/2006/relationships" r:blip="">
-      <dgm:adjLst/>
-    </dgm:shape>
-    <dgm:presOf/>
-    <dgm:choose name="Name10">
-      <dgm:if name="Name11" func="var" arg="dir" op="equ" val="norm">
-        <dgm:choose name="Name12">
-          <dgm:if name="Name13" axis="ch ch" ptType="node node" st="1 1" cnt="1 0" func="cnt" op="equ" val="1">
-            <dgm:constrLst>
-              <dgm:constr type="diam" val="170"/>
-              <dgm:constr type="w" for="ch" forName="centerShape" refType="w"/>
-              <dgm:constr type="w" for="ch" forName="oneComp" refType="w" refFor="ch" refForName="centerShape" op="equ" fact="0.7"/>
-              <dgm:constr type="sp" refType="w" refFor="ch" refForName="oneComp" fact="0.3"/>
-              <dgm:constr type="sibSp" refType="w" refFor="ch" refForName="oneComp" fact="0.3"/>
-              <dgm:constr type="primFontSz" for="ch" forName="centerShape" val="65"/>
-              <dgm:constr type="primFontSz" for="des" forName="oneNode" refType="primFontSz" refFor="ch" refForName="centerShape" fact="0.95"/>
-              <dgm:constr type="primFontSz" for="des" forName="oneNode" refType="primFontSz" refFor="ch" refForName="centerShape" op="lte" fact="0.95"/>
-              <dgm:constr type="diam" for="ch" forName="singleconn" refType="diam" op="equ" fact="-1"/>
-              <dgm:constr type="h" for="ch" forName="singleconn" refType="w" refFor="ch" refForName="oneComp" fact="0.24"/>
-              <dgm:constr type="w" for="ch" forName="dummya" refType="w" refFor="ch" refForName="oneComp" op="equ"/>
-              <dgm:constr type="w" for="ch" forName="dummyb" refType="w" refFor="ch" refForName="oneComp" op="equ"/>
-              <dgm:constr type="w" for="ch" forName="dummyc" refType="w" refFor="ch" refForName="oneComp" op="equ"/>
-            </dgm:constrLst>
-          </dgm:if>
-          <dgm:else name="Name14">
-            <dgm:constrLst>
-              <dgm:constr type="diam" val="170"/>
-              <dgm:constr type="w" for="ch" forName="centerShape" refType="w"/>
-              <dgm:constr type="w" for="ch" forName="node" refType="w" refFor="ch" refForName="centerShape" op="equ" fact="0.7"/>
-              <dgm:constr type="sp" refType="w" refFor="ch" refForName="node" fact="0.3"/>
-              <dgm:constr type="sibSp" refType="w" refFor="ch" refForName="node" fact="0.3"/>
-              <dgm:constr type="primFontSz" for="ch" forName="centerShape" val="65"/>
-              <dgm:constr type="primFontSz" for="des" forName="node" refType="primFontSz" refFor="ch" refForName="centerShape" fact="0.78"/>
-              <dgm:constr type="primFontSz" for="ch" forName="node" refType="primFontSz" refFor="ch" refForName="centerShape" op="lte" fact="0.95"/>
-              <dgm:constr type="diam" for="ch" forName="sibTrans" refType="diam" op="equ"/>
-              <dgm:constr type="h" for="ch" forName="sibTrans" refType="w" refFor="ch" refForName="node" fact="0.24"/>
-              <dgm:constr type="w" for="ch" forName="dummy" val="1"/>
-            </dgm:constrLst>
-          </dgm:else>
-        </dgm:choose>
-      </dgm:if>
-      <dgm:else name="Name15">
-        <dgm:choose name="Name16">
-          <dgm:if name="Name17" axis="ch ch" ptType="node node" st="1 1" cnt="1 0" func="cnt" op="equ" val="1">
-            <dgm:constrLst>
-              <dgm:constr type="diam" val="170"/>
-              <dgm:constr type="w" for="ch" forName="centerShape" refType="w"/>
-              <dgm:constr type="w" for="ch" forName="oneComp" refType="w" refFor="ch" refForName="centerShape" op="equ" fact="0.7"/>
-              <dgm:constr type="sp" refType="w" refFor="ch" refForName="oneComp" fact="0.3"/>
-              <dgm:constr type="sibSp" refType="w" refFor="ch" refForName="oneComp" fact="0.3"/>
-              <dgm:constr type="primFontSz" for="ch" forName="centerShape" val="65"/>
-              <dgm:constr type="primFontSz" for="des" forName="oneNode" refType="primFontSz" refFor="ch" refForName="centerShape" fact="0.95"/>
-              <dgm:constr type="primFontSz" for="ch" forName="oneNode" refType="primFontSz" refFor="ch" refForName="centerShape" op="lte" fact="0.95"/>
-              <dgm:constr type="diam" for="ch" forName="singleconn" refType="diam"/>
-              <dgm:constr type="h" for="ch" forName="singleconn" refType="w" refFor="ch" refForName="oneComp" fact="0.24"/>
-              <dgm:constr type="diam" for="ch" refType="diam" op="equ"/>
-              <dgm:constr type="w" for="ch" forName="dummya" refType="w" refFor="ch" refForName="oneComp" op="equ"/>
-              <dgm:constr type="w" for="ch" forName="dummyb" refType="w" refFor="ch" refForName="oneComp" op="equ"/>
-              <dgm:constr type="w" for="ch" forName="dummyc" refType="w" refFor="ch" refForName="oneComp" op="equ"/>
-            </dgm:constrLst>
-          </dgm:if>
-          <dgm:else name="Name18">
-            <dgm:constrLst>
-              <dgm:constr type="diam" val="170"/>
-              <dgm:constr type="w" for="ch" forName="centerShape" refType="w"/>
-              <dgm:constr type="w" for="ch" forName="node" refType="w" refFor="ch" refForName="centerShape" op="equ" fact="0.7"/>
-              <dgm:constr type="sp" refType="w" refFor="ch" refForName="node" fact="0.3"/>
-              <dgm:constr type="sibSp" refType="w" refFor="ch" refForName="node" fact="0.3"/>
-              <dgm:constr type="primFontSz" for="ch" forName="centerShape" val="65"/>
-              <dgm:constr type="primFontSz" for="des" forName="node" refType="primFontSz" refFor="ch" refForName="centerShape" fact="0.78"/>
-              <dgm:constr type="primFontSz" for="ch" forName="node" refType="primFontSz" refFor="ch" refForName="centerShape" op="lte" fact="0.95"/>
-              <dgm:constr type="diam" for="ch" ptType="sibTrans" refType="diam" fact="-1"/>
-              <dgm:constr type="h" for="ch" forName="sibTrans" refType="w" refFor="ch" refForName="node" fact="0.24"/>
-              <dgm:constr type="diam" for="ch" refType="diam" op="equ" fact="-1"/>
-              <dgm:constr type="w" for="ch" forName="dummy" val="1"/>
-            </dgm:constrLst>
-          </dgm:else>
-        </dgm:choose>
-      </dgm:else>
-    </dgm:choose>
-    <dgm:ruleLst>
-      <dgm:rule type="diam" val="INF" fact="NaN" max="NaN"/>
-    </dgm:ruleLst>
-    <dgm:forEach name="Name19" axis="ch" ptType="node" cnt="1">
-      <dgm:layoutNode name="centerShape" styleLbl="node0">
-        <dgm:alg type="tx"/>
-        <dgm:shape xmlns:r="http://schemas.openxmlformats.org/officeDocument/2006/relationships" type="ellipse" r:blip="">
-          <dgm:adjLst/>
-        </dgm:shape>
-        <dgm:presOf axis="self"/>
-        <dgm:constrLst>
-          <dgm:constr type="h" refType="w"/>
-          <dgm:constr type="tMarg" refType="primFontSz" fact="0.1"/>
-          <dgm:constr type="bMarg" refType="primFontSz" fact="0.1"/>
-          <dgm:constr type="lMarg" refType="primFontSz" fact="0.1"/>
-          <dgm:constr type="rMarg" refType="primFontSz" fact="0.1"/>
-        </dgm:constrLst>
-        <dgm:ruleLst>
-          <dgm:rule type="primFontSz" val="5" fact="NaN" max="NaN"/>
-        </dgm:ruleLst>
-      </dgm:layoutNode>
-      <dgm:forEach name="Name20" axis="ch">
-        <dgm:forEach name="Name21" axis="self" ptType="node">
-          <dgm:choose name="Name22">
-            <dgm:if name="Name23" axis="par ch" ptType="node node" func="cnt" op="gt" val="1">
-              <dgm:layoutNode name="node" styleLbl="node1">
-                <dgm:varLst>
-                  <dgm:bulletEnabled val="1"/>
-                </dgm:varLst>
-                <dgm:alg type="tx">
-                  <dgm:param type="txAnchorVertCh" val="mid"/>
-                </dgm:alg>
-                <dgm:shape xmlns:r="http://schemas.openxmlformats.org/officeDocument/2006/relationships" type="ellipse" r:blip="">
-                  <dgm:adjLst/>
-                </dgm:shape>
-                <dgm:presOf axis="desOrSelf" ptType="node"/>
-                <dgm:constrLst>
-                  <dgm:constr type="h" refType="w"/>
-                  <dgm:constr type="tMarg" refType="primFontSz" fact="0.1"/>
-                  <dgm:constr type="bMarg" refType="primFontSz" fact="0.1"/>
-                  <dgm:constr type="lMarg" refType="primFontSz" fact="0.1"/>
-                  <dgm:constr type="rMarg" refType="primFontSz" fact="0.1"/>
-                </dgm:constrLst>
-                <dgm:ruleLst>
-                  <dgm:rule type="primFontSz" val="5" fact="NaN" max="NaN"/>
-                </dgm:ruleLst>
-              </dgm:layoutNode>
-              <dgm:layoutNode name="dummy">
-                <dgm:alg type="sp"/>
-                <dgm:shape xmlns:r="http://schemas.openxmlformats.org/officeDocument/2006/relationships" r:blip="">
-                  <dgm:adjLst/>
-                </dgm:shape>
-                <dgm:presOf/>
-                <dgm:constrLst>
-                  <dgm:constr type="h" refType="w"/>
-                </dgm:constrLst>
-                <dgm:ruleLst/>
-              </dgm:layoutNode>
-              <dgm:forEach name="sibTransForEach" axis="followSib" ptType="sibTrans" hideLastTrans="0" cnt="1">
-                <dgm:layoutNode name="sibTrans" styleLbl="sibTrans2D1">
-                  <dgm:alg type="conn">
-                    <dgm:param type="connRout" val="curve"/>
-                    <dgm:param type="begPts" val="ctr"/>
-                    <dgm:param type="endPts" val="ctr"/>
-                    <dgm:param type="begSty" val="noArr"/>
-                    <dgm:param type="endSty" val="noArr"/>
-                    <dgm:param type="dstNode" val="node"/>
-                  </dgm:alg>
-                  <dgm:shape xmlns:r="http://schemas.openxmlformats.org/officeDocument/2006/relationships" type="conn" r:blip="" zOrderOff="-999">
-                    <dgm:adjLst/>
-                  </dgm:shape>
-                  <dgm:presOf axis="self"/>
-                  <dgm:constrLst>
-                    <dgm:constr type="begPad"/>
-                    <dgm:constr type="endPad"/>
-                  </dgm:constrLst>
-                  <dgm:ruleLst/>
-                </dgm:layoutNode>
-              </dgm:forEach>
-            </dgm:if>
-            <dgm:if name="Name24" axis="par ch" ptType="node node" func="cnt" op="equ" val="1">
-              <dgm:layoutNode name="oneComp">
-                <dgm:alg type="composite">
-                  <dgm:param type="ar" val="1"/>
-                </dgm:alg>
-                <dgm:shape xmlns:r="http://schemas.openxmlformats.org/officeDocument/2006/relationships" r:blip="">
-                  <dgm:adjLst/>
-                </dgm:shape>
-                <dgm:presOf/>
-                <dgm:constrLst>
-                  <dgm:constr type="h" refType="w"/>
-                  <dgm:constr type="l" for="ch" forName="dummyConnPt" refType="w" fact="0.5"/>
-                  <dgm:constr type="t" for="ch" forName="dummyConnPt" refType="w" fact="0.5"/>
-                  <dgm:constr type="l" for="ch" forName="oneNode"/>
-                  <dgm:constr type="t" for="ch" forName="oneNode"/>
-                  <dgm:constr type="h" for="ch" forName="oneNode" refType="h"/>
-                  <dgm:constr type="w" for="ch" forName="oneNode" refType="w"/>
-                </dgm:constrLst>
-                <dgm:ruleLst/>
-                <dgm:layoutNode name="dummyConnPt" styleLbl="node1">
-                  <dgm:alg type="sp"/>
-                  <dgm:shape xmlns:r="http://schemas.openxmlformats.org/officeDocument/2006/relationships" r:blip="">
-                    <dgm:adjLst/>
-                  </dgm:shape>
-                  <dgm:presOf/>
-                  <dgm:constrLst>
-                    <dgm:constr type="w" val="1"/>
-                    <dgm:constr type="h" val="1"/>
-                  </dgm:constrLst>
-                  <dgm:ruleLst/>
-                </dgm:layoutNode>
-                <dgm:layoutNode name="oneNode" styleLbl="node1">
-                  <dgm:varLst>
-                    <dgm:bulletEnabled val="1"/>
-                  </dgm:varLst>
-                  <dgm:alg type="tx">
-                    <dgm:param type="txAnchorVertCh" val="mid"/>
-                  </dgm:alg>
-                  <dgm:shape xmlns:r="http://schemas.openxmlformats.org/officeDocument/2006/relationships" type="ellipse" r:blip="">
-                    <dgm:adjLst/>
-                  </dgm:shape>
-                  <dgm:presOf axis="desOrSelf" ptType="node"/>
-                  <dgm:constrLst>
-                    <dgm:constr type="h" refType="w"/>
-                    <dgm:constr type="tMarg" refType="primFontSz" fact="0.1"/>
-                    <dgm:constr type="bMarg" refType="primFontSz" fact="0.1"/>
-                    <dgm:constr type="lMarg" refType="primFontSz" fact="0.1"/>
-                    <dgm:constr type="rMarg" refType="primFontSz" fact="0.1"/>
-                  </dgm:constrLst>
-                  <dgm:ruleLst>
-                    <dgm:rule type="primFontSz" val="5" fact="NaN" max="NaN"/>
-                  </dgm:ruleLst>
-                </dgm:layoutNode>
-              </dgm:layoutNode>
-              <dgm:layoutNode name="dummya">
-                <dgm:alg type="sp"/>
-                <dgm:shape xmlns:r="http://schemas.openxmlformats.org/officeDocument/2006/relationships" r:blip="">
-                  <dgm:adjLst/>
-                </dgm:shape>
-                <dgm:presOf/>
-                <dgm:constrLst>
-                  <dgm:constr type="h" refType="w"/>
-                </dgm:constrLst>
-                <dgm:ruleLst/>
-              </dgm:layoutNode>
-              <dgm:layoutNode name="dummyb">
-                <dgm:alg type="sp"/>
-                <dgm:shape xmlns:r="http://schemas.openxmlformats.org/officeDocument/2006/relationships" r:blip="">
-                  <dgm:adjLst/>
-                </dgm:shape>
-                <dgm:presOf/>
-                <dgm:constrLst>
-                  <dgm:constr type="h" refType="w"/>
-                </dgm:constrLst>
-                <dgm:ruleLst/>
-              </dgm:layoutNode>
-              <dgm:layoutNode name="dummyc">
-                <dgm:alg type="sp"/>
-                <dgm:shape xmlns:r="http://schemas.openxmlformats.org/officeDocument/2006/relationships" r:blip="">
-                  <dgm:adjLst/>
-                </dgm:shape>
-                <dgm:presOf/>
-                <dgm:constrLst>
-                  <dgm:constr type="h" refType="w"/>
-                </dgm:constrLst>
-                <dgm:ruleLst/>
-              </dgm:layoutNode>
-              <dgm:forEach name="sibTransForEach1" axis="followSib" ptType="sibTrans" hideLastTrans="0" cnt="1">
-                <dgm:layoutNode name="singleconn" styleLbl="sibTrans2D1">
-                  <dgm:alg type="conn">
-                    <dgm:param type="connRout" val="longCurve"/>
-                    <dgm:param type="begPts" val="bCtr"/>
-                    <dgm:param type="endPts" val="tCtr"/>
-                    <dgm:param type="begSty" val="noArr"/>
-                    <dgm:param type="endSty" val="noArr"/>
-                    <dgm:param type="srcNode" val="dummyConnPt"/>
-                    <dgm:param type="dstNode" val="dummyConnPt"/>
-                  </dgm:alg>
-                  <dgm:shape xmlns:r="http://schemas.openxmlformats.org/officeDocument/2006/relationships" type="conn" r:blip="" zOrderOff="-999">
-                    <dgm:adjLst/>
-                  </dgm:shape>
-                  <dgm:presOf axis="self"/>
-                  <dgm:constrLst>
-                    <dgm:constr type="begPad"/>
-                    <dgm:constr type="endPad"/>
-                  </dgm:constrLst>
-                  <dgm:ruleLst/>
-                </dgm:layoutNode>
-              </dgm:forEach>
-            </dgm:if>
-            <dgm:else name="Name25"/>
-          </dgm:choose>
-        </dgm:forEach>
-      </dgm:forEach>
-    </dgm:forEach>
-  </dgm:layoutNode>
-</dgm:layoutDef>
-</file>
-
-<file path=ppt/diagrams/quickStyle1.xml><?xml version="1.0" encoding="utf-8"?>
-<dgm:styleDef xmlns:dgm="http://schemas.openxmlformats.org/drawingml/2006/diagram" xmlns:a="http://schemas.openxmlformats.org/drawingml/2006/main" uniqueId="urn:microsoft.com/office/officeart/2005/8/quickstyle/simple1">
-  <dgm:title val=""/>
-  <dgm:desc val=""/>
-  <dgm:catLst>
-    <dgm:cat type="simple" pri="10100"/>
-  </dgm:catLst>
-  <dgm:scene3d>
-    <a:camera prst="orthographicFront"/>
-    <a:lightRig rig="threePt" dir="t"/>
-  </dgm:scene3d>
-  <dgm:styleLbl name="node0">
-    <dgm:scene3d>
-      <a:camera prst="orthographicFront"/>
-      <a:lightRig rig="threePt" dir="t"/>
-    </dgm:scene3d>
-    <dgm:sp3d/>
-    <dgm:txPr/>
-    <dgm:style>
-      <a:lnRef idx="2">
-        <a:scrgbClr r="0" g="0" b="0"/>
-      </a:lnRef>
-      <a:fillRef idx="1">
-        <a:scrgbClr r="0" g="0" b="0"/>
-      </a:fillRef>
-      <a:effectRef idx="0">
-        <a:scrgbClr r="0" g="0" b="0"/>
-      </a:effectRef>
-      <a:fontRef idx="minor">
-        <a:schemeClr val="lt1"/>
-      </a:fontRef>
-    </dgm:style>
-  </dgm:styleLbl>
-  <dgm:styleLbl name="lnNode1">
-    <dgm:scene3d>
-      <a:camera prst="orthographicFront"/>
-      <a:lightRig rig="threePt" dir="t"/>
-    </dgm:scene3d>
-    <dgm:sp3d/>
-    <dgm:txPr/>
-    <dgm:style>
-      <a:lnRef idx="2">
-        <a:scrgbClr r="0" g="0" b="0"/>
-      </a:lnRef>
-      <a:fillRef idx="1">
-        <a:scrgbClr r="0" g="0" b="0"/>
-      </a:fillRef>
-      <a:effectRef idx="0">
-        <a:scrgbClr r="0" g="0" b="0"/>
-      </a:effectRef>
-      <a:fontRef idx="minor">
-        <a:schemeClr val="lt1"/>
-      </a:fontRef>
-    </dgm:style>
-  </dgm:styleLbl>
-  <dgm:styleLbl name="vennNode1">
-    <dgm:scene3d>
-      <a:camera prst="orthographicFront"/>
-      <a:lightRig rig="threePt" dir="t"/>
-    </dgm:scene3d>
-    <dgm:sp3d/>
-    <dgm:txPr/>
-    <dgm:style>
-      <a:lnRef idx="2">
-        <a:scrgbClr r="0" g="0" b="0"/>
-      </a:lnRef>
-      <a:fillRef idx="1">
-        <a:scrgbClr r="0" g="0" b="0"/>
-      </a:fillRef>
-      <a:effectRef idx="0">
-        <a:scrgbClr r="0" g="0" b="0"/>
-      </a:effectRef>
-      <a:fontRef idx="minor">
-        <a:schemeClr val="tx1"/>
-      </a:fontRef>
-    </dgm:style>
-  </dgm:styleLbl>
-  <dgm:styleLbl name="alignNode1">
-    <dgm:scene3d>
-      <a:camera prst="orthographicFront"/>
-      <a:lightRig rig="threePt" dir="t"/>
-    </dgm:scene3d>
-    <dgm:sp3d/>
-    <dgm:txPr/>
-    <dgm:style>
-      <a:lnRef idx="2">
-        <a:scrgbClr r="0" g="0" b="0"/>
-      </a:lnRef>
-      <a:fillRef idx="1">
-        <a:scrgbClr r="0" g="0" b="0"/>
-      </a:fillRef>
-      <a:effectRef idx="0">
-        <a:scrgbClr r="0" g="0" b="0"/>
-      </a:effectRef>
-      <a:fontRef idx="minor">
-        <a:schemeClr val="lt1"/>
-      </a:fontRef>
-    </dgm:style>
-  </dgm:styleLbl>
-  <dgm:styleLbl name="node1">
-    <dgm:scene3d>
-      <a:camera prst="orthographicFront"/>
-      <a:lightRig rig="threePt" dir="t"/>
-    </dgm:scene3d>
-    <dgm:sp3d/>
-    <dgm:txPr/>
-    <dgm:style>
-      <a:lnRef idx="2">
-        <a:scrgbClr r="0" g="0" b="0"/>
-      </a:lnRef>
-      <a:fillRef idx="1">
-        <a:scrgbClr r="0" g="0" b="0"/>
-      </a:fillRef>
-      <a:effectRef idx="0">
-        <a:scrgbClr r="0" g="0" b="0"/>
-      </a:effectRef>
-      <a:fontRef idx="minor">
-        <a:schemeClr val="lt1"/>
-      </a:fontRef>
-    </dgm:style>
-  </dgm:styleLbl>
-  <dgm:styleLbl name="node2">
-    <dgm:scene3d>
-      <a:camera prst="orthographicFront"/>
-      <a:lightRig rig="threePt" dir="t"/>
-    </dgm:scene3d>
-    <dgm:sp3d/>
-    <dgm:txPr/>
-    <dgm:style>
-      <a:lnRef idx="2">
-        <a:scrgbClr r="0" g="0" b="0"/>
-      </a:lnRef>
-      <a:fillRef idx="1">
-        <a:scrgbClr r="0" g="0" b="0"/>
-      </a:fillRef>
-      <a:effectRef idx="0">
-        <a:scrgbClr r="0" g="0" b="0"/>
-      </a:effectRef>
-      <a:fontRef idx="minor">
-        <a:schemeClr val="lt1"/>
-      </a:fontRef>
-    </dgm:style>
-  </dgm:styleLbl>
-  <dgm:styleLbl name="node3">
-    <dgm:scene3d>
-      <a:camera prst="orthographicFront"/>
-      <a:lightRig rig="threePt" dir="t"/>
-    </dgm:scene3d>
-    <dgm:sp3d/>
-    <dgm:txPr/>
-    <dgm:style>
-      <a:lnRef idx="2">
-        <a:scrgbClr r="0" g="0" b="0"/>
-      </a:lnRef>
-      <a:fillRef idx="1">
-        <a:scrgbClr r="0" g="0" b="0"/>
-      </a:fillRef>
-      <a:effectRef idx="0">
-        <a:scrgbClr r="0" g="0" b="0"/>
-      </a:effectRef>
-      <a:fontRef idx="minor">
-        <a:schemeClr val="lt1"/>
-      </a:fontRef>
-    </dgm:style>
-  </dgm:styleLbl>
-  <dgm:styleLbl name="node4">
-    <dgm:scene3d>
-      <a:camera prst="orthographicFront"/>
-      <a:lightRig rig="threePt" dir="t"/>
-    </dgm:scene3d>
-    <dgm:sp3d/>
-    <dgm:txPr/>
-    <dgm:style>
-      <a:lnRef idx="2">
-        <a:scrgbClr r="0" g="0" b="0"/>
-      </a:lnRef>
-      <a:fillRef idx="1">
-        <a:scrgbClr r="0" g="0" b="0"/>
-      </a:fillRef>
-      <a:effectRef idx="0">
-        <a:scrgbClr r="0" g="0" b="0"/>
-      </a:effectRef>
-      <a:fontRef idx="minor">
-        <a:schemeClr val="lt1"/>
-      </a:fontRef>
-    </dgm:style>
-  </dgm:styleLbl>
-  <dgm:styleLbl name="fgImgPlace1">
-    <dgm:scene3d>
-      <a:camera prst="orthographicFront"/>
-      <a:lightRig rig="threePt" dir="t"/>
-    </dgm:scene3d>
-    <dgm:sp3d/>
-    <dgm:txPr/>
-    <dgm:style>
-      <a:lnRef idx="2">
-        <a:scrgbClr r="0" g="0" b="0"/>
-      </a:lnRef>
-      <a:fillRef idx="1">
-        <a:scrgbClr r="0" g="0" b="0"/>
-      </a:fillRef>
-      <a:effectRef idx="0">
-        <a:scrgbClr r="0" g="0" b="0"/>
-      </a:effectRef>
-      <a:fontRef idx="minor"/>
-    </dgm:style>
-  </dgm:styleLbl>
-  <dgm:styleLbl name="alignImgPlace1">
-    <dgm:scene3d>
-      <a:camera prst="orthographicFront"/>
-      <a:lightRig rig="threePt" dir="t"/>
-    </dgm:scene3d>
-    <dgm:sp3d/>
-    <dgm:txPr/>
-    <dgm:style>
-      <a:lnRef idx="2">
-        <a:scrgbClr r="0" g="0" b="0"/>
-      </a:lnRef>
-      <a:fillRef idx="1">
-        <a:scrgbClr r="0" g="0" b="0"/>
-      </a:fillRef>
-      <a:effectRef idx="0">
-        <a:scrgbClr r="0" g="0" b="0"/>
-      </a:effectRef>
-      <a:fontRef idx="minor"/>
-    </dgm:style>
-  </dgm:styleLbl>
-  <dgm:styleLbl name="bgImgPlace1">
-    <dgm:scene3d>
-      <a:camera prst="orthographicFront"/>
-      <a:lightRig rig="threePt" dir="t"/>
-    </dgm:scene3d>
-    <dgm:sp3d/>
-    <dgm:txPr/>
-    <dgm:style>
-      <a:lnRef idx="2">
-        <a:scrgbClr r="0" g="0" b="0"/>
-      </a:lnRef>
-      <a:fillRef idx="1">
-        <a:scrgbClr r="0" g="0" b="0"/>
-      </a:fillRef>
-      <a:effectRef idx="0">
-        <a:scrgbClr r="0" g="0" b="0"/>
-      </a:effectRef>
-      <a:fontRef idx="minor"/>
-    </dgm:style>
-  </dgm:styleLbl>
-  <dgm:styleLbl name="sibTrans2D1">
-    <dgm:scene3d>
-      <a:camera prst="orthographicFront"/>
-      <a:lightRig rig="threePt" dir="t"/>
-    </dgm:scene3d>
-    <dgm:sp3d/>
-    <dgm:txPr/>
-    <dgm:style>
-      <a:lnRef idx="0">
-        <a:scrgbClr r="0" g="0" b="0"/>
-      </a:lnRef>
-      <a:fillRef idx="1">
-        <a:scrgbClr r="0" g="0" b="0"/>
-      </a:fillRef>
-      <a:effectRef idx="0">
-        <a:scrgbClr r="0" g="0" b="0"/>
-      </a:effectRef>
-      <a:fontRef idx="minor">
-        <a:schemeClr val="lt1"/>
-      </a:fontRef>
-    </dgm:style>
-  </dgm:styleLbl>
-  <dgm:styleLbl name="fgSibTrans2D1">
-    <dgm:scene3d>
-      <a:camera prst="orthographicFront"/>
-      <a:lightRig rig="threePt" dir="t"/>
-    </dgm:scene3d>
-    <dgm:sp3d/>
-    <dgm:txPr/>
-    <dgm:style>
-      <a:lnRef idx="0">
-        <a:scrgbClr r="0" g="0" b="0"/>
-      </a:lnRef>
-      <a:fillRef idx="1">
-        <a:scrgbClr r="0" g="0" b="0"/>
-      </a:fillRef>
-      <a:effectRef idx="0">
-        <a:scrgbClr r="0" g="0" b="0"/>
-      </a:effectRef>
-      <a:fontRef idx="minor">
-        <a:schemeClr val="lt1"/>
-      </a:fontRef>
-    </dgm:style>
-  </dgm:styleLbl>
-  <dgm:styleLbl name="bgSibTrans2D1">
-    <dgm:scene3d>
-      <a:camera prst="orthographicFront"/>
-      <a:lightRig rig="threePt" dir="t"/>
-    </dgm:scene3d>
-    <dgm:sp3d/>
-    <dgm:txPr/>
-    <dgm:style>
-      <a:lnRef idx="0">
-        <a:scrgbClr r="0" g="0" b="0"/>
-      </a:lnRef>
-      <a:fillRef idx="1">
-        <a:scrgbClr r="0" g="0" b="0"/>
-      </a:fillRef>
-      <a:effectRef idx="0">
-        <a:scrgbClr r="0" g="0" b="0"/>
-      </a:effectRef>
-      <a:fontRef idx="minor">
-        <a:schemeClr val="lt1"/>
-      </a:fontRef>
-    </dgm:style>
-  </dgm:styleLbl>
-  <dgm:styleLbl name="sibTrans1D1">
-    <dgm:scene3d>
-      <a:camera prst="orthographicFront"/>
-      <a:lightRig rig="threePt" dir="t"/>
-    </dgm:scene3d>
-    <dgm:sp3d/>
-    <dgm:txPr/>
-    <dgm:style>
-      <a:lnRef idx="1">
-        <a:scrgbClr r="0" g="0" b="0"/>
-      </a:lnRef>
-      <a:fillRef idx="0">
-        <a:scrgbClr r="0" g="0" b="0"/>
-      </a:fillRef>
-      <a:effectRef idx="0">
-        <a:scrgbClr r="0" g="0" b="0"/>
-      </a:effectRef>
-      <a:fontRef idx="minor"/>
-    </dgm:style>
-  </dgm:styleLbl>
-  <dgm:styleLbl name="callout">
-    <dgm:scene3d>
-      <a:camera prst="orthographicFront"/>
-      <a:lightRig rig="threePt" dir="t"/>
-    </dgm:scene3d>
-    <dgm:sp3d/>
-    <dgm:txPr/>
-    <dgm:style>
-      <a:lnRef idx="2">
-        <a:scrgbClr r="0" g="0" b="0"/>
-      </a:lnRef>
-      <a:fillRef idx="1">
-        <a:scrgbClr r="0" g="0" b="0"/>
-      </a:fillRef>
-      <a:effectRef idx="0">
-        <a:scrgbClr r="0" g="0" b="0"/>
-      </a:effectRef>
-      <a:fontRef idx="minor"/>
-    </dgm:style>
-  </dgm:styleLbl>
-  <dgm:styleLbl name="asst0">
-    <dgm:scene3d>
-      <a:camera prst="orthographicFront"/>
-      <a:lightRig rig="threePt" dir="t"/>
-    </dgm:scene3d>
-    <dgm:sp3d/>
-    <dgm:txPr/>
-    <dgm:style>
-      <a:lnRef idx="2">
-        <a:scrgbClr r="0" g="0" b="0"/>
-      </a:lnRef>
-      <a:fillRef idx="1">
-        <a:scrgbClr r="0" g="0" b="0"/>
-      </a:fillRef>
-      <a:effectRef idx="0">
-        <a:scrgbClr r="0" g="0" b="0"/>
-      </a:effectRef>
-      <a:fontRef idx="minor">
-        <a:schemeClr val="lt1"/>
-      </a:fontRef>
-    </dgm:style>
-  </dgm:styleLbl>
-  <dgm:styleLbl name="asst1">
-    <dgm:scene3d>
-      <a:camera prst="orthographicFront"/>
-      <a:lightRig rig="threePt" dir="t"/>
-    </dgm:scene3d>
-    <dgm:sp3d/>
-    <dgm:txPr/>
-    <dgm:style>
-      <a:lnRef idx="2">
-        <a:scrgbClr r="0" g="0" b="0"/>
-      </a:lnRef>
-      <a:fillRef idx="1">
-        <a:scrgbClr r="0" g="0" b="0"/>
-      </a:fillRef>
-      <a:effectRef idx="0">
-        <a:scrgbClr r="0" g="0" b="0"/>
-      </a:effectRef>
-      <a:fontRef idx="minor">
-        <a:schemeClr val="lt1"/>
-      </a:fontRef>
-    </dgm:style>
-  </dgm:styleLbl>
-  <dgm:styleLbl name="asst2">
-    <dgm:scene3d>
-      <a:camera prst="orthographicFront"/>
-      <a:lightRig rig="threePt" dir="t"/>
-    </dgm:scene3d>
-    <dgm:sp3d/>
-    <dgm:txPr/>
-    <dgm:style>
-      <a:lnRef idx="2">
-        <a:scrgbClr r="0" g="0" b="0"/>
-      </a:lnRef>
-      <a:fillRef idx="1">
-        <a:scrgbClr r="0" g="0" b="0"/>
-      </a:fillRef>
-      <a:effectRef idx="0">
-        <a:scrgbClr r="0" g="0" b="0"/>
-      </a:effectRef>
-      <a:fontRef idx="minor">
-        <a:schemeClr val="lt1"/>
-      </a:fontRef>
-    </dgm:style>
-  </dgm:styleLbl>
-  <dgm:styleLbl name="asst3">
-    <dgm:scene3d>
-      <a:camera prst="orthographicFront"/>
-      <a:lightRig rig="threePt" dir="t"/>
-    </dgm:scene3d>
-    <dgm:sp3d/>
-    <dgm:txPr/>
-    <dgm:style>
-      <a:lnRef idx="2">
-        <a:scrgbClr r="0" g="0" b="0"/>
-      </a:lnRef>
-      <a:fillRef idx="1">
-        <a:scrgbClr r="0" g="0" b="0"/>
-      </a:fillRef>
-      <a:effectRef idx="0">
-        <a:scrgbClr r="0" g="0" b="0"/>
-      </a:effectRef>
-      <a:fontRef idx="minor">
-        <a:schemeClr val="lt1"/>
-      </a:fontRef>
-    </dgm:style>
-  </dgm:styleLbl>
-  <dgm:styleLbl name="asst4">
-    <dgm:scene3d>
-      <a:camera prst="orthographicFront"/>
-      <a:lightRig rig="threePt" dir="t"/>
-    </dgm:scene3d>
-    <dgm:sp3d/>
-    <dgm:txPr/>
-    <dgm:style>
-      <a:lnRef idx="2">
-        <a:scrgbClr r="0" g="0" b="0"/>
-      </a:lnRef>
-      <a:fillRef idx="1">
-        <a:scrgbClr r="0" g="0" b="0"/>
-      </a:fillRef>
-      <a:effectRef idx="0">
-        <a:scrgbClr r="0" g="0" b="0"/>
-      </a:effectRef>
-      <a:fontRef idx="minor">
-        <a:schemeClr val="lt1"/>
-      </a:fontRef>
-    </dgm:style>
-  </dgm:styleLbl>
-  <dgm:styleLbl name="parChTrans2D1">
-    <dgm:scene3d>
-      <a:camera prst="orthographicFront"/>
-      <a:lightRig rig="threePt" dir="t"/>
-    </dgm:scene3d>
-    <dgm:sp3d/>
-    <dgm:txPr/>
-    <dgm:style>
-      <a:lnRef idx="2">
-        <a:scrgbClr r="0" g="0" b="0"/>
-      </a:lnRef>
-      <a:fillRef idx="1">
-        <a:scrgbClr r="0" g="0" b="0"/>
-      </a:fillRef>
-      <a:effectRef idx="0">
-        <a:scrgbClr r="0" g="0" b="0"/>
-      </a:effectRef>
-      <a:fontRef idx="minor">
-        <a:schemeClr val="lt1"/>
-      </a:fontRef>
-    </dgm:style>
-  </dgm:styleLbl>
-  <dgm:styleLbl name="parChTrans2D2">
-    <dgm:scene3d>
-      <a:camera prst="orthographicFront"/>
-      <a:lightRig rig="threePt" dir="t"/>
-    </dgm:scene3d>
-    <dgm:sp3d/>
-    <dgm:txPr/>
-    <dgm:style>
-      <a:lnRef idx="2">
-        <a:scrgbClr r="0" g="0" b="0"/>
-      </a:lnRef>
-      <a:fillRef idx="1">
-        <a:scrgbClr r="0" g="0" b="0"/>
-      </a:fillRef>
-      <a:effectRef idx="0">
-        <a:scrgbClr r="0" g="0" b="0"/>
-      </a:effectRef>
-      <a:fontRef idx="minor">
-        <a:schemeClr val="lt1"/>
-      </a:fontRef>
-    </dgm:style>
-  </dgm:styleLbl>
-  <dgm:styleLbl name="parChTrans2D3">
-    <dgm:scene3d>
-      <a:camera prst="orthographicFront"/>
-      <a:lightRig rig="threePt" dir="t"/>
-    </dgm:scene3d>
-    <dgm:sp3d/>
-    <dgm:txPr/>
-    <dgm:style>
-      <a:lnRef idx="2">
-        <a:scrgbClr r="0" g="0" b="0"/>
-      </a:lnRef>
-      <a:fillRef idx="1">
-        <a:scrgbClr r="0" g="0" b="0"/>
-      </a:fillRef>
-      <a:effectRef idx="0">
-        <a:scrgbClr r="0" g="0" b="0"/>
-      </a:effectRef>
-      <a:fontRef idx="minor">
-        <a:schemeClr val="lt1"/>
-      </a:fontRef>
-    </dgm:style>
-  </dgm:styleLbl>
-  <dgm:styleLbl name="parChTrans2D4">
-    <dgm:scene3d>
-      <a:camera prst="orthographicFront"/>
-      <a:lightRig rig="threePt" dir="t"/>
-    </dgm:scene3d>
-    <dgm:sp3d/>
-    <dgm:txPr/>
-    <dgm:style>
-      <a:lnRef idx="2">
-        <a:scrgbClr r="0" g="0" b="0"/>
-      </a:lnRef>
-      <a:fillRef idx="1">
-        <a:scrgbClr r="0" g="0" b="0"/>
-      </a:fillRef>
-      <a:effectRef idx="0">
-        <a:scrgbClr r="0" g="0" b="0"/>
-      </a:effectRef>
-      <a:fontRef idx="minor">
-        <a:schemeClr val="lt1"/>
-      </a:fontRef>
-    </dgm:style>
-  </dgm:styleLbl>
-  <dgm:styleLbl name="parChTrans1D1">
-    <dgm:scene3d>
-      <a:camera prst="orthographicFront"/>
-      <a:lightRig rig="threePt" dir="t"/>
-    </dgm:scene3d>
-    <dgm:sp3d/>
-    <dgm:txPr/>
-    <dgm:style>
-      <a:lnRef idx="2">
-        <a:scrgbClr r="0" g="0" b="0"/>
-      </a:lnRef>
-      <a:fillRef idx="0">
-        <a:scrgbClr r="0" g="0" b="0"/>
-      </a:fillRef>
-      <a:effectRef idx="0">
-        <a:scrgbClr r="0" g="0" b="0"/>
-      </a:effectRef>
-      <a:fontRef idx="minor"/>
-    </dgm:style>
-  </dgm:styleLbl>
-  <dgm:styleLbl name="parChTrans1D2">
-    <dgm:scene3d>
-      <a:camera prst="orthographicFront"/>
-      <a:lightRig rig="threePt" dir="t"/>
-    </dgm:scene3d>
-    <dgm:sp3d/>
-    <dgm:txPr/>
-    <dgm:style>
-      <a:lnRef idx="2">
-        <a:scrgbClr r="0" g="0" b="0"/>
-      </a:lnRef>
-      <a:fillRef idx="0">
-        <a:scrgbClr r="0" g="0" b="0"/>
-      </a:fillRef>
-      <a:effectRef idx="0">
-        <a:scrgbClr r="0" g="0" b="0"/>
-      </a:effectRef>
-      <a:fontRef idx="minor"/>
-    </dgm:style>
-  </dgm:styleLbl>
-  <dgm:styleLbl name="parChTrans1D3">
-    <dgm:scene3d>
-      <a:camera prst="orthographicFront"/>
-      <a:lightRig rig="threePt" dir="t"/>
-    </dgm:scene3d>
-    <dgm:sp3d/>
-    <dgm:txPr/>
-    <dgm:style>
-      <a:lnRef idx="2">
-        <a:scrgbClr r="0" g="0" b="0"/>
-      </a:lnRef>
-      <a:fillRef idx="0">
-        <a:scrgbClr r="0" g="0" b="0"/>
-      </a:fillRef>
-      <a:effectRef idx="0">
-        <a:scrgbClr r="0" g="0" b="0"/>
-      </a:effectRef>
-      <a:fontRef idx="minor"/>
-    </dgm:style>
-  </dgm:styleLbl>
-  <dgm:styleLbl name="parChTrans1D4">
-    <dgm:scene3d>
-      <a:camera prst="orthographicFront"/>
-      <a:lightRig rig="threePt" dir="t"/>
-    </dgm:scene3d>
-    <dgm:sp3d/>
-    <dgm:txPr/>
-    <dgm:style>
-      <a:lnRef idx="2">
-        <a:scrgbClr r="0" g="0" b="0"/>
-      </a:lnRef>
-      <a:fillRef idx="0">
-        <a:scrgbClr r="0" g="0" b="0"/>
-      </a:fillRef>
-      <a:effectRef idx="0">
-        <a:scrgbClr r="0" g="0" b="0"/>
-      </a:effectRef>
-      <a:fontRef idx="minor"/>
-    </dgm:style>
-  </dgm:styleLbl>
-  <dgm:styleLbl name="fgAcc1">
-    <dgm:scene3d>
-      <a:camera prst="orthographicFront"/>
-      <a:lightRig rig="threePt" dir="t"/>
-    </dgm:scene3d>
-    <dgm:sp3d/>
-    <dgm:txPr/>
-    <dgm:style>
-      <a:lnRef idx="2">
-        <a:scrgbClr r="0" g="0" b="0"/>
-      </a:lnRef>
-      <a:fillRef idx="1">
-        <a:scrgbClr r="0" g="0" b="0"/>
-      </a:fillRef>
-      <a:effectRef idx="0">
-        <a:scrgbClr r="0" g="0" b="0"/>
-      </a:effectRef>
-      <a:fontRef idx="minor"/>
-    </dgm:style>
-  </dgm:styleLbl>
-  <dgm:styleLbl name="conFgAcc1">
-    <dgm:scene3d>
-      <a:camera prst="orthographicFront"/>
-      <a:lightRig rig="threePt" dir="t"/>
-    </dgm:scene3d>
-    <dgm:sp3d/>
-    <dgm:txPr/>
-    <dgm:style>
-      <a:lnRef idx="2">
-        <a:scrgbClr r="0" g="0" b="0"/>
-      </a:lnRef>
-      <a:fillRef idx="1">
-        <a:scrgbClr r="0" g="0" b="0"/>
-      </a:fillRef>
-      <a:effectRef idx="0">
-        <a:scrgbClr r="0" g="0" b="0"/>
-      </a:effectRef>
-      <a:fontRef idx="minor"/>
-    </dgm:style>
-  </dgm:styleLbl>
-  <dgm:styleLbl name="alignAcc1">
-    <dgm:scene3d>
-      <a:camera prst="orthographicFront"/>
-      <a:lightRig rig="threePt" dir="t"/>
-    </dgm:scene3d>
-    <dgm:sp3d/>
-    <dgm:txPr/>
-    <dgm:style>
-      <a:lnRef idx="2">
-        <a:scrgbClr r="0" g="0" b="0"/>
-      </a:lnRef>
-      <a:fillRef idx="1">
-        <a:scrgbClr r="0" g="0" b="0"/>
-      </a:fillRef>
-      <a:effectRef idx="0">
-        <a:scrgbClr r="0" g="0" b="0"/>
-      </a:effectRef>
-      <a:fontRef idx="minor"/>
-    </dgm:style>
-  </dgm:styleLbl>
-  <dgm:styleLbl name="trAlignAcc1">
-    <dgm:scene3d>
-      <a:camera prst="orthographicFront"/>
-      <a:lightRig rig="threePt" dir="t"/>
-    </dgm:scene3d>
-    <dgm:sp3d/>
-    <dgm:txPr/>
-    <dgm:style>
-      <a:lnRef idx="1">
-        <a:scrgbClr r="0" g="0" b="0"/>
-      </a:lnRef>
-      <a:fillRef idx="1">
-        <a:scrgbClr r="0" g="0" b="0"/>
-      </a:fillRef>
-      <a:effectRef idx="0">
-        <a:scrgbClr r="0" g="0" b="0"/>
-      </a:effectRef>
-      <a:fontRef idx="minor"/>
-    </dgm:style>
-  </dgm:styleLbl>
-  <dgm:styleLbl name="bgAcc1">
-    <dgm:scene3d>
-      <a:camera prst="orthographicFront"/>
-      <a:lightRig rig="threePt" dir="t"/>
-    </dgm:scene3d>
-    <dgm:sp3d/>
-    <dgm:txPr/>
-    <dgm:style>
-      <a:lnRef idx="2">
-        <a:scrgbClr r="0" g="0" b="0"/>
-      </a:lnRef>
-      <a:fillRef idx="1">
-        <a:scrgbClr r="0" g="0" b="0"/>
-      </a:fillRef>
-      <a:effectRef idx="0">
-        <a:scrgbClr r="0" g="0" b="0"/>
-      </a:effectRef>
-      <a:fontRef idx="minor"/>
-    </dgm:style>
-  </dgm:styleLbl>
-  <dgm:styleLbl name="solidFgAcc1">
-    <dgm:scene3d>
-      <a:camera prst="orthographicFront"/>
-      <a:lightRig rig="threePt" dir="t"/>
-    </dgm:scene3d>
-    <dgm:sp3d/>
-    <dgm:txPr/>
-    <dgm:style>
-      <a:lnRef idx="2">
-        <a:scrgbClr r="0" g="0" b="0"/>
-      </a:lnRef>
-      <a:fillRef idx="1">
-        <a:scrgbClr r="0" g="0" b="0"/>
-      </a:fillRef>
-      <a:effectRef idx="0">
-        <a:scrgbClr r="0" g="0" b="0"/>
-      </a:effectRef>
-      <a:fontRef idx="minor"/>
-    </dgm:style>
-  </dgm:styleLbl>
-  <dgm:styleLbl name="solidAlignAcc1">
-    <dgm:scene3d>
-      <a:camera prst="orthographicFront"/>
-      <a:lightRig rig="threePt" dir="t"/>
-    </dgm:scene3d>
-    <dgm:sp3d/>
-    <dgm:txPr/>
-    <dgm:style>
-      <a:lnRef idx="2">
-        <a:scrgbClr r="0" g="0" b="0"/>
-      </a:lnRef>
-      <a:fillRef idx="1">
-        <a:scrgbClr r="0" g="0" b="0"/>
-      </a:fillRef>
-      <a:effectRef idx="0">
-        <a:scrgbClr r="0" g="0" b="0"/>
-      </a:effectRef>
-      <a:fontRef idx="minor"/>
-    </dgm:style>
-  </dgm:styleLbl>
-  <dgm:styleLbl name="solidBgAcc1">
-    <dgm:scene3d>
-      <a:camera prst="orthographicFront"/>
-      <a:lightRig rig="threePt" dir="t"/>
-    </dgm:scene3d>
-    <dgm:sp3d/>
-    <dgm:txPr/>
-    <dgm:style>
-      <a:lnRef idx="2">
-        <a:scrgbClr r="0" g="0" b="0"/>
-      </a:lnRef>
-      <a:fillRef idx="1">
-        <a:scrgbClr r="0" g="0" b="0"/>
-      </a:fillRef>
-      <a:effectRef idx="0">
-        <a:scrgbClr r="0" g="0" b="0"/>
-      </a:effectRef>
-      <a:fontRef idx="minor"/>
-    </dgm:style>
-  </dgm:styleLbl>
-  <dgm:styleLbl name="fgAccFollowNode1">
-    <dgm:scene3d>
-      <a:camera prst="orthographicFront"/>
-      <a:lightRig rig="threePt" dir="t"/>
-    </dgm:scene3d>
-    <dgm:sp3d/>
-    <dgm:txPr/>
-    <dgm:style>
-      <a:lnRef idx="2">
-        <a:scrgbClr r="0" g="0" b="0"/>
-      </a:lnRef>
-      <a:fillRef idx="1">
-        <a:scrgbClr r="0" g="0" b="0"/>
-      </a:fillRef>
-      <a:effectRef idx="0">
-        <a:scrgbClr r="0" g="0" b="0"/>
-      </a:effectRef>
-      <a:fontRef idx="minor"/>
-    </dgm:style>
-  </dgm:styleLbl>
-  <dgm:styleLbl name="alignAccFollowNode1">
-    <dgm:scene3d>
-      <a:camera prst="orthographicFront"/>
-      <a:lightRig rig="threePt" dir="t"/>
-    </dgm:scene3d>
-    <dgm:sp3d/>
-    <dgm:txPr/>
-    <dgm:style>
-      <a:lnRef idx="2">
-        <a:scrgbClr r="0" g="0" b="0"/>
-      </a:lnRef>
-      <a:fillRef idx="1">
-        <a:scrgbClr r="0" g="0" b="0"/>
-      </a:fillRef>
-      <a:effectRef idx="0">
-        <a:scrgbClr r="0" g="0" b="0"/>
-      </a:effectRef>
-      <a:fontRef idx="minor"/>
-    </dgm:style>
-  </dgm:styleLbl>
-  <dgm:styleLbl name="bgAccFollowNode1">
-    <dgm:scene3d>
-      <a:camera prst="orthographicFront"/>
-      <a:lightRig rig="threePt" dir="t"/>
-    </dgm:scene3d>
-    <dgm:sp3d/>
-    <dgm:txPr/>
-    <dgm:style>
-      <a:lnRef idx="2">
-        <a:scrgbClr r="0" g="0" b="0"/>
-      </a:lnRef>
-      <a:fillRef idx="1">
-        <a:scrgbClr r="0" g="0" b="0"/>
-      </a:fillRef>
-      <a:effectRef idx="0">
-        <a:scrgbClr r="0" g="0" b="0"/>
-      </a:effectRef>
-      <a:fontRef idx="minor"/>
-    </dgm:style>
-  </dgm:styleLbl>
-  <dgm:styleLbl name="fgAcc0">
-    <dgm:scene3d>
-      <a:camera prst="orthographicFront"/>
-      <a:lightRig rig="threePt" dir="t"/>
-    </dgm:scene3d>
-    <dgm:sp3d/>
-    <dgm:txPr/>
-    <dgm:style>
-      <a:lnRef idx="2">
-        <a:scrgbClr r="0" g="0" b="0"/>
-      </a:lnRef>
-      <a:fillRef idx="1">
-        <a:scrgbClr r="0" g="0" b="0"/>
-      </a:fillRef>
-      <a:effectRef idx="0">
-        <a:scrgbClr r="0" g="0" b="0"/>
-      </a:effectRef>
-      <a:fontRef idx="minor"/>
-    </dgm:style>
-  </dgm:styleLbl>
-  <dgm:styleLbl name="fgAcc2">
-    <dgm:scene3d>
-      <a:camera prst="orthographicFront"/>
-      <a:lightRig rig="threePt" dir="t"/>
-    </dgm:scene3d>
-    <dgm:sp3d/>
-    <dgm:txPr/>
-    <dgm:style>
-      <a:lnRef idx="2">
-        <a:scrgbClr r="0" g="0" b="0"/>
-      </a:lnRef>
-      <a:fillRef idx="1">
-        <a:scrgbClr r="0" g="0" b="0"/>
-      </a:fillRef>
-      <a:effectRef idx="0">
-        <a:scrgbClr r="0" g="0" b="0"/>
-      </a:effectRef>
-      <a:fontRef idx="minor"/>
-    </dgm:style>
-  </dgm:styleLbl>
-  <dgm:styleLbl name="fgAcc3">
-    <dgm:scene3d>
-      <a:camera prst="orthographicFront"/>
-      <a:lightRig rig="threePt" dir="t"/>
-    </dgm:scene3d>
-    <dgm:sp3d/>
-    <dgm:txPr/>
-    <dgm:style>
-      <a:lnRef idx="2">
-        <a:scrgbClr r="0" g="0" b="0"/>
-      </a:lnRef>
-      <a:fillRef idx="1">
-        <a:scrgbClr r="0" g="0" b="0"/>
-      </a:fillRef>
-      <a:effectRef idx="0">
-        <a:scrgbClr r="0" g="0" b="0"/>
-      </a:effectRef>
-      <a:fontRef idx="minor"/>
-    </dgm:style>
-  </dgm:styleLbl>
-  <dgm:styleLbl name="fgAcc4">
-    <dgm:scene3d>
-      <a:camera prst="orthographicFront"/>
-      <a:lightRig rig="threePt" dir="t"/>
-    </dgm:scene3d>
-    <dgm:sp3d/>
-    <dgm:txPr/>
-    <dgm:style>
-      <a:lnRef idx="2">
-        <a:scrgbClr r="0" g="0" b="0"/>
-      </a:lnRef>
-      <a:fillRef idx="1">
-        <a:scrgbClr r="0" g="0" b="0"/>
-      </a:fillRef>
-      <a:effectRef idx="0">
-        <a:scrgbClr r="0" g="0" b="0"/>
-      </a:effectRef>
-      <a:fontRef idx="minor"/>
-    </dgm:style>
-  </dgm:styleLbl>
-  <dgm:styleLbl name="bgShp">
-    <dgm:scene3d>
-      <a:camera prst="orthographicFront"/>
-      <a:lightRig rig="threePt" dir="t"/>
-    </dgm:scene3d>
-    <dgm:sp3d/>
-    <dgm:txPr/>
-    <dgm:style>
-      <a:lnRef idx="0">
-        <a:scrgbClr r="0" g="0" b="0"/>
-      </a:lnRef>
-      <a:fillRef idx="1">
-        <a:scrgbClr r="0" g="0" b="0"/>
-      </a:fillRef>
-      <a:effectRef idx="0">
-        <a:scrgbClr r="0" g="0" b="0"/>
-      </a:effectRef>
-      <a:fontRef idx="minor"/>
-    </dgm:style>
-  </dgm:styleLbl>
-  <dgm:styleLbl name="dkBgShp">
-    <dgm:scene3d>
-      <a:camera prst="orthographicFront"/>
-      <a:lightRig rig="threePt" dir="t"/>
-    </dgm:scene3d>
-    <dgm:sp3d/>
-    <dgm:txPr/>
-    <dgm:style>
-      <a:lnRef idx="0">
-        <a:scrgbClr r="0" g="0" b="0"/>
-      </a:lnRef>
-      <a:fillRef idx="1">
-        <a:scrgbClr r="0" g="0" b="0"/>
-      </a:fillRef>
-      <a:effectRef idx="0">
-        <a:scrgbClr r="0" g="0" b="0"/>
-      </a:effectRef>
-      <a:fontRef idx="minor"/>
-    </dgm:style>
-  </dgm:styleLbl>
-  <dgm:styleLbl name="trBgShp">
-    <dgm:scene3d>
-      <a:camera prst="orthographicFront"/>
-      <a:lightRig rig="threePt" dir="t"/>
-    </dgm:scene3d>
-    <dgm:sp3d/>
-    <dgm:txPr/>
-    <dgm:style>
-      <a:lnRef idx="0">
-        <a:scrgbClr r="0" g="0" b="0"/>
-      </a:lnRef>
-      <a:fillRef idx="1">
-        <a:scrgbClr r="0" g="0" b="0"/>
-      </a:fillRef>
-      <a:effectRef idx="0">
-        <a:scrgbClr r="0" g="0" b="0"/>
-      </a:effectRef>
-      <a:fontRef idx="minor"/>
-    </dgm:style>
-  </dgm:styleLbl>
-  <dgm:styleLbl name="fgShp">
-    <dgm:scene3d>
-      <a:camera prst="orthographicFront"/>
-      <a:lightRig rig="threePt" dir="t"/>
-    </dgm:scene3d>
-    <dgm:sp3d/>
-    <dgm:txPr/>
-    <dgm:style>
-      <a:lnRef idx="2">
-        <a:scrgbClr r="0" g="0" b="0"/>
-      </a:lnRef>
-      <a:fillRef idx="1">
-        <a:scrgbClr r="0" g="0" b="0"/>
-      </a:fillRef>
-      <a:effectRef idx="0">
-        <a:scrgbClr r="0" g="0" b="0"/>
-      </a:effectRef>
-      <a:fontRef idx="minor"/>
-    </dgm:style>
-  </dgm:styleLbl>
-  <dgm:styleLbl name="revTx">
-    <dgm:scene3d>
-      <a:camera prst="orthographicFront"/>
-      <a:lightRig rig="threePt" dir="t"/>
-    </dgm:scene3d>
-    <dgm:sp3d/>
-    <dgm:txPr/>
-    <dgm:style>
-      <a:lnRef idx="0">
-        <a:scrgbClr r="0" g="0" b="0"/>
-      </a:lnRef>
-      <a:fillRef idx="0">
-        <a:scrgbClr r="0" g="0" b="0"/>
-      </a:fillRef>
-      <a:effectRef idx="0">
-        <a:scrgbClr r="0" g="0" b="0"/>
-      </a:effectRef>
-      <a:fontRef idx="minor"/>
-    </dgm:style>
-  </dgm:styleLbl>
-</dgm:styleDef>
 </file>
 
 <file path=ppt/handoutMasters/handoutMaster1.xml><?xml version="1.0" encoding="utf-8"?>
@@ -4257,7 +1126,7 @@
           <a:p>
             <a:fld id="{705E03B7-B591-4A2A-B695-014C5A39F13E}" type="datetimeFigureOut">
               <a:rPr lang="en-US"/>
-              <a:t>12/9/23</a:t>
+              <a:t>12/17/23</a:t>
             </a:fld>
             <a:endParaRPr/>
           </a:p>
@@ -4422,7 +1291,7 @@
           <a:p>
             <a:fld id="{67DFBD7B-E4FB-4AA8-9540-FD148073ACB3}" type="datetimeFigureOut">
               <a:rPr lang="en-US"/>
-              <a:t>12/9/23</a:t>
+              <a:t>12/17/23</a:t>
             </a:fld>
             <a:endParaRPr/>
           </a:p>
@@ -5068,7 +1937,7 @@
           <a:p>
             <a:fld id="{A7209051-6E81-43E8-9099-FF6A0C3DCFE8}" type="datetime1">
               <a:rPr lang="en-US"/>
-              <a:t>12/9/23</a:t>
+              <a:t>12/17/23</a:t>
             </a:fld>
             <a:endParaRPr/>
           </a:p>
@@ -5269,7 +2138,7 @@
           <a:p>
             <a:fld id="{EDCEAB04-7709-4C1E-A61A-74684A0170FC}" type="datetime1">
               <a:rPr lang="en-US"/>
-              <a:t>12/9/23</a:t>
+              <a:t>12/17/23</a:t>
             </a:fld>
             <a:endParaRPr/>
           </a:p>
@@ -5819,7 +2688,7 @@
           <a:p>
             <a:fld id="{0C79BD0D-E0B1-4CED-AC65-708AC79EB9CD}" type="datetime1">
               <a:rPr lang="en-US"/>
-              <a:t>12/9/23</a:t>
+              <a:t>12/17/23</a:t>
             </a:fld>
             <a:endParaRPr/>
           </a:p>
@@ -6020,7 +2889,7 @@
           <a:p>
             <a:fld id="{0CC3EA6D-DF0B-4D4B-B359-5F1D1D0E30A4}" type="datetime1">
               <a:rPr lang="en-US"/>
-              <a:t>12/9/23</a:t>
+              <a:t>12/17/23</a:t>
             </a:fld>
             <a:endParaRPr/>
           </a:p>
@@ -6624,7 +3493,7 @@
           <a:p>
             <a:fld id="{977EDB99-15BC-4479-BAC5-1E502E66917A}" type="datetime1">
               <a:rPr lang="en-US"/>
-              <a:t>12/9/23</a:t>
+              <a:t>12/17/23</a:t>
             </a:fld>
             <a:endParaRPr/>
           </a:p>
@@ -6936,7 +3805,7 @@
           <a:p>
             <a:fld id="{4067C2A3-CD19-48AB-9F64-ECCF75182EDD}" type="datetime1">
               <a:rPr lang="en-US"/>
-              <a:t>12/9/23</a:t>
+              <a:t>12/17/23</a:t>
             </a:fld>
             <a:endParaRPr/>
           </a:p>
@@ -7398,7 +4267,7 @@
           <a:p>
             <a:fld id="{0363E8C1-7C87-4705-AB97-8CD17D208E3F}" type="datetime1">
               <a:rPr lang="en-US"/>
-              <a:t>12/9/23</a:t>
+              <a:t>12/17/23</a:t>
             </a:fld>
             <a:endParaRPr/>
           </a:p>
@@ -7531,7 +4400,7 @@
           <a:p>
             <a:fld id="{E20C624E-DF92-4841-B9B9-DD11AA239B85}" type="datetime1">
               <a:rPr lang="en-US"/>
-              <a:t>12/9/23</a:t>
+              <a:t>12/17/23</a:t>
             </a:fld>
             <a:endParaRPr/>
           </a:p>
@@ -7824,7 +4693,7 @@
           <a:p>
             <a:fld id="{FBDA3AE1-4360-4D5B-BDBC-656B872DD533}" type="datetime1">
               <a:rPr lang="en-US"/>
-              <a:t>12/9/23</a:t>
+              <a:t>12/17/23</a:t>
             </a:fld>
             <a:endParaRPr/>
           </a:p>
@@ -8123,7 +4992,7 @@
           <a:p>
             <a:fld id="{20990708-46A4-4851-883E-8DFB8939107E}" type="datetime1">
               <a:rPr lang="en-US"/>
-              <a:t>12/9/23</a:t>
+              <a:t>12/17/23</a:t>
             </a:fld>
             <a:endParaRPr/>
           </a:p>
@@ -8407,7 +5276,7 @@
           <a:p>
             <a:fld id="{AE88EFFC-86AE-4294-A319-CAFC2651994B}" type="datetime1">
               <a:rPr lang="en-US"/>
-              <a:t>12/9/23</a:t>
+              <a:t>12/17/23</a:t>
             </a:fld>
             <a:endParaRPr/>
           </a:p>
@@ -8989,7 +5858,7 @@
             <a:fld id="{D29E8617-6EA8-4B97-A5E8-E18E98765EE2}" type="datetime1">
               <a:rPr lang="en-US"/>
               <a:pPr/>
-              <a:t>12/9/23</a:t>
+              <a:t>12/17/23</a:t>
             </a:fld>
             <a:endParaRPr dirty="0"/>
           </a:p>
@@ -9444,37 +6313,21 @@
             <a:pPr algn="ctr"/>
             <a:r>
               <a:rPr lang="en-US" altLang="zh-CN" dirty="0"/>
-              <a:t>Diet</a:t>
-            </a:r>
-            <a:r>
-              <a:rPr lang="zh-CN" altLang="en-US" dirty="0"/>
-              <a:t> </a:t>
-            </a:r>
-            <a:r>
-              <a:rPr lang="en-US" altLang="zh-CN" dirty="0"/>
-              <a:t>Compositions</a:t>
-            </a:r>
-            <a:r>
-              <a:rPr lang="zh-CN" altLang="en-US" dirty="0"/>
-              <a:t> </a:t>
+              <a:t>Food Supply </a:t>
             </a:r>
             <a:br>
               <a:rPr lang="en-US" altLang="zh-CN" dirty="0"/>
             </a:br>
             <a:r>
               <a:rPr lang="en-US" altLang="zh-CN" dirty="0"/>
-              <a:t>&amp;</a:t>
-            </a:r>
-            <a:r>
-              <a:rPr lang="zh-CN" altLang="en-US" dirty="0"/>
-              <a:t> </a:t>
+              <a:t>&amp; </a:t>
             </a:r>
             <a:br>
               <a:rPr lang="en-US" altLang="zh-CN" dirty="0"/>
             </a:br>
             <a:r>
               <a:rPr lang="en-US" altLang="zh-CN" dirty="0"/>
-              <a:t>Obesity</a:t>
+              <a:t>Death Attributed to Obesity</a:t>
             </a:r>
             <a:endParaRPr lang="en-US" dirty="0"/>
           </a:p>
@@ -9512,6 +6365,1896 @@
     <p:extLst>
       <p:ext uri="{BB962C8B-B14F-4D97-AF65-F5344CB8AC3E}">
         <p14:creationId xmlns:p14="http://schemas.microsoft.com/office/powerpoint/2010/main" val="2801835050"/>
+      </p:ext>
+    </p:extLst>
+  </p:cSld>
+  <p:clrMapOvr>
+    <a:masterClrMapping/>
+  </p:clrMapOvr>
+  <mc:AlternateContent xmlns:mc="http://schemas.openxmlformats.org/markup-compatibility/2006" xmlns:p14="http://schemas.microsoft.com/office/powerpoint/2010/main">
+    <mc:Choice Requires="p14">
+      <p:transition spd="med" p14:dur="700">
+        <p:fade/>
+      </p:transition>
+    </mc:Choice>
+    <mc:Fallback xmlns="">
+      <p:transition spd="med">
+        <p:fade/>
+      </p:transition>
+    </mc:Fallback>
+  </mc:AlternateContent>
+</p:sld>
+</file>
+
+<file path=ppt/slides/slide10.xml><?xml version="1.0" encoding="utf-8"?>
+<p:sld xmlns:a="http://schemas.openxmlformats.org/drawingml/2006/main" xmlns:r="http://schemas.openxmlformats.org/officeDocument/2006/relationships" xmlns:p="http://schemas.openxmlformats.org/presentationml/2006/main">
+  <p:cSld>
+    <p:spTree>
+      <p:nvGrpSpPr>
+        <p:cNvPr id="1" name=""/>
+        <p:cNvGrpSpPr/>
+        <p:nvPr/>
+      </p:nvGrpSpPr>
+      <p:grpSpPr>
+        <a:xfrm>
+          <a:off x="0" y="0"/>
+          <a:ext cx="0" cy="0"/>
+          <a:chOff x="0" y="0"/>
+          <a:chExt cx="0" cy="0"/>
+        </a:xfrm>
+      </p:grpSpPr>
+      <p:sp>
+        <p:nvSpPr>
+          <p:cNvPr id="2" name="Title 1">
+            <a:extLst>
+              <a:ext uri="{FF2B5EF4-FFF2-40B4-BE49-F238E27FC236}">
+                <a16:creationId xmlns:a16="http://schemas.microsoft.com/office/drawing/2014/main" id="{271D8E3E-CF7F-B1E1-34A3-39A485DE4E0B}"/>
+              </a:ext>
+            </a:extLst>
+          </p:cNvPr>
+          <p:cNvSpPr>
+            <a:spLocks noGrp="1"/>
+          </p:cNvSpPr>
+          <p:nvPr>
+            <p:ph type="title"/>
+          </p:nvPr>
+        </p:nvSpPr>
+        <p:spPr/>
+        <p:txBody>
+          <a:bodyPr/>
+          <a:lstStyle/>
+          <a:p>
+            <a:r>
+              <a:rPr lang="en-US" b="1" dirty="0"/>
+              <a:t>Data Cleaning &amp; Merging</a:t>
+            </a:r>
+            <a:endParaRPr lang="en-US" dirty="0"/>
+          </a:p>
+        </p:txBody>
+      </p:sp>
+      <p:sp>
+        <p:nvSpPr>
+          <p:cNvPr id="3" name="Content Placeholder 2">
+            <a:extLst>
+              <a:ext uri="{FF2B5EF4-FFF2-40B4-BE49-F238E27FC236}">
+                <a16:creationId xmlns:a16="http://schemas.microsoft.com/office/drawing/2014/main" id="{29F06D48-0A31-6160-34B1-1C33ED413B29}"/>
+              </a:ext>
+            </a:extLst>
+          </p:cNvPr>
+          <p:cNvSpPr>
+            <a:spLocks noGrp="1"/>
+          </p:cNvSpPr>
+          <p:nvPr>
+            <p:ph idx="1"/>
+          </p:nvPr>
+        </p:nvSpPr>
+        <p:spPr/>
+        <p:txBody>
+          <a:bodyPr>
+            <a:normAutofit lnSpcReduction="10000"/>
+          </a:bodyPr>
+          <a:lstStyle/>
+          <a:p>
+            <a:r>
+              <a:rPr lang="en-US" dirty="0"/>
+              <a:t>Data Selection:</a:t>
+            </a:r>
+          </a:p>
+          <a:p>
+            <a:pPr lvl="1"/>
+            <a:r>
+              <a:rPr lang="en-US" dirty="0"/>
+              <a:t>Chose the latest year (2019) for data congruence across all datasets</a:t>
+            </a:r>
+          </a:p>
+          <a:p>
+            <a:pPr lvl="1"/>
+            <a:r>
+              <a:rPr lang="en-US" dirty="0"/>
+              <a:t>Excluded non-country entities (e.g., Africa) for focused analysis on individual countries</a:t>
+            </a:r>
+          </a:p>
+          <a:p>
+            <a:r>
+              <a:rPr lang="en-US" dirty="0"/>
+              <a:t>Variable Enhancement:</a:t>
+            </a:r>
+          </a:p>
+          <a:p>
+            <a:pPr lvl="1"/>
+            <a:r>
+              <a:rPr lang="en-US" dirty="0"/>
+              <a:t>Renamed variables for improved legibility</a:t>
+            </a:r>
+          </a:p>
+          <a:p>
+            <a:r>
+              <a:rPr lang="en-US" dirty="0"/>
+              <a:t>Dataset Merging:</a:t>
+            </a:r>
+          </a:p>
+          <a:p>
+            <a:pPr lvl="1"/>
+            <a:r>
+              <a:rPr lang="en-US" dirty="0"/>
+              <a:t>Employed inner join method on the "Country" variable</a:t>
+            </a:r>
+          </a:p>
+          <a:p>
+            <a:pPr lvl="1"/>
+            <a:r>
+              <a:rPr lang="en-US" dirty="0"/>
+              <a:t>Resulting merged dataset consists of 181 observations and 28 columns</a:t>
+            </a:r>
+          </a:p>
+        </p:txBody>
+      </p:sp>
+    </p:spTree>
+    <p:extLst>
+      <p:ext uri="{BB962C8B-B14F-4D97-AF65-F5344CB8AC3E}">
+        <p14:creationId xmlns:p14="http://schemas.microsoft.com/office/powerpoint/2010/main" val="244603489"/>
+      </p:ext>
+    </p:extLst>
+  </p:cSld>
+  <p:clrMapOvr>
+    <a:masterClrMapping/>
+  </p:clrMapOvr>
+  <mc:AlternateContent xmlns:mc="http://schemas.openxmlformats.org/markup-compatibility/2006" xmlns:p14="http://schemas.microsoft.com/office/powerpoint/2010/main">
+    <mc:Choice Requires="p14">
+      <p:transition spd="med" p14:dur="700">
+        <p:fade/>
+      </p:transition>
+    </mc:Choice>
+    <mc:Fallback xmlns="">
+      <p:transition spd="med">
+        <p:fade/>
+      </p:transition>
+    </mc:Fallback>
+  </mc:AlternateContent>
+</p:sld>
+</file>
+
+<file path=ppt/slides/slide11.xml><?xml version="1.0" encoding="utf-8"?>
+<p:sld xmlns:a="http://schemas.openxmlformats.org/drawingml/2006/main" xmlns:r="http://schemas.openxmlformats.org/officeDocument/2006/relationships" xmlns:p="http://schemas.openxmlformats.org/presentationml/2006/main">
+  <p:cSld>
+    <p:spTree>
+      <p:nvGrpSpPr>
+        <p:cNvPr id="1" name=""/>
+        <p:cNvGrpSpPr/>
+        <p:nvPr/>
+      </p:nvGrpSpPr>
+      <p:grpSpPr>
+        <a:xfrm>
+          <a:off x="0" y="0"/>
+          <a:ext cx="0" cy="0"/>
+          <a:chOff x="0" y="0"/>
+          <a:chExt cx="0" cy="0"/>
+        </a:xfrm>
+      </p:grpSpPr>
+      <p:sp>
+        <p:nvSpPr>
+          <p:cNvPr id="2" name="Title 1">
+            <a:extLst>
+              <a:ext uri="{FF2B5EF4-FFF2-40B4-BE49-F238E27FC236}">
+                <a16:creationId xmlns:a16="http://schemas.microsoft.com/office/drawing/2014/main" id="{EF6FF037-4E89-0FC8-8828-076D96E3EFAB}"/>
+              </a:ext>
+            </a:extLst>
+          </p:cNvPr>
+          <p:cNvSpPr>
+            <a:spLocks noGrp="1"/>
+          </p:cNvSpPr>
+          <p:nvPr>
+            <p:ph type="title"/>
+          </p:nvPr>
+        </p:nvSpPr>
+        <p:spPr/>
+        <p:txBody>
+          <a:bodyPr/>
+          <a:lstStyle/>
+          <a:p>
+            <a:r>
+              <a:rPr lang="en-US" dirty="0"/>
+              <a:t>Missing Data Imputation</a:t>
+            </a:r>
+          </a:p>
+        </p:txBody>
+      </p:sp>
+      <p:sp>
+        <p:nvSpPr>
+          <p:cNvPr id="3" name="Content Placeholder 2">
+            <a:extLst>
+              <a:ext uri="{FF2B5EF4-FFF2-40B4-BE49-F238E27FC236}">
+                <a16:creationId xmlns:a16="http://schemas.microsoft.com/office/drawing/2014/main" id="{F3ED9DE9-2EEC-B86B-0DBF-158CEF0DFDF9}"/>
+              </a:ext>
+            </a:extLst>
+          </p:cNvPr>
+          <p:cNvSpPr>
+            <a:spLocks noGrp="1"/>
+          </p:cNvSpPr>
+          <p:nvPr>
+            <p:ph idx="1"/>
+          </p:nvPr>
+        </p:nvSpPr>
+        <p:spPr/>
+        <p:txBody>
+          <a:bodyPr>
+            <a:normAutofit fontScale="92500" lnSpcReduction="20000"/>
+          </a:bodyPr>
+          <a:lstStyle/>
+          <a:p>
+            <a:r>
+              <a:rPr lang="en-US" dirty="0"/>
+              <a:t>Missing Data Issue:</a:t>
+            </a:r>
+          </a:p>
+          <a:p>
+            <a:pPr lvl="1"/>
+            <a:r>
+              <a:rPr lang="en-US" dirty="0"/>
+              <a:t>Identified missing values in certain food groups across countries</a:t>
+            </a:r>
+          </a:p>
+          <a:p>
+            <a:pPr lvl="1"/>
+            <a:r>
+              <a:rPr lang="en-US" dirty="0"/>
+              <a:t>Removing entries would reduce the dataset to 79 out of 181 countries, limiting model robustness</a:t>
+            </a:r>
+          </a:p>
+          <a:p>
+            <a:r>
+              <a:rPr lang="en-US" dirty="0"/>
+              <a:t>Imputation Choice:</a:t>
+            </a:r>
+          </a:p>
+          <a:p>
+            <a:pPr lvl="1"/>
+            <a:r>
+              <a:rPr lang="en-US" dirty="0"/>
+              <a:t>Opted for imputation using "predictive mean matching" (PMM) from the mice package</a:t>
+            </a:r>
+          </a:p>
+          <a:p>
+            <a:pPr lvl="1"/>
+            <a:r>
+              <a:rPr lang="en-US" dirty="0"/>
+              <a:t>PMM ensures imputed values align with observed values, preserving data distribution</a:t>
+            </a:r>
+          </a:p>
+          <a:p>
+            <a:r>
+              <a:rPr lang="en-US" dirty="0"/>
+              <a:t>Rationale for Imputation:</a:t>
+            </a:r>
+          </a:p>
+          <a:p>
+            <a:pPr lvl="1"/>
+            <a:r>
+              <a:rPr lang="en-US" dirty="0"/>
+              <a:t>Retained the full dataset for accurate representation of global patterns</a:t>
+            </a:r>
+          </a:p>
+          <a:p>
+            <a:pPr lvl="1"/>
+            <a:r>
+              <a:rPr lang="en-US" dirty="0"/>
+              <a:t>Enhanced model validity and generalizability for diverse countries</a:t>
+            </a:r>
+          </a:p>
+        </p:txBody>
+      </p:sp>
+    </p:spTree>
+    <p:extLst>
+      <p:ext uri="{BB962C8B-B14F-4D97-AF65-F5344CB8AC3E}">
+        <p14:creationId xmlns:p14="http://schemas.microsoft.com/office/powerpoint/2010/main" val="2587267387"/>
+      </p:ext>
+    </p:extLst>
+  </p:cSld>
+  <p:clrMapOvr>
+    <a:masterClrMapping/>
+  </p:clrMapOvr>
+  <mc:AlternateContent xmlns:mc="http://schemas.openxmlformats.org/markup-compatibility/2006" xmlns:p14="http://schemas.microsoft.com/office/powerpoint/2010/main">
+    <mc:Choice Requires="p14">
+      <p:transition spd="med" p14:dur="700">
+        <p:fade/>
+      </p:transition>
+    </mc:Choice>
+    <mc:Fallback xmlns="">
+      <p:transition spd="med">
+        <p:fade/>
+      </p:transition>
+    </mc:Fallback>
+  </mc:AlternateContent>
+</p:sld>
+</file>
+
+<file path=ppt/slides/slide12.xml><?xml version="1.0" encoding="utf-8"?>
+<p:sld xmlns:a="http://schemas.openxmlformats.org/drawingml/2006/main" xmlns:r="http://schemas.openxmlformats.org/officeDocument/2006/relationships" xmlns:p="http://schemas.openxmlformats.org/presentationml/2006/main">
+  <p:cSld>
+    <p:spTree>
+      <p:nvGrpSpPr>
+        <p:cNvPr id="1" name=""/>
+        <p:cNvGrpSpPr/>
+        <p:nvPr/>
+      </p:nvGrpSpPr>
+      <p:grpSpPr>
+        <a:xfrm>
+          <a:off x="0" y="0"/>
+          <a:ext cx="0" cy="0"/>
+          <a:chOff x="0" y="0"/>
+          <a:chExt cx="0" cy="0"/>
+        </a:xfrm>
+      </p:grpSpPr>
+      <p:sp>
+        <p:nvSpPr>
+          <p:cNvPr id="2" name="Title 1">
+            <a:extLst>
+              <a:ext uri="{FF2B5EF4-FFF2-40B4-BE49-F238E27FC236}">
+                <a16:creationId xmlns:a16="http://schemas.microsoft.com/office/drawing/2014/main" id="{52317987-65F3-5E85-D989-11B7BB1EFFC9}"/>
+              </a:ext>
+            </a:extLst>
+          </p:cNvPr>
+          <p:cNvSpPr>
+            <a:spLocks noGrp="1"/>
+          </p:cNvSpPr>
+          <p:nvPr>
+            <p:ph type="title"/>
+          </p:nvPr>
+        </p:nvSpPr>
+        <p:spPr>
+          <a:xfrm>
+            <a:off x="1828324" y="1932518"/>
+            <a:ext cx="9141619" cy="2105367"/>
+          </a:xfrm>
+        </p:spPr>
+        <p:txBody>
+          <a:bodyPr anchor="b">
+            <a:normAutofit/>
+          </a:bodyPr>
+          <a:lstStyle/>
+          <a:p>
+            <a:r>
+              <a:rPr lang="en-US" altLang="zh-CN" dirty="0"/>
+              <a:t>Exploratory</a:t>
+            </a:r>
+            <a:r>
+              <a:rPr lang="zh-CN" altLang="en-US" dirty="0"/>
+              <a:t> </a:t>
+            </a:r>
+            <a:r>
+              <a:rPr lang="en-US" altLang="zh-CN" dirty="0"/>
+              <a:t>Data</a:t>
+            </a:r>
+            <a:r>
+              <a:rPr lang="zh-CN" altLang="en-US" dirty="0"/>
+              <a:t> </a:t>
+            </a:r>
+            <a:r>
+              <a:rPr lang="en-US" altLang="zh-CN" dirty="0"/>
+              <a:t>Analysis</a:t>
+            </a:r>
+            <a:endParaRPr lang="en-US" dirty="0"/>
+          </a:p>
+        </p:txBody>
+      </p:sp>
+    </p:spTree>
+    <p:extLst>
+      <p:ext uri="{BB962C8B-B14F-4D97-AF65-F5344CB8AC3E}">
+        <p14:creationId xmlns:p14="http://schemas.microsoft.com/office/powerpoint/2010/main" val="1493922088"/>
+      </p:ext>
+    </p:extLst>
+  </p:cSld>
+  <p:clrMapOvr>
+    <a:masterClrMapping/>
+  </p:clrMapOvr>
+  <mc:AlternateContent xmlns:mc="http://schemas.openxmlformats.org/markup-compatibility/2006" xmlns:p14="http://schemas.microsoft.com/office/powerpoint/2010/main">
+    <mc:Choice Requires="p14">
+      <p:transition spd="med" p14:dur="700">
+        <p:fade/>
+      </p:transition>
+    </mc:Choice>
+    <mc:Fallback xmlns="">
+      <p:transition spd="med">
+        <p:fade/>
+      </p:transition>
+    </mc:Fallback>
+  </mc:AlternateContent>
+</p:sld>
+</file>
+
+<file path=ppt/slides/slide13.xml><?xml version="1.0" encoding="utf-8"?>
+<p:sld xmlns:a="http://schemas.openxmlformats.org/drawingml/2006/main" xmlns:r="http://schemas.openxmlformats.org/officeDocument/2006/relationships" xmlns:p="http://schemas.openxmlformats.org/presentationml/2006/main">
+  <p:cSld>
+    <p:spTree>
+      <p:nvGrpSpPr>
+        <p:cNvPr id="1" name=""/>
+        <p:cNvGrpSpPr/>
+        <p:nvPr/>
+      </p:nvGrpSpPr>
+      <p:grpSpPr>
+        <a:xfrm>
+          <a:off x="0" y="0"/>
+          <a:ext cx="0" cy="0"/>
+          <a:chOff x="0" y="0"/>
+          <a:chExt cx="0" cy="0"/>
+        </a:xfrm>
+      </p:grpSpPr>
+      <p:sp>
+        <p:nvSpPr>
+          <p:cNvPr id="2" name="Title 1">
+            <a:extLst>
+              <a:ext uri="{FF2B5EF4-FFF2-40B4-BE49-F238E27FC236}">
+                <a16:creationId xmlns:a16="http://schemas.microsoft.com/office/drawing/2014/main" id="{DB4C0736-C8E6-A81F-5EC2-7D96F1A2A779}"/>
+              </a:ext>
+            </a:extLst>
+          </p:cNvPr>
+          <p:cNvSpPr>
+            <a:spLocks noGrp="1"/>
+          </p:cNvSpPr>
+          <p:nvPr>
+            <p:ph type="title"/>
+          </p:nvPr>
+        </p:nvSpPr>
+        <p:spPr/>
+        <p:txBody>
+          <a:bodyPr/>
+          <a:lstStyle/>
+          <a:p>
+            <a:r>
+              <a:rPr lang="en-US" dirty="0"/>
+              <a:t>Obesity-attributed Death Visualization</a:t>
+            </a:r>
+            <a:r>
+              <a:rPr lang="zh-CN" altLang="en-US" dirty="0"/>
+              <a:t> </a:t>
+            </a:r>
+            <a:r>
+              <a:rPr lang="en-US" altLang="zh-CN" dirty="0"/>
+              <a:t>#1</a:t>
+            </a:r>
+            <a:endParaRPr lang="en-US" dirty="0"/>
+          </a:p>
+        </p:txBody>
+      </p:sp>
+      <p:pic>
+        <p:nvPicPr>
+          <p:cNvPr id="7" name="Content Placeholder 6" descr="A map of the world with different colored areas&#10;&#10;Description automatically generated">
+            <a:extLst>
+              <a:ext uri="{FF2B5EF4-FFF2-40B4-BE49-F238E27FC236}">
+                <a16:creationId xmlns:a16="http://schemas.microsoft.com/office/drawing/2014/main" id="{EAF56C86-EC0D-65DC-57DA-1A884C293AD3}"/>
+              </a:ext>
+            </a:extLst>
+          </p:cNvPr>
+          <p:cNvPicPr>
+            <a:picLocks noGrp="1" noChangeAspect="1"/>
+          </p:cNvPicPr>
+          <p:nvPr>
+            <p:ph idx="1"/>
+          </p:nvPr>
+        </p:nvPicPr>
+        <p:blipFill>
+          <a:blip r:embed="rId2">
+            <a:extLst>
+              <a:ext uri="{28A0092B-C50C-407E-A947-70E740481C1C}">
+                <a14:useLocalDpi xmlns:a14="http://schemas.microsoft.com/office/drawing/2010/main" val="0"/>
+              </a:ext>
+            </a:extLst>
+          </a:blip>
+          <a:stretch>
+            <a:fillRect/>
+          </a:stretch>
+        </p:blipFill>
+        <p:spPr bwMode="auto">
+          <a:xfrm>
+            <a:off x="2436812" y="1447800"/>
+            <a:ext cx="7315200" cy="5163671"/>
+          </a:xfrm>
+          <a:prstGeom prst="rect">
+            <a:avLst/>
+          </a:prstGeom>
+          <a:noFill/>
+          <a:extLst>
+            <a:ext uri="{909E8E84-426E-40DD-AFC4-6F175D3DCCD1}">
+              <a14:hiddenFill xmlns:a14="http://schemas.microsoft.com/office/drawing/2010/main">
+                <a:solidFill>
+                  <a:srgbClr val="FFFFFF"/>
+                </a:solidFill>
+              </a14:hiddenFill>
+            </a:ext>
+          </a:extLst>
+        </p:spPr>
+      </p:pic>
+    </p:spTree>
+    <p:extLst>
+      <p:ext uri="{BB962C8B-B14F-4D97-AF65-F5344CB8AC3E}">
+        <p14:creationId xmlns:p14="http://schemas.microsoft.com/office/powerpoint/2010/main" val="2187505139"/>
+      </p:ext>
+    </p:extLst>
+  </p:cSld>
+  <p:clrMapOvr>
+    <a:masterClrMapping/>
+  </p:clrMapOvr>
+  <mc:AlternateContent xmlns:mc="http://schemas.openxmlformats.org/markup-compatibility/2006" xmlns:p14="http://schemas.microsoft.com/office/powerpoint/2010/main">
+    <mc:Choice Requires="p14">
+      <p:transition spd="med" p14:dur="700">
+        <p:fade/>
+      </p:transition>
+    </mc:Choice>
+    <mc:Fallback xmlns="">
+      <p:transition spd="med">
+        <p:fade/>
+      </p:transition>
+    </mc:Fallback>
+  </mc:AlternateContent>
+</p:sld>
+</file>
+
+<file path=ppt/slides/slide14.xml><?xml version="1.0" encoding="utf-8"?>
+<p:sld xmlns:a="http://schemas.openxmlformats.org/drawingml/2006/main" xmlns:r="http://schemas.openxmlformats.org/officeDocument/2006/relationships" xmlns:p="http://schemas.openxmlformats.org/presentationml/2006/main">
+  <p:cSld>
+    <p:spTree>
+      <p:nvGrpSpPr>
+        <p:cNvPr id="1" name=""/>
+        <p:cNvGrpSpPr/>
+        <p:nvPr/>
+      </p:nvGrpSpPr>
+      <p:grpSpPr>
+        <a:xfrm>
+          <a:off x="0" y="0"/>
+          <a:ext cx="0" cy="0"/>
+          <a:chOff x="0" y="0"/>
+          <a:chExt cx="0" cy="0"/>
+        </a:xfrm>
+      </p:grpSpPr>
+      <p:sp>
+        <p:nvSpPr>
+          <p:cNvPr id="2" name="Title 1">
+            <a:extLst>
+              <a:ext uri="{FF2B5EF4-FFF2-40B4-BE49-F238E27FC236}">
+                <a16:creationId xmlns:a16="http://schemas.microsoft.com/office/drawing/2014/main" id="{8D77E782-778D-633A-1053-B9A95D05C8EC}"/>
+              </a:ext>
+            </a:extLst>
+          </p:cNvPr>
+          <p:cNvSpPr>
+            <a:spLocks noGrp="1"/>
+          </p:cNvSpPr>
+          <p:nvPr>
+            <p:ph type="title"/>
+          </p:nvPr>
+        </p:nvSpPr>
+        <p:spPr/>
+        <p:txBody>
+          <a:bodyPr/>
+          <a:lstStyle/>
+          <a:p>
+            <a:r>
+              <a:rPr lang="en-US" dirty="0"/>
+              <a:t>Obesity-attributed Death Visualization</a:t>
+            </a:r>
+            <a:r>
+              <a:rPr lang="zh-CN" altLang="en-US" dirty="0"/>
+              <a:t> </a:t>
+            </a:r>
+            <a:r>
+              <a:rPr lang="en-US" altLang="zh-CN" dirty="0"/>
+              <a:t>#2</a:t>
+            </a:r>
+            <a:endParaRPr lang="en-US" dirty="0"/>
+          </a:p>
+        </p:txBody>
+      </p:sp>
+      <p:pic>
+        <p:nvPicPr>
+          <p:cNvPr id="6" name="Content Placeholder 5" descr="A diagram of a graph&#10;&#10;Description automatically generated">
+            <a:extLst>
+              <a:ext uri="{FF2B5EF4-FFF2-40B4-BE49-F238E27FC236}">
+                <a16:creationId xmlns:a16="http://schemas.microsoft.com/office/drawing/2014/main" id="{F0343D61-C585-0050-1713-D429965F78BA}"/>
+              </a:ext>
+            </a:extLst>
+          </p:cNvPr>
+          <p:cNvPicPr>
+            <a:picLocks noGrp="1" noChangeAspect="1"/>
+          </p:cNvPicPr>
+          <p:nvPr>
+            <p:ph idx="1"/>
+          </p:nvPr>
+        </p:nvPicPr>
+        <p:blipFill>
+          <a:blip r:embed="rId2">
+            <a:extLst>
+              <a:ext uri="{28A0092B-C50C-407E-A947-70E740481C1C}">
+                <a14:useLocalDpi xmlns:a14="http://schemas.microsoft.com/office/drawing/2010/main" val="0"/>
+              </a:ext>
+            </a:extLst>
+          </a:blip>
+          <a:stretch>
+            <a:fillRect/>
+          </a:stretch>
+        </p:blipFill>
+        <p:spPr bwMode="auto">
+          <a:xfrm>
+            <a:off x="1879378" y="1474839"/>
+            <a:ext cx="8430067" cy="5200449"/>
+          </a:xfrm>
+          <a:prstGeom prst="rect">
+            <a:avLst/>
+          </a:prstGeom>
+          <a:noFill/>
+          <a:extLst>
+            <a:ext uri="{909E8E84-426E-40DD-AFC4-6F175D3DCCD1}">
+              <a14:hiddenFill xmlns:a14="http://schemas.microsoft.com/office/drawing/2010/main">
+                <a:solidFill>
+                  <a:srgbClr val="FFFFFF"/>
+                </a:solidFill>
+              </a14:hiddenFill>
+            </a:ext>
+          </a:extLst>
+        </p:spPr>
+      </p:pic>
+    </p:spTree>
+    <p:extLst>
+      <p:ext uri="{BB962C8B-B14F-4D97-AF65-F5344CB8AC3E}">
+        <p14:creationId xmlns:p14="http://schemas.microsoft.com/office/powerpoint/2010/main" val="2195879302"/>
+      </p:ext>
+    </p:extLst>
+  </p:cSld>
+  <p:clrMapOvr>
+    <a:masterClrMapping/>
+  </p:clrMapOvr>
+  <mc:AlternateContent xmlns:mc="http://schemas.openxmlformats.org/markup-compatibility/2006" xmlns:p14="http://schemas.microsoft.com/office/powerpoint/2010/main">
+    <mc:Choice Requires="p14">
+      <p:transition spd="med" p14:dur="700">
+        <p:fade/>
+      </p:transition>
+    </mc:Choice>
+    <mc:Fallback xmlns="">
+      <p:transition spd="med">
+        <p:fade/>
+      </p:transition>
+    </mc:Fallback>
+  </mc:AlternateContent>
+</p:sld>
+</file>
+
+<file path=ppt/slides/slide15.xml><?xml version="1.0" encoding="utf-8"?>
+<p:sld xmlns:a="http://schemas.openxmlformats.org/drawingml/2006/main" xmlns:r="http://schemas.openxmlformats.org/officeDocument/2006/relationships" xmlns:p="http://schemas.openxmlformats.org/presentationml/2006/main">
+  <p:cSld>
+    <p:spTree>
+      <p:nvGrpSpPr>
+        <p:cNvPr id="1" name=""/>
+        <p:cNvGrpSpPr/>
+        <p:nvPr/>
+      </p:nvGrpSpPr>
+      <p:grpSpPr>
+        <a:xfrm>
+          <a:off x="0" y="0"/>
+          <a:ext cx="0" cy="0"/>
+          <a:chOff x="0" y="0"/>
+          <a:chExt cx="0" cy="0"/>
+        </a:xfrm>
+      </p:grpSpPr>
+      <p:sp>
+        <p:nvSpPr>
+          <p:cNvPr id="2" name="Title 1">
+            <a:extLst>
+              <a:ext uri="{FF2B5EF4-FFF2-40B4-BE49-F238E27FC236}">
+                <a16:creationId xmlns:a16="http://schemas.microsoft.com/office/drawing/2014/main" id="{C8298541-C528-2415-3A5E-11CE33BB7E89}"/>
+              </a:ext>
+            </a:extLst>
+          </p:cNvPr>
+          <p:cNvSpPr>
+            <a:spLocks noGrp="1"/>
+          </p:cNvSpPr>
+          <p:nvPr>
+            <p:ph type="title"/>
+          </p:nvPr>
+        </p:nvSpPr>
+        <p:spPr/>
+        <p:txBody>
+          <a:bodyPr/>
+          <a:lstStyle/>
+          <a:p>
+            <a:r>
+              <a:rPr lang="en-US" dirty="0"/>
+              <a:t>Exploration of Interaction Effects</a:t>
+            </a:r>
+          </a:p>
+        </p:txBody>
+      </p:sp>
+      <p:pic>
+        <p:nvPicPr>
+          <p:cNvPr id="5" name="Content Placeholder 4" descr="A diagram of a graph&#10;&#10;Description automatically generated">
+            <a:extLst>
+              <a:ext uri="{FF2B5EF4-FFF2-40B4-BE49-F238E27FC236}">
+                <a16:creationId xmlns:a16="http://schemas.microsoft.com/office/drawing/2014/main" id="{890D388B-0F29-A550-3F16-215B994B3194}"/>
+              </a:ext>
+            </a:extLst>
+          </p:cNvPr>
+          <p:cNvPicPr>
+            <a:picLocks noGrp="1" noChangeAspect="1"/>
+          </p:cNvPicPr>
+          <p:nvPr>
+            <p:ph idx="1"/>
+          </p:nvPr>
+        </p:nvPicPr>
+        <p:blipFill>
+          <a:blip r:embed="rId2">
+            <a:extLst>
+              <a:ext uri="{28A0092B-C50C-407E-A947-70E740481C1C}">
+                <a14:useLocalDpi xmlns:a14="http://schemas.microsoft.com/office/drawing/2010/main" val="0"/>
+              </a:ext>
+            </a:extLst>
+          </a:blip>
+          <a:stretch>
+            <a:fillRect/>
+          </a:stretch>
+        </p:blipFill>
+        <p:spPr>
+          <a:xfrm>
+            <a:off x="608012" y="1828800"/>
+            <a:ext cx="5845277" cy="3605910"/>
+          </a:xfrm>
+        </p:spPr>
+      </p:pic>
+      <p:sp>
+        <p:nvSpPr>
+          <p:cNvPr id="7" name="Content Placeholder 2">
+            <a:extLst>
+              <a:ext uri="{FF2B5EF4-FFF2-40B4-BE49-F238E27FC236}">
+                <a16:creationId xmlns:a16="http://schemas.microsoft.com/office/drawing/2014/main" id="{FA3274E6-795F-988F-B69D-51C6D8289CC4}"/>
+              </a:ext>
+            </a:extLst>
+          </p:cNvPr>
+          <p:cNvSpPr txBox="1">
+            <a:spLocks/>
+          </p:cNvSpPr>
+          <p:nvPr/>
+        </p:nvSpPr>
+        <p:spPr>
+          <a:xfrm>
+            <a:off x="6704012" y="1600200"/>
+            <a:ext cx="4724400" cy="4572000"/>
+          </a:xfrm>
+          <a:prstGeom prst="rect">
+            <a:avLst/>
+          </a:prstGeom>
+        </p:spPr>
+        <p:txBody>
+          <a:bodyPr vert="horz" lIns="121899" tIns="60949" rIns="121899" bIns="60949" rtlCol="0">
+            <a:normAutofit fontScale="92500" lnSpcReduction="10000"/>
+          </a:bodyPr>
+          <a:lstStyle>
+            <a:lvl1pPr marL="304747" indent="-304747" algn="l" defTabSz="1218987" rtl="0" eaLnBrk="1" latinLnBrk="0" hangingPunct="1">
+              <a:lnSpc>
+                <a:spcPct val="90000"/>
+              </a:lnSpc>
+              <a:spcBef>
+                <a:spcPts val="1800"/>
+              </a:spcBef>
+              <a:buClr>
+                <a:schemeClr val="accent1">
+                  <a:lumMod val="75000"/>
+                </a:schemeClr>
+              </a:buClr>
+              <a:buFont typeface="Arial" pitchFamily="34" charset="0"/>
+              <a:buChar char="•"/>
+              <a:defRPr sz="2800" kern="1200">
+                <a:solidFill>
+                  <a:schemeClr val="tx1"/>
+                </a:solidFill>
+                <a:latin typeface="+mn-lt"/>
+                <a:ea typeface="+mn-ea"/>
+                <a:cs typeface="+mn-cs"/>
+              </a:defRPr>
+            </a:lvl1pPr>
+            <a:lvl2pPr marL="755772" indent="-304747" algn="l" defTabSz="1218987" rtl="0" eaLnBrk="1" latinLnBrk="0" hangingPunct="1">
+              <a:lnSpc>
+                <a:spcPct val="90000"/>
+              </a:lnSpc>
+              <a:spcBef>
+                <a:spcPts val="1200"/>
+              </a:spcBef>
+              <a:buClr>
+                <a:schemeClr val="accent1">
+                  <a:lumMod val="75000"/>
+                </a:schemeClr>
+              </a:buClr>
+              <a:buFont typeface="Arial" pitchFamily="34" charset="0"/>
+              <a:buChar char="–"/>
+              <a:defRPr sz="2400" kern="1200">
+                <a:solidFill>
+                  <a:schemeClr val="tx1"/>
+                </a:solidFill>
+                <a:latin typeface="+mn-lt"/>
+                <a:ea typeface="+mn-ea"/>
+                <a:cs typeface="+mn-cs"/>
+              </a:defRPr>
+            </a:lvl2pPr>
+            <a:lvl3pPr marL="1206797" indent="-304747" algn="l" defTabSz="1218987" rtl="0" eaLnBrk="1" latinLnBrk="0" hangingPunct="1">
+              <a:lnSpc>
+                <a:spcPct val="90000"/>
+              </a:lnSpc>
+              <a:spcBef>
+                <a:spcPts val="800"/>
+              </a:spcBef>
+              <a:buClr>
+                <a:schemeClr val="accent1">
+                  <a:lumMod val="75000"/>
+                </a:schemeClr>
+              </a:buClr>
+              <a:buFont typeface="Arial" pitchFamily="34" charset="0"/>
+              <a:buChar char="•"/>
+              <a:defRPr sz="2000" kern="1200">
+                <a:solidFill>
+                  <a:schemeClr val="tx1"/>
+                </a:solidFill>
+                <a:latin typeface="+mn-lt"/>
+                <a:ea typeface="+mn-ea"/>
+                <a:cs typeface="+mn-cs"/>
+              </a:defRPr>
+            </a:lvl3pPr>
+            <a:lvl4pPr marL="1657822" indent="-304747" algn="l" defTabSz="1218987" rtl="0" eaLnBrk="1" latinLnBrk="0" hangingPunct="1">
+              <a:lnSpc>
+                <a:spcPct val="90000"/>
+              </a:lnSpc>
+              <a:spcBef>
+                <a:spcPts val="800"/>
+              </a:spcBef>
+              <a:buClr>
+                <a:schemeClr val="accent1">
+                  <a:lumMod val="75000"/>
+                </a:schemeClr>
+              </a:buClr>
+              <a:buFont typeface="Arial" pitchFamily="34" charset="0"/>
+              <a:buChar char="•"/>
+              <a:defRPr sz="2000" kern="1200">
+                <a:solidFill>
+                  <a:schemeClr val="tx1"/>
+                </a:solidFill>
+                <a:latin typeface="+mn-lt"/>
+                <a:ea typeface="+mn-ea"/>
+                <a:cs typeface="+mn-cs"/>
+              </a:defRPr>
+            </a:lvl4pPr>
+            <a:lvl5pPr marL="2108847" indent="-304747" algn="l" defTabSz="1218987" rtl="0" eaLnBrk="1" latinLnBrk="0" hangingPunct="1">
+              <a:lnSpc>
+                <a:spcPct val="90000"/>
+              </a:lnSpc>
+              <a:spcBef>
+                <a:spcPts val="800"/>
+              </a:spcBef>
+              <a:buClr>
+                <a:schemeClr val="accent1">
+                  <a:lumMod val="75000"/>
+                </a:schemeClr>
+              </a:buClr>
+              <a:buFont typeface="Arial" pitchFamily="34" charset="0"/>
+              <a:buChar char="•"/>
+              <a:defRPr sz="2000" kern="1200">
+                <a:solidFill>
+                  <a:schemeClr val="tx1"/>
+                </a:solidFill>
+                <a:latin typeface="+mn-lt"/>
+                <a:ea typeface="+mn-ea"/>
+                <a:cs typeface="+mn-cs"/>
+              </a:defRPr>
+            </a:lvl5pPr>
+            <a:lvl6pPr marL="2559872" indent="-304747" algn="l" defTabSz="1218987" rtl="0" eaLnBrk="1" latinLnBrk="0" hangingPunct="1">
+              <a:lnSpc>
+                <a:spcPct val="90000"/>
+              </a:lnSpc>
+              <a:spcBef>
+                <a:spcPts val="800"/>
+              </a:spcBef>
+              <a:buClr>
+                <a:schemeClr val="accent1"/>
+              </a:buClr>
+              <a:buFont typeface="Arial" pitchFamily="34" charset="0"/>
+              <a:buChar char="•"/>
+              <a:defRPr sz="2000" kern="1200" baseline="0">
+                <a:solidFill>
+                  <a:schemeClr val="tx1"/>
+                </a:solidFill>
+                <a:latin typeface="+mn-lt"/>
+                <a:ea typeface="+mn-ea"/>
+                <a:cs typeface="+mn-cs"/>
+              </a:defRPr>
+            </a:lvl6pPr>
+            <a:lvl7pPr marL="3010897" indent="-304747" algn="l" defTabSz="1218987" rtl="0" eaLnBrk="1" latinLnBrk="0" hangingPunct="1">
+              <a:lnSpc>
+                <a:spcPct val="90000"/>
+              </a:lnSpc>
+              <a:spcBef>
+                <a:spcPts val="800"/>
+              </a:spcBef>
+              <a:buClr>
+                <a:schemeClr val="accent1"/>
+              </a:buClr>
+              <a:buFont typeface="Arial" pitchFamily="34" charset="0"/>
+              <a:buChar char="•"/>
+              <a:defRPr sz="2000" kern="1200" baseline="0">
+                <a:solidFill>
+                  <a:schemeClr val="tx1"/>
+                </a:solidFill>
+                <a:latin typeface="+mn-lt"/>
+                <a:ea typeface="+mn-ea"/>
+                <a:cs typeface="+mn-cs"/>
+              </a:defRPr>
+            </a:lvl7pPr>
+            <a:lvl8pPr marL="3461922" indent="-304747" algn="l" defTabSz="1218987" rtl="0" eaLnBrk="1" latinLnBrk="0" hangingPunct="1">
+              <a:lnSpc>
+                <a:spcPct val="90000"/>
+              </a:lnSpc>
+              <a:spcBef>
+                <a:spcPts val="800"/>
+              </a:spcBef>
+              <a:buClr>
+                <a:schemeClr val="accent1"/>
+              </a:buClr>
+              <a:buFont typeface="Arial" pitchFamily="34" charset="0"/>
+              <a:buChar char="•"/>
+              <a:defRPr sz="2000" kern="1200" baseline="0">
+                <a:solidFill>
+                  <a:schemeClr val="tx1"/>
+                </a:solidFill>
+                <a:latin typeface="+mn-lt"/>
+                <a:ea typeface="+mn-ea"/>
+                <a:cs typeface="+mn-cs"/>
+              </a:defRPr>
+            </a:lvl8pPr>
+            <a:lvl9pPr marL="3912947" indent="-304747" algn="l" defTabSz="1218987" rtl="0" eaLnBrk="1" latinLnBrk="0" hangingPunct="1">
+              <a:lnSpc>
+                <a:spcPct val="90000"/>
+              </a:lnSpc>
+              <a:spcBef>
+                <a:spcPts val="800"/>
+              </a:spcBef>
+              <a:buClr>
+                <a:schemeClr val="accent1"/>
+              </a:buClr>
+              <a:buFont typeface="Arial" pitchFamily="34" charset="0"/>
+              <a:buChar char="•"/>
+              <a:defRPr sz="2000" kern="1200" baseline="0">
+                <a:solidFill>
+                  <a:schemeClr val="tx1"/>
+                </a:solidFill>
+                <a:latin typeface="+mn-lt"/>
+                <a:ea typeface="+mn-ea"/>
+                <a:cs typeface="+mn-cs"/>
+              </a:defRPr>
+            </a:lvl9pPr>
+          </a:lstStyle>
+          <a:p>
+            <a:r>
+              <a:rPr lang="en-US" dirty="0"/>
+              <a:t>Common Food Pairings:</a:t>
+            </a:r>
+          </a:p>
+          <a:p>
+            <a:pPr lvl="1"/>
+            <a:r>
+              <a:rPr lang="en-US" dirty="0"/>
+              <a:t>Rice with beans, chicken with broccoli, steak with mashed potatoes, etc.</a:t>
+            </a:r>
+          </a:p>
+          <a:p>
+            <a:r>
+              <a:rPr lang="en-US" dirty="0"/>
+              <a:t>Objective:</a:t>
+            </a:r>
+          </a:p>
+          <a:p>
+            <a:pPr lvl="1"/>
+            <a:r>
+              <a:rPr lang="en-US" dirty="0"/>
+              <a:t>Explore interaction effects between paired food groups on obesity-attributed death</a:t>
+            </a:r>
+          </a:p>
+          <a:p>
+            <a:r>
+              <a:rPr lang="en-US" dirty="0"/>
+              <a:t>Finding:</a:t>
+            </a:r>
+          </a:p>
+          <a:p>
+            <a:pPr lvl="1"/>
+            <a:r>
+              <a:rPr lang="en-US" dirty="0"/>
+              <a:t>Coefficients for interaction terms lacked statistical significance</a:t>
+            </a:r>
+          </a:p>
+        </p:txBody>
+      </p:sp>
+    </p:spTree>
+    <p:extLst>
+      <p:ext uri="{BB962C8B-B14F-4D97-AF65-F5344CB8AC3E}">
+        <p14:creationId xmlns:p14="http://schemas.microsoft.com/office/powerpoint/2010/main" val="4164438470"/>
+      </p:ext>
+    </p:extLst>
+  </p:cSld>
+  <p:clrMapOvr>
+    <a:masterClrMapping/>
+  </p:clrMapOvr>
+  <mc:AlternateContent xmlns:mc="http://schemas.openxmlformats.org/markup-compatibility/2006" xmlns:p14="http://schemas.microsoft.com/office/powerpoint/2010/main">
+    <mc:Choice Requires="p14">
+      <p:transition spd="med" p14:dur="700">
+        <p:fade/>
+      </p:transition>
+    </mc:Choice>
+    <mc:Fallback xmlns="">
+      <p:transition spd="med">
+        <p:fade/>
+      </p:transition>
+    </mc:Fallback>
+  </mc:AlternateContent>
+</p:sld>
+</file>
+
+<file path=ppt/slides/slide16.xml><?xml version="1.0" encoding="utf-8"?>
+<p:sld xmlns:a="http://schemas.openxmlformats.org/drawingml/2006/main" xmlns:r="http://schemas.openxmlformats.org/officeDocument/2006/relationships" xmlns:p="http://schemas.openxmlformats.org/presentationml/2006/main">
+  <p:cSld>
+    <p:spTree>
+      <p:nvGrpSpPr>
+        <p:cNvPr id="1" name=""/>
+        <p:cNvGrpSpPr/>
+        <p:nvPr/>
+      </p:nvGrpSpPr>
+      <p:grpSpPr>
+        <a:xfrm>
+          <a:off x="0" y="0"/>
+          <a:ext cx="0" cy="0"/>
+          <a:chOff x="0" y="0"/>
+          <a:chExt cx="0" cy="0"/>
+        </a:xfrm>
+      </p:grpSpPr>
+      <p:sp>
+        <p:nvSpPr>
+          <p:cNvPr id="2" name="Title 1">
+            <a:extLst>
+              <a:ext uri="{FF2B5EF4-FFF2-40B4-BE49-F238E27FC236}">
+                <a16:creationId xmlns:a16="http://schemas.microsoft.com/office/drawing/2014/main" id="{52317987-65F3-5E85-D989-11B7BB1EFFC9}"/>
+              </a:ext>
+            </a:extLst>
+          </p:cNvPr>
+          <p:cNvSpPr>
+            <a:spLocks noGrp="1"/>
+          </p:cNvSpPr>
+          <p:nvPr>
+            <p:ph type="title"/>
+          </p:nvPr>
+        </p:nvSpPr>
+        <p:spPr>
+          <a:xfrm>
+            <a:off x="1828324" y="1932518"/>
+            <a:ext cx="9141619" cy="2105367"/>
+          </a:xfrm>
+        </p:spPr>
+        <p:txBody>
+          <a:bodyPr anchor="b">
+            <a:normAutofit/>
+          </a:bodyPr>
+          <a:lstStyle/>
+          <a:p>
+            <a:r>
+              <a:rPr lang="en-US" altLang="zh-CN" dirty="0"/>
+              <a:t>Methodology</a:t>
+            </a:r>
+            <a:endParaRPr lang="en-US" dirty="0"/>
+          </a:p>
+        </p:txBody>
+      </p:sp>
+    </p:spTree>
+    <p:extLst>
+      <p:ext uri="{BB962C8B-B14F-4D97-AF65-F5344CB8AC3E}">
+        <p14:creationId xmlns:p14="http://schemas.microsoft.com/office/powerpoint/2010/main" val="1699289723"/>
+      </p:ext>
+    </p:extLst>
+  </p:cSld>
+  <p:clrMapOvr>
+    <a:masterClrMapping/>
+  </p:clrMapOvr>
+  <mc:AlternateContent xmlns:mc="http://schemas.openxmlformats.org/markup-compatibility/2006" xmlns:p14="http://schemas.microsoft.com/office/powerpoint/2010/main">
+    <mc:Choice Requires="p14">
+      <p:transition spd="med" p14:dur="700">
+        <p:fade/>
+      </p:transition>
+    </mc:Choice>
+    <mc:Fallback xmlns="">
+      <p:transition spd="med">
+        <p:fade/>
+      </p:transition>
+    </mc:Fallback>
+  </mc:AlternateContent>
+</p:sld>
+</file>
+
+<file path=ppt/slides/slide17.xml><?xml version="1.0" encoding="utf-8"?>
+<p:sld xmlns:a="http://schemas.openxmlformats.org/drawingml/2006/main" xmlns:r="http://schemas.openxmlformats.org/officeDocument/2006/relationships" xmlns:p="http://schemas.openxmlformats.org/presentationml/2006/main">
+  <p:cSld>
+    <p:spTree>
+      <p:nvGrpSpPr>
+        <p:cNvPr id="1" name=""/>
+        <p:cNvGrpSpPr/>
+        <p:nvPr/>
+      </p:nvGrpSpPr>
+      <p:grpSpPr>
+        <a:xfrm>
+          <a:off x="0" y="0"/>
+          <a:ext cx="0" cy="0"/>
+          <a:chOff x="0" y="0"/>
+          <a:chExt cx="0" cy="0"/>
+        </a:xfrm>
+      </p:grpSpPr>
+      <p:sp>
+        <p:nvSpPr>
+          <p:cNvPr id="6" name="Content Placeholder 5"/>
+          <p:cNvSpPr>
+            <a:spLocks noGrp="1"/>
+          </p:cNvSpPr>
+          <p:nvPr>
+            <p:ph idx="1"/>
+          </p:nvPr>
+        </p:nvSpPr>
+        <p:spPr/>
+        <p:txBody>
+          <a:bodyPr>
+            <a:normAutofit fontScale="77500" lnSpcReduction="20000"/>
+          </a:bodyPr>
+          <a:lstStyle/>
+          <a:p>
+            <a:r>
+              <a:rPr lang="en-US" dirty="0"/>
+              <a:t>Performance:</a:t>
+            </a:r>
+          </a:p>
+          <a:p>
+            <a:pPr lvl="1"/>
+            <a:r>
+              <a:rPr lang="en-US" dirty="0"/>
+              <a:t>Multiple R-squared: 0.6466 (reasonable explained variability)</a:t>
+            </a:r>
+          </a:p>
+          <a:p>
+            <a:r>
+              <a:rPr lang="en-US" dirty="0"/>
+              <a:t>Significant Predictors:</a:t>
+            </a:r>
+          </a:p>
+          <a:p>
+            <a:pPr lvl="1"/>
+            <a:r>
+              <a:rPr lang="en-US" dirty="0"/>
+              <a:t>Food groups: fish, seafood, sheep, goat, pig, poultry, beef, wheat</a:t>
+            </a:r>
+          </a:p>
+          <a:p>
+            <a:pPr lvl="1"/>
+            <a:r>
+              <a:rPr lang="en-US" dirty="0"/>
+              <a:t>Income groups: lower-middle, upper-middle, and high-income countries</a:t>
+            </a:r>
+          </a:p>
+          <a:p>
+            <a:r>
+              <a:rPr lang="en-US" dirty="0"/>
+              <a:t>Overall Model Significance:</a:t>
+            </a:r>
+          </a:p>
+          <a:p>
+            <a:pPr lvl="1"/>
+            <a:r>
+              <a:rPr lang="en-US" dirty="0"/>
+              <a:t>F-statistic significant (p-value: 2.181e-15)</a:t>
+            </a:r>
+          </a:p>
+          <a:p>
+            <a:r>
+              <a:rPr lang="en-US" dirty="0"/>
+              <a:t>Multicollinearity Check:</a:t>
+            </a:r>
+          </a:p>
+          <a:p>
+            <a:pPr lvl="1"/>
+            <a:r>
+              <a:rPr lang="en-US" dirty="0"/>
+              <a:t>VIF values generally &lt; 5, except for Upper-middle-income (VIF = 5.4) and High-income (VIF = 8.9) countries</a:t>
+            </a:r>
+          </a:p>
+          <a:p>
+            <a:r>
+              <a:rPr lang="en-US" dirty="0"/>
+              <a:t>Next Steps:</a:t>
+            </a:r>
+          </a:p>
+          <a:p>
+            <a:pPr lvl="1"/>
+            <a:r>
+              <a:rPr lang="en-US" dirty="0"/>
+              <a:t>Further refinement and exploration through techniques like Lasso regression</a:t>
+            </a:r>
+          </a:p>
+        </p:txBody>
+      </p:sp>
+      <p:sp>
+        <p:nvSpPr>
+          <p:cNvPr id="5" name="Title 4"/>
+          <p:cNvSpPr>
+            <a:spLocks noGrp="1"/>
+          </p:cNvSpPr>
+          <p:nvPr>
+            <p:ph type="title"/>
+          </p:nvPr>
+        </p:nvSpPr>
+        <p:spPr/>
+        <p:txBody>
+          <a:bodyPr/>
+          <a:lstStyle/>
+          <a:p>
+            <a:r>
+              <a:rPr lang="en-US" altLang="zh-CN" dirty="0"/>
+              <a:t>Simple</a:t>
+            </a:r>
+            <a:r>
+              <a:rPr lang="zh-CN" altLang="en-US" dirty="0"/>
+              <a:t> </a:t>
+            </a:r>
+            <a:r>
+              <a:rPr lang="en-US" altLang="zh-CN" dirty="0"/>
+              <a:t>Linear</a:t>
+            </a:r>
+            <a:r>
+              <a:rPr lang="zh-CN" altLang="en-US" dirty="0"/>
+              <a:t> </a:t>
+            </a:r>
+            <a:r>
+              <a:rPr lang="en-US" altLang="zh-CN" dirty="0"/>
+              <a:t>Regression</a:t>
+            </a:r>
+            <a:endParaRPr lang="en-US" dirty="0"/>
+          </a:p>
+        </p:txBody>
+      </p:sp>
+    </p:spTree>
+    <p:extLst>
+      <p:ext uri="{BB962C8B-B14F-4D97-AF65-F5344CB8AC3E}">
+        <p14:creationId xmlns:p14="http://schemas.microsoft.com/office/powerpoint/2010/main" val="3983191860"/>
+      </p:ext>
+    </p:extLst>
+  </p:cSld>
+  <p:clrMapOvr>
+    <a:masterClrMapping/>
+  </p:clrMapOvr>
+  <mc:AlternateContent xmlns:mc="http://schemas.openxmlformats.org/markup-compatibility/2006" xmlns:p14="http://schemas.microsoft.com/office/powerpoint/2010/main">
+    <mc:Choice Requires="p14">
+      <p:transition spd="med" p14:dur="700">
+        <p:fade/>
+      </p:transition>
+    </mc:Choice>
+    <mc:Fallback xmlns="">
+      <p:transition spd="med">
+        <p:fade/>
+      </p:transition>
+    </mc:Fallback>
+  </mc:AlternateContent>
+</p:sld>
+</file>
+
+<file path=ppt/slides/slide18.xml><?xml version="1.0" encoding="utf-8"?>
+<p:sld xmlns:a="http://schemas.openxmlformats.org/drawingml/2006/main" xmlns:r="http://schemas.openxmlformats.org/officeDocument/2006/relationships" xmlns:p="http://schemas.openxmlformats.org/presentationml/2006/main">
+  <p:cSld>
+    <p:spTree>
+      <p:nvGrpSpPr>
+        <p:cNvPr id="1" name=""/>
+        <p:cNvGrpSpPr/>
+        <p:nvPr/>
+      </p:nvGrpSpPr>
+      <p:grpSpPr>
+        <a:xfrm>
+          <a:off x="0" y="0"/>
+          <a:ext cx="0" cy="0"/>
+          <a:chOff x="0" y="0"/>
+          <a:chExt cx="0" cy="0"/>
+        </a:xfrm>
+      </p:grpSpPr>
+      <p:sp>
+        <p:nvSpPr>
+          <p:cNvPr id="2" name="Title 1">
+            <a:extLst>
+              <a:ext uri="{FF2B5EF4-FFF2-40B4-BE49-F238E27FC236}">
+                <a16:creationId xmlns:a16="http://schemas.microsoft.com/office/drawing/2014/main" id="{5FD195DA-48B4-5CCF-83B3-786D9480D74B}"/>
+              </a:ext>
+            </a:extLst>
+          </p:cNvPr>
+          <p:cNvSpPr>
+            <a:spLocks noGrp="1"/>
+          </p:cNvSpPr>
+          <p:nvPr>
+            <p:ph type="title"/>
+          </p:nvPr>
+        </p:nvSpPr>
+        <p:spPr/>
+        <p:txBody>
+          <a:bodyPr/>
+          <a:lstStyle/>
+          <a:p>
+            <a:r>
+              <a:rPr lang="en-US" altLang="zh-CN" dirty="0"/>
+              <a:t>Lasso</a:t>
+            </a:r>
+            <a:r>
+              <a:rPr lang="zh-CN" altLang="en-US" dirty="0"/>
+              <a:t> </a:t>
+            </a:r>
+            <a:r>
+              <a:rPr lang="en-US" altLang="zh-CN" dirty="0"/>
+              <a:t>Regression</a:t>
+            </a:r>
+            <a:r>
+              <a:rPr lang="zh-CN" altLang="en-US" dirty="0"/>
+              <a:t> </a:t>
+            </a:r>
+            <a:r>
+              <a:rPr lang="en-US" altLang="zh-CN" dirty="0"/>
+              <a:t>–</a:t>
+            </a:r>
+            <a:r>
+              <a:rPr lang="zh-CN" altLang="en-US" dirty="0"/>
+              <a:t> </a:t>
+            </a:r>
+            <a:r>
+              <a:rPr lang="en-US" altLang="zh-CN" dirty="0"/>
+              <a:t>Why?</a:t>
+            </a:r>
+            <a:endParaRPr lang="en-US" dirty="0"/>
+          </a:p>
+        </p:txBody>
+      </p:sp>
+      <p:sp>
+        <p:nvSpPr>
+          <p:cNvPr id="3" name="Content Placeholder 2">
+            <a:extLst>
+              <a:ext uri="{FF2B5EF4-FFF2-40B4-BE49-F238E27FC236}">
+                <a16:creationId xmlns:a16="http://schemas.microsoft.com/office/drawing/2014/main" id="{20F4B7F0-0D82-F199-99D4-00A6260DF876}"/>
+              </a:ext>
+            </a:extLst>
+          </p:cNvPr>
+          <p:cNvSpPr>
+            <a:spLocks noGrp="1"/>
+          </p:cNvSpPr>
+          <p:nvPr>
+            <p:ph idx="1"/>
+          </p:nvPr>
+        </p:nvSpPr>
+        <p:spPr/>
+        <p:txBody>
+          <a:bodyPr>
+            <a:normAutofit fontScale="77500" lnSpcReduction="20000"/>
+          </a:bodyPr>
+          <a:lstStyle/>
+          <a:p>
+            <a:r>
+              <a:rPr lang="en-US" dirty="0"/>
+              <a:t>Sparsity Induction:</a:t>
+            </a:r>
+          </a:p>
+          <a:p>
+            <a:pPr lvl="1"/>
+            <a:r>
+              <a:rPr lang="en-US" dirty="0"/>
+              <a:t>Encourages sparsity in coefficient estimates</a:t>
+            </a:r>
+          </a:p>
+          <a:p>
+            <a:pPr lvl="1"/>
+            <a:r>
+              <a:rPr lang="en-US" dirty="0"/>
+              <a:t>Facilitates automatic variable selection</a:t>
+            </a:r>
+          </a:p>
+          <a:p>
+            <a:r>
+              <a:rPr lang="en-US" dirty="0"/>
+              <a:t>Multicollinearity Handling:</a:t>
+            </a:r>
+          </a:p>
+          <a:p>
+            <a:pPr lvl="1"/>
+            <a:r>
+              <a:rPr lang="en-US" dirty="0"/>
+              <a:t>Addresses multicollinearity by favoring a unique subset of correlated predictors, ensuring stability and interpretability</a:t>
+            </a:r>
+          </a:p>
+          <a:p>
+            <a:r>
+              <a:rPr lang="en-US" dirty="0"/>
+              <a:t>Robustness through Regularization:</a:t>
+            </a:r>
+          </a:p>
+          <a:p>
+            <a:pPr lvl="1"/>
+            <a:r>
+              <a:rPr lang="en-US" dirty="0"/>
+              <a:t>Enhances resilience to data fluctuations</a:t>
+            </a:r>
+          </a:p>
+          <a:p>
+            <a:pPr lvl="1"/>
+            <a:r>
+              <a:rPr lang="en-US" dirty="0"/>
+              <a:t>Improves predictive accuracy</a:t>
+            </a:r>
+          </a:p>
+          <a:p>
+            <a:r>
+              <a:rPr lang="en-US" dirty="0"/>
+              <a:t>Standardization Importance:</a:t>
+            </a:r>
+          </a:p>
+          <a:p>
+            <a:pPr lvl="1"/>
+            <a:r>
+              <a:rPr lang="en-US" dirty="0"/>
+              <a:t>Crucial for predictors related to food groups</a:t>
+            </a:r>
+          </a:p>
+          <a:p>
+            <a:pPr lvl="1"/>
+            <a:r>
+              <a:rPr lang="en-US" dirty="0"/>
+              <a:t>Ensures all variables are on the same scale for a fair comparison</a:t>
+            </a:r>
+          </a:p>
+        </p:txBody>
+      </p:sp>
+    </p:spTree>
+    <p:extLst>
+      <p:ext uri="{BB962C8B-B14F-4D97-AF65-F5344CB8AC3E}">
+        <p14:creationId xmlns:p14="http://schemas.microsoft.com/office/powerpoint/2010/main" val="1472945908"/>
+      </p:ext>
+    </p:extLst>
+  </p:cSld>
+  <p:clrMapOvr>
+    <a:masterClrMapping/>
+  </p:clrMapOvr>
+  <mc:AlternateContent xmlns:mc="http://schemas.openxmlformats.org/markup-compatibility/2006" xmlns:p14="http://schemas.microsoft.com/office/powerpoint/2010/main">
+    <mc:Choice Requires="p14">
+      <p:transition spd="med" p14:dur="700">
+        <p:fade/>
+      </p:transition>
+    </mc:Choice>
+    <mc:Fallback xmlns="">
+      <p:transition spd="med">
+        <p:fade/>
+      </p:transition>
+    </mc:Fallback>
+  </mc:AlternateContent>
+</p:sld>
+</file>
+
+<file path=ppt/slides/slide19.xml><?xml version="1.0" encoding="utf-8"?>
+<p:sld xmlns:a="http://schemas.openxmlformats.org/drawingml/2006/main" xmlns:r="http://schemas.openxmlformats.org/officeDocument/2006/relationships" xmlns:p="http://schemas.openxmlformats.org/presentationml/2006/main">
+  <p:cSld>
+    <p:spTree>
+      <p:nvGrpSpPr>
+        <p:cNvPr id="1" name=""/>
+        <p:cNvGrpSpPr/>
+        <p:nvPr/>
+      </p:nvGrpSpPr>
+      <p:grpSpPr>
+        <a:xfrm>
+          <a:off x="0" y="0"/>
+          <a:ext cx="0" cy="0"/>
+          <a:chOff x="0" y="0"/>
+          <a:chExt cx="0" cy="0"/>
+        </a:xfrm>
+      </p:grpSpPr>
+      <p:sp>
+        <p:nvSpPr>
+          <p:cNvPr id="2" name="Title 1">
+            <a:extLst>
+              <a:ext uri="{FF2B5EF4-FFF2-40B4-BE49-F238E27FC236}">
+                <a16:creationId xmlns:a16="http://schemas.microsoft.com/office/drawing/2014/main" id="{688A1779-DA60-C886-1BFB-F297B02DB603}"/>
+              </a:ext>
+            </a:extLst>
+          </p:cNvPr>
+          <p:cNvSpPr>
+            <a:spLocks noGrp="1"/>
+          </p:cNvSpPr>
+          <p:nvPr>
+            <p:ph type="title"/>
+          </p:nvPr>
+        </p:nvSpPr>
+        <p:spPr/>
+        <p:txBody>
+          <a:bodyPr/>
+          <a:lstStyle/>
+          <a:p>
+            <a:r>
+              <a:rPr lang="en-US" altLang="zh-CN" dirty="0"/>
+              <a:t>Lasso</a:t>
+            </a:r>
+            <a:r>
+              <a:rPr lang="zh-CN" altLang="en-US" dirty="0"/>
+              <a:t> </a:t>
+            </a:r>
+            <a:r>
+              <a:rPr lang="en-US" altLang="zh-CN" dirty="0"/>
+              <a:t>Regression</a:t>
+            </a:r>
+            <a:endParaRPr lang="en-US" dirty="0"/>
+          </a:p>
+        </p:txBody>
+      </p:sp>
+      <p:pic>
+        <p:nvPicPr>
+          <p:cNvPr id="5" name="Content Placeholder 4" descr="A graph with red dotted line&#10;&#10;Description automatically generated">
+            <a:extLst>
+              <a:ext uri="{FF2B5EF4-FFF2-40B4-BE49-F238E27FC236}">
+                <a16:creationId xmlns:a16="http://schemas.microsoft.com/office/drawing/2014/main" id="{66CE778A-6AE4-875C-2D2E-2470D7BDB447}"/>
+              </a:ext>
+            </a:extLst>
+          </p:cNvPr>
+          <p:cNvPicPr>
+            <a:picLocks noGrp="1" noChangeAspect="1"/>
+          </p:cNvPicPr>
+          <p:nvPr>
+            <p:ph idx="1"/>
+          </p:nvPr>
+        </p:nvPicPr>
+        <p:blipFill>
+          <a:blip r:embed="rId2">
+            <a:extLst>
+              <a:ext uri="{28A0092B-C50C-407E-A947-70E740481C1C}">
+                <a14:useLocalDpi xmlns:a14="http://schemas.microsoft.com/office/drawing/2010/main" val="0"/>
+              </a:ext>
+            </a:extLst>
+          </a:blip>
+          <a:stretch>
+            <a:fillRect/>
+          </a:stretch>
+        </p:blipFill>
+        <p:spPr>
+          <a:xfrm>
+            <a:off x="5408612" y="1524000"/>
+            <a:ext cx="4299371" cy="2652252"/>
+          </a:xfrm>
+        </p:spPr>
+      </p:pic>
+      <p:pic>
+        <p:nvPicPr>
+          <p:cNvPr id="7" name="Picture 6" descr="A diagram of a line graph&#10;&#10;Description automatically generated">
+            <a:extLst>
+              <a:ext uri="{FF2B5EF4-FFF2-40B4-BE49-F238E27FC236}">
+                <a16:creationId xmlns:a16="http://schemas.microsoft.com/office/drawing/2014/main" id="{3558BF83-F77D-49AB-E103-3A332887EDE5}"/>
+              </a:ext>
+            </a:extLst>
+          </p:cNvPr>
+          <p:cNvPicPr>
+            <a:picLocks noChangeAspect="1"/>
+          </p:cNvPicPr>
+          <p:nvPr/>
+        </p:nvPicPr>
+        <p:blipFill>
+          <a:blip r:embed="rId3">
+            <a:extLst>
+              <a:ext uri="{28A0092B-C50C-407E-A947-70E740481C1C}">
+                <a14:useLocalDpi xmlns:a14="http://schemas.microsoft.com/office/drawing/2010/main" val="0"/>
+              </a:ext>
+            </a:extLst>
+          </a:blip>
+          <a:stretch>
+            <a:fillRect/>
+          </a:stretch>
+        </p:blipFill>
+        <p:spPr>
+          <a:xfrm>
+            <a:off x="989012" y="1524000"/>
+            <a:ext cx="4076235" cy="2514600"/>
+          </a:xfrm>
+          <a:prstGeom prst="rect">
+            <a:avLst/>
+          </a:prstGeom>
+        </p:spPr>
+      </p:pic>
+      <p:sp>
+        <p:nvSpPr>
+          <p:cNvPr id="8" name="Content Placeholder 2">
+            <a:extLst>
+              <a:ext uri="{FF2B5EF4-FFF2-40B4-BE49-F238E27FC236}">
+                <a16:creationId xmlns:a16="http://schemas.microsoft.com/office/drawing/2014/main" id="{01993A35-C339-215A-C0EE-3F01382AD7B2}"/>
+              </a:ext>
+            </a:extLst>
+          </p:cNvPr>
+          <p:cNvSpPr txBox="1">
+            <a:spLocks/>
+          </p:cNvSpPr>
+          <p:nvPr/>
+        </p:nvSpPr>
+        <p:spPr>
+          <a:xfrm>
+            <a:off x="1478383" y="4176252"/>
+            <a:ext cx="8991600" cy="1843548"/>
+          </a:xfrm>
+          <a:prstGeom prst="rect">
+            <a:avLst/>
+          </a:prstGeom>
+        </p:spPr>
+        <p:txBody>
+          <a:bodyPr vert="horz" lIns="121899" tIns="60949" rIns="121899" bIns="60949" rtlCol="0">
+            <a:normAutofit fontScale="70000" lnSpcReduction="20000"/>
+          </a:bodyPr>
+          <a:lstStyle>
+            <a:lvl1pPr marL="304747" indent="-304747" algn="l" defTabSz="1218987" rtl="0" eaLnBrk="1" latinLnBrk="0" hangingPunct="1">
+              <a:lnSpc>
+                <a:spcPct val="90000"/>
+              </a:lnSpc>
+              <a:spcBef>
+                <a:spcPts val="1800"/>
+              </a:spcBef>
+              <a:buClr>
+                <a:schemeClr val="accent1">
+                  <a:lumMod val="75000"/>
+                </a:schemeClr>
+              </a:buClr>
+              <a:buFont typeface="Arial" pitchFamily="34" charset="0"/>
+              <a:buChar char="•"/>
+              <a:defRPr sz="2800" kern="1200">
+                <a:solidFill>
+                  <a:schemeClr val="tx1"/>
+                </a:solidFill>
+                <a:latin typeface="+mn-lt"/>
+                <a:ea typeface="+mn-ea"/>
+                <a:cs typeface="+mn-cs"/>
+              </a:defRPr>
+            </a:lvl1pPr>
+            <a:lvl2pPr marL="755772" indent="-304747" algn="l" defTabSz="1218987" rtl="0" eaLnBrk="1" latinLnBrk="0" hangingPunct="1">
+              <a:lnSpc>
+                <a:spcPct val="90000"/>
+              </a:lnSpc>
+              <a:spcBef>
+                <a:spcPts val="1200"/>
+              </a:spcBef>
+              <a:buClr>
+                <a:schemeClr val="accent1">
+                  <a:lumMod val="75000"/>
+                </a:schemeClr>
+              </a:buClr>
+              <a:buFont typeface="Arial" pitchFamily="34" charset="0"/>
+              <a:buChar char="–"/>
+              <a:defRPr sz="2400" kern="1200">
+                <a:solidFill>
+                  <a:schemeClr val="tx1"/>
+                </a:solidFill>
+                <a:latin typeface="+mn-lt"/>
+                <a:ea typeface="+mn-ea"/>
+                <a:cs typeface="+mn-cs"/>
+              </a:defRPr>
+            </a:lvl2pPr>
+            <a:lvl3pPr marL="1206797" indent="-304747" algn="l" defTabSz="1218987" rtl="0" eaLnBrk="1" latinLnBrk="0" hangingPunct="1">
+              <a:lnSpc>
+                <a:spcPct val="90000"/>
+              </a:lnSpc>
+              <a:spcBef>
+                <a:spcPts val="800"/>
+              </a:spcBef>
+              <a:buClr>
+                <a:schemeClr val="accent1">
+                  <a:lumMod val="75000"/>
+                </a:schemeClr>
+              </a:buClr>
+              <a:buFont typeface="Arial" pitchFamily="34" charset="0"/>
+              <a:buChar char="•"/>
+              <a:defRPr sz="2000" kern="1200">
+                <a:solidFill>
+                  <a:schemeClr val="tx1"/>
+                </a:solidFill>
+                <a:latin typeface="+mn-lt"/>
+                <a:ea typeface="+mn-ea"/>
+                <a:cs typeface="+mn-cs"/>
+              </a:defRPr>
+            </a:lvl3pPr>
+            <a:lvl4pPr marL="1657822" indent="-304747" algn="l" defTabSz="1218987" rtl="0" eaLnBrk="1" latinLnBrk="0" hangingPunct="1">
+              <a:lnSpc>
+                <a:spcPct val="90000"/>
+              </a:lnSpc>
+              <a:spcBef>
+                <a:spcPts val="800"/>
+              </a:spcBef>
+              <a:buClr>
+                <a:schemeClr val="accent1">
+                  <a:lumMod val="75000"/>
+                </a:schemeClr>
+              </a:buClr>
+              <a:buFont typeface="Arial" pitchFamily="34" charset="0"/>
+              <a:buChar char="•"/>
+              <a:defRPr sz="2000" kern="1200">
+                <a:solidFill>
+                  <a:schemeClr val="tx1"/>
+                </a:solidFill>
+                <a:latin typeface="+mn-lt"/>
+                <a:ea typeface="+mn-ea"/>
+                <a:cs typeface="+mn-cs"/>
+              </a:defRPr>
+            </a:lvl4pPr>
+            <a:lvl5pPr marL="2108847" indent="-304747" algn="l" defTabSz="1218987" rtl="0" eaLnBrk="1" latinLnBrk="0" hangingPunct="1">
+              <a:lnSpc>
+                <a:spcPct val="90000"/>
+              </a:lnSpc>
+              <a:spcBef>
+                <a:spcPts val="800"/>
+              </a:spcBef>
+              <a:buClr>
+                <a:schemeClr val="accent1">
+                  <a:lumMod val="75000"/>
+                </a:schemeClr>
+              </a:buClr>
+              <a:buFont typeface="Arial" pitchFamily="34" charset="0"/>
+              <a:buChar char="•"/>
+              <a:defRPr sz="2000" kern="1200">
+                <a:solidFill>
+                  <a:schemeClr val="tx1"/>
+                </a:solidFill>
+                <a:latin typeface="+mn-lt"/>
+                <a:ea typeface="+mn-ea"/>
+                <a:cs typeface="+mn-cs"/>
+              </a:defRPr>
+            </a:lvl5pPr>
+            <a:lvl6pPr marL="2559872" indent="-304747" algn="l" defTabSz="1218987" rtl="0" eaLnBrk="1" latinLnBrk="0" hangingPunct="1">
+              <a:lnSpc>
+                <a:spcPct val="90000"/>
+              </a:lnSpc>
+              <a:spcBef>
+                <a:spcPts val="800"/>
+              </a:spcBef>
+              <a:buClr>
+                <a:schemeClr val="accent1"/>
+              </a:buClr>
+              <a:buFont typeface="Arial" pitchFamily="34" charset="0"/>
+              <a:buChar char="•"/>
+              <a:defRPr sz="2000" kern="1200" baseline="0">
+                <a:solidFill>
+                  <a:schemeClr val="tx1"/>
+                </a:solidFill>
+                <a:latin typeface="+mn-lt"/>
+                <a:ea typeface="+mn-ea"/>
+                <a:cs typeface="+mn-cs"/>
+              </a:defRPr>
+            </a:lvl6pPr>
+            <a:lvl7pPr marL="3010897" indent="-304747" algn="l" defTabSz="1218987" rtl="0" eaLnBrk="1" latinLnBrk="0" hangingPunct="1">
+              <a:lnSpc>
+                <a:spcPct val="90000"/>
+              </a:lnSpc>
+              <a:spcBef>
+                <a:spcPts val="800"/>
+              </a:spcBef>
+              <a:buClr>
+                <a:schemeClr val="accent1"/>
+              </a:buClr>
+              <a:buFont typeface="Arial" pitchFamily="34" charset="0"/>
+              <a:buChar char="•"/>
+              <a:defRPr sz="2000" kern="1200" baseline="0">
+                <a:solidFill>
+                  <a:schemeClr val="tx1"/>
+                </a:solidFill>
+                <a:latin typeface="+mn-lt"/>
+                <a:ea typeface="+mn-ea"/>
+                <a:cs typeface="+mn-cs"/>
+              </a:defRPr>
+            </a:lvl7pPr>
+            <a:lvl8pPr marL="3461922" indent="-304747" algn="l" defTabSz="1218987" rtl="0" eaLnBrk="1" latinLnBrk="0" hangingPunct="1">
+              <a:lnSpc>
+                <a:spcPct val="90000"/>
+              </a:lnSpc>
+              <a:spcBef>
+                <a:spcPts val="800"/>
+              </a:spcBef>
+              <a:buClr>
+                <a:schemeClr val="accent1"/>
+              </a:buClr>
+              <a:buFont typeface="Arial" pitchFamily="34" charset="0"/>
+              <a:buChar char="•"/>
+              <a:defRPr sz="2000" kern="1200" baseline="0">
+                <a:solidFill>
+                  <a:schemeClr val="tx1"/>
+                </a:solidFill>
+                <a:latin typeface="+mn-lt"/>
+                <a:ea typeface="+mn-ea"/>
+                <a:cs typeface="+mn-cs"/>
+              </a:defRPr>
+            </a:lvl8pPr>
+            <a:lvl9pPr marL="3912947" indent="-304747" algn="l" defTabSz="1218987" rtl="0" eaLnBrk="1" latinLnBrk="0" hangingPunct="1">
+              <a:lnSpc>
+                <a:spcPct val="90000"/>
+              </a:lnSpc>
+              <a:spcBef>
+                <a:spcPts val="800"/>
+              </a:spcBef>
+              <a:buClr>
+                <a:schemeClr val="accent1"/>
+              </a:buClr>
+              <a:buFont typeface="Arial" pitchFamily="34" charset="0"/>
+              <a:buChar char="•"/>
+              <a:defRPr sz="2000" kern="1200" baseline="0">
+                <a:solidFill>
+                  <a:schemeClr val="tx1"/>
+                </a:solidFill>
+                <a:latin typeface="+mn-lt"/>
+                <a:ea typeface="+mn-ea"/>
+                <a:cs typeface="+mn-cs"/>
+              </a:defRPr>
+            </a:lvl9pPr>
+          </a:lstStyle>
+          <a:p>
+            <a:r>
+              <a:rPr lang="en-US" dirty="0"/>
+              <a:t>Ten-Fold Cross-Validation (CV):</a:t>
+            </a:r>
+          </a:p>
+          <a:p>
+            <a:pPr lvl="1"/>
+            <a:r>
+              <a:rPr lang="en-US" dirty="0"/>
+              <a:t>Employed to identify optimal lambda value</a:t>
+            </a:r>
+          </a:p>
+          <a:p>
+            <a:pPr lvl="1"/>
+            <a:r>
+              <a:rPr lang="en-US" dirty="0"/>
+              <a:t>Optimal lambda value determined: 0.23</a:t>
+            </a:r>
+          </a:p>
+          <a:p>
+            <a:r>
+              <a:rPr lang="en-US" dirty="0"/>
+              <a:t>Final Model Construction:</a:t>
+            </a:r>
+          </a:p>
+          <a:p>
+            <a:pPr lvl="1"/>
+            <a:r>
+              <a:rPr lang="en-US" dirty="0"/>
+              <a:t>Utilized the optimal lambda value for constructing the final Lasso model</a:t>
+            </a:r>
+          </a:p>
+          <a:p>
+            <a:endParaRPr lang="en-US" dirty="0"/>
+          </a:p>
+          <a:p>
+            <a:endParaRPr lang="en-US" dirty="0"/>
+          </a:p>
+          <a:p>
+            <a:endParaRPr lang="en-US" dirty="0"/>
+          </a:p>
+          <a:p>
+            <a:endParaRPr lang="en-US" dirty="0"/>
+          </a:p>
+        </p:txBody>
+      </p:sp>
+    </p:spTree>
+    <p:extLst>
+      <p:ext uri="{BB962C8B-B14F-4D97-AF65-F5344CB8AC3E}">
+        <p14:creationId xmlns:p14="http://schemas.microsoft.com/office/powerpoint/2010/main" val="1380375759"/>
       </p:ext>
     </p:extLst>
   </p:cSld>
@@ -9552,7 +8295,13 @@
       </p:grpSpPr>
       <p:sp>
         <p:nvSpPr>
-          <p:cNvPr id="5" name="Title 4"/>
+          <p:cNvPr id="2" name="Title 1">
+            <a:extLst>
+              <a:ext uri="{FF2B5EF4-FFF2-40B4-BE49-F238E27FC236}">
+                <a16:creationId xmlns:a16="http://schemas.microsoft.com/office/drawing/2014/main" id="{52317987-65F3-5E85-D989-11B7BB1EFFC9}"/>
+              </a:ext>
+            </a:extLst>
+          </p:cNvPr>
           <p:cNvSpPr>
             <a:spLocks noGrp="1"/>
           </p:cNvSpPr>
@@ -9560,56 +8309,1112 @@
             <p:ph type="title"/>
           </p:nvPr>
         </p:nvSpPr>
-        <p:spPr/>
-        <p:txBody>
-          <a:bodyPr/>
+        <p:spPr>
+          <a:xfrm>
+            <a:off x="1828324" y="1932518"/>
+            <a:ext cx="9141619" cy="2105367"/>
+          </a:xfrm>
+        </p:spPr>
+        <p:txBody>
+          <a:bodyPr anchor="b">
+            <a:normAutofit/>
+          </a:bodyPr>
           <a:lstStyle/>
           <a:p>
             <a:r>
-              <a:rPr lang="en-US" dirty="0"/>
-              <a:t>Title and Content Layout with List</a:t>
-            </a:r>
-          </a:p>
-        </p:txBody>
-      </p:sp>
-      <p:sp>
-        <p:nvSpPr>
-          <p:cNvPr id="6" name="Content Placeholder 5"/>
-          <p:cNvSpPr>
-            <a:spLocks noGrp="1"/>
-          </p:cNvSpPr>
-          <p:nvPr>
-            <p:ph idx="1"/>
-          </p:nvPr>
-        </p:nvSpPr>
-        <p:spPr/>
-        <p:txBody>
-          <a:bodyPr/>
-          <a:lstStyle/>
-          <a:p>
-            <a:r>
-              <a:rPr lang="en-US" dirty="0"/>
-              <a:t>Add your first bullet point here</a:t>
-            </a:r>
-          </a:p>
-          <a:p>
-            <a:r>
-              <a:rPr lang="en-US" dirty="0"/>
-              <a:t>Add your second bullet point here</a:t>
-            </a:r>
-          </a:p>
-          <a:p>
-            <a:r>
-              <a:rPr lang="en-US" dirty="0"/>
-              <a:t>Add your third bullet point here</a:t>
-            </a:r>
+              <a:rPr lang="en-US" altLang="zh-CN" dirty="0"/>
+              <a:t>Introduction</a:t>
+            </a:r>
+            <a:endParaRPr lang="en-US" dirty="0"/>
           </a:p>
         </p:txBody>
       </p:sp>
     </p:spTree>
     <p:extLst>
       <p:ext uri="{BB962C8B-B14F-4D97-AF65-F5344CB8AC3E}">
-        <p14:creationId xmlns:p14="http://schemas.microsoft.com/office/powerpoint/2010/main" val="2041341814"/>
+        <p14:creationId xmlns:p14="http://schemas.microsoft.com/office/powerpoint/2010/main" val="3164299219"/>
+      </p:ext>
+    </p:extLst>
+  </p:cSld>
+  <p:clrMapOvr>
+    <a:masterClrMapping/>
+  </p:clrMapOvr>
+  <mc:AlternateContent xmlns:mc="http://schemas.openxmlformats.org/markup-compatibility/2006" xmlns:p14="http://schemas.microsoft.com/office/powerpoint/2010/main">
+    <mc:Choice Requires="p14">
+      <p:transition spd="med" p14:dur="700">
+        <p:fade/>
+      </p:transition>
+    </mc:Choice>
+    <mc:Fallback xmlns="">
+      <p:transition spd="med">
+        <p:fade/>
+      </p:transition>
+    </mc:Fallback>
+  </mc:AlternateContent>
+</p:sld>
+</file>
+
+<file path=ppt/slides/slide20.xml><?xml version="1.0" encoding="utf-8"?>
+<p:sld xmlns:a="http://schemas.openxmlformats.org/drawingml/2006/main" xmlns:r="http://schemas.openxmlformats.org/officeDocument/2006/relationships" xmlns:p="http://schemas.openxmlformats.org/presentationml/2006/main">
+  <p:cSld>
+    <p:spTree>
+      <p:nvGrpSpPr>
+        <p:cNvPr id="1" name=""/>
+        <p:cNvGrpSpPr/>
+        <p:nvPr/>
+      </p:nvGrpSpPr>
+      <p:grpSpPr>
+        <a:xfrm>
+          <a:off x="0" y="0"/>
+          <a:ext cx="0" cy="0"/>
+          <a:chOff x="0" y="0"/>
+          <a:chExt cx="0" cy="0"/>
+        </a:xfrm>
+      </p:grpSpPr>
+      <p:sp>
+        <p:nvSpPr>
+          <p:cNvPr id="2" name="Title 1">
+            <a:extLst>
+              <a:ext uri="{FF2B5EF4-FFF2-40B4-BE49-F238E27FC236}">
+                <a16:creationId xmlns:a16="http://schemas.microsoft.com/office/drawing/2014/main" id="{729298EF-9D4C-88F9-5EC5-03FB63DDAABA}"/>
+              </a:ext>
+            </a:extLst>
+          </p:cNvPr>
+          <p:cNvSpPr>
+            <a:spLocks noGrp="1"/>
+          </p:cNvSpPr>
+          <p:nvPr>
+            <p:ph type="title"/>
+          </p:nvPr>
+        </p:nvSpPr>
+        <p:spPr/>
+        <p:txBody>
+          <a:bodyPr/>
+          <a:lstStyle/>
+          <a:p>
+            <a:r>
+              <a:rPr lang="en-US" dirty="0"/>
+              <a:t>Model Comparison</a:t>
+            </a:r>
+          </a:p>
+        </p:txBody>
+      </p:sp>
+      <p:sp>
+        <p:nvSpPr>
+          <p:cNvPr id="3" name="Content Placeholder 2">
+            <a:extLst>
+              <a:ext uri="{FF2B5EF4-FFF2-40B4-BE49-F238E27FC236}">
+                <a16:creationId xmlns:a16="http://schemas.microsoft.com/office/drawing/2014/main" id="{ED03344C-C714-A266-0BC1-3D6F6431D0B5}"/>
+              </a:ext>
+            </a:extLst>
+          </p:cNvPr>
+          <p:cNvSpPr>
+            <a:spLocks noGrp="1"/>
+          </p:cNvSpPr>
+          <p:nvPr>
+            <p:ph idx="1"/>
+          </p:nvPr>
+        </p:nvSpPr>
+        <p:spPr>
+          <a:xfrm>
+            <a:off x="1141412" y="1600200"/>
+            <a:ext cx="9751060" cy="4572000"/>
+          </a:xfrm>
+        </p:spPr>
+        <p:txBody>
+          <a:bodyPr/>
+          <a:lstStyle/>
+          <a:p>
+            <a:r>
+              <a:rPr lang="en-US" dirty="0"/>
+              <a:t>Lasso vs. Simple Linear Regression:</a:t>
+            </a:r>
+          </a:p>
+          <a:p>
+            <a:pPr lvl="1"/>
+            <a:r>
+              <a:rPr lang="en-US" dirty="0"/>
+              <a:t>Substantial improvement in prediction accuracy observed</a:t>
+            </a:r>
+          </a:p>
+          <a:p>
+            <a:pPr lvl="1"/>
+            <a:r>
+              <a:rPr lang="en-US" dirty="0"/>
+              <a:t>Testing Mean Squared Error (MSE) decreased significantly</a:t>
+            </a:r>
+          </a:p>
+          <a:p>
+            <a:pPr lvl="2"/>
+            <a:r>
+              <a:rPr lang="en-US" dirty="0"/>
+              <a:t>Simple linear regression model MSE: 44.6</a:t>
+            </a:r>
+          </a:p>
+          <a:p>
+            <a:pPr lvl="2"/>
+            <a:r>
+              <a:rPr lang="en-US" dirty="0"/>
+              <a:t>Lasso model MSE: 7.8</a:t>
+            </a:r>
+          </a:p>
+          <a:p>
+            <a:pPr lvl="1"/>
+            <a:r>
+              <a:rPr lang="en-US" dirty="0"/>
+              <a:t>Noteworthy reduction highlights Lasso's superior predictive capabilities</a:t>
+            </a:r>
+          </a:p>
+        </p:txBody>
+      </p:sp>
+    </p:spTree>
+    <p:extLst>
+      <p:ext uri="{BB962C8B-B14F-4D97-AF65-F5344CB8AC3E}">
+        <p14:creationId xmlns:p14="http://schemas.microsoft.com/office/powerpoint/2010/main" val="3685330122"/>
+      </p:ext>
+    </p:extLst>
+  </p:cSld>
+  <p:clrMapOvr>
+    <a:masterClrMapping/>
+  </p:clrMapOvr>
+  <mc:AlternateContent xmlns:mc="http://schemas.openxmlformats.org/markup-compatibility/2006" xmlns:p14="http://schemas.microsoft.com/office/powerpoint/2010/main">
+    <mc:Choice Requires="p14">
+      <p:transition spd="med" p14:dur="700">
+        <p:fade/>
+      </p:transition>
+    </mc:Choice>
+    <mc:Fallback xmlns="">
+      <p:transition spd="med">
+        <p:fade/>
+      </p:transition>
+    </mc:Fallback>
+  </mc:AlternateContent>
+</p:sld>
+</file>
+
+<file path=ppt/slides/slide21.xml><?xml version="1.0" encoding="utf-8"?>
+<p:sld xmlns:a="http://schemas.openxmlformats.org/drawingml/2006/main" xmlns:r="http://schemas.openxmlformats.org/officeDocument/2006/relationships" xmlns:p="http://schemas.openxmlformats.org/presentationml/2006/main">
+  <p:cSld>
+    <p:spTree>
+      <p:nvGrpSpPr>
+        <p:cNvPr id="1" name=""/>
+        <p:cNvGrpSpPr/>
+        <p:nvPr/>
+      </p:nvGrpSpPr>
+      <p:grpSpPr>
+        <a:xfrm>
+          <a:off x="0" y="0"/>
+          <a:ext cx="0" cy="0"/>
+          <a:chOff x="0" y="0"/>
+          <a:chExt cx="0" cy="0"/>
+        </a:xfrm>
+      </p:grpSpPr>
+      <p:sp>
+        <p:nvSpPr>
+          <p:cNvPr id="2" name="Title 1">
+            <a:extLst>
+              <a:ext uri="{FF2B5EF4-FFF2-40B4-BE49-F238E27FC236}">
+                <a16:creationId xmlns:a16="http://schemas.microsoft.com/office/drawing/2014/main" id="{52317987-65F3-5E85-D989-11B7BB1EFFC9}"/>
+              </a:ext>
+            </a:extLst>
+          </p:cNvPr>
+          <p:cNvSpPr>
+            <a:spLocks noGrp="1"/>
+          </p:cNvSpPr>
+          <p:nvPr>
+            <p:ph type="title"/>
+          </p:nvPr>
+        </p:nvSpPr>
+        <p:spPr>
+          <a:xfrm>
+            <a:off x="1828324" y="1932518"/>
+            <a:ext cx="9141619" cy="2105367"/>
+          </a:xfrm>
+        </p:spPr>
+        <p:txBody>
+          <a:bodyPr anchor="b">
+            <a:normAutofit/>
+          </a:bodyPr>
+          <a:lstStyle/>
+          <a:p>
+            <a:r>
+              <a:rPr lang="en-US" altLang="zh-CN" dirty="0"/>
+              <a:t>Results</a:t>
+            </a:r>
+            <a:endParaRPr lang="en-US" dirty="0"/>
+          </a:p>
+        </p:txBody>
+      </p:sp>
+    </p:spTree>
+    <p:extLst>
+      <p:ext uri="{BB962C8B-B14F-4D97-AF65-F5344CB8AC3E}">
+        <p14:creationId xmlns:p14="http://schemas.microsoft.com/office/powerpoint/2010/main" val="2176034194"/>
+      </p:ext>
+    </p:extLst>
+  </p:cSld>
+  <p:clrMapOvr>
+    <a:masterClrMapping/>
+  </p:clrMapOvr>
+  <mc:AlternateContent xmlns:mc="http://schemas.openxmlformats.org/markup-compatibility/2006" xmlns:p14="http://schemas.microsoft.com/office/powerpoint/2010/main">
+    <mc:Choice Requires="p14">
+      <p:transition spd="med" p14:dur="700">
+        <p:fade/>
+      </p:transition>
+    </mc:Choice>
+    <mc:Fallback xmlns="">
+      <p:transition spd="med">
+        <p:fade/>
+      </p:transition>
+    </mc:Fallback>
+  </mc:AlternateContent>
+</p:sld>
+</file>
+
+<file path=ppt/slides/slide22.xml><?xml version="1.0" encoding="utf-8"?>
+<p:sld xmlns:a="http://schemas.openxmlformats.org/drawingml/2006/main" xmlns:r="http://schemas.openxmlformats.org/officeDocument/2006/relationships" xmlns:p="http://schemas.openxmlformats.org/presentationml/2006/main">
+  <p:cSld>
+    <p:spTree>
+      <p:nvGrpSpPr>
+        <p:cNvPr id="1" name=""/>
+        <p:cNvGrpSpPr/>
+        <p:nvPr/>
+      </p:nvGrpSpPr>
+      <p:grpSpPr>
+        <a:xfrm>
+          <a:off x="0" y="0"/>
+          <a:ext cx="0" cy="0"/>
+          <a:chOff x="0" y="0"/>
+          <a:chExt cx="0" cy="0"/>
+        </a:xfrm>
+      </p:grpSpPr>
+      <p:sp>
+        <p:nvSpPr>
+          <p:cNvPr id="5" name="Title 4"/>
+          <p:cNvSpPr>
+            <a:spLocks noGrp="1"/>
+          </p:cNvSpPr>
+          <p:nvPr>
+            <p:ph type="title"/>
+          </p:nvPr>
+        </p:nvSpPr>
+        <p:spPr>
+          <a:xfrm>
+            <a:off x="1218883" y="152400"/>
+            <a:ext cx="9751060" cy="1295400"/>
+          </a:xfrm>
+        </p:spPr>
+        <p:txBody>
+          <a:bodyPr anchor="b">
+            <a:normAutofit/>
+          </a:bodyPr>
+          <a:lstStyle/>
+          <a:p>
+            <a:r>
+              <a:rPr lang="en-US" altLang="zh-CN" dirty="0"/>
+              <a:t>Final</a:t>
+            </a:r>
+            <a:r>
+              <a:rPr lang="zh-CN" altLang="en-US" dirty="0"/>
+              <a:t> </a:t>
+            </a:r>
+            <a:r>
+              <a:rPr lang="en-US" altLang="zh-CN" dirty="0"/>
+              <a:t>Model</a:t>
+            </a:r>
+            <a:r>
+              <a:rPr lang="zh-CN" altLang="en-US" dirty="0"/>
+              <a:t> </a:t>
+            </a:r>
+            <a:r>
+              <a:rPr lang="en-US" altLang="zh-CN" dirty="0"/>
+              <a:t>(Lasso)</a:t>
+            </a:r>
+            <a:endParaRPr lang="en-US" dirty="0"/>
+          </a:p>
+        </p:txBody>
+      </p:sp>
+      <p:pic>
+        <p:nvPicPr>
+          <p:cNvPr id="2" name="Content Placeholder 1" descr="A table with text on it&#10;&#10;Description automatically generated">
+            <a:extLst>
+              <a:ext uri="{FF2B5EF4-FFF2-40B4-BE49-F238E27FC236}">
+                <a16:creationId xmlns:a16="http://schemas.microsoft.com/office/drawing/2014/main" id="{C219933B-67BC-515B-33BB-677A7A5EC0E5}"/>
+              </a:ext>
+            </a:extLst>
+          </p:cNvPr>
+          <p:cNvPicPr>
+            <a:picLocks noGrp="1" noChangeAspect="1"/>
+          </p:cNvPicPr>
+          <p:nvPr>
+            <p:ph idx="1"/>
+          </p:nvPr>
+        </p:nvPicPr>
+        <p:blipFill>
+          <a:blip r:embed="rId2"/>
+          <a:stretch>
+            <a:fillRect/>
+          </a:stretch>
+        </p:blipFill>
+        <p:spPr>
+          <a:xfrm>
+            <a:off x="3106177" y="1600200"/>
+            <a:ext cx="5976471" cy="4572000"/>
+          </a:xfrm>
+          <a:prstGeom prst="rect">
+            <a:avLst/>
+          </a:prstGeom>
+          <a:noFill/>
+        </p:spPr>
+      </p:pic>
+    </p:spTree>
+    <p:extLst>
+      <p:ext uri="{BB962C8B-B14F-4D97-AF65-F5344CB8AC3E}">
+        <p14:creationId xmlns:p14="http://schemas.microsoft.com/office/powerpoint/2010/main" val="2898007255"/>
+      </p:ext>
+    </p:extLst>
+  </p:cSld>
+  <p:clrMapOvr>
+    <a:masterClrMapping/>
+  </p:clrMapOvr>
+  <mc:AlternateContent xmlns:mc="http://schemas.openxmlformats.org/markup-compatibility/2006" xmlns:p14="http://schemas.microsoft.com/office/powerpoint/2010/main">
+    <mc:Choice Requires="p14">
+      <p:transition spd="med" p14:dur="700">
+        <p:fade/>
+      </p:transition>
+    </mc:Choice>
+    <mc:Fallback xmlns="">
+      <p:transition spd="med">
+        <p:fade/>
+      </p:transition>
+    </mc:Fallback>
+  </mc:AlternateContent>
+</p:sld>
+</file>
+
+<file path=ppt/slides/slide23.xml><?xml version="1.0" encoding="utf-8"?>
+<p:sld xmlns:a="http://schemas.openxmlformats.org/drawingml/2006/main" xmlns:r="http://schemas.openxmlformats.org/officeDocument/2006/relationships" xmlns:p="http://schemas.openxmlformats.org/presentationml/2006/main">
+  <p:cSld>
+    <p:spTree>
+      <p:nvGrpSpPr>
+        <p:cNvPr id="1" name=""/>
+        <p:cNvGrpSpPr/>
+        <p:nvPr/>
+      </p:nvGrpSpPr>
+      <p:grpSpPr>
+        <a:xfrm>
+          <a:off x="0" y="0"/>
+          <a:ext cx="0" cy="0"/>
+          <a:chOff x="0" y="0"/>
+          <a:chExt cx="0" cy="0"/>
+        </a:xfrm>
+      </p:grpSpPr>
+      <p:sp>
+        <p:nvSpPr>
+          <p:cNvPr id="2" name="Title 1">
+            <a:extLst>
+              <a:ext uri="{FF2B5EF4-FFF2-40B4-BE49-F238E27FC236}">
+                <a16:creationId xmlns:a16="http://schemas.microsoft.com/office/drawing/2014/main" id="{5B568B54-447B-85C4-7EDC-960C1B7D5B90}"/>
+              </a:ext>
+            </a:extLst>
+          </p:cNvPr>
+          <p:cNvSpPr>
+            <a:spLocks noGrp="1"/>
+          </p:cNvSpPr>
+          <p:nvPr>
+            <p:ph type="title"/>
+          </p:nvPr>
+        </p:nvSpPr>
+        <p:spPr/>
+        <p:txBody>
+          <a:bodyPr/>
+          <a:lstStyle/>
+          <a:p>
+            <a:r>
+              <a:rPr lang="en-US" altLang="zh-CN" dirty="0"/>
+              <a:t>Implications</a:t>
+            </a:r>
+            <a:endParaRPr lang="en-US" dirty="0"/>
+          </a:p>
+        </p:txBody>
+      </p:sp>
+      <p:sp>
+        <p:nvSpPr>
+          <p:cNvPr id="3" name="Content Placeholder 2">
+            <a:extLst>
+              <a:ext uri="{FF2B5EF4-FFF2-40B4-BE49-F238E27FC236}">
+                <a16:creationId xmlns:a16="http://schemas.microsoft.com/office/drawing/2014/main" id="{B933DBF9-0F37-B38E-00EF-3414D6BE0DF4}"/>
+              </a:ext>
+            </a:extLst>
+          </p:cNvPr>
+          <p:cNvSpPr>
+            <a:spLocks noGrp="1"/>
+          </p:cNvSpPr>
+          <p:nvPr>
+            <p:ph idx="1"/>
+          </p:nvPr>
+        </p:nvSpPr>
+        <p:spPr>
+          <a:xfrm>
+            <a:off x="1218882" y="1600200"/>
+            <a:ext cx="10590529" cy="4800600"/>
+          </a:xfrm>
+        </p:spPr>
+        <p:txBody>
+          <a:bodyPr>
+            <a:normAutofit fontScale="70000" lnSpcReduction="20000"/>
+          </a:bodyPr>
+          <a:lstStyle/>
+          <a:p>
+            <a:r>
+              <a:rPr lang="en-US" dirty="0"/>
+              <a:t>Policymaker Insights:</a:t>
+            </a:r>
+          </a:p>
+          <a:p>
+            <a:pPr lvl="1"/>
+            <a:r>
+              <a:rPr lang="en-US" dirty="0"/>
+              <a:t>Tailored Interventions: </a:t>
+            </a:r>
+          </a:p>
+          <a:p>
+            <a:pPr lvl="2"/>
+            <a:r>
+              <a:rPr lang="en-US" dirty="0"/>
+              <a:t>Positive coefficient for Lower-middle-income countries emphasizes the need for targeted public health initiatives </a:t>
+            </a:r>
+          </a:p>
+          <a:p>
+            <a:pPr lvl="1"/>
+            <a:r>
+              <a:rPr lang="en-US" dirty="0"/>
+              <a:t>Efficient Resource Allocation: </a:t>
+            </a:r>
+          </a:p>
+          <a:p>
+            <a:pPr lvl="2"/>
+            <a:r>
+              <a:rPr lang="en-US" dirty="0"/>
+              <a:t>Insights from Income Group coefficients facilitate efficient resource allocation, addressing economic disparities in combating obesity-related health risks</a:t>
+            </a:r>
+          </a:p>
+          <a:p>
+            <a:r>
+              <a:rPr lang="en-US" dirty="0"/>
+              <a:t>Consumer Guidance:</a:t>
+            </a:r>
+          </a:p>
+          <a:p>
+            <a:pPr lvl="1"/>
+            <a:r>
+              <a:rPr lang="en-US" dirty="0"/>
+              <a:t>Moderation in Processed Foods:</a:t>
+            </a:r>
+          </a:p>
+          <a:p>
+            <a:pPr lvl="2"/>
+            <a:r>
+              <a:rPr lang="en-US" dirty="0"/>
+              <a:t>Understanding the impact of Sugar Sweeteners encourages moderation in processed food consumption</a:t>
+            </a:r>
+          </a:p>
+          <a:p>
+            <a:pPr lvl="1"/>
+            <a:r>
+              <a:rPr lang="en-US" dirty="0"/>
+              <a:t>Dietary Substitutions:</a:t>
+            </a:r>
+          </a:p>
+          <a:p>
+            <a:pPr lvl="2"/>
+            <a:r>
+              <a:rPr lang="en-US" dirty="0"/>
+              <a:t>Negative coefficient for Fish and Seafood suggests substituting red meat with fish for potential health benefits</a:t>
+            </a:r>
+          </a:p>
+          <a:p>
+            <a:pPr lvl="1"/>
+            <a:r>
+              <a:rPr lang="en-US" dirty="0"/>
+              <a:t>Balanced Diet Insights:</a:t>
+            </a:r>
+          </a:p>
+          <a:p>
+            <a:pPr lvl="2"/>
+            <a:r>
+              <a:rPr lang="en-US" dirty="0"/>
+              <a:t>Nuanced effects of different meat types provide guidance for achieving a balanced diet</a:t>
+            </a:r>
+          </a:p>
+          <a:p>
+            <a:pPr lvl="1"/>
+            <a:r>
+              <a:rPr lang="en-US" dirty="0"/>
+              <a:t>Whole Grains and Fiber:</a:t>
+            </a:r>
+          </a:p>
+          <a:p>
+            <a:pPr lvl="2"/>
+            <a:r>
+              <a:rPr lang="en-US" dirty="0"/>
+              <a:t>Encourages consumers to incorporate whole grains and fiber-rich foods for better weight management</a:t>
+            </a:r>
+          </a:p>
+        </p:txBody>
+      </p:sp>
+    </p:spTree>
+    <p:extLst>
+      <p:ext uri="{BB962C8B-B14F-4D97-AF65-F5344CB8AC3E}">
+        <p14:creationId xmlns:p14="http://schemas.microsoft.com/office/powerpoint/2010/main" val="535833093"/>
+      </p:ext>
+    </p:extLst>
+  </p:cSld>
+  <p:clrMapOvr>
+    <a:masterClrMapping/>
+  </p:clrMapOvr>
+  <mc:AlternateContent xmlns:mc="http://schemas.openxmlformats.org/markup-compatibility/2006" xmlns:p14="http://schemas.microsoft.com/office/powerpoint/2010/main">
+    <mc:Choice Requires="p14">
+      <p:transition spd="med" p14:dur="700">
+        <p:fade/>
+      </p:transition>
+    </mc:Choice>
+    <mc:Fallback xmlns="">
+      <p:transition spd="med">
+        <p:fade/>
+      </p:transition>
+    </mc:Fallback>
+  </mc:AlternateContent>
+</p:sld>
+</file>
+
+<file path=ppt/slides/slide24.xml><?xml version="1.0" encoding="utf-8"?>
+<p:sld xmlns:a="http://schemas.openxmlformats.org/drawingml/2006/main" xmlns:r="http://schemas.openxmlformats.org/officeDocument/2006/relationships" xmlns:p="http://schemas.openxmlformats.org/presentationml/2006/main">
+  <p:cSld>
+    <p:spTree>
+      <p:nvGrpSpPr>
+        <p:cNvPr id="1" name=""/>
+        <p:cNvGrpSpPr/>
+        <p:nvPr/>
+      </p:nvGrpSpPr>
+      <p:grpSpPr>
+        <a:xfrm>
+          <a:off x="0" y="0"/>
+          <a:ext cx="0" cy="0"/>
+          <a:chOff x="0" y="0"/>
+          <a:chExt cx="0" cy="0"/>
+        </a:xfrm>
+      </p:grpSpPr>
+      <p:sp>
+        <p:nvSpPr>
+          <p:cNvPr id="2" name="Title 1">
+            <a:extLst>
+              <a:ext uri="{FF2B5EF4-FFF2-40B4-BE49-F238E27FC236}">
+                <a16:creationId xmlns:a16="http://schemas.microsoft.com/office/drawing/2014/main" id="{52317987-65F3-5E85-D989-11B7BB1EFFC9}"/>
+              </a:ext>
+            </a:extLst>
+          </p:cNvPr>
+          <p:cNvSpPr>
+            <a:spLocks noGrp="1"/>
+          </p:cNvSpPr>
+          <p:nvPr>
+            <p:ph type="title"/>
+          </p:nvPr>
+        </p:nvSpPr>
+        <p:spPr>
+          <a:xfrm>
+            <a:off x="1828324" y="1932518"/>
+            <a:ext cx="9141619" cy="2105367"/>
+          </a:xfrm>
+        </p:spPr>
+        <p:txBody>
+          <a:bodyPr anchor="b">
+            <a:normAutofit/>
+          </a:bodyPr>
+          <a:lstStyle/>
+          <a:p>
+            <a:r>
+              <a:rPr lang="en-US" altLang="zh-CN" dirty="0"/>
+              <a:t>Conclusion</a:t>
+            </a:r>
+            <a:endParaRPr lang="en-US" dirty="0"/>
+          </a:p>
+        </p:txBody>
+      </p:sp>
+    </p:spTree>
+    <p:extLst>
+      <p:ext uri="{BB962C8B-B14F-4D97-AF65-F5344CB8AC3E}">
+        <p14:creationId xmlns:p14="http://schemas.microsoft.com/office/powerpoint/2010/main" val="252691454"/>
+      </p:ext>
+    </p:extLst>
+  </p:cSld>
+  <p:clrMapOvr>
+    <a:masterClrMapping/>
+  </p:clrMapOvr>
+  <mc:AlternateContent xmlns:mc="http://schemas.openxmlformats.org/markup-compatibility/2006" xmlns:p14="http://schemas.microsoft.com/office/powerpoint/2010/main">
+    <mc:Choice Requires="p14">
+      <p:transition spd="med" p14:dur="700">
+        <p:fade/>
+      </p:transition>
+    </mc:Choice>
+    <mc:Fallback xmlns="">
+      <p:transition spd="med">
+        <p:fade/>
+      </p:transition>
+    </mc:Fallback>
+  </mc:AlternateContent>
+</p:sld>
+</file>
+
+<file path=ppt/slides/slide25.xml><?xml version="1.0" encoding="utf-8"?>
+<p:sld xmlns:a="http://schemas.openxmlformats.org/drawingml/2006/main" xmlns:r="http://schemas.openxmlformats.org/officeDocument/2006/relationships" xmlns:p="http://schemas.openxmlformats.org/presentationml/2006/main">
+  <p:cSld>
+    <p:spTree>
+      <p:nvGrpSpPr>
+        <p:cNvPr id="1" name=""/>
+        <p:cNvGrpSpPr/>
+        <p:nvPr/>
+      </p:nvGrpSpPr>
+      <p:grpSpPr>
+        <a:xfrm>
+          <a:off x="0" y="0"/>
+          <a:ext cx="0" cy="0"/>
+          <a:chOff x="0" y="0"/>
+          <a:chExt cx="0" cy="0"/>
+        </a:xfrm>
+      </p:grpSpPr>
+      <p:sp>
+        <p:nvSpPr>
+          <p:cNvPr id="5" name="Title 4"/>
+          <p:cNvSpPr>
+            <a:spLocks noGrp="1"/>
+          </p:cNvSpPr>
+          <p:nvPr>
+            <p:ph type="title"/>
+          </p:nvPr>
+        </p:nvSpPr>
+        <p:spPr/>
+        <p:txBody>
+          <a:bodyPr/>
+          <a:lstStyle/>
+          <a:p>
+            <a:r>
+              <a:rPr lang="en-US" altLang="zh-CN" dirty="0"/>
+              <a:t>Summary</a:t>
+            </a:r>
+            <a:endParaRPr lang="en-US" dirty="0"/>
+          </a:p>
+        </p:txBody>
+      </p:sp>
+      <p:sp>
+        <p:nvSpPr>
+          <p:cNvPr id="6" name="Content Placeholder 5"/>
+          <p:cNvSpPr>
+            <a:spLocks noGrp="1"/>
+          </p:cNvSpPr>
+          <p:nvPr>
+            <p:ph idx="1"/>
+          </p:nvPr>
+        </p:nvSpPr>
+        <p:spPr/>
+        <p:txBody>
+          <a:bodyPr>
+            <a:normAutofit fontScale="55000" lnSpcReduction="20000"/>
+          </a:bodyPr>
+          <a:lstStyle/>
+          <a:p>
+            <a:r>
+              <a:rPr lang="en-US" dirty="0"/>
+              <a:t>Global Impact: </a:t>
+            </a:r>
+          </a:p>
+          <a:p>
+            <a:pPr lvl="1"/>
+            <a:r>
+              <a:rPr lang="en-US" dirty="0"/>
+              <a:t>Explored obesity-related deaths, emphasizing health crises and economic burden globally</a:t>
+            </a:r>
+          </a:p>
+          <a:p>
+            <a:r>
+              <a:rPr lang="en-US" dirty="0"/>
+              <a:t>Dual-Stage Methodology: </a:t>
+            </a:r>
+          </a:p>
+          <a:p>
+            <a:pPr lvl="1"/>
+            <a:r>
+              <a:rPr lang="en-US" dirty="0"/>
+              <a:t>Identified significant factors, revealing distinct links between economic status (income groups) and mortality rates</a:t>
+            </a:r>
+          </a:p>
+          <a:p>
+            <a:r>
+              <a:rPr lang="en-US" dirty="0"/>
+              <a:t>Economic Status Insights: </a:t>
+            </a:r>
+          </a:p>
+          <a:p>
+            <a:pPr lvl="1"/>
+            <a:r>
+              <a:rPr lang="en-US" dirty="0"/>
+              <a:t>Lower-middle-income countries linked to increased death rates, urging targeted interventions. Further investigation needed for rising mortality rates in upper-middle-income countries</a:t>
+            </a:r>
+          </a:p>
+          <a:p>
+            <a:r>
+              <a:rPr lang="en-US" dirty="0"/>
+              <a:t>Food Group Impact: </a:t>
+            </a:r>
+          </a:p>
+          <a:p>
+            <a:pPr lvl="1"/>
+            <a:r>
+              <a:rPr lang="en-US" dirty="0"/>
+              <a:t>Positive associations with oil-rich crops and sugar sweeteners, indicating potential health risks. Negative associations with fish and seafood suggest protective effects, guiding healthier dietary choices</a:t>
+            </a:r>
+          </a:p>
+          <a:p>
+            <a:r>
+              <a:rPr lang="en-US" dirty="0"/>
+              <a:t>Lasso Regression Refinement: </a:t>
+            </a:r>
+          </a:p>
+          <a:p>
+            <a:pPr lvl="1"/>
+            <a:r>
+              <a:rPr lang="en-US" dirty="0"/>
+              <a:t>Refined variable selection, emphasizing specific food groups and economic factors in predicting mortality rates</a:t>
+            </a:r>
+          </a:p>
+          <a:p>
+            <a:r>
+              <a:rPr lang="en-US" dirty="0"/>
+              <a:t>Practical Implications: </a:t>
+            </a:r>
+          </a:p>
+          <a:p>
+            <a:pPr lvl="1"/>
+            <a:r>
+              <a:rPr lang="en-US" dirty="0"/>
+              <a:t>Policymakers gain insights for targeted interventions and efficient resource allocation. Consumers empowered for informed dietary choices, managing weight and enhancing overall health</a:t>
+            </a:r>
+          </a:p>
+        </p:txBody>
+      </p:sp>
+    </p:spTree>
+    <p:extLst>
+      <p:ext uri="{BB962C8B-B14F-4D97-AF65-F5344CB8AC3E}">
+        <p14:creationId xmlns:p14="http://schemas.microsoft.com/office/powerpoint/2010/main" val="2464061973"/>
+      </p:ext>
+    </p:extLst>
+  </p:cSld>
+  <p:clrMapOvr>
+    <a:masterClrMapping/>
+  </p:clrMapOvr>
+  <mc:AlternateContent xmlns:mc="http://schemas.openxmlformats.org/markup-compatibility/2006" xmlns:p14="http://schemas.microsoft.com/office/powerpoint/2010/main">
+    <mc:Choice Requires="p14">
+      <p:transition spd="med" p14:dur="700">
+        <p:fade/>
+      </p:transition>
+    </mc:Choice>
+    <mc:Fallback xmlns="">
+      <p:transition spd="med">
+        <p:fade/>
+      </p:transition>
+    </mc:Fallback>
+  </mc:AlternateContent>
+</p:sld>
+</file>
+
+<file path=ppt/slides/slide26.xml><?xml version="1.0" encoding="utf-8"?>
+<p:sld xmlns:a="http://schemas.openxmlformats.org/drawingml/2006/main" xmlns:r="http://schemas.openxmlformats.org/officeDocument/2006/relationships" xmlns:p="http://schemas.openxmlformats.org/presentationml/2006/main">
+  <p:cSld>
+    <p:spTree>
+      <p:nvGrpSpPr>
+        <p:cNvPr id="1" name=""/>
+        <p:cNvGrpSpPr/>
+        <p:nvPr/>
+      </p:nvGrpSpPr>
+      <p:grpSpPr>
+        <a:xfrm>
+          <a:off x="0" y="0"/>
+          <a:ext cx="0" cy="0"/>
+          <a:chOff x="0" y="0"/>
+          <a:chExt cx="0" cy="0"/>
+        </a:xfrm>
+      </p:grpSpPr>
+      <p:sp>
+        <p:nvSpPr>
+          <p:cNvPr id="2" name="Title 1">
+            <a:extLst>
+              <a:ext uri="{FF2B5EF4-FFF2-40B4-BE49-F238E27FC236}">
+                <a16:creationId xmlns:a16="http://schemas.microsoft.com/office/drawing/2014/main" id="{79A2877D-1198-2464-B4EF-58334B9B9D85}"/>
+              </a:ext>
+            </a:extLst>
+          </p:cNvPr>
+          <p:cNvSpPr>
+            <a:spLocks noGrp="1"/>
+          </p:cNvSpPr>
+          <p:nvPr>
+            <p:ph type="title"/>
+          </p:nvPr>
+        </p:nvSpPr>
+        <p:spPr/>
+        <p:txBody>
+          <a:bodyPr/>
+          <a:lstStyle/>
+          <a:p>
+            <a:r>
+              <a:rPr lang="en-US" dirty="0"/>
+              <a:t>Limitations and Future Research</a:t>
+            </a:r>
+          </a:p>
+        </p:txBody>
+      </p:sp>
+      <p:sp>
+        <p:nvSpPr>
+          <p:cNvPr id="3" name="Content Placeholder 2">
+            <a:extLst>
+              <a:ext uri="{FF2B5EF4-FFF2-40B4-BE49-F238E27FC236}">
+                <a16:creationId xmlns:a16="http://schemas.microsoft.com/office/drawing/2014/main" id="{F4FD1A25-EDFF-2B8D-5BCA-6E2F369E5C17}"/>
+              </a:ext>
+            </a:extLst>
+          </p:cNvPr>
+          <p:cNvSpPr>
+            <a:spLocks noGrp="1"/>
+          </p:cNvSpPr>
+          <p:nvPr>
+            <p:ph idx="1"/>
+          </p:nvPr>
+        </p:nvSpPr>
+        <p:spPr/>
+        <p:txBody>
+          <a:bodyPr>
+            <a:normAutofit/>
+          </a:bodyPr>
+          <a:lstStyle/>
+          <a:p>
+            <a:r>
+              <a:rPr lang="en-US" dirty="0"/>
+              <a:t>Data Limitation: </a:t>
+            </a:r>
+          </a:p>
+          <a:p>
+            <a:pPr lvl="1"/>
+            <a:r>
+              <a:rPr lang="en-US" dirty="0"/>
+              <a:t>Relied on food supply data, not precise for consumption, especially in high-income countries with potential food waste</a:t>
+            </a:r>
+          </a:p>
+          <a:p>
+            <a:r>
+              <a:rPr lang="en-US" dirty="0"/>
+              <a:t>Scope Limitation: </a:t>
+            </a:r>
+          </a:p>
+          <a:p>
+            <a:pPr lvl="1"/>
+            <a:r>
+              <a:rPr lang="en-US" dirty="0"/>
+              <a:t>Primarily focused on food supply and income, neglecting other factors like physical activity and healthcare systems</a:t>
+            </a:r>
+          </a:p>
+          <a:p>
+            <a:r>
+              <a:rPr lang="en-US" dirty="0"/>
+              <a:t>Recommendation: </a:t>
+            </a:r>
+          </a:p>
+          <a:p>
+            <a:pPr lvl="1"/>
+            <a:r>
+              <a:rPr lang="en-US" dirty="0"/>
+              <a:t>Future research should include additional variables for a more comprehensive understanding of obesity-related deaths</a:t>
+            </a:r>
+          </a:p>
+        </p:txBody>
+      </p:sp>
+    </p:spTree>
+    <p:extLst>
+      <p:ext uri="{BB962C8B-B14F-4D97-AF65-F5344CB8AC3E}">
+        <p14:creationId xmlns:p14="http://schemas.microsoft.com/office/powerpoint/2010/main" val="4146730320"/>
+      </p:ext>
+    </p:extLst>
+  </p:cSld>
+  <p:clrMapOvr>
+    <a:masterClrMapping/>
+  </p:clrMapOvr>
+  <mc:AlternateContent xmlns:mc="http://schemas.openxmlformats.org/markup-compatibility/2006" xmlns:p14="http://schemas.microsoft.com/office/powerpoint/2010/main">
+    <mc:Choice Requires="p14">
+      <p:transition spd="med" p14:dur="700">
+        <p:fade/>
+      </p:transition>
+    </mc:Choice>
+    <mc:Fallback xmlns="">
+      <p:transition spd="med">
+        <p:fade/>
+      </p:transition>
+    </mc:Fallback>
+  </mc:AlternateContent>
+</p:sld>
+</file>
+
+<file path=ppt/slides/slide27.xml><?xml version="1.0" encoding="utf-8"?>
+<p:sld xmlns:a="http://schemas.openxmlformats.org/drawingml/2006/main" xmlns:r="http://schemas.openxmlformats.org/officeDocument/2006/relationships" xmlns:p="http://schemas.openxmlformats.org/presentationml/2006/main">
+  <p:cSld>
+    <p:spTree>
+      <p:nvGrpSpPr>
+        <p:cNvPr id="1" name=""/>
+        <p:cNvGrpSpPr/>
+        <p:nvPr/>
+      </p:nvGrpSpPr>
+      <p:grpSpPr>
+        <a:xfrm>
+          <a:off x="0" y="0"/>
+          <a:ext cx="0" cy="0"/>
+          <a:chOff x="0" y="0"/>
+          <a:chExt cx="0" cy="0"/>
+        </a:xfrm>
+      </p:grpSpPr>
+      <p:sp>
+        <p:nvSpPr>
+          <p:cNvPr id="2" name="Title 1">
+            <a:extLst>
+              <a:ext uri="{FF2B5EF4-FFF2-40B4-BE49-F238E27FC236}">
+                <a16:creationId xmlns:a16="http://schemas.microsoft.com/office/drawing/2014/main" id="{52317987-65F3-5E85-D989-11B7BB1EFFC9}"/>
+              </a:ext>
+            </a:extLst>
+          </p:cNvPr>
+          <p:cNvSpPr>
+            <a:spLocks noGrp="1"/>
+          </p:cNvSpPr>
+          <p:nvPr>
+            <p:ph type="title"/>
+          </p:nvPr>
+        </p:nvSpPr>
+        <p:spPr>
+          <a:xfrm>
+            <a:off x="1828324" y="1932518"/>
+            <a:ext cx="9141619" cy="2105367"/>
+          </a:xfrm>
+        </p:spPr>
+        <p:txBody>
+          <a:bodyPr anchor="b">
+            <a:normAutofit/>
+          </a:bodyPr>
+          <a:lstStyle/>
+          <a:p>
+            <a:r>
+              <a:rPr lang="en-US" altLang="zh-CN" dirty="0"/>
+              <a:t>Citations</a:t>
+            </a:r>
+            <a:endParaRPr lang="en-US" dirty="0"/>
+          </a:p>
+        </p:txBody>
+      </p:sp>
+    </p:spTree>
+    <p:extLst>
+      <p:ext uri="{BB962C8B-B14F-4D97-AF65-F5344CB8AC3E}">
+        <p14:creationId xmlns:p14="http://schemas.microsoft.com/office/powerpoint/2010/main" val="3700684961"/>
+      </p:ext>
+    </p:extLst>
+  </p:cSld>
+  <p:clrMapOvr>
+    <a:masterClrMapping/>
+  </p:clrMapOvr>
+  <mc:AlternateContent xmlns:mc="http://schemas.openxmlformats.org/markup-compatibility/2006" xmlns:p14="http://schemas.microsoft.com/office/powerpoint/2010/main">
+    <mc:Choice Requires="p14">
+      <p:transition spd="med" p14:dur="700">
+        <p:fade/>
+      </p:transition>
+    </mc:Choice>
+    <mc:Fallback xmlns="">
+      <p:transition spd="med">
+        <p:fade/>
+      </p:transition>
+    </mc:Fallback>
+  </mc:AlternateContent>
+</p:sld>
+</file>
+
+<file path=ppt/slides/slide28.xml><?xml version="1.0" encoding="utf-8"?>
+<p:sld xmlns:a="http://schemas.openxmlformats.org/drawingml/2006/main" xmlns:r="http://schemas.openxmlformats.org/officeDocument/2006/relationships" xmlns:p="http://schemas.openxmlformats.org/presentationml/2006/main">
+  <p:cSld>
+    <p:spTree>
+      <p:nvGrpSpPr>
+        <p:cNvPr id="1" name=""/>
+        <p:cNvGrpSpPr/>
+        <p:nvPr/>
+      </p:nvGrpSpPr>
+      <p:grpSpPr>
+        <a:xfrm>
+          <a:off x="0" y="0"/>
+          <a:ext cx="0" cy="0"/>
+          <a:chOff x="0" y="0"/>
+          <a:chExt cx="0" cy="0"/>
+        </a:xfrm>
+      </p:grpSpPr>
+      <p:sp>
+        <p:nvSpPr>
+          <p:cNvPr id="5" name="Title 4"/>
+          <p:cNvSpPr>
+            <a:spLocks noGrp="1"/>
+          </p:cNvSpPr>
+          <p:nvPr>
+            <p:ph type="title"/>
+          </p:nvPr>
+        </p:nvSpPr>
+        <p:spPr/>
+        <p:txBody>
+          <a:bodyPr/>
+          <a:lstStyle/>
+          <a:p>
+            <a:r>
+              <a:rPr lang="en-US" altLang="zh-CN" dirty="0"/>
+              <a:t>Citations</a:t>
+            </a:r>
+            <a:endParaRPr lang="en-US" dirty="0"/>
+          </a:p>
+        </p:txBody>
+      </p:sp>
+      <p:sp>
+        <p:nvSpPr>
+          <p:cNvPr id="6" name="Content Placeholder 5"/>
+          <p:cNvSpPr>
+            <a:spLocks noGrp="1"/>
+          </p:cNvSpPr>
+          <p:nvPr>
+            <p:ph idx="1"/>
+          </p:nvPr>
+        </p:nvSpPr>
+        <p:spPr/>
+        <p:txBody>
+          <a:bodyPr/>
+          <a:lstStyle/>
+          <a:p>
+            <a:r>
+              <a:rPr lang="en-US" dirty="0">
+                <a:hlinkClick r:id="rId2"/>
+              </a:rPr>
+              <a:t>https://www.cdc.gov/obesity</a:t>
+            </a:r>
+            <a:endParaRPr lang="en-US" dirty="0"/>
+          </a:p>
+          <a:p>
+            <a:r>
+              <a:rPr lang="en-US" dirty="0">
+                <a:hlinkClick r:id="rId3"/>
+              </a:rPr>
+              <a:t>https://ourworldindata.org/obesity</a:t>
+            </a:r>
+            <a:endParaRPr lang="en-US" dirty="0"/>
+          </a:p>
+        </p:txBody>
+      </p:sp>
+    </p:spTree>
+    <p:extLst>
+      <p:ext uri="{BB962C8B-B14F-4D97-AF65-F5344CB8AC3E}">
+        <p14:creationId xmlns:p14="http://schemas.microsoft.com/office/powerpoint/2010/main" val="270184597"/>
       </p:ext>
     </p:extLst>
   </p:cSld>
@@ -9664,41 +9469,111 @@
           <a:lstStyle/>
           <a:p>
             <a:r>
-              <a:rPr lang="en-US" dirty="0"/>
-              <a:t>Title and Content Layout with Chart</a:t>
-            </a:r>
-          </a:p>
-        </p:txBody>
-      </p:sp>
-      <p:graphicFrame>
-        <p:nvGraphicFramePr>
-          <p:cNvPr id="10" name="Content Placeholder 9" descr="Clustered column chart showing the values of 3 series for 4 categories"/>
-          <p:cNvGraphicFramePr>
-            <a:graphicFrameLocks noGrp="1"/>
-          </p:cNvGraphicFramePr>
+              <a:rPr lang="en-US" altLang="zh-CN" dirty="0"/>
+              <a:t>Obesity</a:t>
+            </a:r>
+            <a:r>
+              <a:rPr lang="zh-CN" altLang="en-US" dirty="0"/>
+              <a:t> </a:t>
+            </a:r>
+            <a:r>
+              <a:rPr lang="en-US" altLang="zh-CN" dirty="0"/>
+              <a:t>Crisis</a:t>
+            </a:r>
+            <a:endParaRPr lang="en-US" dirty="0"/>
+          </a:p>
+        </p:txBody>
+      </p:sp>
+      <p:sp>
+        <p:nvSpPr>
+          <p:cNvPr id="6" name="Content Placeholder 5"/>
+          <p:cNvSpPr>
+            <a:spLocks noGrp="1"/>
+          </p:cNvSpPr>
           <p:nvPr>
             <p:ph idx="1"/>
-            <p:extLst>
-              <p:ext uri="{D42A27DB-BD31-4B8C-83A1-F6EECF244321}">
-                <p14:modId xmlns:p14="http://schemas.microsoft.com/office/powerpoint/2010/main" val="218218033"/>
-              </p:ext>
-            </p:extLst>
-          </p:nvPr>
-        </p:nvGraphicFramePr>
-        <p:xfrm>
-          <a:off x="1219200" y="1600200"/>
-          <a:ext cx="9750425" cy="4572000"/>
-        </p:xfrm>
-        <a:graphic>
-          <a:graphicData uri="http://schemas.openxmlformats.org/drawingml/2006/chart">
-            <c:chart xmlns:c="http://schemas.openxmlformats.org/drawingml/2006/chart" xmlns:r="http://schemas.openxmlformats.org/officeDocument/2006/relationships" r:id="rId2"/>
-          </a:graphicData>
-        </a:graphic>
-      </p:graphicFrame>
+          </p:nvPr>
+        </p:nvSpPr>
+        <p:spPr/>
+        <p:txBody>
+          <a:bodyPr>
+            <a:normAutofit fontScale="92500" lnSpcReduction="20000"/>
+          </a:bodyPr>
+          <a:lstStyle/>
+          <a:p>
+            <a:r>
+              <a:rPr lang="en-US" dirty="0"/>
+              <a:t>Obesity Statistics:</a:t>
+            </a:r>
+          </a:p>
+          <a:p>
+            <a:pPr lvl="1"/>
+            <a:r>
+              <a:rPr lang="en-US" dirty="0"/>
+              <a:t>U.S. obesity rate: 41.9% (20</a:t>
+            </a:r>
+            <a:r>
+              <a:rPr lang="en-US" altLang="zh-CN" dirty="0"/>
+              <a:t>2</a:t>
+            </a:r>
+            <a:r>
+              <a:rPr lang="en-US" dirty="0"/>
+              <a:t>1 NHANES)</a:t>
+            </a:r>
+          </a:p>
+          <a:p>
+            <a:pPr lvl="1"/>
+            <a:r>
+              <a:rPr lang="en-US" dirty="0"/>
+              <a:t>Global obesity-related deaths: 8% (2017) - up from 4.5% in 1990</a:t>
+            </a:r>
+          </a:p>
+          <a:p>
+            <a:r>
+              <a:rPr lang="en-US" dirty="0"/>
+              <a:t>Health Implications:</a:t>
+            </a:r>
+          </a:p>
+          <a:p>
+            <a:pPr lvl="1"/>
+            <a:r>
+              <a:rPr lang="en-US" dirty="0"/>
+              <a:t>Obesity linked to severe conditions: heart disease, stroke, type 2 diabetes, and various cancers</a:t>
+            </a:r>
+          </a:p>
+          <a:p>
+            <a:pPr lvl="1"/>
+            <a:r>
+              <a:rPr lang="en-US" dirty="0"/>
+              <a:t>Leading causes of preventable, premature deaths</a:t>
+            </a:r>
+          </a:p>
+          <a:p>
+            <a:r>
+              <a:rPr lang="en-US" dirty="0"/>
+              <a:t>Economic Burden:</a:t>
+            </a:r>
+          </a:p>
+          <a:p>
+            <a:pPr lvl="1"/>
+            <a:r>
+              <a:rPr lang="en-US" dirty="0"/>
+              <a:t>Annual U.S. medical cost of obesity: nearly $173 billion (2019)</a:t>
+            </a:r>
+          </a:p>
+          <a:p>
+            <a:pPr lvl="1"/>
+            <a:r>
+              <a:rPr lang="en-US" dirty="0"/>
+              <a:t>Medical costs for obese adults: $1,861 higher than healthy-weight individuals</a:t>
+            </a:r>
+          </a:p>
+        </p:txBody>
+      </p:sp>
     </p:spTree>
     <p:extLst>
       <p:ext uri="{BB962C8B-B14F-4D97-AF65-F5344CB8AC3E}">
-        <p14:creationId xmlns:p14="http://schemas.microsoft.com/office/powerpoint/2010/main" val="424641335"/>
+        <p14:creationId xmlns:p14="http://schemas.microsoft.com/office/powerpoint/2010/main" val="2041341814"/>
       </p:ext>
     </p:extLst>
   </p:cSld>
@@ -9739,7 +9614,7 @@
       </p:grpSpPr>
       <p:sp>
         <p:nvSpPr>
-          <p:cNvPr id="2" name="Title 1"/>
+          <p:cNvPr id="5" name="Title 4"/>
           <p:cNvSpPr>
             <a:spLocks noGrp="1"/>
           </p:cNvSpPr>
@@ -9753,9 +9628,34 @@
           <a:lstStyle/>
           <a:p>
             <a:r>
-              <a:rPr lang="en-US" dirty="0"/>
-              <a:t>Two Content Layout with Table</a:t>
-            </a:r>
+              <a:rPr lang="en-US" altLang="zh-CN" dirty="0"/>
+              <a:t>Factors</a:t>
+            </a:r>
+            <a:r>
+              <a:rPr lang="zh-CN" altLang="en-US" dirty="0"/>
+              <a:t> </a:t>
+            </a:r>
+            <a:r>
+              <a:rPr lang="en-US" altLang="zh-CN" dirty="0"/>
+              <a:t>Affecting</a:t>
+            </a:r>
+            <a:r>
+              <a:rPr lang="zh-CN" altLang="en-US" dirty="0"/>
+              <a:t> </a:t>
+            </a:r>
+            <a:r>
+              <a:rPr lang="en-US" altLang="zh-CN" dirty="0"/>
+              <a:t>Obesity-attributed</a:t>
+            </a:r>
+            <a:r>
+              <a:rPr lang="zh-CN" altLang="en-US" dirty="0"/>
+              <a:t> </a:t>
+            </a:r>
+            <a:r>
+              <a:rPr lang="en-US" altLang="zh-CN" dirty="0"/>
+              <a:t>Death</a:t>
+            </a:r>
+            <a:endParaRPr lang="en-US" dirty="0"/>
           </a:p>
         </p:txBody>
       </p:sp>
@@ -9766,281 +9666,68 @@
             <a:spLocks noGrp="1"/>
           </p:cNvSpPr>
           <p:nvPr>
-            <p:ph sz="half" idx="1"/>
+            <p:ph idx="1"/>
           </p:nvPr>
         </p:nvSpPr>
         <p:spPr/>
         <p:txBody>
-          <a:bodyPr/>
+          <a:bodyPr>
+            <a:normAutofit/>
+          </a:bodyPr>
           <a:lstStyle/>
           <a:p>
             <a:r>
               <a:rPr lang="en-US" dirty="0"/>
-              <a:t>First bullet point here</a:t>
-            </a:r>
-          </a:p>
-          <a:p>
-            <a:r>
-              <a:rPr lang="en-US" dirty="0"/>
-              <a:t>Second bullet point here</a:t>
-            </a:r>
-          </a:p>
-          <a:p>
-            <a:r>
-              <a:rPr lang="en-US" dirty="0"/>
-              <a:t>Third bullet point here</a:t>
-            </a:r>
-          </a:p>
-        </p:txBody>
-      </p:sp>
-      <p:graphicFrame>
-        <p:nvGraphicFramePr>
-          <p:cNvPr id="7" name="Content Placeholder 6"/>
-          <p:cNvGraphicFramePr>
-            <a:graphicFrameLocks noGrp="1"/>
-          </p:cNvGraphicFramePr>
-          <p:nvPr>
-            <p:ph sz="half" idx="2"/>
-            <p:extLst>
-              <p:ext uri="{D42A27DB-BD31-4B8C-83A1-F6EECF244321}">
-                <p14:modId xmlns:p14="http://schemas.microsoft.com/office/powerpoint/2010/main" val="297124831"/>
-              </p:ext>
-            </p:extLst>
-          </p:nvPr>
-        </p:nvGraphicFramePr>
-        <p:xfrm>
-          <a:off x="6094413" y="1600200"/>
-          <a:ext cx="4875213" cy="2667000"/>
-        </p:xfrm>
-        <a:graphic>
-          <a:graphicData uri="http://schemas.openxmlformats.org/drawingml/2006/table">
-            <a:tbl>
-              <a:tblPr firstRow="1" bandRow="1">
-                <a:tableStyleId>{3B4B98B0-60AC-42C2-AFA5-B58CD77FA1E5}</a:tableStyleId>
-              </a:tblPr>
-              <a:tblGrid>
-                <a:gridCol w="1625071">
-                  <a:extLst>
-                    <a:ext uri="{9D8B030D-6E8A-4147-A177-3AD203B41FA5}">
-                      <a16:colId xmlns:a16="http://schemas.microsoft.com/office/drawing/2014/main" val="20000"/>
-                    </a:ext>
-                  </a:extLst>
-                </a:gridCol>
-                <a:gridCol w="1625071">
-                  <a:extLst>
-                    <a:ext uri="{9D8B030D-6E8A-4147-A177-3AD203B41FA5}">
-                      <a16:colId xmlns:a16="http://schemas.microsoft.com/office/drawing/2014/main" val="20001"/>
-                    </a:ext>
-                  </a:extLst>
-                </a:gridCol>
-                <a:gridCol w="1625071">
-                  <a:extLst>
-                    <a:ext uri="{9D8B030D-6E8A-4147-A177-3AD203B41FA5}">
-                      <a16:colId xmlns:a16="http://schemas.microsoft.com/office/drawing/2014/main" val="20002"/>
-                    </a:ext>
-                  </a:extLst>
-                </a:gridCol>
-              </a:tblGrid>
-              <a:tr h="666750">
-                <a:tc>
-                  <a:txBody>
-                    <a:bodyPr/>
-                    <a:lstStyle/>
-                    <a:p>
-                      <a:r>
-                        <a:rPr lang="en-US" dirty="0"/>
-                        <a:t>Class</a:t>
-                      </a:r>
-                    </a:p>
-                  </a:txBody>
-                  <a:tcPr anchor="ctr"/>
-                </a:tc>
-                <a:tc>
-                  <a:txBody>
-                    <a:bodyPr/>
-                    <a:lstStyle/>
-                    <a:p>
-                      <a:pPr algn="ctr"/>
-                      <a:r>
-                        <a:rPr lang="en-US" dirty="0"/>
-                        <a:t>Group A</a:t>
-                      </a:r>
-                    </a:p>
-                  </a:txBody>
-                  <a:tcPr anchor="ctr"/>
-                </a:tc>
-                <a:tc>
-                  <a:txBody>
-                    <a:bodyPr/>
-                    <a:lstStyle/>
-                    <a:p>
-                      <a:pPr algn="ctr"/>
-                      <a:r>
-                        <a:rPr lang="en-US" dirty="0"/>
-                        <a:t>Group B</a:t>
-                      </a:r>
-                    </a:p>
-                  </a:txBody>
-                  <a:tcPr anchor="ctr"/>
-                </a:tc>
-                <a:extLst>
-                  <a:ext uri="{0D108BD9-81ED-4DB2-BD59-A6C34878D82A}">
-                    <a16:rowId xmlns:a16="http://schemas.microsoft.com/office/drawing/2014/main" val="10000"/>
-                  </a:ext>
-                </a:extLst>
-              </a:tr>
-              <a:tr h="666750">
-                <a:tc>
-                  <a:txBody>
-                    <a:bodyPr/>
-                    <a:lstStyle/>
-                    <a:p>
-                      <a:r>
-                        <a:rPr lang="en-US" dirty="0"/>
-                        <a:t>Class 1</a:t>
-                      </a:r>
-                    </a:p>
-                  </a:txBody>
-                  <a:tcPr anchor="ctr"/>
-                </a:tc>
-                <a:tc>
-                  <a:txBody>
-                    <a:bodyPr/>
-                    <a:lstStyle/>
-                    <a:p>
-                      <a:pPr algn="ctr"/>
-                      <a:r>
-                        <a:rPr lang="en-US" dirty="0"/>
-                        <a:t>82</a:t>
-                      </a:r>
-                    </a:p>
-                  </a:txBody>
-                  <a:tcPr anchor="ctr"/>
-                </a:tc>
-                <a:tc>
-                  <a:txBody>
-                    <a:bodyPr/>
-                    <a:lstStyle/>
-                    <a:p>
-                      <a:pPr algn="ctr"/>
-                      <a:r>
-                        <a:rPr lang="en-US" dirty="0"/>
-                        <a:t>95</a:t>
-                      </a:r>
-                    </a:p>
-                  </a:txBody>
-                  <a:tcPr anchor="ctr"/>
-                </a:tc>
-                <a:extLst>
-                  <a:ext uri="{0D108BD9-81ED-4DB2-BD59-A6C34878D82A}">
-                    <a16:rowId xmlns:a16="http://schemas.microsoft.com/office/drawing/2014/main" val="10001"/>
-                  </a:ext>
-                </a:extLst>
-              </a:tr>
-              <a:tr h="666750">
-                <a:tc>
-                  <a:txBody>
-                    <a:bodyPr/>
-                    <a:lstStyle/>
-                    <a:p>
-                      <a:r>
-                        <a:rPr lang="en-US" dirty="0"/>
-                        <a:t>Class 2</a:t>
-                      </a:r>
-                    </a:p>
-                  </a:txBody>
-                  <a:tcPr anchor="ctr"/>
-                </a:tc>
-                <a:tc>
-                  <a:txBody>
-                    <a:bodyPr/>
-                    <a:lstStyle/>
-                    <a:p>
-                      <a:pPr algn="ctr"/>
-                      <a:r>
-                        <a:rPr lang="en-US" dirty="0"/>
-                        <a:t>76</a:t>
-                      </a:r>
-                    </a:p>
-                  </a:txBody>
-                  <a:tcPr anchor="ctr"/>
-                </a:tc>
-                <a:tc>
-                  <a:txBody>
-                    <a:bodyPr/>
-                    <a:lstStyle/>
-                    <a:p>
-                      <a:pPr algn="ctr"/>
-                      <a:r>
-                        <a:rPr lang="en-US" dirty="0"/>
-                        <a:t>88</a:t>
-                      </a:r>
-                    </a:p>
-                  </a:txBody>
-                  <a:tcPr anchor="ctr"/>
-                </a:tc>
-                <a:extLst>
-                  <a:ext uri="{0D108BD9-81ED-4DB2-BD59-A6C34878D82A}">
-                    <a16:rowId xmlns:a16="http://schemas.microsoft.com/office/drawing/2014/main" val="10002"/>
-                  </a:ext>
-                </a:extLst>
-              </a:tr>
-              <a:tr h="666750">
-                <a:tc>
-                  <a:txBody>
-                    <a:bodyPr/>
-                    <a:lstStyle/>
-                    <a:p>
-                      <a:r>
-                        <a:rPr lang="en-US" dirty="0"/>
-                        <a:t>Class 3</a:t>
-                      </a:r>
-                    </a:p>
-                  </a:txBody>
-                  <a:tcPr anchor="ctr"/>
-                </a:tc>
-                <a:tc>
-                  <a:txBody>
-                    <a:bodyPr/>
-                    <a:lstStyle/>
-                    <a:p>
-                      <a:pPr algn="ctr"/>
-                      <a:r>
-                        <a:rPr lang="en-US" dirty="0"/>
-                        <a:t>84</a:t>
-                      </a:r>
-                    </a:p>
-                  </a:txBody>
-                  <a:tcPr anchor="ctr"/>
-                </a:tc>
-                <a:tc>
-                  <a:txBody>
-                    <a:bodyPr/>
-                    <a:lstStyle/>
-                    <a:p>
-                      <a:pPr algn="ctr"/>
-                      <a:r>
-                        <a:rPr lang="en-US" dirty="0"/>
-                        <a:t>90</a:t>
-                      </a:r>
-                    </a:p>
-                  </a:txBody>
-                  <a:tcPr anchor="ctr"/>
-                </a:tc>
-                <a:extLst>
-                  <a:ext uri="{0D108BD9-81ED-4DB2-BD59-A6C34878D82A}">
-                    <a16:rowId xmlns:a16="http://schemas.microsoft.com/office/drawing/2014/main" val="10003"/>
-                  </a:ext>
-                </a:extLst>
-              </a:tr>
-            </a:tbl>
-          </a:graphicData>
-        </a:graphic>
-      </p:graphicFrame>
+              <a:t>Role of Food:</a:t>
+            </a:r>
+          </a:p>
+          <a:p>
+            <a:pPr lvl="1"/>
+            <a:r>
+              <a:rPr lang="en-US" dirty="0"/>
+              <a:t>Continuous overconsumption emphasizes the importance of understanding food composition</a:t>
+            </a:r>
+          </a:p>
+          <a:p>
+            <a:pPr lvl="1"/>
+            <a:r>
+              <a:rPr lang="en-US" dirty="0"/>
+              <a:t>Certain foods can significantly influence overall health outcomes</a:t>
+            </a:r>
+          </a:p>
+          <a:p>
+            <a:r>
+              <a:rPr lang="en-US" dirty="0"/>
+              <a:t>Beyond Food:</a:t>
+            </a:r>
+          </a:p>
+          <a:p>
+            <a:pPr lvl="1"/>
+            <a:r>
+              <a:rPr lang="en-US" dirty="0"/>
+              <a:t>Economic status as a pivotal consideration</a:t>
+            </a:r>
+          </a:p>
+          <a:p>
+            <a:pPr lvl="1"/>
+            <a:r>
+              <a:rPr lang="en-US" dirty="0"/>
+              <a:t>Developed countries with high incomes may have advanced medical systems but also higher obesity prevalence</a:t>
+            </a:r>
+          </a:p>
+          <a:p>
+            <a:pPr lvl="1"/>
+            <a:r>
+              <a:rPr lang="en-US" dirty="0"/>
+              <a:t>Developing nations with lower incomes may face challenges emphasizing malnutrition over obesity</a:t>
+            </a:r>
+          </a:p>
+        </p:txBody>
+      </p:sp>
     </p:spTree>
     <p:extLst>
       <p:ext uri="{BB962C8B-B14F-4D97-AF65-F5344CB8AC3E}">
-        <p14:creationId xmlns:p14="http://schemas.microsoft.com/office/powerpoint/2010/main" val="3980665089"/>
+        <p14:creationId xmlns:p14="http://schemas.microsoft.com/office/powerpoint/2010/main" val="143875680"/>
       </p:ext>
     </p:extLst>
   </p:cSld>
@@ -10081,7 +9768,83 @@
       </p:grpSpPr>
       <p:sp>
         <p:nvSpPr>
-          <p:cNvPr id="2" name="Title 1"/>
+          <p:cNvPr id="6" name="Content Placeholder 5"/>
+          <p:cNvSpPr>
+            <a:spLocks noGrp="1"/>
+          </p:cNvSpPr>
+          <p:nvPr>
+            <p:ph idx="1"/>
+          </p:nvPr>
+        </p:nvSpPr>
+        <p:spPr/>
+        <p:txBody>
+          <a:bodyPr>
+            <a:normAutofit/>
+          </a:bodyPr>
+          <a:lstStyle/>
+          <a:p>
+            <a:r>
+              <a:rPr lang="en-US" dirty="0"/>
+              <a:t>Analysis Focus:</a:t>
+            </a:r>
+          </a:p>
+          <a:p>
+            <a:pPr lvl="1"/>
+            <a:r>
+              <a:rPr lang="en-US" dirty="0"/>
+              <a:t>Explore effects of a country's food supply and economic status on obesity-related death rates</a:t>
+            </a:r>
+          </a:p>
+          <a:p>
+            <a:r>
+              <a:rPr lang="en-US" dirty="0"/>
+              <a:t>Target Audience:</a:t>
+            </a:r>
+          </a:p>
+          <a:p>
+            <a:pPr lvl="1"/>
+            <a:r>
+              <a:rPr lang="en-US" dirty="0"/>
+              <a:t>Policymakers </a:t>
+            </a:r>
+            <a:r>
+              <a:rPr lang="en-US" altLang="zh-CN" dirty="0"/>
+              <a:t>(curb obesity-related deaths)</a:t>
+            </a:r>
+            <a:endParaRPr lang="en-US" dirty="0"/>
+          </a:p>
+          <a:p>
+            <a:pPr lvl="1"/>
+            <a:r>
+              <a:rPr lang="en-US" altLang="zh-CN" dirty="0"/>
+              <a:t>C</a:t>
+            </a:r>
+            <a:r>
+              <a:rPr lang="en-US" dirty="0"/>
+              <a:t>onsumers</a:t>
+            </a:r>
+            <a:r>
+              <a:rPr lang="zh-CN" altLang="en-US" dirty="0"/>
+              <a:t> </a:t>
+            </a:r>
+            <a:r>
+              <a:rPr lang="en-US" altLang="zh-CN" dirty="0"/>
+              <a:t>(craft diets resilient to detrimental effects of obesity)</a:t>
+            </a:r>
+          </a:p>
+          <a:p>
+            <a:pPr lvl="1"/>
+            <a:endParaRPr lang="en-US" altLang="zh-CN" dirty="0"/>
+          </a:p>
+          <a:p>
+            <a:pPr lvl="1"/>
+            <a:endParaRPr lang="en-US" dirty="0"/>
+          </a:p>
+        </p:txBody>
+      </p:sp>
+      <p:sp>
+        <p:nvSpPr>
+          <p:cNvPr id="5" name="Title 4"/>
           <p:cNvSpPr>
             <a:spLocks noGrp="1"/>
           </p:cNvSpPr>
@@ -10095,75 +9858,49 @@
           <a:lstStyle/>
           <a:p>
             <a:r>
-              <a:rPr lang="en-US" dirty="0"/>
-              <a:t>Two Content Layout with SmartArt</a:t>
-            </a:r>
-          </a:p>
-        </p:txBody>
-      </p:sp>
-      <p:sp>
-        <p:nvSpPr>
-          <p:cNvPr id="3" name="Content Placeholder 2"/>
-          <p:cNvSpPr>
-            <a:spLocks noGrp="1"/>
-          </p:cNvSpPr>
-          <p:nvPr>
-            <p:ph sz="half" idx="1"/>
-          </p:nvPr>
-        </p:nvSpPr>
-        <p:spPr/>
-        <p:txBody>
-          <a:bodyPr/>
-          <a:lstStyle/>
-          <a:p>
-            <a:r>
-              <a:rPr lang="en-US" dirty="0"/>
-              <a:t>First bullet point here</a:t>
-            </a:r>
-          </a:p>
-          <a:p>
-            <a:r>
-              <a:rPr lang="en-US" dirty="0"/>
-              <a:t>Second bullet point here</a:t>
-            </a:r>
-          </a:p>
-          <a:p>
-            <a:r>
-              <a:rPr lang="en-US" dirty="0"/>
-              <a:t>Third bullet point here</a:t>
-            </a:r>
-          </a:p>
-        </p:txBody>
-      </p:sp>
-      <p:graphicFrame>
-        <p:nvGraphicFramePr>
-          <p:cNvPr id="5" name="Content Placeholder 4" descr="Radial cycle shows the relationship between 3 tasks to a group"/>
-          <p:cNvGraphicFramePr>
-            <a:graphicFrameLocks noGrp="1"/>
-          </p:cNvGraphicFramePr>
-          <p:nvPr>
-            <p:ph sz="half" idx="2"/>
-            <p:extLst>
-              <p:ext uri="{D42A27DB-BD31-4B8C-83A1-F6EECF244321}">
-                <p14:modId xmlns:p14="http://schemas.microsoft.com/office/powerpoint/2010/main" val="4164069720"/>
-              </p:ext>
-            </p:extLst>
-          </p:nvPr>
-        </p:nvGraphicFramePr>
-        <p:xfrm>
-          <a:off x="6094413" y="1600200"/>
-          <a:ext cx="4875212" cy="4572000"/>
-        </p:xfrm>
-        <a:graphic>
-          <a:graphicData uri="http://schemas.openxmlformats.org/drawingml/2006/diagram">
-            <dgm:relIds xmlns:dgm="http://schemas.openxmlformats.org/drawingml/2006/diagram" xmlns:r="http://schemas.openxmlformats.org/officeDocument/2006/relationships" r:dm="rId2" r:lo="rId3" r:qs="rId4" r:cs="rId5"/>
-          </a:graphicData>
-        </a:graphic>
-      </p:graphicFrame>
+              <a:rPr lang="en-US" altLang="zh-CN" dirty="0"/>
+              <a:t>Research</a:t>
+            </a:r>
+            <a:r>
+              <a:rPr lang="zh-CN" altLang="en-US" dirty="0"/>
+              <a:t> </a:t>
+            </a:r>
+            <a:r>
+              <a:rPr lang="en-US" altLang="zh-CN" dirty="0"/>
+              <a:t>Goal</a:t>
+            </a:r>
+            <a:r>
+              <a:rPr lang="zh-CN" altLang="en-US" dirty="0"/>
+              <a:t> </a:t>
+            </a:r>
+            <a:r>
+              <a:rPr lang="en-US" altLang="zh-CN" dirty="0"/>
+              <a:t>&amp;</a:t>
+            </a:r>
+            <a:r>
+              <a:rPr lang="zh-CN" altLang="en-US" dirty="0"/>
+              <a:t> </a:t>
+            </a:r>
+            <a:r>
+              <a:rPr lang="en-US" altLang="zh-CN" dirty="0"/>
+              <a:t>Target</a:t>
+            </a:r>
+            <a:r>
+              <a:rPr lang="zh-CN" altLang="en-US" dirty="0"/>
+              <a:t> </a:t>
+            </a:r>
+            <a:r>
+              <a:rPr lang="en-US" altLang="zh-CN" dirty="0"/>
+              <a:t>Audience</a:t>
+            </a:r>
+            <a:endParaRPr lang="en-US" dirty="0"/>
+          </a:p>
+        </p:txBody>
+      </p:sp>
     </p:spTree>
     <p:extLst>
       <p:ext uri="{BB962C8B-B14F-4D97-AF65-F5344CB8AC3E}">
-        <p14:creationId xmlns:p14="http://schemas.microsoft.com/office/powerpoint/2010/main" val="2490618232"/>
+        <p14:creationId xmlns:p14="http://schemas.microsoft.com/office/powerpoint/2010/main" val="521018274"/>
       </p:ext>
     </p:extLst>
   </p:cSld>
@@ -10204,7 +9941,13 @@
       </p:grpSpPr>
       <p:sp>
         <p:nvSpPr>
-          <p:cNvPr id="2" name="Title 1"/>
+          <p:cNvPr id="2" name="Title 1">
+            <a:extLst>
+              <a:ext uri="{FF2B5EF4-FFF2-40B4-BE49-F238E27FC236}">
+                <a16:creationId xmlns:a16="http://schemas.microsoft.com/office/drawing/2014/main" id="{52317987-65F3-5E85-D989-11B7BB1EFFC9}"/>
+              </a:ext>
+            </a:extLst>
+          </p:cNvPr>
           <p:cNvSpPr>
             <a:spLocks noGrp="1"/>
           </p:cNvSpPr>
@@ -10212,33 +9955,22 @@
             <p:ph type="title"/>
           </p:nvPr>
         </p:nvSpPr>
-        <p:spPr/>
-        <p:txBody>
-          <a:bodyPr/>
+        <p:spPr>
+          <a:xfrm>
+            <a:off x="1828324" y="1932518"/>
+            <a:ext cx="9141619" cy="2105367"/>
+          </a:xfrm>
+        </p:spPr>
+        <p:txBody>
+          <a:bodyPr anchor="b">
+            <a:normAutofit/>
+          </a:bodyPr>
           <a:lstStyle/>
           <a:p>
             <a:r>
-              <a:rPr lang="en-US" dirty="0"/>
-              <a:t>Add a Slide Title - 1</a:t>
-            </a:r>
-          </a:p>
-        </p:txBody>
-      </p:sp>
-      <p:sp>
-        <p:nvSpPr>
-          <p:cNvPr id="3" name="Text Placeholder 2"/>
-          <p:cNvSpPr>
-            <a:spLocks noGrp="1"/>
-          </p:cNvSpPr>
-          <p:nvPr>
-            <p:ph type="body" idx="1"/>
-          </p:nvPr>
-        </p:nvSpPr>
-        <p:spPr/>
-        <p:txBody>
-          <a:bodyPr/>
-          <a:lstStyle/>
-          <a:p>
+              <a:rPr lang="en-US" altLang="zh-CN" dirty="0"/>
+              <a:t>Data</a:t>
+            </a:r>
             <a:endParaRPr lang="en-US" dirty="0"/>
           </a:p>
         </p:txBody>
@@ -10246,7 +9978,7 @@
     </p:spTree>
     <p:extLst>
       <p:ext uri="{BB962C8B-B14F-4D97-AF65-F5344CB8AC3E}">
-        <p14:creationId xmlns:p14="http://schemas.microsoft.com/office/powerpoint/2010/main" val="289063348"/>
+        <p14:creationId xmlns:p14="http://schemas.microsoft.com/office/powerpoint/2010/main" val="1513245066"/>
       </p:ext>
     </p:extLst>
   </p:cSld>
@@ -10287,7 +10019,7 @@
       </p:grpSpPr>
       <p:sp>
         <p:nvSpPr>
-          <p:cNvPr id="2" name="Title 1"/>
+          <p:cNvPr id="5" name="Title 4"/>
           <p:cNvSpPr>
             <a:spLocks noGrp="1"/>
           </p:cNvSpPr>
@@ -10301,92 +10033,508 @@
           <a:lstStyle/>
           <a:p>
             <a:r>
-              <a:rPr lang="en-US" dirty="0"/>
-              <a:t>Add a Slide Title - 2</a:t>
-            </a:r>
-          </a:p>
-        </p:txBody>
-      </p:sp>
-      <p:sp>
-        <p:nvSpPr>
-          <p:cNvPr id="11" name="Text Placeholder 10"/>
-          <p:cNvSpPr>
-            <a:spLocks noGrp="1"/>
-          </p:cNvSpPr>
-          <p:nvPr>
-            <p:ph type="body" idx="1"/>
+              <a:rPr lang="en-US" altLang="zh-CN" dirty="0"/>
+              <a:t>Data</a:t>
+            </a:r>
+            <a:r>
+              <a:rPr lang="zh-CN" altLang="en-US" dirty="0"/>
+              <a:t> </a:t>
+            </a:r>
+            <a:r>
+              <a:rPr lang="en-US" altLang="zh-CN" dirty="0"/>
+              <a:t>Source</a:t>
+            </a:r>
+            <a:r>
+              <a:rPr lang="zh-CN" altLang="en-US" dirty="0"/>
+              <a:t> </a:t>
+            </a:r>
+            <a:r>
+              <a:rPr lang="en-US" altLang="zh-CN" dirty="0"/>
+              <a:t>#1</a:t>
+            </a:r>
+            <a:endParaRPr lang="en-US" dirty="0"/>
+          </a:p>
+        </p:txBody>
+      </p:sp>
+      <p:sp>
+        <p:nvSpPr>
+          <p:cNvPr id="6" name="Content Placeholder 5"/>
+          <p:cNvSpPr>
+            <a:spLocks noGrp="1"/>
+          </p:cNvSpPr>
+          <p:nvPr>
+            <p:ph idx="1"/>
           </p:nvPr>
         </p:nvSpPr>
         <p:spPr/>
         <p:txBody>
-          <a:bodyPr/>
+          <a:bodyPr>
+            <a:normAutofit fontScale="92500" lnSpcReduction="20000"/>
+          </a:bodyPr>
           <a:lstStyle/>
           <a:p>
-            <a:endParaRPr lang="en-US"/>
-          </a:p>
-        </p:txBody>
-      </p:sp>
-      <p:sp>
-        <p:nvSpPr>
-          <p:cNvPr id="12" name="Content Placeholder 11"/>
-          <p:cNvSpPr>
-            <a:spLocks noGrp="1"/>
-          </p:cNvSpPr>
-          <p:nvPr>
-            <p:ph sz="half" idx="2"/>
-          </p:nvPr>
-        </p:nvSpPr>
-        <p:spPr/>
-        <p:txBody>
-          <a:bodyPr/>
-          <a:lstStyle/>
-          <a:p>
-            <a:endParaRPr lang="en-US"/>
-          </a:p>
-        </p:txBody>
-      </p:sp>
-      <p:sp>
-        <p:nvSpPr>
-          <p:cNvPr id="13" name="Text Placeholder 12"/>
-          <p:cNvSpPr>
-            <a:spLocks noGrp="1"/>
-          </p:cNvSpPr>
-          <p:nvPr>
-            <p:ph type="body" sz="quarter" idx="3"/>
-          </p:nvPr>
-        </p:nvSpPr>
-        <p:spPr/>
-        <p:txBody>
-          <a:bodyPr/>
-          <a:lstStyle/>
-          <a:p>
-            <a:endParaRPr lang="en-US"/>
-          </a:p>
-        </p:txBody>
-      </p:sp>
-      <p:sp>
-        <p:nvSpPr>
-          <p:cNvPr id="14" name="Content Placeholder 13"/>
-          <p:cNvSpPr>
-            <a:spLocks noGrp="1"/>
-          </p:cNvSpPr>
-          <p:nvPr>
-            <p:ph sz="quarter" idx="4"/>
-          </p:nvPr>
-        </p:nvSpPr>
-        <p:spPr/>
-        <p:txBody>
-          <a:bodyPr/>
-          <a:lstStyle/>
-          <a:p>
-            <a:endParaRPr lang="en-US"/>
+            <a:r>
+              <a:rPr lang="en-US" dirty="0"/>
+              <a:t>Daily caloric supply (OWID based on UN FAO &amp; historical sources)</a:t>
+            </a:r>
+          </a:p>
+          <a:p>
+            <a:r>
+              <a:rPr lang="en-US" dirty="0"/>
+              <a:t>Predictor variables (after renaming): Miscellaneous, Alcohol, </a:t>
+            </a:r>
+            <a:r>
+              <a:rPr lang="en-US" dirty="0" err="1"/>
+              <a:t>Animal.fat</a:t>
+            </a:r>
+            <a:r>
+              <a:rPr lang="en-US" dirty="0"/>
+              <a:t>, </a:t>
+            </a:r>
+            <a:r>
+              <a:rPr lang="en-US" dirty="0" err="1"/>
+              <a:t>Vegetable.oils</a:t>
+            </a:r>
+            <a:r>
+              <a:rPr lang="en-US" dirty="0"/>
+              <a:t>, </a:t>
+            </a:r>
+            <a:r>
+              <a:rPr lang="en-US" dirty="0" err="1"/>
+              <a:t>Oilcrops</a:t>
+            </a:r>
+            <a:r>
+              <a:rPr lang="en-US" dirty="0"/>
+              <a:t>, </a:t>
+            </a:r>
+            <a:r>
+              <a:rPr lang="en-US" dirty="0" err="1"/>
+              <a:t>Fish.and.seafood</a:t>
+            </a:r>
+            <a:r>
+              <a:rPr lang="en-US" dirty="0"/>
+              <a:t>, </a:t>
+            </a:r>
+            <a:r>
+              <a:rPr lang="en-US" dirty="0" err="1"/>
+              <a:t>Sugar.crops</a:t>
+            </a:r>
+            <a:r>
+              <a:rPr lang="en-US" dirty="0"/>
+              <a:t>, </a:t>
+            </a:r>
+            <a:r>
+              <a:rPr lang="en-US" dirty="0" err="1"/>
+              <a:t>Sugar.sweeteners</a:t>
+            </a:r>
+            <a:r>
+              <a:rPr lang="en-US" dirty="0"/>
+              <a:t>, </a:t>
+            </a:r>
+            <a:r>
+              <a:rPr lang="en-US" dirty="0" err="1"/>
+              <a:t>Starchy.roots</a:t>
+            </a:r>
+            <a:r>
+              <a:rPr lang="en-US" dirty="0"/>
+              <a:t>, </a:t>
+            </a:r>
+            <a:r>
+              <a:rPr lang="en-US" dirty="0" err="1"/>
+              <a:t>Meat.other</a:t>
+            </a:r>
+            <a:r>
+              <a:rPr lang="en-US" dirty="0"/>
+              <a:t>, </a:t>
+            </a:r>
+            <a:r>
+              <a:rPr lang="en-US" dirty="0" err="1"/>
+              <a:t>Meat.sheep.and.goat</a:t>
+            </a:r>
+            <a:r>
+              <a:rPr lang="en-US" dirty="0"/>
+              <a:t>, </a:t>
+            </a:r>
+            <a:r>
+              <a:rPr lang="en-US" dirty="0" err="1"/>
+              <a:t>Meat.pig</a:t>
+            </a:r>
+            <a:r>
+              <a:rPr lang="en-US" dirty="0"/>
+              <a:t>, </a:t>
+            </a:r>
+            <a:r>
+              <a:rPr lang="en-US" dirty="0" err="1"/>
+              <a:t>Meat.poultry</a:t>
+            </a:r>
+            <a:r>
+              <a:rPr lang="en-US" dirty="0"/>
+              <a:t>, </a:t>
+            </a:r>
+            <a:r>
+              <a:rPr lang="en-US" dirty="0" err="1"/>
+              <a:t>Meat.beef</a:t>
+            </a:r>
+            <a:r>
+              <a:rPr lang="en-US" dirty="0"/>
+              <a:t>, Eggs, Milk, Nuts, Fruit, Vegetables, Pulses, </a:t>
+            </a:r>
+            <a:r>
+              <a:rPr lang="en-US" dirty="0" err="1"/>
+              <a:t>Cereals.other</a:t>
+            </a:r>
+            <a:r>
+              <a:rPr lang="en-US" dirty="0"/>
+              <a:t>, Barley, Maize, Rice, Wheat — each one (25 total) is a food group available for consumption, continuous, unit (kcal per day per capita)</a:t>
+            </a:r>
+          </a:p>
+          <a:p>
+            <a:r>
+              <a:rPr lang="en-US" dirty="0"/>
+              <a:t>Source: Our World in Data based on UN FAO &amp; historical sources — processed by Our World in Data</a:t>
+            </a:r>
+          </a:p>
+          <a:p>
+            <a:r>
+              <a:rPr lang="en-US" dirty="0"/>
+              <a:t>Link: https://</a:t>
+            </a:r>
+            <a:r>
+              <a:rPr lang="en-US" dirty="0" err="1"/>
+              <a:t>www.fao.org</a:t>
+            </a:r>
+            <a:r>
+              <a:rPr lang="en-US" dirty="0"/>
+              <a:t>/</a:t>
+            </a:r>
+            <a:r>
+              <a:rPr lang="en-US" dirty="0" err="1"/>
+              <a:t>faostat</a:t>
+            </a:r>
+            <a:r>
+              <a:rPr lang="en-US" dirty="0"/>
+              <a:t>/</a:t>
+            </a:r>
+            <a:r>
+              <a:rPr lang="en-US" dirty="0" err="1"/>
+              <a:t>en</a:t>
+            </a:r>
+            <a:r>
+              <a:rPr lang="en-US" dirty="0"/>
+              <a:t>/#data/FBS</a:t>
+            </a:r>
           </a:p>
         </p:txBody>
       </p:sp>
     </p:spTree>
     <p:extLst>
       <p:ext uri="{BB962C8B-B14F-4D97-AF65-F5344CB8AC3E}">
-        <p14:creationId xmlns:p14="http://schemas.microsoft.com/office/powerpoint/2010/main" val="2891628767"/>
+        <p14:creationId xmlns:p14="http://schemas.microsoft.com/office/powerpoint/2010/main" val="4085045314"/>
+      </p:ext>
+    </p:extLst>
+  </p:cSld>
+  <p:clrMapOvr>
+    <a:masterClrMapping/>
+  </p:clrMapOvr>
+  <mc:AlternateContent xmlns:mc="http://schemas.openxmlformats.org/markup-compatibility/2006" xmlns:p14="http://schemas.microsoft.com/office/powerpoint/2010/main">
+    <mc:Choice Requires="p14">
+      <p:transition spd="med" p14:dur="700">
+        <p:fade/>
+      </p:transition>
+    </mc:Choice>
+    <mc:Fallback xmlns="">
+      <p:transition spd="med">
+        <p:fade/>
+      </p:transition>
+    </mc:Fallback>
+  </mc:AlternateContent>
+</p:sld>
+</file>
+
+<file path=ppt/slides/slide8.xml><?xml version="1.0" encoding="utf-8"?>
+<p:sld xmlns:a="http://schemas.openxmlformats.org/drawingml/2006/main" xmlns:r="http://schemas.openxmlformats.org/officeDocument/2006/relationships" xmlns:p="http://schemas.openxmlformats.org/presentationml/2006/main">
+  <p:cSld>
+    <p:spTree>
+      <p:nvGrpSpPr>
+        <p:cNvPr id="1" name=""/>
+        <p:cNvGrpSpPr/>
+        <p:nvPr/>
+      </p:nvGrpSpPr>
+      <p:grpSpPr>
+        <a:xfrm>
+          <a:off x="0" y="0"/>
+          <a:ext cx="0" cy="0"/>
+          <a:chOff x="0" y="0"/>
+          <a:chExt cx="0" cy="0"/>
+        </a:xfrm>
+      </p:grpSpPr>
+      <p:sp>
+        <p:nvSpPr>
+          <p:cNvPr id="2" name="Title 1">
+            <a:extLst>
+              <a:ext uri="{FF2B5EF4-FFF2-40B4-BE49-F238E27FC236}">
+                <a16:creationId xmlns:a16="http://schemas.microsoft.com/office/drawing/2014/main" id="{5172F65C-4A63-3882-0818-519F3B3F40D0}"/>
+              </a:ext>
+            </a:extLst>
+          </p:cNvPr>
+          <p:cNvSpPr>
+            <a:spLocks noGrp="1"/>
+          </p:cNvSpPr>
+          <p:nvPr>
+            <p:ph type="title"/>
+          </p:nvPr>
+        </p:nvSpPr>
+        <p:spPr/>
+        <p:txBody>
+          <a:bodyPr/>
+          <a:lstStyle/>
+          <a:p>
+            <a:r>
+              <a:rPr lang="en-US" altLang="zh-CN" dirty="0"/>
+              <a:t>Data</a:t>
+            </a:r>
+            <a:r>
+              <a:rPr lang="zh-CN" altLang="en-US" dirty="0"/>
+              <a:t> </a:t>
+            </a:r>
+            <a:r>
+              <a:rPr lang="en-US" altLang="zh-CN" dirty="0"/>
+              <a:t>Source</a:t>
+            </a:r>
+            <a:r>
+              <a:rPr lang="zh-CN" altLang="en-US" dirty="0"/>
+              <a:t> </a:t>
+            </a:r>
+            <a:r>
+              <a:rPr lang="en-US" altLang="zh-CN" dirty="0"/>
+              <a:t>#2</a:t>
+            </a:r>
+            <a:endParaRPr lang="en-US" dirty="0"/>
+          </a:p>
+        </p:txBody>
+      </p:sp>
+      <p:sp>
+        <p:nvSpPr>
+          <p:cNvPr id="3" name="Content Placeholder 2">
+            <a:extLst>
+              <a:ext uri="{FF2B5EF4-FFF2-40B4-BE49-F238E27FC236}">
+                <a16:creationId xmlns:a16="http://schemas.microsoft.com/office/drawing/2014/main" id="{359BFF2C-247A-50D5-5995-4CECCACDE299}"/>
+              </a:ext>
+            </a:extLst>
+          </p:cNvPr>
+          <p:cNvSpPr>
+            <a:spLocks noGrp="1"/>
+          </p:cNvSpPr>
+          <p:nvPr>
+            <p:ph idx="1"/>
+          </p:nvPr>
+        </p:nvSpPr>
+        <p:spPr/>
+        <p:txBody>
+          <a:bodyPr>
+            <a:normAutofit lnSpcReduction="10000"/>
+          </a:bodyPr>
+          <a:lstStyle/>
+          <a:p>
+            <a:r>
+              <a:rPr lang="en-US" dirty="0"/>
+              <a:t>World Bank income classification</a:t>
+            </a:r>
+          </a:p>
+          <a:p>
+            <a:r>
+              <a:rPr lang="en-US" dirty="0"/>
+              <a:t>Predictor variable (after renaming): </a:t>
+            </a:r>
+            <a:r>
+              <a:rPr lang="en-US" dirty="0" err="1"/>
+              <a:t>Income.group</a:t>
+            </a:r>
+            <a:r>
+              <a:rPr lang="en-US" dirty="0"/>
+              <a:t> — nominal, four categories (Low-income countries, Lower-middle-income countries, Upper-middle-income countries, High-income countries)</a:t>
+            </a:r>
+          </a:p>
+          <a:p>
+            <a:r>
+              <a:rPr lang="en-US" dirty="0"/>
+              <a:t>Source: World Bank (2022) — processed by Our World in Data</a:t>
+            </a:r>
+          </a:p>
+          <a:p>
+            <a:r>
+              <a:rPr lang="en-US" dirty="0"/>
+              <a:t>Link:</a:t>
+            </a:r>
+            <a:r>
+              <a:rPr lang="zh-CN" altLang="en-US" dirty="0"/>
+              <a:t> </a:t>
+            </a:r>
+            <a:r>
+              <a:rPr lang="en-US" dirty="0">
+                <a:hlinkClick r:id="rId2"/>
+              </a:rPr>
+              <a:t>https://</a:t>
+            </a:r>
+            <a:r>
+              <a:rPr lang="en-US" dirty="0" err="1">
+                <a:hlinkClick r:id="rId2"/>
+              </a:rPr>
+              <a:t>datahelpdesk.worldbank.org</a:t>
+            </a:r>
+            <a:r>
+              <a:rPr lang="en-US" dirty="0">
+                <a:hlinkClick r:id="rId2"/>
+              </a:rPr>
+              <a:t>/knowledgebase/articles/906519-world-bank-country-and-lending-groups</a:t>
+            </a:r>
+            <a:endParaRPr lang="en-US" dirty="0"/>
+          </a:p>
+        </p:txBody>
+      </p:sp>
+    </p:spTree>
+    <p:extLst>
+      <p:ext uri="{BB962C8B-B14F-4D97-AF65-F5344CB8AC3E}">
+        <p14:creationId xmlns:p14="http://schemas.microsoft.com/office/powerpoint/2010/main" val="3387729889"/>
+      </p:ext>
+    </p:extLst>
+  </p:cSld>
+  <p:clrMapOvr>
+    <a:masterClrMapping/>
+  </p:clrMapOvr>
+  <mc:AlternateContent xmlns:mc="http://schemas.openxmlformats.org/markup-compatibility/2006" xmlns:p14="http://schemas.microsoft.com/office/powerpoint/2010/main">
+    <mc:Choice Requires="p14">
+      <p:transition spd="med" p14:dur="700">
+        <p:fade/>
+      </p:transition>
+    </mc:Choice>
+    <mc:Fallback xmlns="">
+      <p:transition spd="med">
+        <p:fade/>
+      </p:transition>
+    </mc:Fallback>
+  </mc:AlternateContent>
+</p:sld>
+</file>
+
+<file path=ppt/slides/slide9.xml><?xml version="1.0" encoding="utf-8"?>
+<p:sld xmlns:a="http://schemas.openxmlformats.org/drawingml/2006/main" xmlns:r="http://schemas.openxmlformats.org/officeDocument/2006/relationships" xmlns:p="http://schemas.openxmlformats.org/presentationml/2006/main">
+  <p:cSld>
+    <p:spTree>
+      <p:nvGrpSpPr>
+        <p:cNvPr id="1" name=""/>
+        <p:cNvGrpSpPr/>
+        <p:nvPr/>
+      </p:nvGrpSpPr>
+      <p:grpSpPr>
+        <a:xfrm>
+          <a:off x="0" y="0"/>
+          <a:ext cx="0" cy="0"/>
+          <a:chOff x="0" y="0"/>
+          <a:chExt cx="0" cy="0"/>
+        </a:xfrm>
+      </p:grpSpPr>
+      <p:sp>
+        <p:nvSpPr>
+          <p:cNvPr id="5" name="Title 4"/>
+          <p:cNvSpPr>
+            <a:spLocks noGrp="1"/>
+          </p:cNvSpPr>
+          <p:nvPr>
+            <p:ph type="title"/>
+          </p:nvPr>
+        </p:nvSpPr>
+        <p:spPr/>
+        <p:txBody>
+          <a:bodyPr/>
+          <a:lstStyle/>
+          <a:p>
+            <a:r>
+              <a:rPr lang="en-US" altLang="zh-CN" dirty="0"/>
+              <a:t>Data</a:t>
+            </a:r>
+            <a:r>
+              <a:rPr lang="zh-CN" altLang="en-US" dirty="0"/>
+              <a:t> </a:t>
+            </a:r>
+            <a:r>
+              <a:rPr lang="en-US" altLang="zh-CN" dirty="0"/>
+              <a:t>Source</a:t>
+            </a:r>
+            <a:r>
+              <a:rPr lang="zh-CN" altLang="en-US" dirty="0"/>
+              <a:t> </a:t>
+            </a:r>
+            <a:r>
+              <a:rPr lang="en-US" altLang="zh-CN" dirty="0"/>
+              <a:t>#3</a:t>
+            </a:r>
+            <a:endParaRPr lang="en-US" dirty="0"/>
+          </a:p>
+        </p:txBody>
+      </p:sp>
+      <p:sp>
+        <p:nvSpPr>
+          <p:cNvPr id="6" name="Content Placeholder 5"/>
+          <p:cNvSpPr>
+            <a:spLocks noGrp="1"/>
+          </p:cNvSpPr>
+          <p:nvPr>
+            <p:ph idx="1"/>
+          </p:nvPr>
+        </p:nvSpPr>
+        <p:spPr/>
+        <p:txBody>
+          <a:bodyPr/>
+          <a:lstStyle/>
+          <a:p>
+            <a:r>
+              <a:rPr lang="en-US" dirty="0"/>
+              <a:t>Share of total deaths that are from all causes attributed to high body-mass index, in both sexes aged age-standardized</a:t>
+            </a:r>
+          </a:p>
+          <a:p>
+            <a:r>
+              <a:rPr lang="en-US" dirty="0"/>
+              <a:t>Response variable (after renaming): </a:t>
+            </a:r>
+            <a:r>
+              <a:rPr lang="en-US" dirty="0" err="1"/>
+              <a:t>Death.obesity</a:t>
+            </a:r>
+            <a:r>
+              <a:rPr lang="en-US" dirty="0"/>
+              <a:t> — continuous, unit (%)</a:t>
+            </a:r>
+          </a:p>
+          <a:p>
+            <a:r>
+              <a:rPr lang="en-US" dirty="0"/>
+              <a:t>Source: IHME, Global Burden of Disease Study (2019) — processed by Our World in Data</a:t>
+            </a:r>
+          </a:p>
+          <a:p>
+            <a:r>
+              <a:rPr lang="en-US" dirty="0"/>
+              <a:t>Link: </a:t>
+            </a:r>
+            <a:r>
+              <a:rPr lang="en-US" dirty="0">
+                <a:hlinkClick r:id="rId2"/>
+              </a:rPr>
+              <a:t>https://ourworldindata.org/obesity</a:t>
+            </a:r>
+            <a:endParaRPr lang="en-US" dirty="0"/>
+          </a:p>
+          <a:p>
+            <a:endParaRPr lang="en-US" dirty="0"/>
+          </a:p>
+        </p:txBody>
+      </p:sp>
+    </p:spTree>
+    <p:extLst>
+      <p:ext uri="{BB962C8B-B14F-4D97-AF65-F5344CB8AC3E}">
+        <p14:creationId xmlns:p14="http://schemas.microsoft.com/office/powerpoint/2010/main" val="3694156307"/>
       </p:ext>
     </p:extLst>
   </p:cSld>
@@ -11104,12 +11252,14 @@
 </file>
 
 <file path=customXml/item1.xml><?xml version="1.0" encoding="utf-8"?>
-<?mso-contentType ?>
-<FormTemplates xmlns="http://schemas.microsoft.com/sharepoint/v3/contenttype/forms">
-  <Display>DocumentLibraryForm</Display>
-  <Edit>DocumentLibraryForm</Edit>
-  <New>DocumentLibraryForm</New>
-</FormTemplates>
+<p:properties xmlns:p="http://schemas.microsoft.com/office/2006/metadata/properties" xmlns:xsi="http://www.w3.org/2001/XMLSchema-instance" xmlns:pc="http://schemas.microsoft.com/office/infopath/2007/PartnerControls">
+  <documentManagement>
+    <VSO_x0020_item_x0020_id xmlns="40262f94-9f35-4ac3-9a90-690165a166b7" xsi:nil="true"/>
+    <Assetid_x0020_ xmlns="40262f94-9f35-4ac3-9a90-690165a166b7" xsi:nil="true"/>
+    <Item_x0020_Details xmlns="40262f94-9f35-4ac3-9a90-690165a166b7" xsi:nil="true"/>
+    <Template_x0020_details xmlns="40262f94-9f35-4ac3-9a90-690165a166b7" xsi:nil="true"/>
+  </documentManagement>
+</p:properties>
 </file>
 
 <file path=customXml/item2.xml><?xml version="1.0" encoding="utf-8"?>
@@ -11294,20 +11444,27 @@
 </file>
 
 <file path=customXml/item3.xml><?xml version="1.0" encoding="utf-8"?>
-<p:properties xmlns:p="http://schemas.microsoft.com/office/2006/metadata/properties" xmlns:xsi="http://www.w3.org/2001/XMLSchema-instance" xmlns:pc="http://schemas.microsoft.com/office/infopath/2007/PartnerControls">
-  <documentManagement>
-    <VSO_x0020_item_x0020_id xmlns="40262f94-9f35-4ac3-9a90-690165a166b7" xsi:nil="true"/>
-    <Assetid_x0020_ xmlns="40262f94-9f35-4ac3-9a90-690165a166b7" xsi:nil="true"/>
-    <Item_x0020_Details xmlns="40262f94-9f35-4ac3-9a90-690165a166b7" xsi:nil="true"/>
-    <Template_x0020_details xmlns="40262f94-9f35-4ac3-9a90-690165a166b7" xsi:nil="true"/>
-  </documentManagement>
-</p:properties>
+<?mso-contentType ?>
+<FormTemplates xmlns="http://schemas.microsoft.com/sharepoint/v3/contenttype/forms">
+  <Display>DocumentLibraryForm</Display>
+  <Edit>DocumentLibraryForm</Edit>
+  <New>DocumentLibraryForm</New>
+</FormTemplates>
 </file>
 
 <file path=customXml/itemProps1.xml><?xml version="1.0" encoding="utf-8"?>
-<ds:datastoreItem xmlns:ds="http://schemas.openxmlformats.org/officeDocument/2006/customXml" ds:itemID="{308942AA-0721-4324-BC2C-A3CB43F24E71}">
+<ds:datastoreItem xmlns:ds="http://schemas.openxmlformats.org/officeDocument/2006/customXml" ds:itemID="{5E700CCB-20BA-4760-AB9F-AC3B63ED32E0}">
   <ds:schemaRefs>
-    <ds:schemaRef ds:uri="http://schemas.microsoft.com/sharepoint/v3/contenttype/forms"/>
+    <ds:schemaRef ds:uri="http://schemas.microsoft.com/office/2006/documentManagement/types"/>
+    <ds:schemaRef ds:uri="http://purl.org/dc/elements/1.1/"/>
+    <ds:schemaRef ds:uri="http://schemas.microsoft.com/office/2006/metadata/properties"/>
+    <ds:schemaRef ds:uri="http://www.w3.org/XML/1998/namespace"/>
+    <ds:schemaRef ds:uri="http://purl.org/dc/terms/"/>
+    <ds:schemaRef ds:uri="http://schemas.microsoft.com/office/infopath/2007/PartnerControls"/>
+    <ds:schemaRef ds:uri="http://schemas.openxmlformats.org/package/2006/metadata/core-properties"/>
+    <ds:schemaRef ds:uri="40262f94-9f35-4ac3-9a90-690165a166b7"/>
+    <ds:schemaRef ds:uri="a4f35948-e619-41b3-aa29-22878b09cfd2"/>
+    <ds:schemaRef ds:uri="http://purl.org/dc/dcmitype/"/>
   </ds:schemaRefs>
 </ds:datastoreItem>
 </file>
@@ -11332,18 +11489,9 @@
 </file>
 
 <file path=customXml/itemProps3.xml><?xml version="1.0" encoding="utf-8"?>
-<ds:datastoreItem xmlns:ds="http://schemas.openxmlformats.org/officeDocument/2006/customXml" ds:itemID="{5E700CCB-20BA-4760-AB9F-AC3B63ED32E0}">
+<ds:datastoreItem xmlns:ds="http://schemas.openxmlformats.org/officeDocument/2006/customXml" ds:itemID="{308942AA-0721-4324-BC2C-A3CB43F24E71}">
   <ds:schemaRefs>
-    <ds:schemaRef ds:uri="http://purl.org/dc/terms/"/>
-    <ds:schemaRef ds:uri="http://schemas.microsoft.com/office/2006/documentManagement/types"/>
-    <ds:schemaRef ds:uri="http://purl.org/dc/elements/1.1/"/>
-    <ds:schemaRef ds:uri="http://purl.org/dc/dcmitype/"/>
-    <ds:schemaRef ds:uri="a4f35948-e619-41b3-aa29-22878b09cfd2"/>
-    <ds:schemaRef ds:uri="http://www.w3.org/XML/1998/namespace"/>
-    <ds:schemaRef ds:uri="40262f94-9f35-4ac3-9a90-690165a166b7"/>
-    <ds:schemaRef ds:uri="http://schemas.microsoft.com/office/infopath/2007/PartnerControls"/>
-    <ds:schemaRef ds:uri="http://schemas.openxmlformats.org/package/2006/metadata/core-properties"/>
-    <ds:schemaRef ds:uri="http://schemas.microsoft.com/office/2006/metadata/properties"/>
+    <ds:schemaRef ds:uri="http://schemas.microsoft.com/sharepoint/v3/contenttype/forms"/>
   </ds:schemaRefs>
 </ds:datastoreItem>
 </file>
--- a/Food Supply and Death Attributed to Obesity.pptx
+++ b/Food Supply and Death Attributed to Obesity.pptx
@@ -173,7 +173,7 @@
 <file path=ppt/revisionInfo.xml><?xml version="1.0" encoding="utf-8"?>
 <p1510:revInfo xmlns:a="http://schemas.openxmlformats.org/drawingml/2006/main" xmlns:r="http://schemas.openxmlformats.org/officeDocument/2006/relationships" xmlns:p1510="http://schemas.microsoft.com/office/powerpoint/2015/10/main">
   <p1510:revLst>
-    <p1510:client id="{FF732D79-CA21-4845-BACE-DFDD3B0FB27C}" v="55" dt="2023-12-17T17:12:53.419"/>
+    <p1510:client id="{FF732D79-CA21-4845-BACE-DFDD3B0FB27C}" v="56" dt="2023-12-17T18:49:18.807"/>
   </p1510:revLst>
 </p1510:revInfo>
 </file>
@@ -243,7 +243,7 @@
   <pc:docChgLst>
     <pc:chgData name="Ken Ye" userId="f83821d1-7357-4244-918d-fd05f8efe6cd" providerId="ADAL" clId="{FF732D79-CA21-4845-BACE-DFDD3B0FB27C}"/>
     <pc:docChg chg="undo custSel addSld delSld modSld">
-      <pc:chgData name="Ken Ye" userId="f83821d1-7357-4244-918d-fd05f8efe6cd" providerId="ADAL" clId="{FF732D79-CA21-4845-BACE-DFDD3B0FB27C}" dt="2023-12-17T17:24:01.979" v="1200" actId="20577"/>
+      <pc:chgData name="Ken Ye" userId="f83821d1-7357-4244-918d-fd05f8efe6cd" providerId="ADAL" clId="{FF732D79-CA21-4845-BACE-DFDD3B0FB27C}" dt="2023-12-17T18:49:22.718" v="1203" actId="1076"/>
       <pc:docMkLst>
         <pc:docMk/>
       </pc:docMkLst>
@@ -572,11 +572,19 @@
         </pc:spChg>
       </pc:sldChg>
       <pc:sldChg chg="addSp delSp modSp add mod">
-        <pc:chgData name="Ken Ye" userId="f83821d1-7357-4244-918d-fd05f8efe6cd" providerId="ADAL" clId="{FF732D79-CA21-4845-BACE-DFDD3B0FB27C}" dt="2023-12-17T17:13:02.104" v="1009" actId="27614"/>
+        <pc:chgData name="Ken Ye" userId="f83821d1-7357-4244-918d-fd05f8efe6cd" providerId="ADAL" clId="{FF732D79-CA21-4845-BACE-DFDD3B0FB27C}" dt="2023-12-17T18:49:22.718" v="1203" actId="1076"/>
         <pc:sldMkLst>
           <pc:docMk/>
           <pc:sldMk cId="2898007255" sldId="270"/>
         </pc:sldMkLst>
+        <pc:spChg chg="add del mod">
+          <ac:chgData name="Ken Ye" userId="f83821d1-7357-4244-918d-fd05f8efe6cd" providerId="ADAL" clId="{FF732D79-CA21-4845-BACE-DFDD3B0FB27C}" dt="2023-12-17T18:49:18.807" v="1202"/>
+          <ac:spMkLst>
+            <pc:docMk/>
+            <pc:sldMk cId="2898007255" sldId="270"/>
+            <ac:spMk id="4" creationId="{D0073EC3-59A8-245B-D8E5-51AEA33E576C}"/>
+          </ac:spMkLst>
+        </pc:spChg>
         <pc:spChg chg="mod">
           <ac:chgData name="Ken Ye" userId="f83821d1-7357-4244-918d-fd05f8efe6cd" providerId="ADAL" clId="{FF732D79-CA21-4845-BACE-DFDD3B0FB27C}" dt="2023-12-17T17:12:59.591" v="1008" actId="26606"/>
           <ac:spMkLst>
@@ -593,12 +601,20 @@
             <ac:spMk id="6" creationId="{00000000-0000-0000-0000-000000000000}"/>
           </ac:spMkLst>
         </pc:spChg>
-        <pc:picChg chg="add mod">
-          <ac:chgData name="Ken Ye" userId="f83821d1-7357-4244-918d-fd05f8efe6cd" providerId="ADAL" clId="{FF732D79-CA21-4845-BACE-DFDD3B0FB27C}" dt="2023-12-17T17:13:02.104" v="1009" actId="27614"/>
+        <pc:picChg chg="add del mod">
+          <ac:chgData name="Ken Ye" userId="f83821d1-7357-4244-918d-fd05f8efe6cd" providerId="ADAL" clId="{FF732D79-CA21-4845-BACE-DFDD3B0FB27C}" dt="2023-12-17T18:48:55.695" v="1201" actId="478"/>
           <ac:picMkLst>
             <pc:docMk/>
             <pc:sldMk cId="2898007255" sldId="270"/>
             <ac:picMk id="2" creationId="{C219933B-67BC-515B-33BB-677A7A5EC0E5}"/>
+          </ac:picMkLst>
+        </pc:picChg>
+        <pc:picChg chg="add mod">
+          <ac:chgData name="Ken Ye" userId="f83821d1-7357-4244-918d-fd05f8efe6cd" providerId="ADAL" clId="{FF732D79-CA21-4845-BACE-DFDD3B0FB27C}" dt="2023-12-17T18:49:22.718" v="1203" actId="1076"/>
+          <ac:picMkLst>
+            <pc:docMk/>
+            <pc:sldMk cId="2898007255" sldId="270"/>
+            <ac:picMk id="7" creationId="{15AB2C9F-25E3-273A-F5E5-A9EFDC917141}"/>
           </ac:picMkLst>
         </pc:picChg>
       </pc:sldChg>
@@ -8635,10 +8651,10 @@
       </p:sp>
       <p:pic>
         <p:nvPicPr>
-          <p:cNvPr id="2" name="Content Placeholder 1" descr="A table with text on it&#10;&#10;Description automatically generated">
+          <p:cNvPr id="7" name="Content Placeholder 6">
             <a:extLst>
               <a:ext uri="{FF2B5EF4-FFF2-40B4-BE49-F238E27FC236}">
-                <a16:creationId xmlns:a16="http://schemas.microsoft.com/office/drawing/2014/main" id="{C219933B-67BC-515B-33BB-677A7A5EC0E5}"/>
+                <a16:creationId xmlns:a16="http://schemas.microsoft.com/office/drawing/2014/main" id="{15AB2C9F-25E3-273A-F5E5-A9EFDC917141}"/>
               </a:ext>
             </a:extLst>
           </p:cNvPr>
@@ -8657,13 +8673,12 @@
         </p:blipFill>
         <p:spPr>
           <a:xfrm>
-            <a:off x="3106177" y="1600200"/>
-            <a:ext cx="5976471" cy="4572000"/>
+            <a:off x="3205162" y="1600200"/>
+            <a:ext cx="5778500" cy="4152900"/>
           </a:xfrm>
           <a:prstGeom prst="rect">
             <a:avLst/>
           </a:prstGeom>
-          <a:noFill/>
         </p:spPr>
       </p:pic>
     </p:spTree>

--- a/Food Supply and Death Attributed to Obesity.pptx
+++ b/Food Supply and Death Attributed to Obesity.pptx
@@ -5,10 +5,10 @@
     <p:sldMasterId id="2147483648" r:id="rId4"/>
   </p:sldMasterIdLst>
   <p:notesMasterIdLst>
-    <p:notesMasterId r:id="rId33"/>
+    <p:notesMasterId r:id="rId34"/>
   </p:notesMasterIdLst>
   <p:handoutMasterIdLst>
-    <p:handoutMasterId r:id="rId34"/>
+    <p:handoutMasterId r:id="rId35"/>
   </p:handoutMasterIdLst>
   <p:sldIdLst>
     <p:sldId id="256" r:id="rId5"/>
@@ -39,6 +39,7 @@
     <p:sldId id="284" r:id="rId30"/>
     <p:sldId id="268" r:id="rId31"/>
     <p:sldId id="272" r:id="rId32"/>
+    <p:sldId id="286" r:id="rId33"/>
   </p:sldIdLst>
   <p:sldSz cx="12188825" cy="6858000"/>
   <p:notesSz cx="6858000" cy="9144000"/>
@@ -173,7 +174,7 @@
 <file path=ppt/revisionInfo.xml><?xml version="1.0" encoding="utf-8"?>
 <p1510:revInfo xmlns:a="http://schemas.openxmlformats.org/drawingml/2006/main" xmlns:r="http://schemas.openxmlformats.org/officeDocument/2006/relationships" xmlns:p1510="http://schemas.microsoft.com/office/powerpoint/2015/10/main">
   <p1510:revLst>
-    <p1510:client id="{FF732D79-CA21-4845-BACE-DFDD3B0FB27C}" v="56" dt="2023-12-17T18:49:18.807"/>
+    <p1510:client id="{FF732D79-CA21-4845-BACE-DFDD3B0FB27C}" v="59" dt="2023-12-17T19:27:33.192"/>
   </p1510:revLst>
 </p1510:revInfo>
 </file>
@@ -243,7 +244,7 @@
   <pc:docChgLst>
     <pc:chgData name="Ken Ye" userId="f83821d1-7357-4244-918d-fd05f8efe6cd" providerId="ADAL" clId="{FF732D79-CA21-4845-BACE-DFDD3B0FB27C}"/>
     <pc:docChg chg="undo custSel addSld delSld modSld">
-      <pc:chgData name="Ken Ye" userId="f83821d1-7357-4244-918d-fd05f8efe6cd" providerId="ADAL" clId="{FF732D79-CA21-4845-BACE-DFDD3B0FB27C}" dt="2023-12-17T18:49:22.718" v="1203" actId="1076"/>
+      <pc:chgData name="Ken Ye" userId="f83821d1-7357-4244-918d-fd05f8efe6cd" providerId="ADAL" clId="{FF732D79-CA21-4845-BACE-DFDD3B0FB27C}" dt="2023-12-17T19:27:42.386" v="1220" actId="20577"/>
       <pc:docMkLst>
         <pc:docMk/>
       </pc:docMkLst>
@@ -1055,6 +1056,35 @@
           </ac:spMkLst>
         </pc:spChg>
       </pc:sldChg>
+      <pc:sldChg chg="new del">
+        <pc:chgData name="Ken Ye" userId="f83821d1-7357-4244-918d-fd05f8efe6cd" providerId="ADAL" clId="{FF732D79-CA21-4845-BACE-DFDD3B0FB27C}" dt="2023-12-17T19:27:35.078" v="1208" actId="2696"/>
+        <pc:sldMkLst>
+          <pc:docMk/>
+          <pc:sldMk cId="1449730693" sldId="285"/>
+        </pc:sldMkLst>
+      </pc:sldChg>
+      <pc:sldChg chg="add del">
+        <pc:chgData name="Ken Ye" userId="f83821d1-7357-4244-918d-fd05f8efe6cd" providerId="ADAL" clId="{FF732D79-CA21-4845-BACE-DFDD3B0FB27C}" dt="2023-12-17T19:27:30.396" v="1206"/>
+        <pc:sldMkLst>
+          <pc:docMk/>
+          <pc:sldMk cId="37477778" sldId="286"/>
+        </pc:sldMkLst>
+      </pc:sldChg>
+      <pc:sldChg chg="modSp add mod">
+        <pc:chgData name="Ken Ye" userId="f83821d1-7357-4244-918d-fd05f8efe6cd" providerId="ADAL" clId="{FF732D79-CA21-4845-BACE-DFDD3B0FB27C}" dt="2023-12-17T19:27:42.386" v="1220" actId="20577"/>
+        <pc:sldMkLst>
+          <pc:docMk/>
+          <pc:sldMk cId="1105442391" sldId="286"/>
+        </pc:sldMkLst>
+        <pc:spChg chg="mod">
+          <ac:chgData name="Ken Ye" userId="f83821d1-7357-4244-918d-fd05f8efe6cd" providerId="ADAL" clId="{FF732D79-CA21-4845-BACE-DFDD3B0FB27C}" dt="2023-12-17T19:27:42.386" v="1220" actId="20577"/>
+          <ac:spMkLst>
+            <pc:docMk/>
+            <pc:sldMk cId="1105442391" sldId="286"/>
+            <ac:spMk id="2" creationId="{52317987-65F3-5E85-D989-11B7BB1EFFC9}"/>
+          </ac:spMkLst>
+        </pc:spChg>
+      </pc:sldChg>
     </pc:docChg>
   </pc:docChgLst>
 </pc:chgInfo>
@@ -9430,6 +9460,96 @@
     <p:extLst>
       <p:ext uri="{BB962C8B-B14F-4D97-AF65-F5344CB8AC3E}">
         <p14:creationId xmlns:p14="http://schemas.microsoft.com/office/powerpoint/2010/main" val="270184597"/>
+      </p:ext>
+    </p:extLst>
+  </p:cSld>
+  <p:clrMapOvr>
+    <a:masterClrMapping/>
+  </p:clrMapOvr>
+  <mc:AlternateContent xmlns:mc="http://schemas.openxmlformats.org/markup-compatibility/2006" xmlns:p14="http://schemas.microsoft.com/office/powerpoint/2010/main">
+    <mc:Choice Requires="p14">
+      <p:transition spd="med" p14:dur="700">
+        <p:fade/>
+      </p:transition>
+    </mc:Choice>
+    <mc:Fallback xmlns="">
+      <p:transition spd="med">
+        <p:fade/>
+      </p:transition>
+    </mc:Fallback>
+  </mc:AlternateContent>
+</p:sld>
+</file>
+
+<file path=ppt/slides/slide29.xml><?xml version="1.0" encoding="utf-8"?>
+<p:sld xmlns:a="http://schemas.openxmlformats.org/drawingml/2006/main" xmlns:r="http://schemas.openxmlformats.org/officeDocument/2006/relationships" xmlns:p="http://schemas.openxmlformats.org/presentationml/2006/main">
+  <p:cSld>
+    <p:spTree>
+      <p:nvGrpSpPr>
+        <p:cNvPr id="1" name=""/>
+        <p:cNvGrpSpPr/>
+        <p:nvPr/>
+      </p:nvGrpSpPr>
+      <p:grpSpPr>
+        <a:xfrm>
+          <a:off x="0" y="0"/>
+          <a:ext cx="0" cy="0"/>
+          <a:chOff x="0" y="0"/>
+          <a:chExt cx="0" cy="0"/>
+        </a:xfrm>
+      </p:grpSpPr>
+      <p:sp>
+        <p:nvSpPr>
+          <p:cNvPr id="2" name="Title 1">
+            <a:extLst>
+              <a:ext uri="{FF2B5EF4-FFF2-40B4-BE49-F238E27FC236}">
+                <a16:creationId xmlns:a16="http://schemas.microsoft.com/office/drawing/2014/main" id="{52317987-65F3-5E85-D989-11B7BB1EFFC9}"/>
+              </a:ext>
+            </a:extLst>
+          </p:cNvPr>
+          <p:cNvSpPr>
+            <a:spLocks noGrp="1"/>
+          </p:cNvSpPr>
+          <p:nvPr>
+            <p:ph type="title"/>
+          </p:nvPr>
+        </p:nvSpPr>
+        <p:spPr>
+          <a:xfrm>
+            <a:off x="1828324" y="1932518"/>
+            <a:ext cx="9141619" cy="2105367"/>
+          </a:xfrm>
+        </p:spPr>
+        <p:txBody>
+          <a:bodyPr anchor="b">
+            <a:normAutofit/>
+          </a:bodyPr>
+          <a:lstStyle/>
+          <a:p>
+            <a:r>
+              <a:rPr lang="en-US" altLang="zh-CN" dirty="0"/>
+              <a:t>Thank</a:t>
+            </a:r>
+            <a:r>
+              <a:rPr lang="zh-CN" altLang="en-US" dirty="0"/>
+              <a:t> </a:t>
+            </a:r>
+            <a:r>
+              <a:rPr lang="en-US" altLang="zh-CN"/>
+              <a:t>You</a:t>
+            </a:r>
+            <a:r>
+              <a:rPr lang="en-US" altLang="zh-CN" dirty="0"/>
+              <a:t>!</a:t>
+            </a:r>
+            <a:endParaRPr lang="en-US" dirty="0"/>
+          </a:p>
+        </p:txBody>
+      </p:sp>
+    </p:spTree>
+    <p:extLst>
+      <p:ext uri="{BB962C8B-B14F-4D97-AF65-F5344CB8AC3E}">
+        <p14:creationId xmlns:p14="http://schemas.microsoft.com/office/powerpoint/2010/main" val="1105442391"/>
       </p:ext>
     </p:extLst>
   </p:cSld>
